--- a/presentation.pptx
+++ b/presentation.pptx
@@ -5,7 +5,7 @@
     <p:sldMasterId id="2147483648" r:id="rId1"/>
   </p:sldMasterIdLst>
   <p:notesMasterIdLst>
-    <p:notesMasterId r:id="rId33"/>
+    <p:notesMasterId r:id="rId35"/>
   </p:notesMasterIdLst>
   <p:sldIdLst>
     <p:sldId id="256" r:id="rId2"/>
@@ -32,13 +32,15 @@
     <p:sldId id="291" r:id="rId23"/>
     <p:sldId id="292" r:id="rId24"/>
     <p:sldId id="293" r:id="rId25"/>
-    <p:sldId id="279" r:id="rId26"/>
-    <p:sldId id="297" r:id="rId27"/>
-    <p:sldId id="298" r:id="rId28"/>
-    <p:sldId id="299" r:id="rId29"/>
-    <p:sldId id="300" r:id="rId30"/>
-    <p:sldId id="280" r:id="rId31"/>
-    <p:sldId id="295" r:id="rId32"/>
+    <p:sldId id="302" r:id="rId26"/>
+    <p:sldId id="303" r:id="rId27"/>
+    <p:sldId id="279" r:id="rId28"/>
+    <p:sldId id="297" r:id="rId29"/>
+    <p:sldId id="298" r:id="rId30"/>
+    <p:sldId id="299" r:id="rId31"/>
+    <p:sldId id="300" r:id="rId32"/>
+    <p:sldId id="280" r:id="rId33"/>
+    <p:sldId id="295" r:id="rId34"/>
   </p:sldIdLst>
   <p:sldSz cx="9144000" cy="6858000" type="screen4x3"/>
   <p:notesSz cx="6858000" cy="9144000"/>
@@ -222,7 +224,7 @@
           <a:p>
             <a:fld id="{1276CDAF-28B4-7E45-A69E-2DC163EF97CF}" type="datetimeFigureOut">
               <a:rPr lang="en-US" smtClean="0"/>
-              <a:t>25/04/14</a:t>
+              <a:t>30/04/14</a:t>
             </a:fld>
             <a:endParaRPr lang="en-US"/>
           </a:p>
@@ -880,7 +882,7 @@
           <a:p>
             <a:fld id="{5D74FDC0-35D8-F34C-B228-DA42CBAF1130}" type="slidenum">
               <a:rPr lang="en-US" smtClean="0"/>
-              <a:t>29</a:t>
+              <a:t>31</a:t>
             </a:fld>
             <a:endParaRPr lang="en-US"/>
           </a:p>
@@ -2138,7 +2140,7 @@
           <a:p>
             <a:fld id="{6BFECD78-3C8E-49F2-8FAB-59489D168ABB}" type="datetimeFigureOut">
               <a:rPr lang="en-US" smtClean="0"/>
-              <a:t>25/04/14</a:t>
+              <a:t>30/04/14</a:t>
             </a:fld>
             <a:endParaRPr lang="en-US"/>
           </a:p>
@@ -2308,7 +2310,7 @@
           <a:p>
             <a:fld id="{6BFECD78-3C8E-49F2-8FAB-59489D168ABB}" type="datetimeFigureOut">
               <a:rPr lang="en-US" smtClean="0"/>
-              <a:t>25/04/14</a:t>
+              <a:t>30/04/14</a:t>
             </a:fld>
             <a:endParaRPr lang="en-US"/>
           </a:p>
@@ -2488,7 +2490,7 @@
           <a:p>
             <a:fld id="{6BFECD78-3C8E-49F2-8FAB-59489D168ABB}" type="datetimeFigureOut">
               <a:rPr lang="en-US" smtClean="0"/>
-              <a:t>25/04/14</a:t>
+              <a:t>30/04/14</a:t>
             </a:fld>
             <a:endParaRPr lang="en-US"/>
           </a:p>
@@ -2658,7 +2660,7 @@
           <a:p>
             <a:fld id="{6BFECD78-3C8E-49F2-8FAB-59489D168ABB}" type="datetimeFigureOut">
               <a:rPr lang="en-US" smtClean="0"/>
-              <a:t>25/04/14</a:t>
+              <a:t>30/04/14</a:t>
             </a:fld>
             <a:endParaRPr lang="en-US"/>
           </a:p>
@@ -2904,7 +2906,7 @@
           <a:p>
             <a:fld id="{6BFECD78-3C8E-49F2-8FAB-59489D168ABB}" type="datetimeFigureOut">
               <a:rPr lang="en-US" smtClean="0"/>
-              <a:t>25/04/14</a:t>
+              <a:t>30/04/14</a:t>
             </a:fld>
             <a:endParaRPr lang="en-US"/>
           </a:p>
@@ -3192,7 +3194,7 @@
           <a:p>
             <a:fld id="{6BFECD78-3C8E-49F2-8FAB-59489D168ABB}" type="datetimeFigureOut">
               <a:rPr lang="en-US" smtClean="0"/>
-              <a:t>25/04/14</a:t>
+              <a:t>30/04/14</a:t>
             </a:fld>
             <a:endParaRPr lang="en-US"/>
           </a:p>
@@ -3614,7 +3616,7 @@
           <a:p>
             <a:fld id="{6BFECD78-3C8E-49F2-8FAB-59489D168ABB}" type="datetimeFigureOut">
               <a:rPr lang="en-US" smtClean="0"/>
-              <a:t>25/04/14</a:t>
+              <a:t>30/04/14</a:t>
             </a:fld>
             <a:endParaRPr lang="en-US"/>
           </a:p>
@@ -3732,7 +3734,7 @@
           <a:p>
             <a:fld id="{6BFECD78-3C8E-49F2-8FAB-59489D168ABB}" type="datetimeFigureOut">
               <a:rPr lang="en-US" smtClean="0"/>
-              <a:t>25/04/14</a:t>
+              <a:t>30/04/14</a:t>
             </a:fld>
             <a:endParaRPr lang="en-US"/>
           </a:p>
@@ -3827,7 +3829,7 @@
           <a:p>
             <a:fld id="{6BFECD78-3C8E-49F2-8FAB-59489D168ABB}" type="datetimeFigureOut">
               <a:rPr lang="en-US" smtClean="0"/>
-              <a:t>25/04/14</a:t>
+              <a:t>30/04/14</a:t>
             </a:fld>
             <a:endParaRPr lang="en-US"/>
           </a:p>
@@ -4104,7 +4106,7 @@
           <a:p>
             <a:fld id="{6BFECD78-3C8E-49F2-8FAB-59489D168ABB}" type="datetimeFigureOut">
               <a:rPr lang="en-US" smtClean="0"/>
-              <a:t>25/04/14</a:t>
+              <a:t>30/04/14</a:t>
             </a:fld>
             <a:endParaRPr lang="en-US"/>
           </a:p>
@@ -4361,7 +4363,7 @@
           <a:p>
             <a:fld id="{6BFECD78-3C8E-49F2-8FAB-59489D168ABB}" type="datetimeFigureOut">
               <a:rPr lang="en-US" smtClean="0"/>
-              <a:t>25/04/14</a:t>
+              <a:t>30/04/14</a:t>
             </a:fld>
             <a:endParaRPr lang="en-US"/>
           </a:p>
@@ -4574,7 +4576,7 @@
           <a:p>
             <a:fld id="{6BFECD78-3C8E-49F2-8FAB-59489D168ABB}" type="datetimeFigureOut">
               <a:rPr lang="en-US" smtClean="0"/>
-              <a:t>25/04/14</a:t>
+              <a:t>30/04/14</a:t>
             </a:fld>
             <a:endParaRPr lang="en-US"/>
           </a:p>
@@ -5099,11 +5101,7 @@
           <a:p>
             <a:r>
               <a:rPr lang="en-US" dirty="0" smtClean="0"/>
-              <a:t>Non-executable </a:t>
-            </a:r>
-            <a:r>
-              <a:rPr lang="en-US" dirty="0" smtClean="0"/>
-              <a:t>stack</a:t>
+              <a:t>Non-executable stack</a:t>
             </a:r>
           </a:p>
           <a:p>
@@ -5117,22 +5115,12 @@
               <a:rPr lang="en-US" dirty="0" smtClean="0"/>
               <a:t>Stack canaries</a:t>
             </a:r>
-            <a:endParaRPr lang="en-US" dirty="0" smtClean="0"/>
-          </a:p>
-          <a:p>
-            <a:r>
-              <a:rPr lang="en-US" dirty="0" smtClean="0"/>
-              <a:t>ASLR </a:t>
-            </a:r>
-            <a:r>
-              <a:rPr lang="en-US" dirty="0" smtClean="0"/>
-              <a:t>(Address Space Layout Randomization</a:t>
-            </a:r>
-            <a:r>
-              <a:rPr lang="en-US" dirty="0" smtClean="0"/>
-              <a:t>)</a:t>
-            </a:r>
-            <a:endParaRPr lang="en-US" dirty="0" smtClean="0"/>
+          </a:p>
+          <a:p>
+            <a:r>
+              <a:rPr lang="en-US" dirty="0" smtClean="0"/>
+              <a:t>ASLR (Address Space Layout Randomization)</a:t>
+            </a:r>
           </a:p>
         </p:txBody>
       </p:sp>
@@ -5190,11 +5178,7 @@
           <a:p>
             <a:r>
               <a:rPr lang="en-US" dirty="0" smtClean="0"/>
-              <a:t>Bypassing </a:t>
-            </a:r>
-            <a:r>
-              <a:rPr lang="en-US" dirty="0" smtClean="0"/>
-              <a:t>mitigations</a:t>
+              <a:t>Bypassing mitigations</a:t>
             </a:r>
             <a:endParaRPr lang="en-US" dirty="0"/>
           </a:p>
@@ -5231,11 +5215,7 @@
             <a:pPr lvl="1"/>
             <a:r>
               <a:rPr lang="en-US" dirty="0" smtClean="0"/>
-              <a:t>Return</a:t>
-            </a:r>
-            <a:r>
-              <a:rPr lang="en-US" dirty="0" smtClean="0"/>
-              <a:t>-to-</a:t>
+              <a:t>Return-to-</a:t>
             </a:r>
             <a:r>
               <a:rPr lang="en-US" dirty="0" err="1" smtClean="0"/>
@@ -5245,7 +5225,6 @@
               <a:rPr lang="en-US" dirty="0" smtClean="0"/>
               <a:t> / ROP</a:t>
             </a:r>
-            <a:endParaRPr lang="en-US" dirty="0" smtClean="0"/>
           </a:p>
           <a:p>
             <a:r>
@@ -5257,26 +5236,14 @@
             <a:pPr lvl="1"/>
             <a:r>
               <a:rPr lang="en-US" dirty="0" smtClean="0"/>
-              <a:t>An info </a:t>
-            </a:r>
-            <a:r>
-              <a:rPr lang="en-US" dirty="0" smtClean="0"/>
-              <a:t>leak</a:t>
+              <a:t>An info leak</a:t>
             </a:r>
           </a:p>
           <a:p>
             <a:pPr lvl="1"/>
             <a:r>
               <a:rPr lang="en-US" dirty="0" smtClean="0"/>
-              <a:t>Overwrite </a:t>
-            </a:r>
-            <a:r>
-              <a:rPr lang="en-US" dirty="0" smtClean="0"/>
-              <a:t>the stack </a:t>
-            </a:r>
-            <a:r>
-              <a:rPr lang="en-US" dirty="0" smtClean="0"/>
-              <a:t>cookie</a:t>
+              <a:t>Overwrite the stack cookie</a:t>
             </a:r>
           </a:p>
           <a:p>
@@ -5289,7 +5256,6 @@
               <a:rPr lang="en-US" dirty="0" smtClean="0"/>
               <a:t>force</a:t>
             </a:r>
-            <a:endParaRPr lang="en-US" dirty="0" smtClean="0"/>
           </a:p>
           <a:p>
             <a:r>
@@ -5301,11 +5267,7 @@
             <a:pPr lvl="1"/>
             <a:r>
               <a:rPr lang="en-US" dirty="0" smtClean="0"/>
-              <a:t>Info leak (the relative addresses are the same</a:t>
-            </a:r>
-            <a:r>
-              <a:rPr lang="en-US" dirty="0" smtClean="0"/>
-              <a:t>)</a:t>
+              <a:t>Info leak (the relative addresses are the same)</a:t>
             </a:r>
           </a:p>
           <a:p>
@@ -5314,7 +5276,6 @@
               <a:rPr lang="en-US" dirty="0" smtClean="0"/>
               <a:t>Brute-force</a:t>
             </a:r>
-            <a:endParaRPr lang="en-US" dirty="0" smtClean="0"/>
           </a:p>
         </p:txBody>
       </p:sp>
@@ -5372,15 +5333,7 @@
           <a:p>
             <a:r>
               <a:rPr lang="en-US" dirty="0" smtClean="0"/>
-              <a:t>ROP </a:t>
-            </a:r>
-            <a:r>
-              <a:rPr lang="en-US" dirty="0" smtClean="0"/>
-              <a:t>challenges</a:t>
-            </a:r>
-            <a:r>
-              <a:rPr lang="en-US" dirty="0" smtClean="0"/>
-              <a:t>	</a:t>
+              <a:t>ROP challenges	</a:t>
             </a:r>
             <a:endParaRPr lang="en-US" dirty="0"/>
           </a:p>
@@ -5411,15 +5364,7 @@
             </a:r>
             <a:r>
               <a:rPr lang="en-US" dirty="0" smtClean="0"/>
-              <a:t> no </a:t>
-            </a:r>
-            <a:r>
-              <a:rPr lang="en-US" dirty="0" smtClean="0"/>
-              <a:t>NUL bytes may </a:t>
-            </a:r>
-            <a:r>
-              <a:rPr lang="en-US" dirty="0" smtClean="0"/>
-              <a:t>be present in the payload</a:t>
+              <a:t> no NUL bytes may be present in the payload</a:t>
             </a:r>
           </a:p>
           <a:p>
@@ -5454,17 +5399,8 @@
             </a:r>
             <a:r>
               <a:rPr lang="en-US" dirty="0" smtClean="0"/>
-              <a:t> </a:t>
-            </a:r>
-            <a:r>
-              <a:rPr lang="en-US" dirty="0" smtClean="0"/>
-              <a:t>in a gadget to create 0x00 </a:t>
-            </a:r>
-            <a:r>
-              <a:rPr lang="en-US" dirty="0" smtClean="0"/>
-              <a:t>bytes</a:t>
-            </a:r>
-            <a:endParaRPr lang="en-US" dirty="0" smtClean="0"/>
+              <a:t> in a gadget to create 0x00 bytes</a:t>
+            </a:r>
           </a:p>
           <a:p>
             <a:r>
@@ -5476,11 +5412,7 @@
             <a:pPr lvl="1"/>
             <a:r>
               <a:rPr lang="en-US" dirty="0" smtClean="0"/>
-              <a:t>Use a tool where you can filter on useful </a:t>
-            </a:r>
-            <a:r>
-              <a:rPr lang="en-US" dirty="0" smtClean="0"/>
-              <a:t>gadgets</a:t>
+              <a:t>Use a tool where you can filter on useful gadgets</a:t>
             </a:r>
           </a:p>
           <a:p>
@@ -6068,7 +6000,6 @@
               <a:rPr lang="en-US" dirty="0" smtClean="0"/>
               <a:t>Theoretically, one can perform ROP in a few different ways, but we will focus on buffer overflows</a:t>
             </a:r>
-            <a:endParaRPr lang="en-US" dirty="0" smtClean="0"/>
           </a:p>
           <a:p>
             <a:pPr marL="457200" lvl="1" indent="0">
@@ -6456,56 +6387,40 @@
           <a:chExt cx="0" cy="0"/>
         </a:xfrm>
       </p:grpSpPr>
-      <p:sp>
-        <p:nvSpPr>
-          <p:cNvPr id="2" name="Title 1"/>
-          <p:cNvSpPr>
-            <a:spLocks noGrp="1"/>
-          </p:cNvSpPr>
-          <p:nvPr>
-            <p:ph type="title"/>
-          </p:nvPr>
-        </p:nvSpPr>
-        <p:spPr/>
-        <p:txBody>
-          <a:bodyPr/>
-          <a:lstStyle/>
-          <a:p>
-            <a:r>
-              <a:rPr lang="en-US" dirty="0" smtClean="0"/>
-              <a:t>Demo time!	</a:t>
-            </a:r>
-            <a:endParaRPr lang="en-US" dirty="0"/>
-          </a:p>
-        </p:txBody>
-      </p:sp>
-      <p:sp>
-        <p:nvSpPr>
-          <p:cNvPr id="3" name="Content Placeholder 2"/>
-          <p:cNvSpPr>
-            <a:spLocks noGrp="1"/>
-          </p:cNvSpPr>
-          <p:nvPr>
-            <p:ph idx="1"/>
-          </p:nvPr>
-        </p:nvSpPr>
-        <p:spPr/>
-        <p:txBody>
-          <a:bodyPr/>
-          <a:lstStyle/>
-          <a:p>
-            <a:r>
-              <a:rPr lang="en-US" dirty="0" smtClean="0"/>
-              <a:t>Best case scenario</a:t>
-            </a:r>
-            <a:endParaRPr lang="en-US" dirty="0" smtClean="0"/>
-          </a:p>
-        </p:txBody>
-      </p:sp>
+      <p:pic>
+        <p:nvPicPr>
+          <p:cNvPr id="4" name="Picture 3" descr="next_pstring-pre.jpg"/>
+          <p:cNvPicPr>
+            <a:picLocks noChangeAspect="1"/>
+          </p:cNvPicPr>
+          <p:nvPr/>
+        </p:nvPicPr>
+        <p:blipFill>
+          <a:blip r:embed="rId2">
+            <a:extLst>
+              <a:ext uri="{28A0092B-C50C-407E-A947-70E740481C1C}">
+                <a14:useLocalDpi xmlns:a14="http://schemas.microsoft.com/office/drawing/2010/main" val="0"/>
+              </a:ext>
+            </a:extLst>
+          </a:blip>
+          <a:stretch>
+            <a:fillRect/>
+          </a:stretch>
+        </p:blipFill>
+        <p:spPr>
+          <a:xfrm>
+            <a:off x="0" y="0"/>
+            <a:ext cx="9114842" cy="6858000"/>
+          </a:xfrm>
+          <a:prstGeom prst="rect">
+            <a:avLst/>
+          </a:prstGeom>
+        </p:spPr>
+      </p:pic>
     </p:spTree>
     <p:extLst>
       <p:ext uri="{BB962C8B-B14F-4D97-AF65-F5344CB8AC3E}">
-        <p14:creationId xmlns:p14="http://schemas.microsoft.com/office/powerpoint/2010/main" val="1200082712"/>
+        <p14:creationId xmlns:p14="http://schemas.microsoft.com/office/powerpoint/2010/main" val="918965459"/>
       </p:ext>
     </p:extLst>
   </p:cSld>
@@ -6551,23 +6466,66 @@
         </p:nvSpPr>
         <p:spPr/>
         <p:txBody>
-          <a:bodyPr>
-            <a:normAutofit fontScale="90000"/>
-          </a:bodyPr>
-          <a:lstStyle/>
-          <a:p>
-            <a:r>
-              <a:rPr lang="en-US" dirty="0" smtClean="0"/>
-              <a:t>TODO: Fill in traditional stack overflow</a:t>
-            </a:r>
-            <a:endParaRPr lang="en-US" dirty="0"/>
-          </a:p>
-        </p:txBody>
-      </p:sp>
+          <a:bodyPr/>
+          <a:lstStyle/>
+          <a:p>
+            <a:endParaRPr lang="en-US"/>
+          </a:p>
+        </p:txBody>
+      </p:sp>
+      <p:sp>
+        <p:nvSpPr>
+          <p:cNvPr id="3" name="Content Placeholder 2"/>
+          <p:cNvSpPr>
+            <a:spLocks noGrp="1"/>
+          </p:cNvSpPr>
+          <p:nvPr>
+            <p:ph idx="1"/>
+          </p:nvPr>
+        </p:nvSpPr>
+        <p:spPr/>
+        <p:txBody>
+          <a:bodyPr/>
+          <a:lstStyle/>
+          <a:p>
+            <a:endParaRPr lang="en-US"/>
+          </a:p>
+        </p:txBody>
+      </p:sp>
+      <p:pic>
+        <p:nvPicPr>
+          <p:cNvPr id="4" name="Picture 3" descr="next_pstring-post.jpg"/>
+          <p:cNvPicPr>
+            <a:picLocks noChangeAspect="1"/>
+          </p:cNvPicPr>
+          <p:nvPr/>
+        </p:nvPicPr>
+        <p:blipFill>
+          <a:blip r:embed="rId2">
+            <a:extLst>
+              <a:ext uri="{28A0092B-C50C-407E-A947-70E740481C1C}">
+                <a14:useLocalDpi xmlns:a14="http://schemas.microsoft.com/office/drawing/2010/main" val="0"/>
+              </a:ext>
+            </a:extLst>
+          </a:blip>
+          <a:stretch>
+            <a:fillRect/>
+          </a:stretch>
+        </p:blipFill>
+        <p:spPr>
+          <a:xfrm>
+            <a:off x="0" y="0"/>
+            <a:ext cx="9114842" cy="6858000"/>
+          </a:xfrm>
+          <a:prstGeom prst="rect">
+            <a:avLst/>
+          </a:prstGeom>
+        </p:spPr>
+      </p:pic>
     </p:spTree>
     <p:extLst>
       <p:ext uri="{BB962C8B-B14F-4D97-AF65-F5344CB8AC3E}">
-        <p14:creationId xmlns:p14="http://schemas.microsoft.com/office/powerpoint/2010/main" val="3589637077"/>
+        <p14:creationId xmlns:p14="http://schemas.microsoft.com/office/powerpoint/2010/main" val="3244612477"/>
       </p:ext>
     </p:extLst>
   </p:cSld>
@@ -6641,89 +6599,15 @@
           <a:p>
             <a:r>
               <a:rPr lang="en-US" dirty="0" smtClean="0"/>
-              <a:t>Traditional stack overflow</a:t>
-            </a:r>
-          </a:p>
-          <a:p>
-            <a:pPr marL="0" indent="0">
-              <a:buNone/>
-            </a:pPr>
-            <a:endParaRPr lang="en-US" dirty="0" smtClean="0"/>
-          </a:p>
-          <a:p>
-            <a:pPr marL="457200" lvl="1" indent="0">
-              <a:buNone/>
-            </a:pPr>
-            <a:r>
-              <a:rPr lang="en-US" dirty="0" err="1"/>
-              <a:t>g</a:t>
-            </a:r>
-            <a:r>
-              <a:rPr lang="en-US" dirty="0" err="1" smtClean="0"/>
-              <a:t>cc</a:t>
-            </a:r>
-            <a:r>
-              <a:rPr lang="en-US" dirty="0" smtClean="0"/>
-              <a:t> -Wall –</a:t>
-            </a:r>
-            <a:r>
-              <a:rPr lang="en-US" dirty="0" err="1" smtClean="0"/>
-              <a:t>fno</a:t>
-            </a:r>
-            <a:r>
-              <a:rPr lang="en-US" dirty="0" smtClean="0"/>
-              <a:t>-stack-protector –z </a:t>
-            </a:r>
-            <a:r>
-              <a:rPr lang="en-US" dirty="0" err="1" smtClean="0"/>
-              <a:t>execstack</a:t>
-            </a:r>
-            <a:endParaRPr lang="en-US" dirty="0" smtClean="0"/>
-          </a:p>
-          <a:p>
-            <a:pPr marL="457200" lvl="1" indent="0">
-              <a:buNone/>
-            </a:pPr>
-            <a:endParaRPr lang="en-US" dirty="0" smtClean="0"/>
-          </a:p>
-          <a:p>
-            <a:pPr marL="457200" lvl="1" indent="0">
-              <a:buNone/>
-            </a:pPr>
-            <a:r>
-              <a:rPr lang="en-US" dirty="0" err="1"/>
-              <a:t>gcc</a:t>
-            </a:r>
-            <a:r>
-              <a:rPr lang="en-US" dirty="0"/>
-              <a:t> -Wall –</a:t>
-            </a:r>
-            <a:r>
-              <a:rPr lang="en-US" dirty="0" err="1"/>
-              <a:t>fno</a:t>
-            </a:r>
-            <a:r>
-              <a:rPr lang="en-US" dirty="0"/>
-              <a:t>-stack-</a:t>
-            </a:r>
-            <a:r>
-              <a:rPr lang="en-US" dirty="0" smtClean="0"/>
-              <a:t>protector</a:t>
-            </a:r>
-            <a:endParaRPr lang="en-US" dirty="0"/>
-          </a:p>
-          <a:p>
-            <a:pPr marL="457200" lvl="1" indent="0">
-              <a:buNone/>
-            </a:pPr>
-            <a:endParaRPr lang="en-US" dirty="0" smtClean="0"/>
+              <a:t>Best case scenario</a:t>
+            </a:r>
           </a:p>
         </p:txBody>
       </p:sp>
     </p:spTree>
     <p:extLst>
       <p:ext uri="{BB962C8B-B14F-4D97-AF65-F5344CB8AC3E}">
-        <p14:creationId xmlns:p14="http://schemas.microsoft.com/office/powerpoint/2010/main" val="363628969"/>
+        <p14:creationId xmlns:p14="http://schemas.microsoft.com/office/powerpoint/2010/main" val="1200082712"/>
       </p:ext>
     </p:extLst>
   </p:cSld>
@@ -6770,13 +6654,13 @@
         <p:spPr/>
         <p:txBody>
           <a:bodyPr>
-            <a:normAutofit/>
+            <a:normAutofit fontScale="90000"/>
           </a:bodyPr>
           <a:lstStyle/>
           <a:p>
             <a:r>
               <a:rPr lang="en-US" dirty="0" smtClean="0"/>
-              <a:t>TODO: Fill in ROP</a:t>
+              <a:t>TODO: Fill in traditional stack overflow</a:t>
             </a:r>
             <a:endParaRPr lang="en-US" dirty="0"/>
           </a:p>
@@ -6785,13 +6669,20 @@
     </p:spTree>
     <p:extLst>
       <p:ext uri="{BB962C8B-B14F-4D97-AF65-F5344CB8AC3E}">
-        <p14:creationId xmlns:p14="http://schemas.microsoft.com/office/powerpoint/2010/main" val="318503199"/>
+        <p14:creationId xmlns:p14="http://schemas.microsoft.com/office/powerpoint/2010/main" val="3589637077"/>
       </p:ext>
     </p:extLst>
   </p:cSld>
   <p:clrMapOvr>
     <a:masterClrMapping/>
   </p:clrMapOvr>
+  <p:timing>
+    <p:tnLst>
+      <p:par>
+        <p:cTn xmlns:p14="http://schemas.microsoft.com/office/powerpoint/2010/main" id="1" dur="indefinite" restart="never" nodeType="tmRoot"/>
+      </p:par>
+    </p:tnLst>
+  </p:timing>
 </p:sld>
 </file>
 
@@ -6852,8 +6743,14 @@
           <a:p>
             <a:r>
               <a:rPr lang="en-US" dirty="0" smtClean="0"/>
-              <a:t>ROP</a:t>
-            </a:r>
+              <a:t>Traditional stack overflow</a:t>
+            </a:r>
+          </a:p>
+          <a:p>
+            <a:pPr marL="0" indent="0">
+              <a:buNone/>
+            </a:pPr>
+            <a:endParaRPr lang="en-US" dirty="0" smtClean="0"/>
           </a:p>
           <a:p>
             <a:pPr marL="457200" lvl="1" indent="0">
@@ -6869,7 +6766,7 @@
             </a:r>
             <a:r>
               <a:rPr lang="en-US" dirty="0" smtClean="0"/>
-              <a:t> –Wall –</a:t>
+              <a:t> -Wall –</a:t>
             </a:r>
             <a:r>
               <a:rPr lang="en-US" dirty="0" err="1" smtClean="0"/>
@@ -6877,8 +6774,50 @@
             </a:r>
             <a:r>
               <a:rPr lang="en-US" dirty="0" smtClean="0"/>
-              <a:t>-stack-protector</a:t>
-            </a:r>
+              <a:t>-stack-protector –z </a:t>
+            </a:r>
+            <a:r>
+              <a:rPr lang="en-US" dirty="0" err="1" smtClean="0"/>
+              <a:t>execstack</a:t>
+            </a:r>
+            <a:endParaRPr lang="en-US" dirty="0" smtClean="0"/>
+          </a:p>
+          <a:p>
+            <a:pPr marL="457200" lvl="1" indent="0">
+              <a:buNone/>
+            </a:pPr>
+            <a:endParaRPr lang="en-US" dirty="0" smtClean="0"/>
+          </a:p>
+          <a:p>
+            <a:pPr marL="457200" lvl="1" indent="0">
+              <a:buNone/>
+            </a:pPr>
+            <a:r>
+              <a:rPr lang="en-US" dirty="0" err="1"/>
+              <a:t>gcc</a:t>
+            </a:r>
+            <a:r>
+              <a:rPr lang="en-US" dirty="0"/>
+              <a:t> -Wall –</a:t>
+            </a:r>
+            <a:r>
+              <a:rPr lang="en-US" dirty="0" err="1"/>
+              <a:t>fno</a:t>
+            </a:r>
+            <a:r>
+              <a:rPr lang="en-US" dirty="0"/>
+              <a:t>-stack-</a:t>
+            </a:r>
+            <a:r>
+              <a:rPr lang="en-US" dirty="0" smtClean="0"/>
+              <a:t>protector</a:t>
+            </a:r>
+            <a:endParaRPr lang="en-US" dirty="0"/>
+          </a:p>
+          <a:p>
+            <a:pPr marL="457200" lvl="1" indent="0">
+              <a:buNone/>
+            </a:pPr>
             <a:endParaRPr lang="en-US" dirty="0" smtClean="0"/>
           </a:p>
         </p:txBody>
@@ -6886,7 +6825,7 @@
     </p:spTree>
     <p:extLst>
       <p:ext uri="{BB962C8B-B14F-4D97-AF65-F5344CB8AC3E}">
-        <p14:creationId xmlns:p14="http://schemas.microsoft.com/office/powerpoint/2010/main" val="2850226909"/>
+        <p14:creationId xmlns:p14="http://schemas.microsoft.com/office/powerpoint/2010/main" val="363628969"/>
       </p:ext>
     </p:extLst>
   </p:cSld>
@@ -7021,6 +6960,168 @@
         </p:nvSpPr>
         <p:spPr/>
         <p:txBody>
+          <a:bodyPr>
+            <a:normAutofit/>
+          </a:bodyPr>
+          <a:lstStyle/>
+          <a:p>
+            <a:r>
+              <a:rPr lang="en-US" dirty="0" smtClean="0"/>
+              <a:t>TODO: Fill in ROP</a:t>
+            </a:r>
+            <a:endParaRPr lang="en-US" dirty="0"/>
+          </a:p>
+        </p:txBody>
+      </p:sp>
+    </p:spTree>
+    <p:extLst>
+      <p:ext uri="{BB962C8B-B14F-4D97-AF65-F5344CB8AC3E}">
+        <p14:creationId xmlns:p14="http://schemas.microsoft.com/office/powerpoint/2010/main" val="318503199"/>
+      </p:ext>
+    </p:extLst>
+  </p:cSld>
+  <p:clrMapOvr>
+    <a:masterClrMapping/>
+  </p:clrMapOvr>
+</p:sld>
+</file>
+
+<file path=ppt/slides/slide31.xml><?xml version="1.0" encoding="utf-8"?>
+<p:sld xmlns:a="http://schemas.openxmlformats.org/drawingml/2006/main" xmlns:r="http://schemas.openxmlformats.org/officeDocument/2006/relationships" xmlns:p="http://schemas.openxmlformats.org/presentationml/2006/main">
+  <p:cSld>
+    <p:spTree>
+      <p:nvGrpSpPr>
+        <p:cNvPr id="1" name=""/>
+        <p:cNvGrpSpPr/>
+        <p:nvPr/>
+      </p:nvGrpSpPr>
+      <p:grpSpPr>
+        <a:xfrm>
+          <a:off x="0" y="0"/>
+          <a:ext cx="0" cy="0"/>
+          <a:chOff x="0" y="0"/>
+          <a:chExt cx="0" cy="0"/>
+        </a:xfrm>
+      </p:grpSpPr>
+      <p:sp>
+        <p:nvSpPr>
+          <p:cNvPr id="2" name="Title 1"/>
+          <p:cNvSpPr>
+            <a:spLocks noGrp="1"/>
+          </p:cNvSpPr>
+          <p:nvPr>
+            <p:ph type="title"/>
+          </p:nvPr>
+        </p:nvSpPr>
+        <p:spPr/>
+        <p:txBody>
+          <a:bodyPr/>
+          <a:lstStyle/>
+          <a:p>
+            <a:r>
+              <a:rPr lang="en-US" dirty="0" smtClean="0"/>
+              <a:t>Demo time!	</a:t>
+            </a:r>
+            <a:endParaRPr lang="en-US" dirty="0"/>
+          </a:p>
+        </p:txBody>
+      </p:sp>
+      <p:sp>
+        <p:nvSpPr>
+          <p:cNvPr id="3" name="Content Placeholder 2"/>
+          <p:cNvSpPr>
+            <a:spLocks noGrp="1"/>
+          </p:cNvSpPr>
+          <p:nvPr>
+            <p:ph idx="1"/>
+          </p:nvPr>
+        </p:nvSpPr>
+        <p:spPr/>
+        <p:txBody>
+          <a:bodyPr/>
+          <a:lstStyle/>
+          <a:p>
+            <a:r>
+              <a:rPr lang="en-US" dirty="0" smtClean="0"/>
+              <a:t>ROP</a:t>
+            </a:r>
+          </a:p>
+          <a:p>
+            <a:pPr marL="457200" lvl="1" indent="0">
+              <a:buNone/>
+            </a:pPr>
+            <a:r>
+              <a:rPr lang="en-US" dirty="0" err="1"/>
+              <a:t>g</a:t>
+            </a:r>
+            <a:r>
+              <a:rPr lang="en-US" dirty="0" err="1" smtClean="0"/>
+              <a:t>cc</a:t>
+            </a:r>
+            <a:r>
+              <a:rPr lang="en-US" dirty="0" smtClean="0"/>
+              <a:t> –Wall –</a:t>
+            </a:r>
+            <a:r>
+              <a:rPr lang="en-US" dirty="0" err="1" smtClean="0"/>
+              <a:t>fno</a:t>
+            </a:r>
+            <a:r>
+              <a:rPr lang="en-US" dirty="0" smtClean="0"/>
+              <a:t>-stack-protector</a:t>
+            </a:r>
+          </a:p>
+        </p:txBody>
+      </p:sp>
+    </p:spTree>
+    <p:extLst>
+      <p:ext uri="{BB962C8B-B14F-4D97-AF65-F5344CB8AC3E}">
+        <p14:creationId xmlns:p14="http://schemas.microsoft.com/office/powerpoint/2010/main" val="2850226909"/>
+      </p:ext>
+    </p:extLst>
+  </p:cSld>
+  <p:clrMapOvr>
+    <a:masterClrMapping/>
+  </p:clrMapOvr>
+  <p:timing>
+    <p:tnLst>
+      <p:par>
+        <p:cTn xmlns:p14="http://schemas.microsoft.com/office/powerpoint/2010/main" id="1" dur="indefinite" restart="never" nodeType="tmRoot"/>
+      </p:par>
+    </p:tnLst>
+  </p:timing>
+</p:sld>
+</file>
+
+<file path=ppt/slides/slide32.xml><?xml version="1.0" encoding="utf-8"?>
+<p:sld xmlns:a="http://schemas.openxmlformats.org/drawingml/2006/main" xmlns:r="http://schemas.openxmlformats.org/officeDocument/2006/relationships" xmlns:p="http://schemas.openxmlformats.org/presentationml/2006/main">
+  <p:cSld>
+    <p:spTree>
+      <p:nvGrpSpPr>
+        <p:cNvPr id="1" name=""/>
+        <p:cNvGrpSpPr/>
+        <p:nvPr/>
+      </p:nvGrpSpPr>
+      <p:grpSpPr>
+        <a:xfrm>
+          <a:off x="0" y="0"/>
+          <a:ext cx="0" cy="0"/>
+          <a:chOff x="0" y="0"/>
+          <a:chExt cx="0" cy="0"/>
+        </a:xfrm>
+      </p:grpSpPr>
+      <p:sp>
+        <p:nvSpPr>
+          <p:cNvPr id="2" name="Title 1"/>
+          <p:cNvSpPr>
+            <a:spLocks noGrp="1"/>
+          </p:cNvSpPr>
+          <p:nvPr>
+            <p:ph type="title"/>
+          </p:nvPr>
+        </p:nvSpPr>
+        <p:spPr/>
+        <p:txBody>
           <a:bodyPr/>
           <a:lstStyle/>
           <a:p>
@@ -7071,11 +7172,7 @@
             </a:r>
             <a:r>
               <a:rPr lang="en-US" dirty="0" smtClean="0"/>
-              <a:t> </a:t>
-            </a:r>
-            <a:r>
-              <a:rPr lang="en-US" dirty="0" smtClean="0"/>
-              <a:t>– </a:t>
+              <a:t> – </a:t>
             </a:r>
             <a:r>
               <a:rPr lang="en-US" dirty="0" err="1" smtClean="0"/>
@@ -7099,14 +7196,12 @@
               <a:rPr lang="en-US" dirty="0" smtClean="0"/>
               <a:t>ROP payload compiler</a:t>
             </a:r>
-            <a:endParaRPr lang="en-US" dirty="0" smtClean="0"/>
           </a:p>
           <a:p>
             <a:r>
               <a:rPr lang="en-US" dirty="0" smtClean="0"/>
               <a:t>A plethora of other tools</a:t>
             </a:r>
-            <a:endParaRPr lang="en-US" dirty="0" smtClean="0"/>
           </a:p>
         </p:txBody>
       </p:sp>
@@ -7130,7 +7225,7 @@
 </p:sld>
 </file>
 
-<file path=ppt/slides/slide31.xml><?xml version="1.0" encoding="utf-8"?>
+<file path=ppt/slides/slide33.xml><?xml version="1.0" encoding="utf-8"?>
 <p:sld xmlns:a="http://schemas.openxmlformats.org/drawingml/2006/main" xmlns:r="http://schemas.openxmlformats.org/officeDocument/2006/relationships" xmlns:p="http://schemas.openxmlformats.org/presentationml/2006/main">
   <p:cSld>
     <p:spTree>
@@ -7311,11 +7406,7 @@
           <a:p>
             <a:r>
               <a:rPr lang="en-US" dirty="0" smtClean="0"/>
-              <a:t>History of </a:t>
-            </a:r>
-            <a:r>
-              <a:rPr lang="en-US" dirty="0" smtClean="0"/>
-              <a:t>buffer overflow exploitation</a:t>
+              <a:t>History of buffer overflow exploitation</a:t>
             </a:r>
             <a:endParaRPr lang="en-US" dirty="0"/>
           </a:p>
@@ -7338,11 +7429,7 @@
           <a:p>
             <a:r>
               <a:rPr lang="en-US" dirty="0" smtClean="0"/>
-              <a:t>Paper published documenting it in </a:t>
-            </a:r>
-            <a:r>
-              <a:rPr lang="en-US" dirty="0" smtClean="0"/>
-              <a:t>‘72</a:t>
+              <a:t>Paper published documenting it in ‘72</a:t>
             </a:r>
           </a:p>
           <a:p>
@@ -7450,11 +7537,7 @@
           <a:p>
             <a:r>
               <a:rPr lang="en-US" dirty="0" smtClean="0"/>
-              <a:t>Evolution: </a:t>
-            </a:r>
-            <a:r>
-              <a:rPr lang="en-US" dirty="0" smtClean="0"/>
-              <a:t>then</a:t>
+              <a:t>Evolution: then</a:t>
             </a:r>
             <a:endParaRPr lang="en-US" dirty="0"/>
           </a:p>
@@ -7479,11 +7562,7 @@
           <a:p>
             <a:r>
               <a:rPr lang="en-US" dirty="0" smtClean="0"/>
-              <a:t>Traditional stack </a:t>
-            </a:r>
-            <a:r>
-              <a:rPr lang="en-US" dirty="0" smtClean="0"/>
-              <a:t>overflow</a:t>
+              <a:t>Traditional stack overflow</a:t>
             </a:r>
           </a:p>
           <a:p>
@@ -7514,63 +7593,14 @@
             </a:r>
             <a:r>
               <a:rPr lang="en-US" dirty="0" smtClean="0"/>
-              <a:t> is </a:t>
-            </a:r>
-            <a:r>
-              <a:rPr lang="en-US" dirty="0" smtClean="0"/>
-              <a:t>performed </a:t>
-            </a:r>
-            <a:r>
-              <a:rPr lang="en-US" dirty="0" smtClean="0"/>
-              <a:t>the attacker controls the </a:t>
-            </a:r>
-            <a:r>
-              <a:rPr lang="en-US" dirty="0" smtClean="0"/>
-              <a:t>address and can point that at </a:t>
-            </a:r>
-            <a:r>
-              <a:rPr lang="en-US" dirty="0" smtClean="0"/>
-              <a:t>her </a:t>
-            </a:r>
-            <a:r>
-              <a:rPr lang="en-US" dirty="0" smtClean="0"/>
-              <a:t>own payload</a:t>
-            </a:r>
-            <a:endParaRPr lang="en-US" dirty="0" smtClean="0"/>
+              <a:t> is performed the attacker controls the address and can point that at her own payload</a:t>
+            </a:r>
           </a:p>
           <a:p>
             <a:pPr lvl="1"/>
             <a:r>
               <a:rPr lang="en-US" dirty="0" smtClean="0"/>
-              <a:t>If </a:t>
-            </a:r>
-            <a:r>
-              <a:rPr lang="en-US" dirty="0" smtClean="0"/>
-              <a:t>the attacker doesn’t</a:t>
-            </a:r>
-            <a:r>
-              <a:rPr lang="en-US" dirty="0" smtClean="0"/>
-              <a:t> exactly know </a:t>
-            </a:r>
-            <a:r>
-              <a:rPr lang="en-US" dirty="0" smtClean="0"/>
-              <a:t>which address the </a:t>
-            </a:r>
-            <a:r>
-              <a:rPr lang="en-US" dirty="0" smtClean="0"/>
-              <a:t>payload starts </a:t>
-            </a:r>
-            <a:r>
-              <a:rPr lang="en-US" dirty="0" smtClean="0"/>
-              <a:t>at, </a:t>
-            </a:r>
-            <a:r>
-              <a:rPr lang="en-US" dirty="0" smtClean="0"/>
-              <a:t>she </a:t>
-            </a:r>
-            <a:r>
-              <a:rPr lang="en-US" dirty="0" smtClean="0"/>
-              <a:t>can use a </a:t>
+              <a:t>If the attacker doesn’t exactly know which address the payload starts at, she can use a </a:t>
             </a:r>
             <a:r>
               <a:rPr lang="en-US" dirty="0" smtClean="0">
@@ -7580,25 +7610,8 @@
             </a:r>
             <a:r>
               <a:rPr lang="en-US" dirty="0" smtClean="0"/>
-              <a:t> </a:t>
-            </a:r>
-            <a:r>
-              <a:rPr lang="en-US" dirty="0" smtClean="0"/>
-              <a:t>sled to maximize </a:t>
-            </a:r>
-            <a:r>
-              <a:rPr lang="en-US" dirty="0" smtClean="0"/>
-              <a:t>her </a:t>
-            </a:r>
-            <a:r>
-              <a:rPr lang="en-US" dirty="0" smtClean="0"/>
-              <a:t>chances of </a:t>
-            </a:r>
-            <a:r>
-              <a:rPr lang="en-US" dirty="0" smtClean="0"/>
-              <a:t>successful exploitation</a:t>
-            </a:r>
-            <a:endParaRPr lang="en-US" dirty="0" smtClean="0"/>
+              <a:t> sled to maximize her chances of successful exploitation</a:t>
+            </a:r>
           </a:p>
         </p:txBody>
       </p:sp>
@@ -7689,13 +7702,8 @@
             </a:r>
             <a:r>
               <a:rPr lang="en-US" dirty="0" smtClean="0"/>
-              <a:t> </a:t>
-            </a:r>
-            <a:r>
-              <a:rPr lang="en-US" dirty="0" smtClean="0"/>
-              <a:t>attack</a:t>
-            </a:r>
-            <a:endParaRPr lang="en-US" dirty="0" smtClean="0"/>
+              <a:t> attack</a:t>
+            </a:r>
           </a:p>
           <a:p>
             <a:pPr lvl="1"/>
@@ -7735,55 +7743,14 @@
             </a:r>
             <a:r>
               <a:rPr lang="en-US" dirty="0" smtClean="0"/>
-              <a:t> is performed </a:t>
-            </a:r>
-            <a:r>
-              <a:rPr lang="en-US" dirty="0" smtClean="0"/>
-              <a:t>the attacker controls </a:t>
-            </a:r>
-            <a:r>
-              <a:rPr lang="en-US" dirty="0" smtClean="0"/>
-              <a:t>the address </a:t>
-            </a:r>
-            <a:r>
-              <a:rPr lang="en-US" dirty="0" smtClean="0"/>
-              <a:t>(</a:t>
-            </a:r>
-            <a:r>
-              <a:rPr lang="en-US" dirty="0" smtClean="0"/>
-              <a:t>e.g. </a:t>
-            </a:r>
-            <a:r>
-              <a:rPr lang="en-US" dirty="0" smtClean="0"/>
-              <a:t>the system() function call)</a:t>
-            </a:r>
-            <a:endParaRPr lang="en-US" dirty="0" smtClean="0"/>
+              <a:t> is performed the attacker controls the address (e.g. the system() function call)</a:t>
+            </a:r>
           </a:p>
           <a:p>
             <a:pPr lvl="1"/>
             <a:r>
               <a:rPr lang="en-US" dirty="0" smtClean="0"/>
-              <a:t>She </a:t>
-            </a:r>
-            <a:r>
-              <a:rPr lang="en-US" dirty="0" smtClean="0"/>
-              <a:t>can write </a:t>
-            </a:r>
-            <a:r>
-              <a:rPr lang="en-US" dirty="0" smtClean="0"/>
-              <a:t>her </a:t>
-            </a:r>
-            <a:r>
-              <a:rPr lang="en-US" dirty="0" smtClean="0"/>
-              <a:t>own stack frame data beyond the ret address: (e.g</a:t>
-            </a:r>
-            <a:r>
-              <a:rPr lang="en-US" dirty="0" smtClean="0"/>
-              <a:t>. pointer to </a:t>
-            </a:r>
-            <a:r>
-              <a:rPr lang="en-US" dirty="0" smtClean="0"/>
-              <a:t>“/bin/</a:t>
+              <a:t>She can write her own stack frame data beyond the ret address: (e.g. pointer to “/bin/</a:t>
             </a:r>
             <a:r>
               <a:rPr lang="en-US" dirty="0" err="1" smtClean="0"/>
@@ -7791,11 +7758,7 @@
             </a:r>
             <a:r>
               <a:rPr lang="en-US" dirty="0" smtClean="0"/>
-              <a:t>”</a:t>
-            </a:r>
-            <a:r>
-              <a:rPr lang="en-US" dirty="0" smtClean="0"/>
-              <a:t>)</a:t>
+              <a:t>”)</a:t>
             </a:r>
           </a:p>
           <a:p>
@@ -7804,7 +7767,6 @@
               <a:rPr lang="en-US" dirty="0" smtClean="0"/>
               <a:t>Limited to one function call (which might not be enough in all cases)</a:t>
             </a:r>
-            <a:endParaRPr lang="en-US" dirty="0" smtClean="0"/>
           </a:p>
         </p:txBody>
       </p:sp>
@@ -7915,23 +7877,7 @@
             <a:pPr lvl="1"/>
             <a:r>
               <a:rPr lang="en-US" dirty="0" smtClean="0"/>
-              <a:t>Chain together </a:t>
-            </a:r>
-            <a:r>
-              <a:rPr lang="en-US" dirty="0" smtClean="0"/>
-              <a:t>addresses </a:t>
-            </a:r>
-            <a:r>
-              <a:rPr lang="en-US" dirty="0" smtClean="0"/>
-              <a:t>with </a:t>
-            </a:r>
-            <a:r>
-              <a:rPr lang="en-US" dirty="0" smtClean="0"/>
-              <a:t>instructions ending </a:t>
-            </a:r>
-            <a:r>
-              <a:rPr lang="en-US" dirty="0" smtClean="0"/>
-              <a:t>in </a:t>
+              <a:t>Chain together addresses with instructions ending in </a:t>
             </a:r>
             <a:r>
               <a:rPr lang="en-US" dirty="0" smtClean="0">
@@ -7952,11 +7898,7 @@
             </a:r>
             <a:r>
               <a:rPr lang="en-US" dirty="0" smtClean="0"/>
-              <a:t>The hard part is finding suitable </a:t>
-            </a:r>
-            <a:r>
-              <a:rPr lang="en-US" dirty="0" smtClean="0"/>
-              <a:t>gadgets and where they are mapped in the address space</a:t>
+              <a:t>The hard part is finding suitable gadgets and where they are mapped in the address space</a:t>
             </a:r>
           </a:p>
         </p:txBody>
@@ -8069,11 +8011,7 @@
           <a:p>
             <a:r>
               <a:rPr lang="en-US" dirty="0" smtClean="0"/>
-              <a:t>Return-to</a:t>
-            </a:r>
-            <a:r>
-              <a:rPr lang="en-US" dirty="0" smtClean="0"/>
-              <a:t>-</a:t>
+              <a:t>Return-to-</a:t>
             </a:r>
             <a:r>
               <a:rPr lang="en-US" dirty="0" err="1" smtClean="0"/>
@@ -8083,7 +8021,6 @@
               <a:rPr lang="en-US" dirty="0" smtClean="0"/>
               <a:t> attack</a:t>
             </a:r>
-            <a:endParaRPr lang="en-US" dirty="0" smtClean="0"/>
           </a:p>
           <a:p>
             <a:r>
@@ -8261,11 +8198,7 @@
           <a:p>
             <a:r>
               <a:rPr lang="en-US" dirty="0" smtClean="0"/>
-              <a:t>Non-executable </a:t>
-            </a:r>
-            <a:r>
-              <a:rPr lang="en-US" dirty="0" smtClean="0"/>
-              <a:t>stack (DEP)</a:t>
+              <a:t>Non-executable stack (DEP)</a:t>
             </a:r>
           </a:p>
           <a:p>
@@ -8283,11 +8216,7 @@
           <a:p>
             <a:r>
               <a:rPr lang="en-US" dirty="0" smtClean="0"/>
-              <a:t>Stack </a:t>
-            </a:r>
-            <a:r>
-              <a:rPr lang="en-US" dirty="0" smtClean="0"/>
-              <a:t>canaries</a:t>
+              <a:t>Stack canaries</a:t>
             </a:r>
           </a:p>
           <a:p>

--- a/presentation.pptx
+++ b/presentation.pptx
@@ -5,42 +5,32 @@
     <p:sldMasterId id="2147483648" r:id="rId1"/>
   </p:sldMasterIdLst>
   <p:notesMasterIdLst>
-    <p:notesMasterId r:id="rId35"/>
+    <p:notesMasterId r:id="rId25"/>
   </p:notesMasterIdLst>
   <p:sldIdLst>
     <p:sldId id="256" r:id="rId2"/>
-    <p:sldId id="257" r:id="rId3"/>
-    <p:sldId id="258" r:id="rId4"/>
-    <p:sldId id="301" r:id="rId5"/>
-    <p:sldId id="271" r:id="rId6"/>
-    <p:sldId id="273" r:id="rId7"/>
-    <p:sldId id="274" r:id="rId8"/>
-    <p:sldId id="275" r:id="rId9"/>
-    <p:sldId id="272" r:id="rId10"/>
-    <p:sldId id="276" r:id="rId11"/>
-    <p:sldId id="277" r:id="rId12"/>
-    <p:sldId id="281" r:id="rId13"/>
-    <p:sldId id="278" r:id="rId14"/>
-    <p:sldId id="296" r:id="rId15"/>
-    <p:sldId id="282" r:id="rId16"/>
-    <p:sldId id="283" r:id="rId17"/>
-    <p:sldId id="284" r:id="rId18"/>
-    <p:sldId id="285" r:id="rId19"/>
-    <p:sldId id="286" r:id="rId20"/>
-    <p:sldId id="287" r:id="rId21"/>
-    <p:sldId id="290" r:id="rId22"/>
-    <p:sldId id="291" r:id="rId23"/>
-    <p:sldId id="292" r:id="rId24"/>
-    <p:sldId id="293" r:id="rId25"/>
-    <p:sldId id="302" r:id="rId26"/>
-    <p:sldId id="303" r:id="rId27"/>
-    <p:sldId id="279" r:id="rId28"/>
-    <p:sldId id="297" r:id="rId29"/>
-    <p:sldId id="298" r:id="rId30"/>
-    <p:sldId id="299" r:id="rId31"/>
-    <p:sldId id="300" r:id="rId32"/>
-    <p:sldId id="280" r:id="rId33"/>
-    <p:sldId id="295" r:id="rId34"/>
+    <p:sldId id="307" r:id="rId3"/>
+    <p:sldId id="257" r:id="rId4"/>
+    <p:sldId id="258" r:id="rId5"/>
+    <p:sldId id="301" r:id="rId6"/>
+    <p:sldId id="271" r:id="rId7"/>
+    <p:sldId id="273" r:id="rId8"/>
+    <p:sldId id="308" r:id="rId9"/>
+    <p:sldId id="278" r:id="rId10"/>
+    <p:sldId id="296" r:id="rId11"/>
+    <p:sldId id="309" r:id="rId12"/>
+    <p:sldId id="272" r:id="rId13"/>
+    <p:sldId id="304" r:id="rId14"/>
+    <p:sldId id="274" r:id="rId15"/>
+    <p:sldId id="276" r:id="rId16"/>
+    <p:sldId id="305" r:id="rId17"/>
+    <p:sldId id="275" r:id="rId18"/>
+    <p:sldId id="281" r:id="rId19"/>
+    <p:sldId id="280" r:id="rId20"/>
+    <p:sldId id="306" r:id="rId21"/>
+    <p:sldId id="310" r:id="rId22"/>
+    <p:sldId id="311" r:id="rId23"/>
+    <p:sldId id="295" r:id="rId24"/>
   </p:sldIdLst>
   <p:sldSz cx="9144000" cy="6858000" type="screen4x3"/>
   <p:notesSz cx="6858000" cy="9144000"/>
@@ -224,7 +214,7 @@
           <a:p>
             <a:fld id="{1276CDAF-28B4-7E45-A69E-2DC163EF97CF}" type="datetimeFigureOut">
               <a:rPr lang="en-US" smtClean="0"/>
-              <a:t>30/04/14</a:t>
+              <a:t>02/05/14</a:t>
             </a:fld>
             <a:endParaRPr lang="en-US"/>
           </a:p>
@@ -567,7 +557,7 @@
           <a:p>
             <a:fld id="{5D74FDC0-35D8-F34C-B228-DA42CBAF1130}" type="slidenum">
               <a:rPr lang="en-US" smtClean="0"/>
-              <a:t>2</a:t>
+              <a:t>3</a:t>
             </a:fld>
             <a:endParaRPr lang="en-US"/>
           </a:p>
@@ -632,19 +622,29 @@
           <a:p>
             <a:r>
               <a:rPr lang="en-US" dirty="0" smtClean="0"/>
-              <a:t>Program</a:t>
+              <a:t>NUL – Look it up!</a:t>
+            </a:r>
+          </a:p>
+          <a:p>
+            <a:endParaRPr lang="en-US" dirty="0" smtClean="0"/>
+          </a:p>
+          <a:p>
+            <a:r>
+              <a:rPr lang="en-US" dirty="0" smtClean="0"/>
+              <a:t>We don’t use tools!</a:t>
+            </a:r>
+          </a:p>
+          <a:p>
+            <a:endParaRPr lang="en-US" dirty="0" smtClean="0"/>
+          </a:p>
+          <a:p>
+            <a:r>
+              <a:rPr lang="en-US" dirty="0" smtClean="0"/>
+              <a:t>Next: Let’s get</a:t>
             </a:r>
             <a:r>
               <a:rPr lang="en-US" baseline="0" dirty="0" smtClean="0"/>
-              <a:t> reads </a:t>
-            </a:r>
-            <a:r>
-              <a:rPr lang="en-US" baseline="0" dirty="0" err="1" smtClean="0"/>
-              <a:t>pascal</a:t>
-            </a:r>
-            <a:r>
-              <a:rPr lang="en-US" baseline="0" dirty="0" smtClean="0"/>
-              <a:t> type strings from a remote connection</a:t>
+              <a:t> into some code</a:t>
             </a:r>
             <a:endParaRPr lang="en-US" dirty="0"/>
           </a:p>
@@ -667,7 +667,7 @@
           <a:p>
             <a:fld id="{5D74FDC0-35D8-F34C-B228-DA42CBAF1130}" type="slidenum">
               <a:rPr lang="en-US" smtClean="0"/>
-              <a:t>13</a:t>
+              <a:t>18</a:t>
             </a:fld>
             <a:endParaRPr lang="en-US"/>
           </a:p>
@@ -676,222 +676,7 @@
     </p:spTree>
     <p:extLst>
       <p:ext uri="{BB962C8B-B14F-4D97-AF65-F5344CB8AC3E}">
-        <p14:creationId xmlns:p14="http://schemas.microsoft.com/office/powerpoint/2010/main" val="2290135558"/>
-      </p:ext>
-    </p:extLst>
-  </p:cSld>
-  <p:clrMapOvr>
-    <a:masterClrMapping/>
-  </p:clrMapOvr>
-</p:notes>
-</file>
-
-<file path=ppt/notesSlides/notesSlide11.xml><?xml version="1.0" encoding="utf-8"?>
-<p:notes xmlns:a="http://schemas.openxmlformats.org/drawingml/2006/main" xmlns:r="http://schemas.openxmlformats.org/officeDocument/2006/relationships" xmlns:p="http://schemas.openxmlformats.org/presentationml/2006/main">
-  <p:cSld>
-    <p:spTree>
-      <p:nvGrpSpPr>
-        <p:cNvPr id="1" name=""/>
-        <p:cNvGrpSpPr/>
-        <p:nvPr/>
-      </p:nvGrpSpPr>
-      <p:grpSpPr>
-        <a:xfrm>
-          <a:off x="0" y="0"/>
-          <a:ext cx="0" cy="0"/>
-          <a:chOff x="0" y="0"/>
-          <a:chExt cx="0" cy="0"/>
-        </a:xfrm>
-      </p:grpSpPr>
-      <p:sp>
-        <p:nvSpPr>
-          <p:cNvPr id="2" name="Slide Image Placeholder 1"/>
-          <p:cNvSpPr>
-            <a:spLocks noGrp="1" noRot="1" noChangeAspect="1"/>
-          </p:cNvSpPr>
-          <p:nvPr>
-            <p:ph type="sldImg"/>
-          </p:nvPr>
-        </p:nvSpPr>
-        <p:spPr/>
-      </p:sp>
-      <p:sp>
-        <p:nvSpPr>
-          <p:cNvPr id="3" name="Notes Placeholder 2"/>
-          <p:cNvSpPr>
-            <a:spLocks noGrp="1"/>
-          </p:cNvSpPr>
-          <p:nvPr>
-            <p:ph type="body" idx="1"/>
-          </p:nvPr>
-        </p:nvSpPr>
-        <p:spPr/>
-        <p:txBody>
-          <a:bodyPr/>
-          <a:lstStyle/>
-          <a:p>
-            <a:pPr marL="0" marR="0" indent="0" algn="l" defTabSz="457200" rtl="0" eaLnBrk="1" fontAlgn="auto" latinLnBrk="0" hangingPunct="1">
-              <a:lnSpc>
-                <a:spcPct val="100000"/>
-              </a:lnSpc>
-              <a:spcBef>
-                <a:spcPts val="0"/>
-              </a:spcBef>
-              <a:spcAft>
-                <a:spcPts val="0"/>
-              </a:spcAft>
-              <a:buClrTx/>
-              <a:buSzTx/>
-              <a:buFontTx/>
-              <a:buNone/>
-              <a:tabLst/>
-              <a:defRPr/>
-            </a:pPr>
-            <a:r>
-              <a:rPr lang="en-US" dirty="0" smtClean="0"/>
-              <a:t>Spot</a:t>
-            </a:r>
-            <a:r>
-              <a:rPr lang="en-US" baseline="0" dirty="0" smtClean="0"/>
-              <a:t> the bug</a:t>
-            </a:r>
-            <a:endParaRPr lang="en-US" dirty="0" smtClean="0"/>
-          </a:p>
-          <a:p>
-            <a:endParaRPr lang="en-US" dirty="0" smtClean="0"/>
-          </a:p>
-          <a:p>
-            <a:r>
-              <a:rPr lang="en-US" dirty="0" smtClean="0"/>
-              <a:t>- Read many</a:t>
-            </a:r>
-            <a:r>
-              <a:rPr lang="en-US" baseline="0" dirty="0" smtClean="0"/>
-              <a:t> chunks from a string where each chunk is prefixed with a 32 bit unsigned integer length</a:t>
-            </a:r>
-            <a:endParaRPr lang="en-US" dirty="0"/>
-          </a:p>
-        </p:txBody>
-      </p:sp>
-      <p:sp>
-        <p:nvSpPr>
-          <p:cNvPr id="4" name="Slide Number Placeholder 3"/>
-          <p:cNvSpPr>
-            <a:spLocks noGrp="1"/>
-          </p:cNvSpPr>
-          <p:nvPr>
-            <p:ph type="sldNum" sz="quarter" idx="10"/>
-          </p:nvPr>
-        </p:nvSpPr>
-        <p:spPr/>
-        <p:txBody>
-          <a:bodyPr/>
-          <a:lstStyle/>
-          <a:p>
-            <a:fld id="{5D74FDC0-35D8-F34C-B228-DA42CBAF1130}" type="slidenum">
-              <a:rPr lang="en-US" smtClean="0"/>
-              <a:t>14</a:t>
-            </a:fld>
-            <a:endParaRPr lang="en-US"/>
-          </a:p>
-        </p:txBody>
-      </p:sp>
-    </p:spTree>
-    <p:extLst>
-      <p:ext uri="{BB962C8B-B14F-4D97-AF65-F5344CB8AC3E}">
-        <p14:creationId xmlns:p14="http://schemas.microsoft.com/office/powerpoint/2010/main" val="1664901898"/>
-      </p:ext>
-    </p:extLst>
-  </p:cSld>
-  <p:clrMapOvr>
-    <a:masterClrMapping/>
-  </p:clrMapOvr>
-</p:notes>
-</file>
-
-<file path=ppt/notesSlides/notesSlide12.xml><?xml version="1.0" encoding="utf-8"?>
-<p:notes xmlns:a="http://schemas.openxmlformats.org/drawingml/2006/main" xmlns:r="http://schemas.openxmlformats.org/officeDocument/2006/relationships" xmlns:p="http://schemas.openxmlformats.org/presentationml/2006/main">
-  <p:cSld>
-    <p:spTree>
-      <p:nvGrpSpPr>
-        <p:cNvPr id="1" name=""/>
-        <p:cNvGrpSpPr/>
-        <p:nvPr/>
-      </p:nvGrpSpPr>
-      <p:grpSpPr>
-        <a:xfrm>
-          <a:off x="0" y="0"/>
-          <a:ext cx="0" cy="0"/>
-          <a:chOff x="0" y="0"/>
-          <a:chExt cx="0" cy="0"/>
-        </a:xfrm>
-      </p:grpSpPr>
-      <p:sp>
-        <p:nvSpPr>
-          <p:cNvPr id="2" name="Slide Image Placeholder 1"/>
-          <p:cNvSpPr>
-            <a:spLocks noGrp="1" noRot="1" noChangeAspect="1"/>
-          </p:cNvSpPr>
-          <p:nvPr>
-            <p:ph type="sldImg"/>
-          </p:nvPr>
-        </p:nvSpPr>
-        <p:spPr/>
-      </p:sp>
-      <p:sp>
-        <p:nvSpPr>
-          <p:cNvPr id="3" name="Notes Placeholder 2"/>
-          <p:cNvSpPr>
-            <a:spLocks noGrp="1"/>
-          </p:cNvSpPr>
-          <p:nvPr>
-            <p:ph type="body" idx="1"/>
-          </p:nvPr>
-        </p:nvSpPr>
-        <p:spPr/>
-        <p:txBody>
-          <a:bodyPr/>
-          <a:lstStyle/>
-          <a:p>
-            <a:r>
-              <a:rPr lang="en-US" dirty="0" smtClean="0"/>
-              <a:t>To simplify</a:t>
-            </a:r>
-            <a:r>
-              <a:rPr lang="en-US" baseline="0" dirty="0" smtClean="0"/>
-              <a:t> the presentation we did not enable stack cookies or ASLR</a:t>
-            </a:r>
-            <a:endParaRPr lang="en-US" dirty="0"/>
-          </a:p>
-        </p:txBody>
-      </p:sp>
-      <p:sp>
-        <p:nvSpPr>
-          <p:cNvPr id="4" name="Slide Number Placeholder 3"/>
-          <p:cNvSpPr>
-            <a:spLocks noGrp="1"/>
-          </p:cNvSpPr>
-          <p:nvPr>
-            <p:ph type="sldNum" sz="quarter" idx="10"/>
-          </p:nvPr>
-        </p:nvSpPr>
-        <p:spPr/>
-        <p:txBody>
-          <a:bodyPr/>
-          <a:lstStyle/>
-          <a:p>
-            <a:fld id="{5D74FDC0-35D8-F34C-B228-DA42CBAF1130}" type="slidenum">
-              <a:rPr lang="en-US" smtClean="0"/>
-              <a:t>31</a:t>
-            </a:fld>
-            <a:endParaRPr lang="en-US"/>
-          </a:p>
-        </p:txBody>
-      </p:sp>
-    </p:spTree>
-    <p:extLst>
-      <p:ext uri="{BB962C8B-B14F-4D97-AF65-F5344CB8AC3E}">
-        <p14:creationId xmlns:p14="http://schemas.microsoft.com/office/powerpoint/2010/main" val="3462257767"/>
+        <p14:creationId xmlns:p14="http://schemas.microsoft.com/office/powerpoint/2010/main" val="1410465275"/>
       </p:ext>
     </p:extLst>
   </p:cSld>
@@ -970,7 +755,7 @@
           <a:p>
             <a:fld id="{5D74FDC0-35D8-F34C-B228-DA42CBAF1130}" type="slidenum">
               <a:rPr lang="en-US" smtClean="0"/>
-              <a:t>3</a:t>
+              <a:t>4</a:t>
             </a:fld>
             <a:endParaRPr lang="en-US"/>
           </a:p>
@@ -1089,7 +874,7 @@
           <a:p>
             <a:fld id="{5D74FDC0-35D8-F34C-B228-DA42CBAF1130}" type="slidenum">
               <a:rPr lang="en-US" smtClean="0"/>
-              <a:t>6</a:t>
+              <a:t>7</a:t>
             </a:fld>
             <a:endParaRPr lang="en-US"/>
           </a:p>
@@ -1152,60 +937,21 @@
           <a:bodyPr/>
           <a:lstStyle/>
           <a:p>
-            <a:pPr marL="171450" indent="-171450">
-              <a:buFontTx/>
-              <a:buChar char="-"/>
-            </a:pPr>
+            <a:r>
+              <a:rPr lang="en-US" dirty="0" smtClean="0"/>
+              <a:t>Program</a:t>
+            </a:r>
             <a:r>
               <a:rPr lang="en-US" baseline="0" dirty="0" smtClean="0"/>
-              <a:t>Circumvents non-executable stack protection</a:t>
-            </a:r>
-          </a:p>
-          <a:p>
-            <a:pPr marL="171450" indent="-171450">
-              <a:buFontTx/>
-              <a:buChar char="-"/>
-            </a:pPr>
-            <a:endParaRPr lang="en-US" baseline="0" dirty="0" smtClean="0"/>
-          </a:p>
-          <a:p>
-            <a:pPr marL="171450" indent="-171450">
-              <a:buFontTx/>
-              <a:buChar char="-"/>
-            </a:pPr>
+              <a:t> reads </a:t>
+            </a:r>
+            <a:r>
+              <a:rPr lang="en-US" baseline="0" dirty="0" err="1" smtClean="0"/>
+              <a:t>pascal</a:t>
+            </a:r>
             <a:r>
               <a:rPr lang="en-US" baseline="0" dirty="0" smtClean="0"/>
-              <a:t>/bin/</a:t>
-            </a:r>
-            <a:r>
-              <a:rPr lang="en-US" baseline="0" dirty="0" err="1" smtClean="0"/>
-              <a:t>sh</a:t>
-            </a:r>
-            <a:r>
-              <a:rPr lang="en-US" baseline="0" dirty="0" smtClean="0"/>
-              <a:t> string could exist in </a:t>
-            </a:r>
-            <a:r>
-              <a:rPr lang="en-US" baseline="0" dirty="0" err="1" smtClean="0"/>
-              <a:t>libc</a:t>
-            </a:r>
-            <a:endParaRPr lang="en-US" baseline="0" dirty="0" smtClean="0"/>
-          </a:p>
-          <a:p>
-            <a:pPr marL="171450" indent="-171450">
-              <a:buFontTx/>
-              <a:buChar char="-"/>
-            </a:pPr>
-            <a:endParaRPr lang="en-US" baseline="0" dirty="0" smtClean="0"/>
-          </a:p>
-          <a:p>
-            <a:pPr marL="171450" indent="-171450">
-              <a:buFontTx/>
-              <a:buChar char="-"/>
-            </a:pPr>
-            <a:r>
-              <a:rPr lang="en-US" baseline="0" dirty="0" smtClean="0"/>
-              <a:t>One function call : remote exploitation</a:t>
+              <a:t> type strings from a remote connection</a:t>
             </a:r>
             <a:endParaRPr lang="en-US" dirty="0"/>
           </a:p>
@@ -1228,7 +974,7 @@
           <a:p>
             <a:fld id="{5D74FDC0-35D8-F34C-B228-DA42CBAF1130}" type="slidenum">
               <a:rPr lang="en-US" smtClean="0"/>
-              <a:t>7</a:t>
+              <a:t>9</a:t>
             </a:fld>
             <a:endParaRPr lang="en-US"/>
           </a:p>
@@ -1237,7 +983,7 @@
     </p:spTree>
     <p:extLst>
       <p:ext uri="{BB962C8B-B14F-4D97-AF65-F5344CB8AC3E}">
-        <p14:creationId xmlns:p14="http://schemas.microsoft.com/office/powerpoint/2010/main" val="3651854870"/>
+        <p14:creationId xmlns:p14="http://schemas.microsoft.com/office/powerpoint/2010/main" val="2290135558"/>
       </p:ext>
     </p:extLst>
   </p:cSld>
@@ -1291,13 +1037,44 @@
           <a:bodyPr/>
           <a:lstStyle/>
           <a:p>
-            <a:r>
-              <a:rPr lang="en-US" dirty="0" smtClean="0"/>
-              <a:t>- Remote exploits: you don’t have access to inspection</a:t>
+            <a:pPr marL="0" marR="0" indent="0" algn="l" defTabSz="457200" rtl="0" eaLnBrk="1" fontAlgn="auto" latinLnBrk="0" hangingPunct="1">
+              <a:lnSpc>
+                <a:spcPct val="100000"/>
+              </a:lnSpc>
+              <a:spcBef>
+                <a:spcPts val="0"/>
+              </a:spcBef>
+              <a:spcAft>
+                <a:spcPts val="0"/>
+              </a:spcAft>
+              <a:buClrTx/>
+              <a:buSzTx/>
+              <a:buFontTx/>
+              <a:buNone/>
+              <a:tabLst/>
+              <a:defRPr/>
+            </a:pPr>
+            <a:r>
+              <a:rPr lang="en-US" dirty="0" smtClean="0"/>
+              <a:t>Spot</a:t>
             </a:r>
             <a:r>
               <a:rPr lang="en-US" baseline="0" dirty="0" smtClean="0"/>
-              <a:t> of memory layout</a:t>
+              <a:t> the bug</a:t>
+            </a:r>
+            <a:endParaRPr lang="en-US" dirty="0" smtClean="0"/>
+          </a:p>
+          <a:p>
+            <a:endParaRPr lang="en-US" dirty="0" smtClean="0"/>
+          </a:p>
+          <a:p>
+            <a:r>
+              <a:rPr lang="en-US" dirty="0" smtClean="0"/>
+              <a:t>- Read many</a:t>
+            </a:r>
+            <a:r>
+              <a:rPr lang="en-US" baseline="0" dirty="0" smtClean="0"/>
+              <a:t> chunks from a string where each chunk is prefixed with a 32 bit unsigned integer length</a:t>
             </a:r>
             <a:endParaRPr lang="en-US" dirty="0"/>
           </a:p>
@@ -1320,7 +1097,7 @@
           <a:p>
             <a:fld id="{5D74FDC0-35D8-F34C-B228-DA42CBAF1130}" type="slidenum">
               <a:rPr lang="en-US" smtClean="0"/>
-              <a:t>8</a:t>
+              <a:t>10</a:t>
             </a:fld>
             <a:endParaRPr lang="en-US"/>
           </a:p>
@@ -1329,7 +1106,7 @@
     </p:spTree>
     <p:extLst>
       <p:ext uri="{BB962C8B-B14F-4D97-AF65-F5344CB8AC3E}">
-        <p14:creationId xmlns:p14="http://schemas.microsoft.com/office/powerpoint/2010/main" val="3992771908"/>
+        <p14:creationId xmlns:p14="http://schemas.microsoft.com/office/powerpoint/2010/main" val="1664901898"/>
       </p:ext>
     </p:extLst>
   </p:cSld>
@@ -1436,7 +1213,7 @@
           <a:p>
             <a:fld id="{5D74FDC0-35D8-F34C-B228-DA42CBAF1130}" type="slidenum">
               <a:rPr lang="en-US" smtClean="0"/>
-              <a:t>9</a:t>
+              <a:t>12</a:t>
             </a:fld>
             <a:endParaRPr lang="en-US"/>
           </a:p>
@@ -1499,79 +1276,62 @@
           <a:bodyPr/>
           <a:lstStyle/>
           <a:p>
-            <a:r>
-              <a:rPr lang="en-US" dirty="0" smtClean="0"/>
-              <a:t>Non-executable stack:</a:t>
-            </a:r>
-          </a:p>
-          <a:p>
-            <a:pPr lvl="1"/>
-            <a:r>
-              <a:rPr lang="en-US" dirty="0" smtClean="0"/>
-              <a:t>Stack only has read and write permissions, therefore pointing the return address to the stack raises SIGSEGV.</a:t>
-            </a:r>
-          </a:p>
-          <a:p>
-            <a:r>
-              <a:rPr lang="en-US" dirty="0" smtClean="0"/>
-              <a:t>Map libraries to addresses starting with 0x00</a:t>
-            </a:r>
-          </a:p>
-          <a:p>
-            <a:pPr lvl="1"/>
-            <a:r>
-              <a:rPr lang="en-US" dirty="0" smtClean="0"/>
-              <a:t>With </a:t>
-            </a:r>
-            <a:r>
-              <a:rPr lang="en-US" dirty="0" err="1" smtClean="0"/>
-              <a:t>strcpy</a:t>
-            </a:r>
-            <a:r>
-              <a:rPr lang="en-US" dirty="0" smtClean="0"/>
-              <a:t> no NULL bytes can be placed in the middle of the payload or the full payload will not be copied</a:t>
-            </a:r>
-          </a:p>
-          <a:p>
-            <a:r>
-              <a:rPr lang="en-US" dirty="0" smtClean="0"/>
-              <a:t>Stack canaries:</a:t>
-            </a:r>
-          </a:p>
-          <a:p>
-            <a:pPr lvl="1"/>
-            <a:r>
-              <a:rPr lang="en-US" dirty="0" smtClean="0"/>
-              <a:t>A small bit of random information is added to the stack between the return address and local variables and is checked to be the same value before fetching the return address.</a:t>
-            </a:r>
-          </a:p>
-          <a:p>
-            <a:r>
-              <a:rPr lang="en-US" dirty="0" smtClean="0"/>
-              <a:t>ASLR (Address Space Layout Randomization):</a:t>
-            </a:r>
-          </a:p>
-          <a:p>
-            <a:pPr lvl="1"/>
-            <a:r>
-              <a:rPr lang="en-US" dirty="0" smtClean="0"/>
-              <a:t>Each time the program is run, the position of the stack, heap and libraries are randomized.</a:t>
-            </a:r>
-          </a:p>
-          <a:p>
-            <a:pPr lvl="1"/>
-            <a:r>
-              <a:rPr lang="en-US" dirty="0" smtClean="0"/>
-              <a:t>Slight performance impact on </a:t>
-            </a:r>
-            <a:r>
-              <a:rPr lang="en-US" dirty="0" err="1" smtClean="0"/>
-              <a:t>linux</a:t>
-            </a:r>
-            <a:endParaRPr lang="en-US" dirty="0" smtClean="0"/>
-          </a:p>
-          <a:p>
-            <a:endParaRPr lang="en-US" dirty="0" smtClean="0"/>
+            <a:pPr marL="171450" indent="-171450">
+              <a:buFontTx/>
+              <a:buChar char="-"/>
+            </a:pPr>
+            <a:r>
+              <a:rPr lang="en-US" baseline="0" dirty="0" smtClean="0"/>
+              <a:t>Circumvents non-executable stack protection</a:t>
+            </a:r>
+          </a:p>
+          <a:p>
+            <a:pPr marL="171450" indent="-171450">
+              <a:buFontTx/>
+              <a:buChar char="-"/>
+            </a:pPr>
+            <a:endParaRPr lang="en-US" baseline="0" dirty="0" smtClean="0"/>
+          </a:p>
+          <a:p>
+            <a:pPr marL="171450" indent="-171450">
+              <a:buFontTx/>
+              <a:buChar char="-"/>
+            </a:pPr>
+            <a:r>
+              <a:rPr lang="en-US" baseline="0" dirty="0" smtClean="0"/>
+              <a:t>/bin/</a:t>
+            </a:r>
+            <a:r>
+              <a:rPr lang="en-US" baseline="0" dirty="0" err="1" smtClean="0"/>
+              <a:t>sh</a:t>
+            </a:r>
+            <a:r>
+              <a:rPr lang="en-US" baseline="0" dirty="0" smtClean="0"/>
+              <a:t> string could exist in </a:t>
+            </a:r>
+            <a:r>
+              <a:rPr lang="en-US" baseline="0" dirty="0" err="1" smtClean="0"/>
+              <a:t>libc</a:t>
+            </a:r>
+            <a:endParaRPr lang="en-US" baseline="0" dirty="0" smtClean="0"/>
+          </a:p>
+          <a:p>
+            <a:pPr marL="171450" indent="-171450">
+              <a:buFontTx/>
+              <a:buChar char="-"/>
+            </a:pPr>
+            <a:endParaRPr lang="en-US" baseline="0" dirty="0" smtClean="0"/>
+          </a:p>
+          <a:p>
+            <a:pPr marL="171450" indent="-171450">
+              <a:buFontTx/>
+              <a:buChar char="-"/>
+            </a:pPr>
+            <a:r>
+              <a:rPr lang="en-US" baseline="0" dirty="0" smtClean="0"/>
+              <a:t>One function call : remote exploitation</a:t>
+            </a:r>
+            <a:endParaRPr lang="en-US" dirty="0"/>
           </a:p>
         </p:txBody>
       </p:sp>
@@ -1592,7 +1352,7 @@
           <a:p>
             <a:fld id="{5D74FDC0-35D8-F34C-B228-DA42CBAF1130}" type="slidenum">
               <a:rPr lang="en-US" smtClean="0"/>
-              <a:t>10</a:t>
+              <a:t>14</a:t>
             </a:fld>
             <a:endParaRPr lang="en-US"/>
           </a:p>
@@ -1601,7 +1361,7 @@
     </p:spTree>
     <p:extLst>
       <p:ext uri="{BB962C8B-B14F-4D97-AF65-F5344CB8AC3E}">
-        <p14:creationId xmlns:p14="http://schemas.microsoft.com/office/powerpoint/2010/main" val="910512442"/>
+        <p14:creationId xmlns:p14="http://schemas.microsoft.com/office/powerpoint/2010/main" val="3651854870"/>
       </p:ext>
     </p:extLst>
   </p:cSld>
@@ -1655,160 +1415,78 @@
           <a:bodyPr/>
           <a:lstStyle/>
           <a:p>
-            <a:pPr marL="0" marR="0" lvl="1" indent="0" algn="l" defTabSz="457200" rtl="0" eaLnBrk="1" fontAlgn="auto" latinLnBrk="0" hangingPunct="1">
-              <a:lnSpc>
-                <a:spcPct val="100000"/>
-              </a:lnSpc>
-              <a:spcBef>
-                <a:spcPts val="0"/>
-              </a:spcBef>
-              <a:spcAft>
-                <a:spcPts val="0"/>
-              </a:spcAft>
-              <a:buClrTx/>
-              <a:buSzTx/>
-              <a:buFontTx/>
-              <a:buNone/>
-              <a:tabLst/>
-              <a:defRPr/>
-            </a:pPr>
-            <a:r>
-              <a:rPr lang="en-US" dirty="0" smtClean="0"/>
-              <a:t>Brute-force can</a:t>
-            </a:r>
-            <a:r>
-              <a:rPr lang="en-US" baseline="0" dirty="0" smtClean="0"/>
-              <a:t> be very simple on 32 bit architectures</a:t>
+            <a:r>
+              <a:rPr lang="en-US" dirty="0" smtClean="0"/>
+              <a:t>Non-executable stack:</a:t>
+            </a:r>
+          </a:p>
+          <a:p>
+            <a:pPr lvl="1"/>
+            <a:r>
+              <a:rPr lang="en-US" dirty="0" smtClean="0"/>
+              <a:t>Stack only has read and write permissions, therefore pointing the return address to the stack raises SIGSEGV.</a:t>
+            </a:r>
+          </a:p>
+          <a:p>
+            <a:r>
+              <a:rPr lang="en-US" dirty="0" smtClean="0"/>
+              <a:t>Map libraries to addresses starting with 0x00</a:t>
+            </a:r>
+          </a:p>
+          <a:p>
+            <a:pPr lvl="1"/>
+            <a:r>
+              <a:rPr lang="en-US" dirty="0" smtClean="0"/>
+              <a:t>With </a:t>
+            </a:r>
+            <a:r>
+              <a:rPr lang="en-US" dirty="0" err="1" smtClean="0"/>
+              <a:t>strcpy</a:t>
+            </a:r>
+            <a:r>
+              <a:rPr lang="en-US" dirty="0" smtClean="0"/>
+              <a:t> no NULL bytes can be placed in the middle of the payload or the full payload will not be copied</a:t>
+            </a:r>
+          </a:p>
+          <a:p>
+            <a:r>
+              <a:rPr lang="en-US" dirty="0" smtClean="0"/>
+              <a:t>Stack canaries:</a:t>
+            </a:r>
+          </a:p>
+          <a:p>
+            <a:pPr lvl="1"/>
+            <a:r>
+              <a:rPr lang="en-US" dirty="0" smtClean="0"/>
+              <a:t>A small bit of random information is added to the stack between the return address and local variables and is checked to be the same value before fetching the return address.</a:t>
+            </a:r>
+          </a:p>
+          <a:p>
+            <a:r>
+              <a:rPr lang="en-US" dirty="0" smtClean="0"/>
+              <a:t>ASLR (Address Space Layout Randomization):</a:t>
+            </a:r>
+          </a:p>
+          <a:p>
+            <a:pPr lvl="1"/>
+            <a:r>
+              <a:rPr lang="en-US" dirty="0" smtClean="0"/>
+              <a:t>Each time the program is run, the position of the stack, heap and libraries are randomized.</a:t>
+            </a:r>
+          </a:p>
+          <a:p>
+            <a:pPr lvl="1"/>
+            <a:r>
+              <a:rPr lang="en-US" dirty="0" smtClean="0"/>
+              <a:t>Slight performance impact on </a:t>
+            </a:r>
+            <a:r>
+              <a:rPr lang="en-US" dirty="0" err="1" smtClean="0"/>
+              <a:t>linux</a:t>
             </a:r>
             <a:endParaRPr lang="en-US" dirty="0" smtClean="0"/>
           </a:p>
           <a:p>
-            <a:pPr marL="0" marR="0" lvl="1" indent="0" algn="l" defTabSz="457200" rtl="0" eaLnBrk="1" fontAlgn="auto" latinLnBrk="0" hangingPunct="1">
-              <a:lnSpc>
-                <a:spcPct val="100000"/>
-              </a:lnSpc>
-              <a:spcBef>
-                <a:spcPts val="0"/>
-              </a:spcBef>
-              <a:spcAft>
-                <a:spcPts val="0"/>
-              </a:spcAft>
-              <a:buClrTx/>
-              <a:buSzTx/>
-              <a:buFontTx/>
-              <a:buNone/>
-              <a:tabLst/>
-              <a:defRPr/>
-            </a:pPr>
-            <a:r>
-              <a:rPr lang="en-US" dirty="0" smtClean="0"/>
-              <a:t>Stack canary:</a:t>
-            </a:r>
-            <a:r>
-              <a:rPr lang="en-US" baseline="0" dirty="0" smtClean="0"/>
-              <a:t> </a:t>
-            </a:r>
-          </a:p>
-          <a:p>
-            <a:pPr marL="0" marR="0" lvl="1" indent="0" algn="l" defTabSz="457200" rtl="0" eaLnBrk="1" fontAlgn="auto" latinLnBrk="0" hangingPunct="1">
-              <a:lnSpc>
-                <a:spcPct val="100000"/>
-              </a:lnSpc>
-              <a:spcBef>
-                <a:spcPts val="0"/>
-              </a:spcBef>
-              <a:spcAft>
-                <a:spcPts val="0"/>
-              </a:spcAft>
-              <a:buClrTx/>
-              <a:buSzTx/>
-              <a:buFontTx/>
-              <a:buNone/>
-              <a:tabLst/>
-              <a:defRPr/>
-            </a:pPr>
-            <a:r>
-              <a:rPr lang="en-US" baseline="0" dirty="0" smtClean="0"/>
-              <a:t> - esoteric method </a:t>
-            </a:r>
-            <a:r>
-              <a:rPr lang="en-US" baseline="0" dirty="0" err="1" smtClean="0"/>
-              <a:t>glibc</a:t>
-            </a:r>
-            <a:r>
-              <a:rPr lang="en-US" baseline="0" dirty="0" smtClean="0"/>
-              <a:t> specific - </a:t>
-            </a:r>
-            <a:r>
-              <a:rPr lang="en-US" dirty="0" smtClean="0"/>
-              <a:t>Overwrite enough data to overwrite the memory used in the exception handler (and use ROP from there)</a:t>
-            </a:r>
-          </a:p>
-          <a:p>
-            <a:pPr marL="0" marR="0" lvl="1" indent="0" algn="l" defTabSz="457200" rtl="0" eaLnBrk="1" fontAlgn="auto" latinLnBrk="0" hangingPunct="1">
-              <a:lnSpc>
-                <a:spcPct val="100000"/>
-              </a:lnSpc>
-              <a:spcBef>
-                <a:spcPts val="0"/>
-              </a:spcBef>
-              <a:spcAft>
-                <a:spcPts val="0"/>
-              </a:spcAft>
-              <a:buClrTx/>
-              <a:buSzTx/>
-              <a:buFontTx/>
-              <a:buNone/>
-              <a:tabLst/>
-              <a:defRPr/>
-            </a:pPr>
-            <a:r>
-              <a:rPr lang="en-US" dirty="0" smtClean="0"/>
-              <a:t> - Weak PRNG</a:t>
-            </a:r>
-          </a:p>
-          <a:p>
-            <a:pPr marL="0" marR="0" lvl="1" indent="0" algn="l" defTabSz="457200" rtl="0" eaLnBrk="1" fontAlgn="auto" latinLnBrk="0" hangingPunct="1">
-              <a:lnSpc>
-                <a:spcPct val="100000"/>
-              </a:lnSpc>
-              <a:spcBef>
-                <a:spcPts val="0"/>
-              </a:spcBef>
-              <a:spcAft>
-                <a:spcPts val="0"/>
-              </a:spcAft>
-              <a:buClrTx/>
-              <a:buSzTx/>
-              <a:buFontTx/>
-              <a:buNone/>
-              <a:tabLst/>
-              <a:defRPr/>
-            </a:pPr>
-            <a:r>
-              <a:rPr lang="en-US" dirty="0" smtClean="0"/>
-              <a:t>Info leak:</a:t>
-            </a:r>
-            <a:r>
-              <a:rPr lang="en-US" baseline="0" dirty="0" smtClean="0"/>
-              <a:t> e.g. </a:t>
-            </a:r>
-            <a:r>
-              <a:rPr lang="en-US" baseline="0" dirty="0" err="1" smtClean="0"/>
-              <a:t>heartbleed</a:t>
-            </a:r>
-            <a:r>
-              <a:rPr lang="en-US" baseline="0" dirty="0" smtClean="0"/>
-              <a:t>, </a:t>
-            </a:r>
-            <a:r>
-              <a:rPr lang="en-US" baseline="0" dirty="0" err="1" smtClean="0"/>
-              <a:t>printf</a:t>
-            </a:r>
-            <a:r>
-              <a:rPr lang="en-US" baseline="0" dirty="0" smtClean="0"/>
-              <a:t> with user controlled first argument</a:t>
-            </a:r>
             <a:endParaRPr lang="en-US" dirty="0" smtClean="0"/>
           </a:p>
         </p:txBody>
@@ -1830,7 +1508,7 @@
           <a:p>
             <a:fld id="{5D74FDC0-35D8-F34C-B228-DA42CBAF1130}" type="slidenum">
               <a:rPr lang="en-US" smtClean="0"/>
-              <a:t>11</a:t>
+              <a:t>15</a:t>
             </a:fld>
             <a:endParaRPr lang="en-US"/>
           </a:p>
@@ -1839,7 +1517,7 @@
     </p:spTree>
     <p:extLst>
       <p:ext uri="{BB962C8B-B14F-4D97-AF65-F5344CB8AC3E}">
-        <p14:creationId xmlns:p14="http://schemas.microsoft.com/office/powerpoint/2010/main" val="3097564628"/>
+        <p14:creationId xmlns:p14="http://schemas.microsoft.com/office/powerpoint/2010/main" val="910512442"/>
       </p:ext>
     </p:extLst>
   </p:cSld>
@@ -1895,29 +1573,11 @@
           <a:p>
             <a:r>
               <a:rPr lang="en-US" dirty="0" smtClean="0"/>
-              <a:t>NUL – Look it up!</a:t>
-            </a:r>
-          </a:p>
-          <a:p>
-            <a:endParaRPr lang="en-US" dirty="0" smtClean="0"/>
-          </a:p>
-          <a:p>
-            <a:r>
-              <a:rPr lang="en-US" dirty="0" smtClean="0"/>
-              <a:t>We don’t use tools!</a:t>
-            </a:r>
-          </a:p>
-          <a:p>
-            <a:endParaRPr lang="en-US" dirty="0" smtClean="0"/>
-          </a:p>
-          <a:p>
-            <a:r>
-              <a:rPr lang="en-US" dirty="0" smtClean="0"/>
-              <a:t>Next: Let’s get</a:t>
+              <a:t>- Remote exploits: you don’t have access to inspection</a:t>
             </a:r>
             <a:r>
               <a:rPr lang="en-US" baseline="0" dirty="0" smtClean="0"/>
-              <a:t> into some code</a:t>
+              <a:t> of memory layout</a:t>
             </a:r>
             <a:endParaRPr lang="en-US" dirty="0"/>
           </a:p>
@@ -1940,7 +1600,7 @@
           <a:p>
             <a:fld id="{5D74FDC0-35D8-F34C-B228-DA42CBAF1130}" type="slidenum">
               <a:rPr lang="en-US" smtClean="0"/>
-              <a:t>12</a:t>
+              <a:t>17</a:t>
             </a:fld>
             <a:endParaRPr lang="en-US"/>
           </a:p>
@@ -1949,7 +1609,7 @@
     </p:spTree>
     <p:extLst>
       <p:ext uri="{BB962C8B-B14F-4D97-AF65-F5344CB8AC3E}">
-        <p14:creationId xmlns:p14="http://schemas.microsoft.com/office/powerpoint/2010/main" val="1410465275"/>
+        <p14:creationId xmlns:p14="http://schemas.microsoft.com/office/powerpoint/2010/main" val="3992771908"/>
       </p:ext>
     </p:extLst>
   </p:cSld>
@@ -2140,7 +1800,7 @@
           <a:p>
             <a:fld id="{6BFECD78-3C8E-49F2-8FAB-59489D168ABB}" type="datetimeFigureOut">
               <a:rPr lang="en-US" smtClean="0"/>
-              <a:t>30/04/14</a:t>
+              <a:t>02/05/14</a:t>
             </a:fld>
             <a:endParaRPr lang="en-US"/>
           </a:p>
@@ -2310,7 +1970,7 @@
           <a:p>
             <a:fld id="{6BFECD78-3C8E-49F2-8FAB-59489D168ABB}" type="datetimeFigureOut">
               <a:rPr lang="en-US" smtClean="0"/>
-              <a:t>30/04/14</a:t>
+              <a:t>02/05/14</a:t>
             </a:fld>
             <a:endParaRPr lang="en-US"/>
           </a:p>
@@ -2490,7 +2150,7 @@
           <a:p>
             <a:fld id="{6BFECD78-3C8E-49F2-8FAB-59489D168ABB}" type="datetimeFigureOut">
               <a:rPr lang="en-US" smtClean="0"/>
-              <a:t>30/04/14</a:t>
+              <a:t>02/05/14</a:t>
             </a:fld>
             <a:endParaRPr lang="en-US"/>
           </a:p>
@@ -2660,7 +2320,7 @@
           <a:p>
             <a:fld id="{6BFECD78-3C8E-49F2-8FAB-59489D168ABB}" type="datetimeFigureOut">
               <a:rPr lang="en-US" smtClean="0"/>
-              <a:t>30/04/14</a:t>
+              <a:t>02/05/14</a:t>
             </a:fld>
             <a:endParaRPr lang="en-US"/>
           </a:p>
@@ -2906,7 +2566,7 @@
           <a:p>
             <a:fld id="{6BFECD78-3C8E-49F2-8FAB-59489D168ABB}" type="datetimeFigureOut">
               <a:rPr lang="en-US" smtClean="0"/>
-              <a:t>30/04/14</a:t>
+              <a:t>02/05/14</a:t>
             </a:fld>
             <a:endParaRPr lang="en-US"/>
           </a:p>
@@ -3194,7 +2854,7 @@
           <a:p>
             <a:fld id="{6BFECD78-3C8E-49F2-8FAB-59489D168ABB}" type="datetimeFigureOut">
               <a:rPr lang="en-US" smtClean="0"/>
-              <a:t>30/04/14</a:t>
+              <a:t>02/05/14</a:t>
             </a:fld>
             <a:endParaRPr lang="en-US"/>
           </a:p>
@@ -3616,7 +3276,7 @@
           <a:p>
             <a:fld id="{6BFECD78-3C8E-49F2-8FAB-59489D168ABB}" type="datetimeFigureOut">
               <a:rPr lang="en-US" smtClean="0"/>
-              <a:t>30/04/14</a:t>
+              <a:t>02/05/14</a:t>
             </a:fld>
             <a:endParaRPr lang="en-US"/>
           </a:p>
@@ -3734,7 +3394,7 @@
           <a:p>
             <a:fld id="{6BFECD78-3C8E-49F2-8FAB-59489D168ABB}" type="datetimeFigureOut">
               <a:rPr lang="en-US" smtClean="0"/>
-              <a:t>30/04/14</a:t>
+              <a:t>02/05/14</a:t>
             </a:fld>
             <a:endParaRPr lang="en-US"/>
           </a:p>
@@ -3829,7 +3489,7 @@
           <a:p>
             <a:fld id="{6BFECD78-3C8E-49F2-8FAB-59489D168ABB}" type="datetimeFigureOut">
               <a:rPr lang="en-US" smtClean="0"/>
-              <a:t>30/04/14</a:t>
+              <a:t>02/05/14</a:t>
             </a:fld>
             <a:endParaRPr lang="en-US"/>
           </a:p>
@@ -4106,7 +3766,7 @@
           <a:p>
             <a:fld id="{6BFECD78-3C8E-49F2-8FAB-59489D168ABB}" type="datetimeFigureOut">
               <a:rPr lang="en-US" smtClean="0"/>
-              <a:t>30/04/14</a:t>
+              <a:t>02/05/14</a:t>
             </a:fld>
             <a:endParaRPr lang="en-US"/>
           </a:p>
@@ -4363,7 +4023,7 @@
           <a:p>
             <a:fld id="{6BFECD78-3C8E-49F2-8FAB-59489D168ABB}" type="datetimeFigureOut">
               <a:rPr lang="en-US" smtClean="0"/>
-              <a:t>30/04/14</a:t>
+              <a:t>02/05/14</a:t>
             </a:fld>
             <a:endParaRPr lang="en-US"/>
           </a:p>
@@ -4576,7 +4236,7 @@
           <a:p>
             <a:fld id="{6BFECD78-3C8E-49F2-8FAB-59489D168ABB}" type="datetimeFigureOut">
               <a:rPr lang="en-US" smtClean="0"/>
-              <a:t>30/04/14</a:t>
+              <a:t>02/05/14</a:t>
             </a:fld>
             <a:endParaRPr lang="en-US"/>
           </a:p>
@@ -5054,481 +4714,6 @@
           <a:chExt cx="0" cy="0"/>
         </a:xfrm>
       </p:grpSpPr>
-      <p:sp>
-        <p:nvSpPr>
-          <p:cNvPr id="2" name="Title 1"/>
-          <p:cNvSpPr>
-            <a:spLocks noGrp="1"/>
-          </p:cNvSpPr>
-          <p:nvPr>
-            <p:ph type="title"/>
-          </p:nvPr>
-        </p:nvSpPr>
-        <p:spPr/>
-        <p:txBody>
-          <a:bodyPr/>
-          <a:lstStyle/>
-          <a:p>
-            <a:r>
-              <a:rPr lang="en-US" dirty="0" smtClean="0"/>
-              <a:t>Mitigations</a:t>
-            </a:r>
-            <a:endParaRPr lang="en-US" dirty="0"/>
-          </a:p>
-        </p:txBody>
-      </p:sp>
-      <p:sp>
-        <p:nvSpPr>
-          <p:cNvPr id="3" name="Content Placeholder 2"/>
-          <p:cNvSpPr>
-            <a:spLocks noGrp="1"/>
-          </p:cNvSpPr>
-          <p:nvPr>
-            <p:ph idx="1"/>
-          </p:nvPr>
-        </p:nvSpPr>
-        <p:spPr>
-          <a:xfrm>
-            <a:off x="457200" y="1600200"/>
-            <a:ext cx="8229600" cy="5150532"/>
-          </a:xfrm>
-        </p:spPr>
-        <p:txBody>
-          <a:bodyPr>
-            <a:normAutofit/>
-          </a:bodyPr>
-          <a:lstStyle/>
-          <a:p>
-            <a:r>
-              <a:rPr lang="en-US" dirty="0" smtClean="0"/>
-              <a:t>Non-executable stack</a:t>
-            </a:r>
-          </a:p>
-          <a:p>
-            <a:r>
-              <a:rPr lang="en-US" dirty="0" smtClean="0"/>
-              <a:t>Map libraries to addresses starting with 0x00</a:t>
-            </a:r>
-          </a:p>
-          <a:p>
-            <a:r>
-              <a:rPr lang="en-US" dirty="0" smtClean="0"/>
-              <a:t>Stack canaries</a:t>
-            </a:r>
-          </a:p>
-          <a:p>
-            <a:r>
-              <a:rPr lang="en-US" dirty="0" smtClean="0"/>
-              <a:t>ASLR (Address Space Layout Randomization)</a:t>
-            </a:r>
-          </a:p>
-        </p:txBody>
-      </p:sp>
-    </p:spTree>
-    <p:extLst>
-      <p:ext uri="{BB962C8B-B14F-4D97-AF65-F5344CB8AC3E}">
-        <p14:creationId xmlns:p14="http://schemas.microsoft.com/office/powerpoint/2010/main" val="1005865055"/>
-      </p:ext>
-    </p:extLst>
-  </p:cSld>
-  <p:clrMapOvr>
-    <a:masterClrMapping/>
-  </p:clrMapOvr>
-  <p:timing>
-    <p:tnLst>
-      <p:par>
-        <p:cTn xmlns:p14="http://schemas.microsoft.com/office/powerpoint/2010/main" id="1" dur="indefinite" restart="never" nodeType="tmRoot"/>
-      </p:par>
-    </p:tnLst>
-  </p:timing>
-</p:sld>
-</file>
-
-<file path=ppt/slides/slide11.xml><?xml version="1.0" encoding="utf-8"?>
-<p:sld xmlns:a="http://schemas.openxmlformats.org/drawingml/2006/main" xmlns:r="http://schemas.openxmlformats.org/officeDocument/2006/relationships" xmlns:p="http://schemas.openxmlformats.org/presentationml/2006/main">
-  <p:cSld>
-    <p:spTree>
-      <p:nvGrpSpPr>
-        <p:cNvPr id="1" name=""/>
-        <p:cNvGrpSpPr/>
-        <p:nvPr/>
-      </p:nvGrpSpPr>
-      <p:grpSpPr>
-        <a:xfrm>
-          <a:off x="0" y="0"/>
-          <a:ext cx="0" cy="0"/>
-          <a:chOff x="0" y="0"/>
-          <a:chExt cx="0" cy="0"/>
-        </a:xfrm>
-      </p:grpSpPr>
-      <p:sp>
-        <p:nvSpPr>
-          <p:cNvPr id="2" name="Title 1"/>
-          <p:cNvSpPr>
-            <a:spLocks noGrp="1"/>
-          </p:cNvSpPr>
-          <p:nvPr>
-            <p:ph type="title"/>
-          </p:nvPr>
-        </p:nvSpPr>
-        <p:spPr/>
-        <p:txBody>
-          <a:bodyPr/>
-          <a:lstStyle/>
-          <a:p>
-            <a:r>
-              <a:rPr lang="en-US" dirty="0" smtClean="0"/>
-              <a:t>Bypassing mitigations</a:t>
-            </a:r>
-            <a:endParaRPr lang="en-US" dirty="0"/>
-          </a:p>
-        </p:txBody>
-      </p:sp>
-      <p:sp>
-        <p:nvSpPr>
-          <p:cNvPr id="3" name="Content Placeholder 2"/>
-          <p:cNvSpPr>
-            <a:spLocks noGrp="1"/>
-          </p:cNvSpPr>
-          <p:nvPr>
-            <p:ph idx="1"/>
-          </p:nvPr>
-        </p:nvSpPr>
-        <p:spPr>
-          <a:xfrm>
-            <a:off x="457200" y="1600200"/>
-            <a:ext cx="8229600" cy="5150532"/>
-          </a:xfrm>
-        </p:spPr>
-        <p:txBody>
-          <a:bodyPr>
-            <a:normAutofit/>
-          </a:bodyPr>
-          <a:lstStyle/>
-          <a:p>
-            <a:r>
-              <a:rPr lang="en-US" dirty="0" smtClean="0"/>
-              <a:t>Non-executable stack:</a:t>
-            </a:r>
-          </a:p>
-          <a:p>
-            <a:pPr lvl="1"/>
-            <a:r>
-              <a:rPr lang="en-US" dirty="0" smtClean="0"/>
-              <a:t>Return-to-</a:t>
-            </a:r>
-            <a:r>
-              <a:rPr lang="en-US" dirty="0" err="1" smtClean="0"/>
-              <a:t>libc</a:t>
-            </a:r>
-            <a:r>
-              <a:rPr lang="en-US" dirty="0" smtClean="0"/>
-              <a:t> / ROP</a:t>
-            </a:r>
-          </a:p>
-          <a:p>
-            <a:r>
-              <a:rPr lang="en-US" dirty="0" smtClean="0"/>
-              <a:t>Stack canaries:</a:t>
-            </a:r>
-          </a:p>
-          <a:p>
-            <a:pPr lvl="1"/>
-            <a:r>
-              <a:rPr lang="en-US" dirty="0" smtClean="0"/>
-              <a:t>An info leak</a:t>
-            </a:r>
-          </a:p>
-          <a:p>
-            <a:pPr lvl="1"/>
-            <a:r>
-              <a:rPr lang="en-US" dirty="0" smtClean="0"/>
-              <a:t>Overwrite the stack cookie</a:t>
-            </a:r>
-          </a:p>
-          <a:p>
-            <a:pPr lvl="1"/>
-            <a:r>
-              <a:rPr lang="en-US" dirty="0"/>
-              <a:t>Brute-</a:t>
-            </a:r>
-            <a:r>
-              <a:rPr lang="en-US" dirty="0" smtClean="0"/>
-              <a:t>force</a:t>
-            </a:r>
-          </a:p>
-          <a:p>
-            <a:r>
-              <a:rPr lang="en-US" dirty="0" smtClean="0"/>
-              <a:t>ASLR (Address Space Layout Randomization):</a:t>
-            </a:r>
-          </a:p>
-          <a:p>
-            <a:pPr lvl="1"/>
-            <a:r>
-              <a:rPr lang="en-US" dirty="0" smtClean="0"/>
-              <a:t>Info leak (the relative addresses are the same)</a:t>
-            </a:r>
-          </a:p>
-          <a:p>
-            <a:pPr lvl="1"/>
-            <a:r>
-              <a:rPr lang="en-US" dirty="0" smtClean="0"/>
-              <a:t>Brute-force</a:t>
-            </a:r>
-          </a:p>
-        </p:txBody>
-      </p:sp>
-    </p:spTree>
-    <p:extLst>
-      <p:ext uri="{BB962C8B-B14F-4D97-AF65-F5344CB8AC3E}">
-        <p14:creationId xmlns:p14="http://schemas.microsoft.com/office/powerpoint/2010/main" val="699677675"/>
-      </p:ext>
-    </p:extLst>
-  </p:cSld>
-  <p:clrMapOvr>
-    <a:masterClrMapping/>
-  </p:clrMapOvr>
-  <p:timing>
-    <p:tnLst>
-      <p:par>
-        <p:cTn xmlns:p14="http://schemas.microsoft.com/office/powerpoint/2010/main" id="1" dur="indefinite" restart="never" nodeType="tmRoot"/>
-      </p:par>
-    </p:tnLst>
-  </p:timing>
-</p:sld>
-</file>
-
-<file path=ppt/slides/slide12.xml><?xml version="1.0" encoding="utf-8"?>
-<p:sld xmlns:a="http://schemas.openxmlformats.org/drawingml/2006/main" xmlns:r="http://schemas.openxmlformats.org/officeDocument/2006/relationships" xmlns:p="http://schemas.openxmlformats.org/presentationml/2006/main">
-  <p:cSld>
-    <p:spTree>
-      <p:nvGrpSpPr>
-        <p:cNvPr id="1" name=""/>
-        <p:cNvGrpSpPr/>
-        <p:nvPr/>
-      </p:nvGrpSpPr>
-      <p:grpSpPr>
-        <a:xfrm>
-          <a:off x="0" y="0"/>
-          <a:ext cx="0" cy="0"/>
-          <a:chOff x="0" y="0"/>
-          <a:chExt cx="0" cy="0"/>
-        </a:xfrm>
-      </p:grpSpPr>
-      <p:sp>
-        <p:nvSpPr>
-          <p:cNvPr id="2" name="Title 1"/>
-          <p:cNvSpPr>
-            <a:spLocks noGrp="1"/>
-          </p:cNvSpPr>
-          <p:nvPr>
-            <p:ph type="title"/>
-          </p:nvPr>
-        </p:nvSpPr>
-        <p:spPr/>
-        <p:txBody>
-          <a:bodyPr/>
-          <a:lstStyle/>
-          <a:p>
-            <a:r>
-              <a:rPr lang="en-US" dirty="0" smtClean="0"/>
-              <a:t>ROP challenges	</a:t>
-            </a:r>
-            <a:endParaRPr lang="en-US" dirty="0"/>
-          </a:p>
-        </p:txBody>
-      </p:sp>
-      <p:sp>
-        <p:nvSpPr>
-          <p:cNvPr id="3" name="Content Placeholder 2"/>
-          <p:cNvSpPr>
-            <a:spLocks noGrp="1"/>
-          </p:cNvSpPr>
-          <p:nvPr>
-            <p:ph idx="1"/>
-          </p:nvPr>
-        </p:nvSpPr>
-        <p:spPr/>
-        <p:txBody>
-          <a:bodyPr/>
-          <a:lstStyle/>
-          <a:p>
-            <a:r>
-              <a:rPr lang="en-US" dirty="0" smtClean="0"/>
-              <a:t>If exploiting </a:t>
-            </a:r>
-            <a:r>
-              <a:rPr lang="en-US" dirty="0" err="1" smtClean="0"/>
-              <a:t>strcpy</a:t>
-            </a:r>
-            <a:r>
-              <a:rPr lang="en-US" dirty="0" smtClean="0"/>
-              <a:t> no NUL bytes may be present in the payload</a:t>
-            </a:r>
-          </a:p>
-          <a:p>
-            <a:pPr lvl="1"/>
-            <a:r>
-              <a:rPr lang="en-US" dirty="0" smtClean="0"/>
-              <a:t>Use </a:t>
-            </a:r>
-            <a:r>
-              <a:rPr lang="en-US" dirty="0" smtClean="0">
-                <a:latin typeface="Courier New"/>
-              </a:rPr>
-              <a:t>xor / </a:t>
-            </a:r>
-            <a:r>
-              <a:rPr lang="en-US" dirty="0" err="1" smtClean="0">
-                <a:latin typeface="Courier New"/>
-              </a:rPr>
-              <a:t>incr</a:t>
-            </a:r>
-            <a:r>
-              <a:rPr lang="en-US" dirty="0" smtClean="0">
-                <a:latin typeface="Courier New"/>
-              </a:rPr>
-              <a:t> / </a:t>
-            </a:r>
-            <a:r>
-              <a:rPr lang="en-US" dirty="0" err="1" smtClean="0">
-                <a:latin typeface="Courier New"/>
-              </a:rPr>
-              <a:t>decr</a:t>
-            </a:r>
-            <a:r>
-              <a:rPr lang="en-US" dirty="0" smtClean="0"/>
-              <a:t> in a gadget to create 0x00 bytes</a:t>
-            </a:r>
-          </a:p>
-          <a:p>
-            <a:r>
-              <a:rPr lang="en-US" dirty="0" smtClean="0"/>
-              <a:t>Finding usable gadgets is hard work</a:t>
-            </a:r>
-          </a:p>
-          <a:p>
-            <a:pPr lvl="1"/>
-            <a:r>
-              <a:rPr lang="en-US" dirty="0" smtClean="0"/>
-              <a:t>Use a tool where you can filter on useful gadgets</a:t>
-            </a:r>
-          </a:p>
-          <a:p>
-            <a:pPr lvl="1"/>
-            <a:r>
-              <a:rPr lang="en-US" dirty="0" smtClean="0"/>
-              <a:t>There exists tools to generate a complete ROP payload based on the flora of available gadgets</a:t>
-            </a:r>
-            <a:endParaRPr lang="en-US" dirty="0"/>
-          </a:p>
-        </p:txBody>
-      </p:sp>
-    </p:spTree>
-    <p:extLst>
-      <p:ext uri="{BB962C8B-B14F-4D97-AF65-F5344CB8AC3E}">
-        <p14:creationId xmlns:p14="http://schemas.microsoft.com/office/powerpoint/2010/main" val="1700955891"/>
-      </p:ext>
-    </p:extLst>
-  </p:cSld>
-  <p:clrMapOvr>
-    <a:masterClrMapping/>
-  </p:clrMapOvr>
-  <p:timing>
-    <p:tnLst>
-      <p:par>
-        <p:cTn xmlns:p14="http://schemas.microsoft.com/office/powerpoint/2010/main" id="1" dur="indefinite" restart="never" nodeType="tmRoot"/>
-      </p:par>
-    </p:tnLst>
-  </p:timing>
-</p:sld>
-</file>
-
-<file path=ppt/slides/slide13.xml><?xml version="1.0" encoding="utf-8"?>
-<p:sld xmlns:a="http://schemas.openxmlformats.org/drawingml/2006/main" xmlns:r="http://schemas.openxmlformats.org/officeDocument/2006/relationships" xmlns:p="http://schemas.openxmlformats.org/presentationml/2006/main">
-  <p:cSld>
-    <p:spTree>
-      <p:nvGrpSpPr>
-        <p:cNvPr id="1" name=""/>
-        <p:cNvGrpSpPr/>
-        <p:nvPr/>
-      </p:nvGrpSpPr>
-      <p:grpSpPr>
-        <a:xfrm>
-          <a:off x="0" y="0"/>
-          <a:ext cx="0" cy="0"/>
-          <a:chOff x="0" y="0"/>
-          <a:chExt cx="0" cy="0"/>
-        </a:xfrm>
-      </p:grpSpPr>
-      <p:pic>
-        <p:nvPicPr>
-          <p:cNvPr id="7" name="Picture 6" descr="main.png"/>
-          <p:cNvPicPr>
-            <a:picLocks noChangeAspect="1"/>
-          </p:cNvPicPr>
-          <p:nvPr/>
-        </p:nvPicPr>
-        <p:blipFill>
-          <a:blip r:embed="rId3">
-            <a:extLst>
-              <a:ext uri="{28A0092B-C50C-407E-A947-70E740481C1C}">
-                <a14:useLocalDpi xmlns:a14="http://schemas.microsoft.com/office/drawing/2010/main" val="0"/>
-              </a:ext>
-            </a:extLst>
-          </a:blip>
-          <a:stretch>
-            <a:fillRect/>
-          </a:stretch>
-        </p:blipFill>
-        <p:spPr>
-          <a:xfrm>
-            <a:off x="539552" y="847870"/>
-            <a:ext cx="7889572" cy="5184576"/>
-          </a:xfrm>
-          <a:prstGeom prst="rect">
-            <a:avLst/>
-          </a:prstGeom>
-        </p:spPr>
-      </p:pic>
-    </p:spTree>
-    <p:extLst>
-      <p:ext uri="{BB962C8B-B14F-4D97-AF65-F5344CB8AC3E}">
-        <p14:creationId xmlns:p14="http://schemas.microsoft.com/office/powerpoint/2010/main" val="1304676583"/>
-      </p:ext>
-    </p:extLst>
-  </p:cSld>
-  <p:clrMapOvr>
-    <a:masterClrMapping/>
-  </p:clrMapOvr>
-  <p:timing>
-    <p:tnLst>
-      <p:par>
-        <p:cTn xmlns:p14="http://schemas.microsoft.com/office/powerpoint/2010/main" id="1" dur="indefinite" restart="never" nodeType="tmRoot"/>
-      </p:par>
-    </p:tnLst>
-  </p:timing>
-</p:sld>
-</file>
-
-<file path=ppt/slides/slide14.xml><?xml version="1.0" encoding="utf-8"?>
-<p:sld xmlns:a="http://schemas.openxmlformats.org/drawingml/2006/main" xmlns:r="http://schemas.openxmlformats.org/officeDocument/2006/relationships" xmlns:p="http://schemas.openxmlformats.org/presentationml/2006/main">
-  <p:cSld>
-    <p:spTree>
-      <p:nvGrpSpPr>
-        <p:cNvPr id="1" name=""/>
-        <p:cNvGrpSpPr/>
-        <p:nvPr/>
-      </p:nvGrpSpPr>
-      <p:grpSpPr>
-        <a:xfrm>
-          <a:off x="0" y="0"/>
-          <a:ext cx="0" cy="0"/>
-          <a:chOff x="0" y="0"/>
-          <a:chExt cx="0" cy="0"/>
-        </a:xfrm>
-      </p:grpSpPr>
       <p:pic>
         <p:nvPicPr>
           <p:cNvPr id="8" name="Picture 7" descr="pstrings.png"/>
@@ -5579,6 +4764,527 @@
 </p:sld>
 </file>
 
+<file path=ppt/slides/slide11.xml><?xml version="1.0" encoding="utf-8"?>
+<p:sld xmlns:a="http://schemas.openxmlformats.org/drawingml/2006/main" xmlns:r="http://schemas.openxmlformats.org/officeDocument/2006/relationships" xmlns:p="http://schemas.openxmlformats.org/presentationml/2006/main">
+  <p:cSld>
+    <p:spTree>
+      <p:nvGrpSpPr>
+        <p:cNvPr id="1" name=""/>
+        <p:cNvGrpSpPr/>
+        <p:nvPr/>
+      </p:nvGrpSpPr>
+      <p:grpSpPr>
+        <a:xfrm>
+          <a:off x="0" y="0"/>
+          <a:ext cx="0" cy="0"/>
+          <a:chOff x="0" y="0"/>
+          <a:chExt cx="0" cy="0"/>
+        </a:xfrm>
+      </p:grpSpPr>
+      <p:sp>
+        <p:nvSpPr>
+          <p:cNvPr id="2" name="Title 1"/>
+          <p:cNvSpPr>
+            <a:spLocks noGrp="1"/>
+          </p:cNvSpPr>
+          <p:nvPr>
+            <p:ph type="title"/>
+          </p:nvPr>
+        </p:nvSpPr>
+        <p:spPr/>
+        <p:txBody>
+          <a:bodyPr/>
+          <a:lstStyle/>
+          <a:p>
+            <a:r>
+              <a:rPr lang="en-US" dirty="0" smtClean="0"/>
+              <a:t>Evolution: then (</a:t>
+            </a:r>
+            <a:r>
+              <a:rPr lang="en-US" dirty="0" err="1" smtClean="0"/>
+              <a:t>pwa</a:t>
+            </a:r>
+            <a:r>
+              <a:rPr lang="en-US" dirty="0" smtClean="0"/>
+              <a:t>)</a:t>
+            </a:r>
+            <a:endParaRPr lang="en-US" dirty="0"/>
+          </a:p>
+        </p:txBody>
+      </p:sp>
+      <p:sp>
+        <p:nvSpPr>
+          <p:cNvPr id="3" name="Content Placeholder 2"/>
+          <p:cNvSpPr>
+            <a:spLocks noGrp="1"/>
+          </p:cNvSpPr>
+          <p:nvPr>
+            <p:ph idx="1"/>
+          </p:nvPr>
+        </p:nvSpPr>
+        <p:spPr/>
+        <p:txBody>
+          <a:bodyPr/>
+          <a:lstStyle/>
+          <a:p>
+            <a:pPr lvl="1"/>
+            <a:r>
+              <a:rPr lang="en-US" dirty="0"/>
+              <a:t>Vanilla stack</a:t>
+            </a:r>
+          </a:p>
+          <a:p>
+            <a:pPr lvl="1"/>
+            <a:r>
+              <a:rPr lang="en-US" dirty="0"/>
+              <a:t>Exploit RET</a:t>
+            </a:r>
+          </a:p>
+          <a:p>
+            <a:endParaRPr lang="en-US" dirty="0"/>
+          </a:p>
+        </p:txBody>
+      </p:sp>
+    </p:spTree>
+    <p:extLst>
+      <p:ext uri="{BB962C8B-B14F-4D97-AF65-F5344CB8AC3E}">
+        <p14:creationId xmlns:p14="http://schemas.microsoft.com/office/powerpoint/2010/main" val="917405343"/>
+      </p:ext>
+    </p:extLst>
+  </p:cSld>
+  <p:clrMapOvr>
+    <a:masterClrMapping/>
+  </p:clrMapOvr>
+</p:sld>
+</file>
+
+<file path=ppt/slides/slide12.xml><?xml version="1.0" encoding="utf-8"?>
+<p:sld xmlns:a="http://schemas.openxmlformats.org/drawingml/2006/main" xmlns:r="http://schemas.openxmlformats.org/officeDocument/2006/relationships" xmlns:p="http://schemas.openxmlformats.org/presentationml/2006/main">
+  <p:cSld>
+    <p:spTree>
+      <p:nvGrpSpPr>
+        <p:cNvPr id="1" name=""/>
+        <p:cNvGrpSpPr/>
+        <p:nvPr/>
+      </p:nvGrpSpPr>
+      <p:grpSpPr>
+        <a:xfrm>
+          <a:off x="0" y="0"/>
+          <a:ext cx="0" cy="0"/>
+          <a:chOff x="0" y="0"/>
+          <a:chExt cx="0" cy="0"/>
+        </a:xfrm>
+      </p:grpSpPr>
+      <p:sp>
+        <p:nvSpPr>
+          <p:cNvPr id="2" name="Title 1"/>
+          <p:cNvSpPr>
+            <a:spLocks noGrp="1"/>
+          </p:cNvSpPr>
+          <p:nvPr>
+            <p:ph type="title"/>
+          </p:nvPr>
+        </p:nvSpPr>
+        <p:spPr/>
+        <p:txBody>
+          <a:bodyPr>
+            <a:normAutofit/>
+          </a:bodyPr>
+          <a:lstStyle/>
+          <a:p>
+            <a:r>
+              <a:rPr lang="en-US" dirty="0" smtClean="0"/>
+              <a:t>Buffer overflow mitigations (</a:t>
+            </a:r>
+            <a:r>
+              <a:rPr lang="en-US" dirty="0" err="1" smtClean="0"/>
+              <a:t>dbu</a:t>
+            </a:r>
+            <a:r>
+              <a:rPr lang="en-US" dirty="0" smtClean="0"/>
+              <a:t>)</a:t>
+            </a:r>
+            <a:endParaRPr lang="en-US" dirty="0"/>
+          </a:p>
+        </p:txBody>
+      </p:sp>
+      <p:sp>
+        <p:nvSpPr>
+          <p:cNvPr id="4" name="Content Placeholder 3"/>
+          <p:cNvSpPr>
+            <a:spLocks noGrp="1"/>
+          </p:cNvSpPr>
+          <p:nvPr>
+            <p:ph idx="1"/>
+          </p:nvPr>
+        </p:nvSpPr>
+        <p:spPr/>
+        <p:txBody>
+          <a:bodyPr/>
+          <a:lstStyle/>
+          <a:p>
+            <a:r>
+              <a:rPr lang="en-US" dirty="0" smtClean="0"/>
+              <a:t>Stack canaries</a:t>
+            </a:r>
+          </a:p>
+          <a:p>
+            <a:r>
+              <a:rPr lang="en-US" dirty="0"/>
+              <a:t>Map libraries to addresses starting with </a:t>
+            </a:r>
+            <a:r>
+              <a:rPr lang="en-US" dirty="0" smtClean="0"/>
+              <a:t>0x00</a:t>
+            </a:r>
+            <a:endParaRPr lang="en-US" dirty="0"/>
+          </a:p>
+          <a:p>
+            <a:r>
+              <a:rPr lang="en-US" dirty="0" smtClean="0"/>
+              <a:t>ASLR</a:t>
+            </a:r>
+          </a:p>
+          <a:p>
+            <a:r>
+              <a:rPr lang="en-US" dirty="0"/>
+              <a:t>Non-executable stack (DEP</a:t>
+            </a:r>
+            <a:r>
+              <a:rPr lang="en-US" dirty="0" smtClean="0"/>
+              <a:t>)</a:t>
+            </a:r>
+            <a:endParaRPr lang="en-US" dirty="0"/>
+          </a:p>
+        </p:txBody>
+      </p:sp>
+    </p:spTree>
+    <p:extLst>
+      <p:ext uri="{BB962C8B-B14F-4D97-AF65-F5344CB8AC3E}">
+        <p14:creationId xmlns:p14="http://schemas.microsoft.com/office/powerpoint/2010/main" val="3772370395"/>
+      </p:ext>
+    </p:extLst>
+  </p:cSld>
+  <p:clrMapOvr>
+    <a:masterClrMapping/>
+  </p:clrMapOvr>
+  <p:timing>
+    <p:tnLst>
+      <p:par>
+        <p:cTn xmlns:p14="http://schemas.microsoft.com/office/powerpoint/2010/main" id="1" dur="indefinite" restart="never" nodeType="tmRoot"/>
+      </p:par>
+    </p:tnLst>
+  </p:timing>
+</p:sld>
+</file>
+
+<file path=ppt/slides/slide13.xml><?xml version="1.0" encoding="utf-8"?>
+<p:sld xmlns:a="http://schemas.openxmlformats.org/drawingml/2006/main" xmlns:r="http://schemas.openxmlformats.org/officeDocument/2006/relationships" xmlns:p="http://schemas.openxmlformats.org/presentationml/2006/main">
+  <p:cSld>
+    <p:spTree>
+      <p:nvGrpSpPr>
+        <p:cNvPr id="1" name=""/>
+        <p:cNvGrpSpPr/>
+        <p:nvPr/>
+      </p:nvGrpSpPr>
+      <p:grpSpPr>
+        <a:xfrm>
+          <a:off x="0" y="0"/>
+          <a:ext cx="0" cy="0"/>
+          <a:chOff x="0" y="0"/>
+          <a:chExt cx="0" cy="0"/>
+        </a:xfrm>
+      </p:grpSpPr>
+      <p:sp>
+        <p:nvSpPr>
+          <p:cNvPr id="2" name="Title 1"/>
+          <p:cNvSpPr>
+            <a:spLocks noGrp="1"/>
+          </p:cNvSpPr>
+          <p:nvPr>
+            <p:ph type="title"/>
+          </p:nvPr>
+        </p:nvSpPr>
+        <p:spPr/>
+        <p:txBody>
+          <a:bodyPr/>
+          <a:lstStyle/>
+          <a:p>
+            <a:r>
+              <a:rPr lang="en-US" dirty="0" smtClean="0"/>
+              <a:t>TODO: Canaries slides (</a:t>
+            </a:r>
+            <a:r>
+              <a:rPr lang="en-US" dirty="0" err="1" smtClean="0"/>
+              <a:t>pwa</a:t>
+            </a:r>
+            <a:r>
+              <a:rPr lang="en-US" dirty="0" smtClean="0"/>
+              <a:t>)</a:t>
+            </a:r>
+            <a:endParaRPr lang="en-US" dirty="0"/>
+          </a:p>
+        </p:txBody>
+      </p:sp>
+      <p:sp>
+        <p:nvSpPr>
+          <p:cNvPr id="4" name="TextBox 3"/>
+          <p:cNvSpPr txBox="1"/>
+          <p:nvPr/>
+        </p:nvSpPr>
+        <p:spPr>
+          <a:xfrm>
+            <a:off x="2699792" y="2564904"/>
+            <a:ext cx="3082895" cy="2031325"/>
+          </a:xfrm>
+          <a:prstGeom prst="rect">
+            <a:avLst/>
+          </a:prstGeom>
+          <a:noFill/>
+        </p:spPr>
+        <p:txBody>
+          <a:bodyPr wrap="none" rtlCol="0">
+            <a:spAutoFit/>
+          </a:bodyPr>
+          <a:lstStyle/>
+          <a:p>
+            <a:r>
+              <a:rPr lang="en-US" dirty="0" err="1" smtClean="0"/>
+              <a:t>Historie</a:t>
+            </a:r>
+            <a:endParaRPr lang="en-US" dirty="0" smtClean="0"/>
+          </a:p>
+          <a:p>
+            <a:r>
+              <a:rPr lang="en-US" dirty="0" err="1" smtClean="0"/>
+              <a:t>Gcc</a:t>
+            </a:r>
+            <a:r>
+              <a:rPr lang="en-US" dirty="0" smtClean="0"/>
+              <a:t> / </a:t>
+            </a:r>
+            <a:r>
+              <a:rPr lang="en-US" dirty="0" err="1" smtClean="0"/>
+              <a:t>glibc</a:t>
+            </a:r>
+            <a:endParaRPr lang="en-US" dirty="0" smtClean="0"/>
+          </a:p>
+          <a:p>
+            <a:r>
+              <a:rPr lang="en-US" dirty="0" smtClean="0"/>
+              <a:t>Vise pro / epilog slide</a:t>
+            </a:r>
+          </a:p>
+          <a:p>
+            <a:r>
+              <a:rPr lang="en-US" dirty="0" smtClean="0"/>
+              <a:t>Vise stack med SSP</a:t>
+            </a:r>
+          </a:p>
+          <a:p>
+            <a:r>
+              <a:rPr lang="en-US" dirty="0" err="1" smtClean="0"/>
+              <a:t>Forklare</a:t>
+            </a:r>
+            <a:r>
+              <a:rPr lang="en-US" dirty="0" smtClean="0"/>
+              <a:t> info leak</a:t>
+            </a:r>
+          </a:p>
+          <a:p>
+            <a:r>
+              <a:rPr lang="en-US" dirty="0" smtClean="0"/>
+              <a:t>Vise slide med exploit med SSP</a:t>
+            </a:r>
+          </a:p>
+          <a:p>
+            <a:r>
+              <a:rPr lang="en-US" dirty="0" smtClean="0"/>
+              <a:t>DEMO</a:t>
+            </a:r>
+          </a:p>
+        </p:txBody>
+      </p:sp>
+    </p:spTree>
+    <p:extLst>
+      <p:ext uri="{BB962C8B-B14F-4D97-AF65-F5344CB8AC3E}">
+        <p14:creationId xmlns:p14="http://schemas.microsoft.com/office/powerpoint/2010/main" val="3498650002"/>
+      </p:ext>
+    </p:extLst>
+  </p:cSld>
+  <p:clrMapOvr>
+    <a:masterClrMapping/>
+  </p:clrMapOvr>
+</p:sld>
+</file>
+
+<file path=ppt/slides/slide14.xml><?xml version="1.0" encoding="utf-8"?>
+<p:sld xmlns:a="http://schemas.openxmlformats.org/drawingml/2006/main" xmlns:r="http://schemas.openxmlformats.org/officeDocument/2006/relationships" xmlns:p="http://schemas.openxmlformats.org/presentationml/2006/main">
+  <p:cSld>
+    <p:spTree>
+      <p:nvGrpSpPr>
+        <p:cNvPr id="1" name=""/>
+        <p:cNvGrpSpPr/>
+        <p:nvPr/>
+      </p:nvGrpSpPr>
+      <p:grpSpPr>
+        <a:xfrm>
+          <a:off x="0" y="0"/>
+          <a:ext cx="0" cy="0"/>
+          <a:chOff x="0" y="0"/>
+          <a:chExt cx="0" cy="0"/>
+        </a:xfrm>
+      </p:grpSpPr>
+      <p:sp>
+        <p:nvSpPr>
+          <p:cNvPr id="2" name="Title 1"/>
+          <p:cNvSpPr>
+            <a:spLocks noGrp="1"/>
+          </p:cNvSpPr>
+          <p:nvPr>
+            <p:ph type="title"/>
+          </p:nvPr>
+        </p:nvSpPr>
+        <p:spPr/>
+        <p:txBody>
+          <a:bodyPr/>
+          <a:lstStyle/>
+          <a:p>
+            <a:r>
+              <a:rPr lang="en-US" dirty="0" smtClean="0"/>
+              <a:t>Evolution: then and </a:t>
+            </a:r>
+            <a:r>
+              <a:rPr lang="en-US" dirty="0" smtClean="0"/>
+              <a:t>now (</a:t>
+            </a:r>
+            <a:r>
+              <a:rPr lang="en-US" dirty="0" err="1" smtClean="0"/>
+              <a:t>dbu</a:t>
+            </a:r>
+            <a:r>
+              <a:rPr lang="en-US" dirty="0" smtClean="0"/>
+              <a:t>)???</a:t>
+            </a:r>
+            <a:endParaRPr lang="en-US" dirty="0"/>
+          </a:p>
+        </p:txBody>
+      </p:sp>
+      <p:sp>
+        <p:nvSpPr>
+          <p:cNvPr id="3" name="Content Placeholder 2"/>
+          <p:cNvSpPr>
+            <a:spLocks noGrp="1"/>
+          </p:cNvSpPr>
+          <p:nvPr>
+            <p:ph idx="1"/>
+          </p:nvPr>
+        </p:nvSpPr>
+        <p:spPr/>
+        <p:txBody>
+          <a:bodyPr>
+            <a:normAutofit/>
+          </a:bodyPr>
+          <a:lstStyle/>
+          <a:p>
+            <a:r>
+              <a:rPr lang="en-US" dirty="0" smtClean="0"/>
+              <a:t>Return-to-</a:t>
+            </a:r>
+            <a:r>
+              <a:rPr lang="en-US" dirty="0" err="1" smtClean="0"/>
+              <a:t>libc</a:t>
+            </a:r>
+            <a:r>
+              <a:rPr lang="en-US" dirty="0" smtClean="0"/>
+              <a:t> attack</a:t>
+            </a:r>
+          </a:p>
+          <a:p>
+            <a:pPr lvl="1"/>
+            <a:r>
+              <a:rPr lang="en-US" dirty="0" smtClean="0"/>
+              <a:t>Overwrite the return address like in the </a:t>
+            </a:r>
+            <a:r>
+              <a:rPr lang="en-US" dirty="0"/>
+              <a:t>traditional attack and </a:t>
+            </a:r>
+            <a:r>
+              <a:rPr lang="en-US" dirty="0" smtClean="0"/>
+              <a:t>point </a:t>
+            </a:r>
+            <a:r>
+              <a:rPr lang="en-US" dirty="0"/>
+              <a:t>it to a function in </a:t>
+            </a:r>
+            <a:r>
+              <a:rPr lang="en-US" dirty="0" err="1" smtClean="0"/>
+              <a:t>libc</a:t>
+            </a:r>
+            <a:endParaRPr lang="en-US" dirty="0" smtClean="0"/>
+          </a:p>
+          <a:p>
+            <a:pPr lvl="1"/>
+            <a:r>
+              <a:rPr lang="en-US" dirty="0" smtClean="0"/>
+              <a:t>When </a:t>
+            </a:r>
+            <a:r>
+              <a:rPr lang="en-US" dirty="0" smtClean="0">
+                <a:latin typeface="Courier New"/>
+              </a:rPr>
+              <a:t>ret</a:t>
+            </a:r>
+            <a:r>
+              <a:rPr lang="en-US" dirty="0" smtClean="0"/>
+              <a:t> is performed the attacker controls the address (e.g. the system() function call)</a:t>
+            </a:r>
+          </a:p>
+          <a:p>
+            <a:pPr lvl="1"/>
+            <a:r>
+              <a:rPr lang="en-US" dirty="0" smtClean="0"/>
+              <a:t>She can write her own stack frame data beyond the ret address: (e.g. pointer to “/bin/</a:t>
+            </a:r>
+            <a:r>
+              <a:rPr lang="en-US" dirty="0" err="1" smtClean="0"/>
+              <a:t>sh</a:t>
+            </a:r>
+            <a:r>
+              <a:rPr lang="en-US" dirty="0" smtClean="0"/>
+              <a:t>”)</a:t>
+            </a:r>
+          </a:p>
+          <a:p>
+            <a:pPr lvl="1"/>
+            <a:r>
+              <a:rPr lang="en-US" dirty="0" smtClean="0"/>
+              <a:t>Limited to one function call (which might not be enough in all cases)</a:t>
+            </a:r>
+          </a:p>
+        </p:txBody>
+      </p:sp>
+    </p:spTree>
+    <p:extLst>
+      <p:ext uri="{BB962C8B-B14F-4D97-AF65-F5344CB8AC3E}">
+        <p14:creationId xmlns:p14="http://schemas.microsoft.com/office/powerpoint/2010/main" val="3393532301"/>
+      </p:ext>
+    </p:extLst>
+  </p:cSld>
+  <p:clrMapOvr>
+    <a:masterClrMapping/>
+  </p:clrMapOvr>
+  <p:timing>
+    <p:tnLst>
+      <p:par>
+        <p:cTn xmlns:p14="http://schemas.microsoft.com/office/powerpoint/2010/main" id="1" dur="indefinite" restart="never" nodeType="tmRoot"/>
+      </p:par>
+    </p:tnLst>
+  </p:timing>
+</p:sld>
+</file>
+
 <file path=ppt/slides/slide15.xml><?xml version="1.0" encoding="utf-8"?>
 <p:sld xmlns:a="http://schemas.openxmlformats.org/drawingml/2006/main" xmlns:r="http://schemas.openxmlformats.org/officeDocument/2006/relationships" xmlns:p="http://schemas.openxmlformats.org/presentationml/2006/main">
   <p:cSld>
@@ -5596,40 +5302,139 @@
           <a:chExt cx="0" cy="0"/>
         </a:xfrm>
       </p:grpSpPr>
-      <p:pic>
-        <p:nvPicPr>
-          <p:cNvPr id="7" name="Picture 6" descr="layer0.jpg"/>
-          <p:cNvPicPr>
-            <a:picLocks noChangeAspect="1"/>
-          </p:cNvPicPr>
+      <p:sp>
+        <p:nvSpPr>
+          <p:cNvPr id="2" name="Title 1"/>
+          <p:cNvSpPr>
+            <a:spLocks noGrp="1"/>
+          </p:cNvSpPr>
+          <p:nvPr>
+            <p:ph type="title"/>
+          </p:nvPr>
+        </p:nvSpPr>
+        <p:spPr/>
+        <p:txBody>
+          <a:bodyPr/>
+          <a:lstStyle/>
+          <a:p>
+            <a:r>
+              <a:rPr lang="en-US" dirty="0" smtClean="0"/>
+              <a:t>TODO: ASLR slides (</a:t>
+            </a:r>
+            <a:r>
+              <a:rPr lang="en-US" dirty="0" err="1" smtClean="0"/>
+              <a:t>pwa</a:t>
+            </a:r>
+            <a:r>
+              <a:rPr lang="en-US" dirty="0" smtClean="0"/>
+              <a:t>)</a:t>
+            </a:r>
+            <a:endParaRPr lang="en-US" dirty="0"/>
+          </a:p>
+        </p:txBody>
+      </p:sp>
+      <p:sp>
+        <p:nvSpPr>
+          <p:cNvPr id="5" name="TextBox 4"/>
+          <p:cNvSpPr txBox="1"/>
           <p:nvPr/>
-        </p:nvPicPr>
-        <p:blipFill>
-          <a:blip r:embed="rId2" cstate="print">
-            <a:extLst>
-              <a:ext uri="{28A0092B-C50C-407E-A947-70E740481C1C}">
-                <a14:useLocalDpi xmlns:a14="http://schemas.microsoft.com/office/drawing/2010/main" val="0"/>
-              </a:ext>
-            </a:extLst>
-          </a:blip>
-          <a:stretch>
-            <a:fillRect/>
-          </a:stretch>
-        </p:blipFill>
+        </p:nvSpPr>
         <p:spPr>
           <a:xfrm>
-            <a:off x="1835696" y="0"/>
-            <a:ext cx="4848301" cy="6858000"/>
+            <a:off x="2987824" y="2708920"/>
+            <a:ext cx="3396257" cy="1754327"/>
           </a:xfrm>
           <a:prstGeom prst="rect">
             <a:avLst/>
           </a:prstGeom>
+          <a:noFill/>
         </p:spPr>
-      </p:pic>
+        <p:txBody>
+          <a:bodyPr wrap="none" rtlCol="0">
+            <a:spAutoFit/>
+          </a:bodyPr>
+          <a:lstStyle/>
+          <a:p>
+            <a:r>
+              <a:rPr lang="en-US" dirty="0" err="1" smtClean="0"/>
+              <a:t>Historie</a:t>
+            </a:r>
+            <a:endParaRPr lang="en-US" dirty="0" smtClean="0"/>
+          </a:p>
+          <a:p>
+            <a:r>
+              <a:rPr lang="en-US" dirty="0" smtClean="0"/>
+              <a:t>ASLR slide</a:t>
+            </a:r>
+          </a:p>
+          <a:p>
+            <a:r>
+              <a:rPr lang="en-US" dirty="0" err="1" smtClean="0"/>
+              <a:t>Gcc</a:t>
+            </a:r>
+            <a:r>
+              <a:rPr lang="en-US" dirty="0" smtClean="0"/>
+              <a:t> / </a:t>
+            </a:r>
+            <a:r>
+              <a:rPr lang="en-US" dirty="0" err="1" smtClean="0"/>
+              <a:t>glibc</a:t>
+            </a:r>
+            <a:endParaRPr lang="en-US" dirty="0" smtClean="0"/>
+          </a:p>
+          <a:p>
+            <a:r>
+              <a:rPr lang="en-US" dirty="0" smtClean="0"/>
+              <a:t>Vise at </a:t>
+            </a:r>
+            <a:r>
+              <a:rPr lang="en-US" dirty="0" err="1" smtClean="0"/>
+              <a:t>addressen</a:t>
+            </a:r>
+            <a:r>
+              <a:rPr lang="en-US" dirty="0" smtClean="0"/>
+              <a:t> </a:t>
+            </a:r>
+            <a:r>
+              <a:rPr lang="en-US" dirty="0" err="1" smtClean="0"/>
+              <a:t>endrer</a:t>
+            </a:r>
+            <a:r>
+              <a:rPr lang="en-US" dirty="0" smtClean="0"/>
+              <a:t> </a:t>
+            </a:r>
+            <a:r>
+              <a:rPr lang="en-US" dirty="0" err="1" smtClean="0"/>
+              <a:t>seg</a:t>
+            </a:r>
+            <a:r>
+              <a:rPr lang="en-US" dirty="0" smtClean="0"/>
+              <a:t> I </a:t>
+            </a:r>
+            <a:r>
+              <a:rPr lang="en-US" dirty="0" err="1" smtClean="0"/>
+              <a:t>gdb</a:t>
+            </a:r>
+            <a:endParaRPr lang="en-US" dirty="0" smtClean="0"/>
+          </a:p>
+          <a:p>
+            <a:r>
+              <a:rPr lang="en-US" dirty="0" smtClean="0"/>
+              <a:t>Vise info leak</a:t>
+            </a:r>
+          </a:p>
+          <a:p>
+            <a:r>
+              <a:rPr lang="en-US" dirty="0" smtClean="0"/>
+              <a:t>DEMO?</a:t>
+            </a:r>
+          </a:p>
+        </p:txBody>
+      </p:sp>
     </p:spTree>
     <p:extLst>
       <p:ext uri="{BB962C8B-B14F-4D97-AF65-F5344CB8AC3E}">
-        <p14:creationId xmlns:p14="http://schemas.microsoft.com/office/powerpoint/2010/main" val="1848165599"/>
+        <p14:creationId xmlns:p14="http://schemas.microsoft.com/office/powerpoint/2010/main" val="1005865055"/>
       </p:ext>
     </p:extLst>
   </p:cSld>
@@ -5663,53 +5468,109 @@
           <a:chExt cx="0" cy="0"/>
         </a:xfrm>
       </p:grpSpPr>
-      <p:pic>
-        <p:nvPicPr>
-          <p:cNvPr id="4" name="Picture 3" descr="layer1.jpg"/>
-          <p:cNvPicPr>
-            <a:picLocks noChangeAspect="1"/>
-          </p:cNvPicPr>
+      <p:sp>
+        <p:nvSpPr>
+          <p:cNvPr id="2" name="Title 1"/>
+          <p:cNvSpPr>
+            <a:spLocks noGrp="1"/>
+          </p:cNvSpPr>
+          <p:nvPr>
+            <p:ph type="title"/>
+          </p:nvPr>
+        </p:nvSpPr>
+        <p:spPr/>
+        <p:txBody>
+          <a:bodyPr/>
+          <a:lstStyle/>
+          <a:p>
+            <a:r>
+              <a:rPr lang="en-US" dirty="0" smtClean="0"/>
+              <a:t>TODO: </a:t>
+            </a:r>
+            <a:r>
+              <a:rPr lang="en-US" dirty="0" err="1" smtClean="0"/>
+              <a:t>Dep</a:t>
+            </a:r>
+            <a:r>
+              <a:rPr lang="en-US" dirty="0" smtClean="0"/>
+              <a:t> slides (</a:t>
+            </a:r>
+            <a:r>
+              <a:rPr lang="en-US" dirty="0" err="1" smtClean="0"/>
+              <a:t>pwa</a:t>
+            </a:r>
+            <a:r>
+              <a:rPr lang="en-US" dirty="0" smtClean="0"/>
+              <a:t>)</a:t>
+            </a:r>
+            <a:endParaRPr lang="en-US" dirty="0"/>
+          </a:p>
+        </p:txBody>
+      </p:sp>
+      <p:sp>
+        <p:nvSpPr>
+          <p:cNvPr id="4" name="TextBox 3"/>
+          <p:cNvSpPr txBox="1"/>
           <p:nvPr/>
-        </p:nvPicPr>
-        <p:blipFill>
-          <a:blip r:embed="rId2" cstate="print">
-            <a:extLst>
-              <a:ext uri="{28A0092B-C50C-407E-A947-70E740481C1C}">
-                <a14:useLocalDpi xmlns:a14="http://schemas.microsoft.com/office/drawing/2010/main" val="0"/>
-              </a:ext>
-            </a:extLst>
-          </a:blip>
-          <a:stretch>
-            <a:fillRect/>
-          </a:stretch>
-        </p:blipFill>
+        </p:nvSpPr>
         <p:spPr>
           <a:xfrm>
-            <a:off x="1835696" y="0"/>
-            <a:ext cx="4848301" cy="6858000"/>
+            <a:off x="4684316" y="2623983"/>
+            <a:ext cx="2108269" cy="1200329"/>
           </a:xfrm>
           <a:prstGeom prst="rect">
             <a:avLst/>
           </a:prstGeom>
+          <a:noFill/>
         </p:spPr>
-      </p:pic>
+        <p:txBody>
+          <a:bodyPr wrap="none" rtlCol="0">
+            <a:spAutoFit/>
+          </a:bodyPr>
+          <a:lstStyle/>
+          <a:p>
+            <a:r>
+              <a:rPr lang="en-US" dirty="0" err="1" smtClean="0"/>
+              <a:t>Historie</a:t>
+            </a:r>
+            <a:endParaRPr lang="en-US" dirty="0"/>
+          </a:p>
+          <a:p>
+            <a:r>
+              <a:rPr lang="en-US" dirty="0" err="1" smtClean="0"/>
+              <a:t>Implementasjon</a:t>
+            </a:r>
+            <a:endParaRPr lang="en-US" dirty="0" smtClean="0"/>
+          </a:p>
+          <a:p>
+            <a:r>
+              <a:rPr lang="en-US" dirty="0" smtClean="0"/>
+              <a:t>Vise /</a:t>
+            </a:r>
+            <a:r>
+              <a:rPr lang="en-US" dirty="0" err="1" smtClean="0"/>
+              <a:t>proc</a:t>
+            </a:r>
+            <a:r>
+              <a:rPr lang="en-US" dirty="0" smtClean="0"/>
+              <a:t>/sys/maps</a:t>
+            </a:r>
+          </a:p>
+          <a:p>
+            <a:endParaRPr lang="en-US" dirty="0"/>
+          </a:p>
+        </p:txBody>
+      </p:sp>
     </p:spTree>
     <p:extLst>
       <p:ext uri="{BB962C8B-B14F-4D97-AF65-F5344CB8AC3E}">
-        <p14:creationId xmlns:p14="http://schemas.microsoft.com/office/powerpoint/2010/main" val="1615821201"/>
+        <p14:creationId xmlns:p14="http://schemas.microsoft.com/office/powerpoint/2010/main" val="3445304644"/>
       </p:ext>
     </p:extLst>
   </p:cSld>
   <p:clrMapOvr>
     <a:masterClrMapping/>
   </p:clrMapOvr>
-  <p:timing>
-    <p:tnLst>
-      <p:par>
-        <p:cTn xmlns:p14="http://schemas.microsoft.com/office/powerpoint/2010/main" id="1" dur="indefinite" restart="never" nodeType="tmRoot"/>
-      </p:par>
-    </p:tnLst>
-  </p:timing>
 </p:sld>
 </file>
 
@@ -5730,40 +5591,114 @@
           <a:chExt cx="0" cy="0"/>
         </a:xfrm>
       </p:grpSpPr>
-      <p:pic>
-        <p:nvPicPr>
-          <p:cNvPr id="4" name="Picture 3" descr="layer2.jpg"/>
-          <p:cNvPicPr>
-            <a:picLocks noChangeAspect="1"/>
-          </p:cNvPicPr>
-          <p:nvPr/>
-        </p:nvPicPr>
-        <p:blipFill>
-          <a:blip r:embed="rId2" cstate="print">
-            <a:extLst>
-              <a:ext uri="{28A0092B-C50C-407E-A947-70E740481C1C}">
-                <a14:useLocalDpi xmlns:a14="http://schemas.microsoft.com/office/drawing/2010/main" val="0"/>
-              </a:ext>
-            </a:extLst>
-          </a:blip>
-          <a:stretch>
-            <a:fillRect/>
-          </a:stretch>
-        </p:blipFill>
-        <p:spPr>
-          <a:xfrm>
-            <a:off x="1835696" y="0"/>
-            <a:ext cx="4848301" cy="6858000"/>
-          </a:xfrm>
-          <a:prstGeom prst="rect">
-            <a:avLst/>
-          </a:prstGeom>
-        </p:spPr>
-      </p:pic>
+      <p:sp>
+        <p:nvSpPr>
+          <p:cNvPr id="2" name="Title 1"/>
+          <p:cNvSpPr>
+            <a:spLocks noGrp="1"/>
+          </p:cNvSpPr>
+          <p:nvPr>
+            <p:ph type="title"/>
+          </p:nvPr>
+        </p:nvSpPr>
+        <p:spPr/>
+        <p:txBody>
+          <a:bodyPr>
+            <a:normAutofit fontScale="90000"/>
+          </a:bodyPr>
+          <a:lstStyle/>
+          <a:p>
+            <a:r>
+              <a:rPr lang="en-US" dirty="0" smtClean="0"/>
+              <a:t>Return Oriented Programming (</a:t>
+            </a:r>
+            <a:r>
+              <a:rPr lang="en-US" dirty="0" err="1" smtClean="0"/>
+              <a:t>dbu</a:t>
+            </a:r>
+            <a:r>
+              <a:rPr lang="en-US" dirty="0" smtClean="0"/>
+              <a:t>)</a:t>
+            </a:r>
+            <a:endParaRPr lang="en-US" dirty="0"/>
+          </a:p>
+        </p:txBody>
+      </p:sp>
+      <p:sp>
+        <p:nvSpPr>
+          <p:cNvPr id="3" name="Content Placeholder 2"/>
+          <p:cNvSpPr>
+            <a:spLocks noGrp="1"/>
+          </p:cNvSpPr>
+          <p:nvPr>
+            <p:ph idx="1"/>
+          </p:nvPr>
+        </p:nvSpPr>
+        <p:spPr/>
+        <p:txBody>
+          <a:bodyPr/>
+          <a:lstStyle/>
+          <a:p>
+            <a:pPr lvl="1"/>
+            <a:r>
+              <a:rPr lang="en-US" dirty="0" smtClean="0"/>
+              <a:t>Extension </a:t>
+            </a:r>
+            <a:r>
+              <a:rPr lang="en-US" dirty="0" smtClean="0"/>
+              <a:t>of return-to-</a:t>
+            </a:r>
+            <a:r>
+              <a:rPr lang="en-US" dirty="0" err="1" smtClean="0"/>
+              <a:t>libc</a:t>
+            </a:r>
+            <a:endParaRPr lang="en-US" dirty="0" smtClean="0"/>
+          </a:p>
+          <a:p>
+            <a:pPr lvl="1"/>
+            <a:r>
+              <a:rPr lang="en-US" dirty="0"/>
+              <a:t>C</a:t>
+            </a:r>
+            <a:r>
+              <a:rPr lang="en-US" dirty="0" smtClean="0"/>
+              <a:t>reate multiple stack frames after each other</a:t>
+            </a:r>
+          </a:p>
+          <a:p>
+            <a:pPr lvl="1"/>
+            <a:r>
+              <a:rPr lang="en-US" dirty="0" smtClean="0"/>
+              <a:t>Chain together addresses with instructions ending in </a:t>
+            </a:r>
+            <a:r>
+              <a:rPr lang="en-US" dirty="0" smtClean="0">
+                <a:latin typeface="Courier New"/>
+              </a:rPr>
+              <a:t>ret</a:t>
+            </a:r>
+            <a:r>
+              <a:rPr lang="en-US" dirty="0" smtClean="0"/>
+              <a:t> (known as gadgets)</a:t>
+            </a:r>
+          </a:p>
+          <a:p>
+            <a:pPr lvl="1"/>
+            <a:r>
+              <a:rPr lang="en-US" dirty="0"/>
+              <a:t> </a:t>
+            </a:r>
+            <a:r>
+              <a:rPr lang="en-US" dirty="0" smtClean="0"/>
+              <a:t>The hard part is finding suitable gadgets and where they are mapped in the address space</a:t>
+            </a:r>
+          </a:p>
+        </p:txBody>
+      </p:sp>
     </p:spTree>
     <p:extLst>
       <p:ext uri="{BB962C8B-B14F-4D97-AF65-F5344CB8AC3E}">
-        <p14:creationId xmlns:p14="http://schemas.microsoft.com/office/powerpoint/2010/main" val="1777081037"/>
+        <p14:creationId xmlns:p14="http://schemas.microsoft.com/office/powerpoint/2010/main" val="15523703"/>
       </p:ext>
     </p:extLst>
   </p:cSld>
@@ -5797,40 +5732,140 @@
           <a:chExt cx="0" cy="0"/>
         </a:xfrm>
       </p:grpSpPr>
-      <p:pic>
-        <p:nvPicPr>
-          <p:cNvPr id="4" name="Picture 3" descr="layer3.jpg"/>
-          <p:cNvPicPr>
-            <a:picLocks noChangeAspect="1"/>
-          </p:cNvPicPr>
-          <p:nvPr/>
-        </p:nvPicPr>
-        <p:blipFill>
-          <a:blip r:embed="rId2" cstate="print">
-            <a:extLst>
-              <a:ext uri="{28A0092B-C50C-407E-A947-70E740481C1C}">
-                <a14:useLocalDpi xmlns:a14="http://schemas.microsoft.com/office/drawing/2010/main" val="0"/>
-              </a:ext>
-            </a:extLst>
-          </a:blip>
-          <a:stretch>
-            <a:fillRect/>
-          </a:stretch>
-        </p:blipFill>
-        <p:spPr>
-          <a:xfrm>
-            <a:off x="1835696" y="0"/>
-            <a:ext cx="4848301" cy="6858000"/>
-          </a:xfrm>
-          <a:prstGeom prst="rect">
-            <a:avLst/>
-          </a:prstGeom>
-        </p:spPr>
-      </p:pic>
+      <p:sp>
+        <p:nvSpPr>
+          <p:cNvPr id="2" name="Title 1"/>
+          <p:cNvSpPr>
+            <a:spLocks noGrp="1"/>
+          </p:cNvSpPr>
+          <p:nvPr>
+            <p:ph type="title"/>
+          </p:nvPr>
+        </p:nvSpPr>
+        <p:spPr/>
+        <p:txBody>
+          <a:bodyPr/>
+          <a:lstStyle/>
+          <a:p>
+            <a:r>
+              <a:rPr lang="en-US" dirty="0" smtClean="0"/>
+              <a:t>ROP challenges	</a:t>
+            </a:r>
+            <a:endParaRPr lang="en-US" dirty="0"/>
+          </a:p>
+        </p:txBody>
+      </p:sp>
+      <p:sp>
+        <p:nvSpPr>
+          <p:cNvPr id="3" name="Content Placeholder 2"/>
+          <p:cNvSpPr>
+            <a:spLocks noGrp="1"/>
+          </p:cNvSpPr>
+          <p:nvPr>
+            <p:ph idx="1"/>
+          </p:nvPr>
+        </p:nvSpPr>
+        <p:spPr/>
+        <p:txBody>
+          <a:bodyPr>
+            <a:normAutofit lnSpcReduction="10000"/>
+          </a:bodyPr>
+          <a:lstStyle/>
+          <a:p>
+            <a:r>
+              <a:rPr lang="en-US" dirty="0" smtClean="0"/>
+              <a:t>If exploiting </a:t>
+            </a:r>
+            <a:r>
+              <a:rPr lang="en-US" dirty="0" err="1" smtClean="0"/>
+              <a:t>strcpy</a:t>
+            </a:r>
+            <a:r>
+              <a:rPr lang="en-US" dirty="0" smtClean="0"/>
+              <a:t> no NUL bytes may be present in the payload</a:t>
+            </a:r>
+          </a:p>
+          <a:p>
+            <a:pPr lvl="1"/>
+            <a:r>
+              <a:rPr lang="en-US" dirty="0" smtClean="0"/>
+              <a:t>Use </a:t>
+            </a:r>
+            <a:r>
+              <a:rPr lang="en-US" dirty="0" smtClean="0">
+                <a:latin typeface="Courier New"/>
+              </a:rPr>
+              <a:t>xor / </a:t>
+            </a:r>
+            <a:r>
+              <a:rPr lang="en-US" dirty="0" err="1" smtClean="0">
+                <a:latin typeface="Courier New"/>
+              </a:rPr>
+              <a:t>incr</a:t>
+            </a:r>
+            <a:r>
+              <a:rPr lang="en-US" dirty="0" smtClean="0">
+                <a:latin typeface="Courier New"/>
+              </a:rPr>
+              <a:t> / </a:t>
+            </a:r>
+            <a:r>
+              <a:rPr lang="en-US" dirty="0" err="1" smtClean="0">
+                <a:latin typeface="Courier New"/>
+              </a:rPr>
+              <a:t>decr</a:t>
+            </a:r>
+            <a:r>
+              <a:rPr lang="en-US" dirty="0" smtClean="0"/>
+              <a:t> in a gadget to create 0x00 bytes</a:t>
+            </a:r>
+          </a:p>
+          <a:p>
+            <a:r>
+              <a:rPr lang="en-US" dirty="0" smtClean="0"/>
+              <a:t>Finding usable gadgets </a:t>
+            </a:r>
+            <a:r>
+              <a:rPr lang="en-US" dirty="0" smtClean="0"/>
+              <a:t>can be hard </a:t>
+            </a:r>
+            <a:r>
+              <a:rPr lang="en-US" dirty="0" smtClean="0"/>
+              <a:t>work</a:t>
+            </a:r>
+          </a:p>
+          <a:p>
+            <a:pPr lvl="1"/>
+            <a:r>
+              <a:rPr lang="en-US" dirty="0" smtClean="0"/>
+              <a:t>Use a tool where you can filter on useful gadgets</a:t>
+            </a:r>
+          </a:p>
+          <a:p>
+            <a:pPr lvl="1"/>
+            <a:r>
+              <a:rPr lang="en-US" dirty="0" smtClean="0"/>
+              <a:t>There exists tools to generate a complete ROP payload based on the flora of available </a:t>
+            </a:r>
+            <a:r>
+              <a:rPr lang="en-US" dirty="0" smtClean="0"/>
+              <a:t>gadgets</a:t>
+            </a:r>
+          </a:p>
+          <a:p>
+            <a:pPr lvl="1"/>
+            <a:r>
+              <a:rPr lang="en-US" dirty="0" smtClean="0"/>
+              <a:t>An attacker can abuse non-aligned instructions</a:t>
+            </a:r>
+            <a:endParaRPr lang="en-US" dirty="0"/>
+          </a:p>
+        </p:txBody>
+      </p:sp>
     </p:spTree>
     <p:extLst>
       <p:ext uri="{BB962C8B-B14F-4D97-AF65-F5344CB8AC3E}">
-        <p14:creationId xmlns:p14="http://schemas.microsoft.com/office/powerpoint/2010/main" val="831137622"/>
+        <p14:creationId xmlns:p14="http://schemas.microsoft.com/office/powerpoint/2010/main" val="1700955891"/>
       </p:ext>
     </p:extLst>
   </p:cSld>
@@ -5864,40 +5899,119 @@
           <a:chExt cx="0" cy="0"/>
         </a:xfrm>
       </p:grpSpPr>
-      <p:pic>
-        <p:nvPicPr>
-          <p:cNvPr id="2" name="Picture 1" descr="layer4.jpg"/>
-          <p:cNvPicPr>
-            <a:picLocks noChangeAspect="1"/>
-          </p:cNvPicPr>
-          <p:nvPr/>
-        </p:nvPicPr>
-        <p:blipFill>
-          <a:blip r:embed="rId2" cstate="print">
-            <a:extLst>
-              <a:ext uri="{28A0092B-C50C-407E-A947-70E740481C1C}">
-                <a14:useLocalDpi xmlns:a14="http://schemas.microsoft.com/office/drawing/2010/main" val="0"/>
-              </a:ext>
-            </a:extLst>
-          </a:blip>
-          <a:stretch>
-            <a:fillRect/>
-          </a:stretch>
-        </p:blipFill>
-        <p:spPr>
-          <a:xfrm>
-            <a:off x="1835696" y="0"/>
-            <a:ext cx="4848301" cy="6858000"/>
-          </a:xfrm>
-          <a:prstGeom prst="rect">
-            <a:avLst/>
-          </a:prstGeom>
-        </p:spPr>
-      </p:pic>
+      <p:sp>
+        <p:nvSpPr>
+          <p:cNvPr id="2" name="Title 1"/>
+          <p:cNvSpPr>
+            <a:spLocks noGrp="1"/>
+          </p:cNvSpPr>
+          <p:nvPr>
+            <p:ph type="title"/>
+          </p:nvPr>
+        </p:nvSpPr>
+        <p:spPr/>
+        <p:txBody>
+          <a:bodyPr>
+            <a:normAutofit fontScale="90000"/>
+          </a:bodyPr>
+          <a:lstStyle/>
+          <a:p>
+            <a:r>
+              <a:rPr lang="en-US" dirty="0" smtClean="0"/>
+              <a:t>Tools for writing ROP chains	</a:t>
+            </a:r>
+            <a:r>
+              <a:rPr lang="en-US" dirty="0" smtClean="0"/>
+              <a:t> (</a:t>
+            </a:r>
+            <a:r>
+              <a:rPr lang="en-US" dirty="0" err="1" smtClean="0"/>
+              <a:t>dbu</a:t>
+            </a:r>
+            <a:r>
+              <a:rPr lang="en-US" dirty="0" smtClean="0"/>
+              <a:t>) ???</a:t>
+            </a:r>
+            <a:endParaRPr lang="en-US" dirty="0"/>
+          </a:p>
+        </p:txBody>
+      </p:sp>
+      <p:sp>
+        <p:nvSpPr>
+          <p:cNvPr id="3" name="Content Placeholder 2"/>
+          <p:cNvSpPr>
+            <a:spLocks noGrp="1"/>
+          </p:cNvSpPr>
+          <p:nvPr>
+            <p:ph idx="1"/>
+          </p:nvPr>
+        </p:nvSpPr>
+        <p:spPr/>
+        <p:txBody>
+          <a:bodyPr/>
+          <a:lstStyle/>
+          <a:p>
+            <a:r>
+              <a:rPr lang="en-US" dirty="0" err="1" smtClean="0"/>
+              <a:t>metasploit</a:t>
+            </a:r>
+            <a:r>
+              <a:rPr lang="en-US" dirty="0" smtClean="0"/>
+              <a:t>/</a:t>
+            </a:r>
+            <a:r>
+              <a:rPr lang="en-US" dirty="0" err="1" smtClean="0"/>
+              <a:t>msfrop</a:t>
+            </a:r>
+            <a:r>
+              <a:rPr lang="en-US" dirty="0" smtClean="0"/>
+              <a:t> – a gadget finder</a:t>
+            </a:r>
+          </a:p>
+          <a:p>
+            <a:r>
+              <a:rPr lang="en-US" dirty="0" err="1" smtClean="0"/>
+              <a:t>gogo</a:t>
+            </a:r>
+            <a:r>
+              <a:rPr lang="en-US" dirty="0" smtClean="0"/>
+              <a:t> – </a:t>
+            </a:r>
+            <a:r>
+              <a:rPr lang="en-US" dirty="0" err="1" smtClean="0"/>
+              <a:t>pwahlman’s</a:t>
+            </a:r>
+            <a:r>
+              <a:rPr lang="en-US" dirty="0" smtClean="0"/>
+              <a:t> gadget finder</a:t>
+            </a:r>
+          </a:p>
+          <a:p>
+            <a:r>
+              <a:rPr lang="en-US" dirty="0" err="1"/>
+              <a:t>ropc</a:t>
+            </a:r>
+            <a:r>
+              <a:rPr lang="en-US" dirty="0"/>
+              <a:t> – a </a:t>
+            </a:r>
+            <a:r>
+              <a:rPr lang="en-US" dirty="0" smtClean="0"/>
+              <a:t>ROP payload compiler</a:t>
+            </a:r>
+          </a:p>
+          <a:p>
+            <a:r>
+              <a:rPr lang="en-US" dirty="0" smtClean="0"/>
+              <a:t>A plethora of other tools</a:t>
+            </a:r>
+          </a:p>
+        </p:txBody>
+      </p:sp>
     </p:spTree>
     <p:extLst>
       <p:ext uri="{BB962C8B-B14F-4D97-AF65-F5344CB8AC3E}">
-        <p14:creationId xmlns:p14="http://schemas.microsoft.com/office/powerpoint/2010/main" val="3551961424"/>
+        <p14:creationId xmlns:p14="http://schemas.microsoft.com/office/powerpoint/2010/main" val="82216525"/>
       </p:ext>
     </p:extLst>
   </p:cSld>
@@ -5948,7 +6062,23 @@
           <a:p>
             <a:r>
               <a:rPr lang="en-US" dirty="0" smtClean="0"/>
-              <a:t>What is ROP?</a:t>
+              <a:t>Who the hell are we? (</a:t>
+            </a:r>
+            <a:r>
+              <a:rPr lang="en-US" dirty="0" err="1" smtClean="0"/>
+              <a:t>pwa</a:t>
+            </a:r>
+            <a:r>
+              <a:rPr lang="en-US" dirty="0" smtClean="0"/>
+              <a:t> + </a:t>
+            </a:r>
+            <a:r>
+              <a:rPr lang="en-US" dirty="0" err="1" smtClean="0"/>
+              <a:t>dbu</a:t>
+            </a:r>
+            <a:r>
+              <a:rPr lang="en-US" dirty="0" smtClean="0"/>
+              <a:t>)</a:t>
             </a:r>
             <a:endParaRPr lang="en-US" dirty="0"/>
           </a:p>
@@ -5956,82 +6086,133 @@
       </p:sp>
       <p:sp>
         <p:nvSpPr>
-          <p:cNvPr id="3" name="Content Placeholder 2"/>
-          <p:cNvSpPr>
-            <a:spLocks noGrp="1"/>
-          </p:cNvSpPr>
-          <p:nvPr>
-            <p:ph idx="1"/>
-          </p:nvPr>
-        </p:nvSpPr>
-        <p:spPr/>
-        <p:txBody>
-          <a:bodyPr/>
-          <a:lstStyle/>
-          <a:p>
-            <a:pPr marL="457200" lvl="1" indent="0">
-              <a:buNone/>
-            </a:pPr>
-            <a:r>
-              <a:rPr lang="en-US" dirty="0" smtClean="0"/>
-              <a:t>“</a:t>
-            </a:r>
-            <a:r>
-              <a:rPr lang="en-US" dirty="0"/>
-              <a:t>Return-oriented programming (ROP) is a computer security exploit technique that allows an attacker to execute code in the presence of security </a:t>
-            </a:r>
-            <a:r>
-              <a:rPr lang="en-US" dirty="0" smtClean="0"/>
-              <a:t>defenses” - Wikipedia</a:t>
-            </a:r>
-          </a:p>
-          <a:p>
-            <a:pPr marL="457200" lvl="1" indent="0">
-              <a:buNone/>
-            </a:pPr>
-            <a:endParaRPr lang="en-US" dirty="0" smtClean="0"/>
-          </a:p>
-          <a:p>
-            <a:pPr lvl="1">
-              <a:buFont typeface="Arial"/>
-              <a:buChar char="•"/>
-            </a:pPr>
-            <a:r>
-              <a:rPr lang="en-US" dirty="0" smtClean="0"/>
-              <a:t>Theoretically, one can perform ROP in a few different ways, but we will focus on buffer overflows</a:t>
-            </a:r>
-          </a:p>
-          <a:p>
-            <a:pPr marL="457200" lvl="1" indent="0">
-              <a:buNone/>
-            </a:pPr>
+          <p:cNvPr id="5" name="TextBox 4"/>
+          <p:cNvSpPr txBox="1"/>
+          <p:nvPr/>
+        </p:nvSpPr>
+        <p:spPr>
+          <a:xfrm>
+            <a:off x="1749131" y="2120753"/>
+            <a:ext cx="2039215" cy="369332"/>
+          </a:xfrm>
+          <a:prstGeom prst="rect">
+            <a:avLst/>
+          </a:prstGeom>
+          <a:noFill/>
+        </p:spPr>
+        <p:txBody>
+          <a:bodyPr wrap="none" rtlCol="0">
+            <a:spAutoFit/>
+          </a:bodyPr>
+          <a:lstStyle/>
+          <a:p>
+            <a:r>
+              <a:rPr lang="en-US" dirty="0" smtClean="0"/>
+              <a:t>Why do we do this?</a:t>
+            </a:r>
             <a:endParaRPr lang="en-US" dirty="0"/>
           </a:p>
-          <a:p>
-            <a:pPr marL="457200" lvl="1" indent="0">
-              <a:buNone/>
-            </a:pPr>
-            <a:endParaRPr lang="en-US" dirty="0" smtClean="0"/>
+        </p:txBody>
+      </p:sp>
+      <p:sp>
+        <p:nvSpPr>
+          <p:cNvPr id="6" name="TextBox 5"/>
+          <p:cNvSpPr txBox="1"/>
+          <p:nvPr/>
+        </p:nvSpPr>
+        <p:spPr>
+          <a:xfrm>
+            <a:off x="4660355" y="3259010"/>
+            <a:ext cx="2127806" cy="369332"/>
+          </a:xfrm>
+          <a:prstGeom prst="rect">
+            <a:avLst/>
+          </a:prstGeom>
+          <a:noFill/>
+        </p:spPr>
+        <p:txBody>
+          <a:bodyPr wrap="none" rtlCol="0">
+            <a:spAutoFit/>
+          </a:bodyPr>
+          <a:lstStyle/>
+          <a:p>
+            <a:r>
+              <a:rPr lang="en-US" dirty="0" smtClean="0"/>
+              <a:t>Where are we from?</a:t>
+            </a:r>
+            <a:endParaRPr lang="en-US" dirty="0"/>
+          </a:p>
+        </p:txBody>
+      </p:sp>
+      <p:sp>
+        <p:nvSpPr>
+          <p:cNvPr id="7" name="TextBox 6"/>
+          <p:cNvSpPr txBox="1"/>
+          <p:nvPr/>
+        </p:nvSpPr>
+        <p:spPr>
+          <a:xfrm>
+            <a:off x="2743500" y="5331837"/>
+            <a:ext cx="1805678" cy="369332"/>
+          </a:xfrm>
+          <a:prstGeom prst="rect">
+            <a:avLst/>
+          </a:prstGeom>
+          <a:noFill/>
+        </p:spPr>
+        <p:txBody>
+          <a:bodyPr wrap="none" rtlCol="0">
+            <a:spAutoFit/>
+          </a:bodyPr>
+          <a:lstStyle/>
+          <a:p>
+            <a:r>
+              <a:rPr lang="en-US" dirty="0" smtClean="0"/>
+              <a:t>Why do we care?</a:t>
+            </a:r>
+          </a:p>
+        </p:txBody>
+      </p:sp>
+      <p:sp>
+        <p:nvSpPr>
+          <p:cNvPr id="8" name="TextBox 7"/>
+          <p:cNvSpPr txBox="1"/>
+          <p:nvPr/>
+        </p:nvSpPr>
+        <p:spPr>
+          <a:xfrm>
+            <a:off x="5795083" y="4509120"/>
+            <a:ext cx="2259115" cy="369332"/>
+          </a:xfrm>
+          <a:prstGeom prst="rect">
+            <a:avLst/>
+          </a:prstGeom>
+          <a:noFill/>
+        </p:spPr>
+        <p:txBody>
+          <a:bodyPr wrap="none" rtlCol="0">
+            <a:spAutoFit/>
+          </a:bodyPr>
+          <a:lstStyle/>
+          <a:p>
+            <a:r>
+              <a:rPr lang="en-US" dirty="0" smtClean="0"/>
+              <a:t>Why should you care?</a:t>
+            </a:r>
+            <a:endParaRPr lang="en-US" dirty="0"/>
           </a:p>
         </p:txBody>
       </p:sp>
     </p:spTree>
     <p:extLst>
       <p:ext uri="{BB962C8B-B14F-4D97-AF65-F5344CB8AC3E}">
-        <p14:creationId xmlns:p14="http://schemas.microsoft.com/office/powerpoint/2010/main" val="1136095492"/>
+        <p14:creationId xmlns:p14="http://schemas.microsoft.com/office/powerpoint/2010/main" val="3054344772"/>
       </p:ext>
     </p:extLst>
   </p:cSld>
   <p:clrMapOvr>
     <a:masterClrMapping/>
   </p:clrMapOvr>
-  <p:timing>
-    <p:tnLst>
-      <p:par>
-        <p:cTn xmlns:p14="http://schemas.microsoft.com/office/powerpoint/2010/main" id="1" dur="indefinite" restart="never" nodeType="tmRoot"/>
-      </p:par>
-    </p:tnLst>
-  </p:timing>
 </p:sld>
 </file>
 
@@ -6052,53 +6233,81 @@
           <a:chExt cx="0" cy="0"/>
         </a:xfrm>
       </p:grpSpPr>
-      <p:pic>
-        <p:nvPicPr>
-          <p:cNvPr id="2" name="Picture 1" descr="layer5.jpg"/>
-          <p:cNvPicPr>
-            <a:picLocks noChangeAspect="1"/>
-          </p:cNvPicPr>
+      <p:sp>
+        <p:nvSpPr>
+          <p:cNvPr id="2" name="Title 1"/>
+          <p:cNvSpPr>
+            <a:spLocks noGrp="1"/>
+          </p:cNvSpPr>
+          <p:nvPr>
+            <p:ph type="title"/>
+          </p:nvPr>
+        </p:nvSpPr>
+        <p:spPr/>
+        <p:txBody>
+          <a:bodyPr/>
+          <a:lstStyle/>
+          <a:p>
+            <a:r>
+              <a:rPr lang="en-US" dirty="0" err="1" smtClean="0"/>
+              <a:t>Gogo</a:t>
+            </a:r>
+            <a:r>
+              <a:rPr lang="en-US" dirty="0" smtClean="0"/>
+              <a:t> (</a:t>
+            </a:r>
+            <a:r>
+              <a:rPr lang="en-US" dirty="0" err="1" smtClean="0"/>
+              <a:t>pwa</a:t>
+            </a:r>
+            <a:r>
+              <a:rPr lang="en-US" dirty="0" smtClean="0"/>
+              <a:t>)</a:t>
+            </a:r>
+            <a:endParaRPr lang="en-US" dirty="0"/>
+          </a:p>
+        </p:txBody>
+      </p:sp>
+      <p:sp>
+        <p:nvSpPr>
+          <p:cNvPr id="4" name="TextBox 3"/>
+          <p:cNvSpPr txBox="1"/>
           <p:nvPr/>
-        </p:nvPicPr>
-        <p:blipFill>
-          <a:blip r:embed="rId2" cstate="print">
-            <a:extLst>
-              <a:ext uri="{28A0092B-C50C-407E-A947-70E740481C1C}">
-                <a14:useLocalDpi xmlns:a14="http://schemas.microsoft.com/office/drawing/2010/main" val="0"/>
-              </a:ext>
-            </a:extLst>
-          </a:blip>
-          <a:stretch>
-            <a:fillRect/>
-          </a:stretch>
-        </p:blipFill>
+        </p:nvSpPr>
         <p:spPr>
           <a:xfrm>
-            <a:off x="1835696" y="0"/>
-            <a:ext cx="4848301" cy="6858000"/>
+            <a:off x="3606085" y="2348404"/>
+            <a:ext cx="1648896" cy="369332"/>
           </a:xfrm>
           <a:prstGeom prst="rect">
             <a:avLst/>
           </a:prstGeom>
+          <a:noFill/>
         </p:spPr>
-      </p:pic>
+        <p:txBody>
+          <a:bodyPr wrap="none" rtlCol="0">
+            <a:spAutoFit/>
+          </a:bodyPr>
+          <a:lstStyle/>
+          <a:p>
+            <a:r>
+              <a:rPr lang="en-US" dirty="0" smtClean="0"/>
+              <a:t>Find stack pivot</a:t>
+            </a:r>
+            <a:endParaRPr lang="en-US" dirty="0"/>
+          </a:p>
+        </p:txBody>
+      </p:sp>
     </p:spTree>
     <p:extLst>
       <p:ext uri="{BB962C8B-B14F-4D97-AF65-F5344CB8AC3E}">
-        <p14:creationId xmlns:p14="http://schemas.microsoft.com/office/powerpoint/2010/main" val="1508963315"/>
+        <p14:creationId xmlns:p14="http://schemas.microsoft.com/office/powerpoint/2010/main" val="3766031157"/>
       </p:ext>
     </p:extLst>
   </p:cSld>
   <p:clrMapOvr>
     <a:masterClrMapping/>
   </p:clrMapOvr>
-  <p:timing>
-    <p:tnLst>
-      <p:par>
-        <p:cTn xmlns:p14="http://schemas.microsoft.com/office/powerpoint/2010/main" id="1" dur="indefinite" restart="never" nodeType="tmRoot"/>
-      </p:par>
-    </p:tnLst>
-  </p:timing>
 </p:sld>
 </file>
 
@@ -6119,53 +6328,70 @@
           <a:chExt cx="0" cy="0"/>
         </a:xfrm>
       </p:grpSpPr>
-      <p:pic>
-        <p:nvPicPr>
-          <p:cNvPr id="2" name="Picture 1" descr="layer6.jpg"/>
-          <p:cNvPicPr>
-            <a:picLocks noChangeAspect="1"/>
-          </p:cNvPicPr>
-          <p:nvPr/>
-        </p:nvPicPr>
-        <p:blipFill>
-          <a:blip r:embed="rId2" cstate="print">
-            <a:extLst>
-              <a:ext uri="{28A0092B-C50C-407E-A947-70E740481C1C}">
-                <a14:useLocalDpi xmlns:a14="http://schemas.microsoft.com/office/drawing/2010/main" val="0"/>
-              </a:ext>
-            </a:extLst>
-          </a:blip>
-          <a:stretch>
-            <a:fillRect/>
-          </a:stretch>
-        </p:blipFill>
-        <p:spPr>
-          <a:xfrm>
-            <a:off x="1835696" y="0"/>
-            <a:ext cx="4848301" cy="6858000"/>
-          </a:xfrm>
-          <a:prstGeom prst="rect">
-            <a:avLst/>
-          </a:prstGeom>
-        </p:spPr>
-      </p:pic>
+      <p:sp>
+        <p:nvSpPr>
+          <p:cNvPr id="2" name="Title 1"/>
+          <p:cNvSpPr>
+            <a:spLocks noGrp="1"/>
+          </p:cNvSpPr>
+          <p:nvPr>
+            <p:ph type="title"/>
+          </p:nvPr>
+        </p:nvSpPr>
+        <p:spPr/>
+        <p:txBody>
+          <a:bodyPr/>
+          <a:lstStyle/>
+          <a:p>
+            <a:r>
+              <a:rPr lang="en-US" dirty="0" smtClean="0"/>
+              <a:t>Demo (</a:t>
+            </a:r>
+            <a:r>
+              <a:rPr lang="en-US" dirty="0" err="1" smtClean="0"/>
+              <a:t>pwa</a:t>
+            </a:r>
+            <a:r>
+              <a:rPr lang="en-US" dirty="0" smtClean="0"/>
+              <a:t>)</a:t>
+            </a:r>
+            <a:endParaRPr lang="en-US" dirty="0"/>
+          </a:p>
+        </p:txBody>
+      </p:sp>
+      <p:sp>
+        <p:nvSpPr>
+          <p:cNvPr id="3" name="Content Placeholder 2"/>
+          <p:cNvSpPr>
+            <a:spLocks noGrp="1"/>
+          </p:cNvSpPr>
+          <p:nvPr>
+            <p:ph idx="1"/>
+          </p:nvPr>
+        </p:nvSpPr>
+        <p:spPr/>
+        <p:txBody>
+          <a:bodyPr/>
+          <a:lstStyle/>
+          <a:p>
+            <a:r>
+              <a:rPr lang="en-US" dirty="0" smtClean="0"/>
+              <a:t>ROP Exploit</a:t>
+            </a:r>
+            <a:endParaRPr lang="en-US" dirty="0"/>
+          </a:p>
+        </p:txBody>
+      </p:sp>
     </p:spTree>
     <p:extLst>
       <p:ext uri="{BB962C8B-B14F-4D97-AF65-F5344CB8AC3E}">
-        <p14:creationId xmlns:p14="http://schemas.microsoft.com/office/powerpoint/2010/main" val="971542510"/>
+        <p14:creationId xmlns:p14="http://schemas.microsoft.com/office/powerpoint/2010/main" val="178510715"/>
       </p:ext>
     </p:extLst>
   </p:cSld>
   <p:clrMapOvr>
     <a:masterClrMapping/>
   </p:clrMapOvr>
-  <p:timing>
-    <p:tnLst>
-      <p:par>
-        <p:cTn xmlns:p14="http://schemas.microsoft.com/office/powerpoint/2010/main" id="1" dur="indefinite" restart="never" nodeType="tmRoot"/>
-      </p:par>
-    </p:tnLst>
-  </p:timing>
 </p:sld>
 </file>
 
@@ -6186,53 +6412,78 @@
           <a:chExt cx="0" cy="0"/>
         </a:xfrm>
       </p:grpSpPr>
-      <p:pic>
-        <p:nvPicPr>
-          <p:cNvPr id="2" name="Picture 1" descr="layer7.jpg"/>
-          <p:cNvPicPr>
-            <a:picLocks noChangeAspect="1"/>
-          </p:cNvPicPr>
-          <p:nvPr/>
-        </p:nvPicPr>
-        <p:blipFill>
-          <a:blip r:embed="rId2" cstate="print">
-            <a:extLst>
-              <a:ext uri="{28A0092B-C50C-407E-A947-70E740481C1C}">
-                <a14:useLocalDpi xmlns:a14="http://schemas.microsoft.com/office/drawing/2010/main" val="0"/>
-              </a:ext>
-            </a:extLst>
-          </a:blip>
-          <a:stretch>
-            <a:fillRect/>
-          </a:stretch>
-        </p:blipFill>
-        <p:spPr>
-          <a:xfrm>
-            <a:off x="1835696" y="0"/>
-            <a:ext cx="4848301" cy="6858000"/>
-          </a:xfrm>
-          <a:prstGeom prst="rect">
-            <a:avLst/>
-          </a:prstGeom>
-        </p:spPr>
-      </p:pic>
+      <p:sp>
+        <p:nvSpPr>
+          <p:cNvPr id="2" name="Title 1"/>
+          <p:cNvSpPr>
+            <a:spLocks noGrp="1"/>
+          </p:cNvSpPr>
+          <p:nvPr>
+            <p:ph type="title"/>
+          </p:nvPr>
+        </p:nvSpPr>
+        <p:spPr/>
+        <p:txBody>
+          <a:bodyPr/>
+          <a:lstStyle/>
+          <a:p>
+            <a:r>
+              <a:rPr lang="en-US" dirty="0" smtClean="0"/>
+              <a:t>Lessons learned</a:t>
+            </a:r>
+            <a:endParaRPr lang="en-US" dirty="0"/>
+          </a:p>
+        </p:txBody>
+      </p:sp>
+      <p:sp>
+        <p:nvSpPr>
+          <p:cNvPr id="3" name="Content Placeholder 2"/>
+          <p:cNvSpPr>
+            <a:spLocks noGrp="1"/>
+          </p:cNvSpPr>
+          <p:nvPr>
+            <p:ph idx="1"/>
+          </p:nvPr>
+        </p:nvSpPr>
+        <p:spPr/>
+        <p:txBody>
+          <a:bodyPr/>
+          <a:lstStyle/>
+          <a:p>
+            <a:r>
+              <a:rPr lang="en-US" dirty="0" smtClean="0"/>
+              <a:t>Be careful what you log!</a:t>
+            </a:r>
+          </a:p>
+          <a:p>
+            <a:r>
+              <a:rPr lang="en-US" dirty="0" smtClean="0"/>
+              <a:t>User controlled data</a:t>
+            </a:r>
+          </a:p>
+          <a:p>
+            <a:r>
+              <a:rPr lang="en-US" dirty="0" smtClean="0"/>
+              <a:t>-Wall -</a:t>
+            </a:r>
+            <a:r>
+              <a:rPr lang="en-US" dirty="0" err="1" smtClean="0"/>
+              <a:t>Werror</a:t>
+            </a:r>
+            <a:endParaRPr lang="en-US" dirty="0"/>
+          </a:p>
+        </p:txBody>
+      </p:sp>
     </p:spTree>
     <p:extLst>
       <p:ext uri="{BB962C8B-B14F-4D97-AF65-F5344CB8AC3E}">
-        <p14:creationId xmlns:p14="http://schemas.microsoft.com/office/powerpoint/2010/main" val="2108971165"/>
+        <p14:creationId xmlns:p14="http://schemas.microsoft.com/office/powerpoint/2010/main" val="4083618436"/>
       </p:ext>
     </p:extLst>
   </p:cSld>
   <p:clrMapOvr>
     <a:masterClrMapping/>
   </p:clrMapOvr>
-  <p:timing>
-    <p:tnLst>
-      <p:par>
-        <p:cTn xmlns:p14="http://schemas.microsoft.com/office/powerpoint/2010/main" id="1" dur="indefinite" restart="never" nodeType="tmRoot"/>
-      </p:par>
-    </p:tnLst>
-  </p:timing>
 </p:sld>
 </file>
 
@@ -6253,226 +6504,6 @@
           <a:chExt cx="0" cy="0"/>
         </a:xfrm>
       </p:grpSpPr>
-      <p:pic>
-        <p:nvPicPr>
-          <p:cNvPr id="2" name="Picture 1" descr="layer8.jpg"/>
-          <p:cNvPicPr>
-            <a:picLocks noChangeAspect="1"/>
-          </p:cNvPicPr>
-          <p:nvPr/>
-        </p:nvPicPr>
-        <p:blipFill>
-          <a:blip r:embed="rId2" cstate="print">
-            <a:extLst>
-              <a:ext uri="{28A0092B-C50C-407E-A947-70E740481C1C}">
-                <a14:useLocalDpi xmlns:a14="http://schemas.microsoft.com/office/drawing/2010/main" val="0"/>
-              </a:ext>
-            </a:extLst>
-          </a:blip>
-          <a:stretch>
-            <a:fillRect/>
-          </a:stretch>
-        </p:blipFill>
-        <p:spPr>
-          <a:xfrm>
-            <a:off x="1835696" y="0"/>
-            <a:ext cx="4848301" cy="6858000"/>
-          </a:xfrm>
-          <a:prstGeom prst="rect">
-            <a:avLst/>
-          </a:prstGeom>
-        </p:spPr>
-      </p:pic>
-    </p:spTree>
-    <p:extLst>
-      <p:ext uri="{BB962C8B-B14F-4D97-AF65-F5344CB8AC3E}">
-        <p14:creationId xmlns:p14="http://schemas.microsoft.com/office/powerpoint/2010/main" val="221606691"/>
-      </p:ext>
-    </p:extLst>
-  </p:cSld>
-  <p:clrMapOvr>
-    <a:masterClrMapping/>
-  </p:clrMapOvr>
-  <p:timing>
-    <p:tnLst>
-      <p:par>
-        <p:cTn xmlns:p14="http://schemas.microsoft.com/office/powerpoint/2010/main" id="1" dur="indefinite" restart="never" nodeType="tmRoot"/>
-      </p:par>
-    </p:tnLst>
-  </p:timing>
-</p:sld>
-</file>
-
-<file path=ppt/slides/slide24.xml><?xml version="1.0" encoding="utf-8"?>
-<p:sld xmlns:a="http://schemas.openxmlformats.org/drawingml/2006/main" xmlns:r="http://schemas.openxmlformats.org/officeDocument/2006/relationships" xmlns:p="http://schemas.openxmlformats.org/presentationml/2006/main">
-  <p:cSld>
-    <p:spTree>
-      <p:nvGrpSpPr>
-        <p:cNvPr id="1" name=""/>
-        <p:cNvGrpSpPr/>
-        <p:nvPr/>
-      </p:nvGrpSpPr>
-      <p:grpSpPr>
-        <a:xfrm>
-          <a:off x="0" y="0"/>
-          <a:ext cx="0" cy="0"/>
-          <a:chOff x="0" y="0"/>
-          <a:chExt cx="0" cy="0"/>
-        </a:xfrm>
-      </p:grpSpPr>
-      <p:pic>
-        <p:nvPicPr>
-          <p:cNvPr id="2" name="Picture 1" descr="layer10.jpg"/>
-          <p:cNvPicPr>
-            <a:picLocks noChangeAspect="1"/>
-          </p:cNvPicPr>
-          <p:nvPr/>
-        </p:nvPicPr>
-        <p:blipFill>
-          <a:blip r:embed="rId2" cstate="print">
-            <a:extLst>
-              <a:ext uri="{28A0092B-C50C-407E-A947-70E740481C1C}">
-                <a14:useLocalDpi xmlns:a14="http://schemas.microsoft.com/office/drawing/2010/main" val="0"/>
-              </a:ext>
-            </a:extLst>
-          </a:blip>
-          <a:stretch>
-            <a:fillRect/>
-          </a:stretch>
-        </p:blipFill>
-        <p:spPr>
-          <a:xfrm>
-            <a:off x="1835696" y="0"/>
-            <a:ext cx="4848301" cy="6858000"/>
-          </a:xfrm>
-          <a:prstGeom prst="rect">
-            <a:avLst/>
-          </a:prstGeom>
-        </p:spPr>
-      </p:pic>
-    </p:spTree>
-    <p:extLst>
-      <p:ext uri="{BB962C8B-B14F-4D97-AF65-F5344CB8AC3E}">
-        <p14:creationId xmlns:p14="http://schemas.microsoft.com/office/powerpoint/2010/main" val="3212258736"/>
-      </p:ext>
-    </p:extLst>
-  </p:cSld>
-  <p:clrMapOvr>
-    <a:masterClrMapping/>
-  </p:clrMapOvr>
-  <p:timing>
-    <p:tnLst>
-      <p:par>
-        <p:cTn xmlns:p14="http://schemas.microsoft.com/office/powerpoint/2010/main" id="1" dur="indefinite" restart="never" nodeType="tmRoot"/>
-      </p:par>
-    </p:tnLst>
-  </p:timing>
-</p:sld>
-</file>
-
-<file path=ppt/slides/slide25.xml><?xml version="1.0" encoding="utf-8"?>
-<p:sld xmlns:a="http://schemas.openxmlformats.org/drawingml/2006/main" xmlns:r="http://schemas.openxmlformats.org/officeDocument/2006/relationships" xmlns:p="http://schemas.openxmlformats.org/presentationml/2006/main">
-  <p:cSld>
-    <p:spTree>
-      <p:nvGrpSpPr>
-        <p:cNvPr id="1" name=""/>
-        <p:cNvGrpSpPr/>
-        <p:nvPr/>
-      </p:nvGrpSpPr>
-      <p:grpSpPr>
-        <a:xfrm>
-          <a:off x="0" y="0"/>
-          <a:ext cx="0" cy="0"/>
-          <a:chOff x="0" y="0"/>
-          <a:chExt cx="0" cy="0"/>
-        </a:xfrm>
-      </p:grpSpPr>
-      <p:pic>
-        <p:nvPicPr>
-          <p:cNvPr id="4" name="Picture 3" descr="next_pstring-pre.jpg"/>
-          <p:cNvPicPr>
-            <a:picLocks noChangeAspect="1"/>
-          </p:cNvPicPr>
-          <p:nvPr/>
-        </p:nvPicPr>
-        <p:blipFill>
-          <a:blip r:embed="rId2">
-            <a:extLst>
-              <a:ext uri="{28A0092B-C50C-407E-A947-70E740481C1C}">
-                <a14:useLocalDpi xmlns:a14="http://schemas.microsoft.com/office/drawing/2010/main" val="0"/>
-              </a:ext>
-            </a:extLst>
-          </a:blip>
-          <a:stretch>
-            <a:fillRect/>
-          </a:stretch>
-        </p:blipFill>
-        <p:spPr>
-          <a:xfrm>
-            <a:off x="0" y="0"/>
-            <a:ext cx="9114842" cy="6858000"/>
-          </a:xfrm>
-          <a:prstGeom prst="rect">
-            <a:avLst/>
-          </a:prstGeom>
-        </p:spPr>
-      </p:pic>
-    </p:spTree>
-    <p:extLst>
-      <p:ext uri="{BB962C8B-B14F-4D97-AF65-F5344CB8AC3E}">
-        <p14:creationId xmlns:p14="http://schemas.microsoft.com/office/powerpoint/2010/main" val="918965459"/>
-      </p:ext>
-    </p:extLst>
-  </p:cSld>
-  <p:clrMapOvr>
-    <a:masterClrMapping/>
-  </p:clrMapOvr>
-  <p:timing>
-    <p:tnLst>
-      <p:par>
-        <p:cTn xmlns:p14="http://schemas.microsoft.com/office/powerpoint/2010/main" id="1" dur="indefinite" restart="never" nodeType="tmRoot"/>
-      </p:par>
-    </p:tnLst>
-  </p:timing>
-</p:sld>
-</file>
-
-<file path=ppt/slides/slide26.xml><?xml version="1.0" encoding="utf-8"?>
-<p:sld xmlns:a="http://schemas.openxmlformats.org/drawingml/2006/main" xmlns:r="http://schemas.openxmlformats.org/officeDocument/2006/relationships" xmlns:p="http://schemas.openxmlformats.org/presentationml/2006/main">
-  <p:cSld>
-    <p:spTree>
-      <p:nvGrpSpPr>
-        <p:cNvPr id="1" name=""/>
-        <p:cNvGrpSpPr/>
-        <p:nvPr/>
-      </p:nvGrpSpPr>
-      <p:grpSpPr>
-        <a:xfrm>
-          <a:off x="0" y="0"/>
-          <a:ext cx="0" cy="0"/>
-          <a:chOff x="0" y="0"/>
-          <a:chExt cx="0" cy="0"/>
-        </a:xfrm>
-      </p:grpSpPr>
-      <p:sp>
-        <p:nvSpPr>
-          <p:cNvPr id="2" name="Title 1"/>
-          <p:cNvSpPr>
-            <a:spLocks noGrp="1"/>
-          </p:cNvSpPr>
-          <p:nvPr>
-            <p:ph type="title"/>
-          </p:nvPr>
-        </p:nvSpPr>
-        <p:spPr/>
-        <p:txBody>
-          <a:bodyPr/>
-          <a:lstStyle/>
-          <a:p>
-            <a:endParaRPr lang="en-US"/>
-          </a:p>
-        </p:txBody>
-      </p:sp>
       <p:sp>
         <p:nvSpPr>
           <p:cNvPr id="3" name="Content Placeholder 2"/>
@@ -6488,262 +6519,12 @@
           <a:bodyPr/>
           <a:lstStyle/>
           <a:p>
-            <a:endParaRPr lang="en-US"/>
-          </a:p>
-        </p:txBody>
-      </p:sp>
-      <p:pic>
-        <p:nvPicPr>
-          <p:cNvPr id="4" name="Picture 3" descr="next_pstring-post.jpg"/>
-          <p:cNvPicPr>
-            <a:picLocks noChangeAspect="1"/>
-          </p:cNvPicPr>
-          <p:nvPr/>
-        </p:nvPicPr>
-        <p:blipFill>
-          <a:blip r:embed="rId2">
-            <a:extLst>
-              <a:ext uri="{28A0092B-C50C-407E-A947-70E740481C1C}">
-                <a14:useLocalDpi xmlns:a14="http://schemas.microsoft.com/office/drawing/2010/main" val="0"/>
-              </a:ext>
-            </a:extLst>
-          </a:blip>
-          <a:stretch>
-            <a:fillRect/>
-          </a:stretch>
-        </p:blipFill>
-        <p:spPr>
-          <a:xfrm>
-            <a:off x="0" y="0"/>
-            <a:ext cx="9114842" cy="6858000"/>
-          </a:xfrm>
-          <a:prstGeom prst="rect">
-            <a:avLst/>
-          </a:prstGeom>
-        </p:spPr>
-      </p:pic>
-    </p:spTree>
-    <p:extLst>
-      <p:ext uri="{BB962C8B-B14F-4D97-AF65-F5344CB8AC3E}">
-        <p14:creationId xmlns:p14="http://schemas.microsoft.com/office/powerpoint/2010/main" val="3244612477"/>
-      </p:ext>
-    </p:extLst>
-  </p:cSld>
-  <p:clrMapOvr>
-    <a:masterClrMapping/>
-  </p:clrMapOvr>
-  <p:timing>
-    <p:tnLst>
-      <p:par>
-        <p:cTn xmlns:p14="http://schemas.microsoft.com/office/powerpoint/2010/main" id="1" dur="indefinite" restart="never" nodeType="tmRoot"/>
-      </p:par>
-    </p:tnLst>
-  </p:timing>
-</p:sld>
-</file>
-
-<file path=ppt/slides/slide27.xml><?xml version="1.0" encoding="utf-8"?>
-<p:sld xmlns:a="http://schemas.openxmlformats.org/drawingml/2006/main" xmlns:r="http://schemas.openxmlformats.org/officeDocument/2006/relationships" xmlns:p="http://schemas.openxmlformats.org/presentationml/2006/main">
-  <p:cSld>
-    <p:spTree>
-      <p:nvGrpSpPr>
-        <p:cNvPr id="1" name=""/>
-        <p:cNvGrpSpPr/>
-        <p:nvPr/>
-      </p:nvGrpSpPr>
-      <p:grpSpPr>
-        <a:xfrm>
-          <a:off x="0" y="0"/>
-          <a:ext cx="0" cy="0"/>
-          <a:chOff x="0" y="0"/>
-          <a:chExt cx="0" cy="0"/>
-        </a:xfrm>
-      </p:grpSpPr>
-      <p:sp>
-        <p:nvSpPr>
-          <p:cNvPr id="2" name="Title 1"/>
-          <p:cNvSpPr>
-            <a:spLocks noGrp="1"/>
-          </p:cNvSpPr>
-          <p:nvPr>
-            <p:ph type="title"/>
-          </p:nvPr>
-        </p:nvSpPr>
-        <p:spPr/>
-        <p:txBody>
-          <a:bodyPr/>
-          <a:lstStyle/>
-          <a:p>
-            <a:r>
-              <a:rPr lang="en-US" dirty="0" smtClean="0"/>
-              <a:t>Demo time!	</a:t>
-            </a:r>
-            <a:endParaRPr lang="en-US" dirty="0"/>
-          </a:p>
-        </p:txBody>
-      </p:sp>
-      <p:sp>
-        <p:nvSpPr>
-          <p:cNvPr id="3" name="Content Placeholder 2"/>
-          <p:cNvSpPr>
-            <a:spLocks noGrp="1"/>
-          </p:cNvSpPr>
-          <p:nvPr>
-            <p:ph idx="1"/>
-          </p:nvPr>
-        </p:nvSpPr>
-        <p:spPr/>
-        <p:txBody>
-          <a:bodyPr/>
-          <a:lstStyle/>
-          <a:p>
-            <a:r>
-              <a:rPr lang="en-US" dirty="0" smtClean="0"/>
-              <a:t>Best case scenario</a:t>
-            </a:r>
-          </a:p>
-        </p:txBody>
-      </p:sp>
-    </p:spTree>
-    <p:extLst>
-      <p:ext uri="{BB962C8B-B14F-4D97-AF65-F5344CB8AC3E}">
-        <p14:creationId xmlns:p14="http://schemas.microsoft.com/office/powerpoint/2010/main" val="1200082712"/>
-      </p:ext>
-    </p:extLst>
-  </p:cSld>
-  <p:clrMapOvr>
-    <a:masterClrMapping/>
-  </p:clrMapOvr>
-  <p:timing>
-    <p:tnLst>
-      <p:par>
-        <p:cTn xmlns:p14="http://schemas.microsoft.com/office/powerpoint/2010/main" id="1" dur="indefinite" restart="never" nodeType="tmRoot"/>
-      </p:par>
-    </p:tnLst>
-  </p:timing>
-</p:sld>
-</file>
-
-<file path=ppt/slides/slide28.xml><?xml version="1.0" encoding="utf-8"?>
-<p:sld xmlns:a="http://schemas.openxmlformats.org/drawingml/2006/main" xmlns:r="http://schemas.openxmlformats.org/officeDocument/2006/relationships" xmlns:p="http://schemas.openxmlformats.org/presentationml/2006/main">
-  <p:cSld>
-    <p:spTree>
-      <p:nvGrpSpPr>
-        <p:cNvPr id="1" name=""/>
-        <p:cNvGrpSpPr/>
-        <p:nvPr/>
-      </p:nvGrpSpPr>
-      <p:grpSpPr>
-        <a:xfrm>
-          <a:off x="0" y="0"/>
-          <a:ext cx="0" cy="0"/>
-          <a:chOff x="0" y="0"/>
-          <a:chExt cx="0" cy="0"/>
-        </a:xfrm>
-      </p:grpSpPr>
-      <p:sp>
-        <p:nvSpPr>
-          <p:cNvPr id="2" name="Title 1"/>
-          <p:cNvSpPr>
-            <a:spLocks noGrp="1"/>
-          </p:cNvSpPr>
-          <p:nvPr>
-            <p:ph type="title"/>
-          </p:nvPr>
-        </p:nvSpPr>
-        <p:spPr/>
-        <p:txBody>
-          <a:bodyPr>
-            <a:normAutofit fontScale="90000"/>
-          </a:bodyPr>
-          <a:lstStyle/>
-          <a:p>
-            <a:r>
-              <a:rPr lang="en-US" dirty="0" smtClean="0"/>
-              <a:t>TODO: Fill in traditional stack overflow</a:t>
-            </a:r>
-            <a:endParaRPr lang="en-US" dirty="0"/>
-          </a:p>
-        </p:txBody>
-      </p:sp>
-    </p:spTree>
-    <p:extLst>
-      <p:ext uri="{BB962C8B-B14F-4D97-AF65-F5344CB8AC3E}">
-        <p14:creationId xmlns:p14="http://schemas.microsoft.com/office/powerpoint/2010/main" val="3589637077"/>
-      </p:ext>
-    </p:extLst>
-  </p:cSld>
-  <p:clrMapOvr>
-    <a:masterClrMapping/>
-  </p:clrMapOvr>
-  <p:timing>
-    <p:tnLst>
-      <p:par>
-        <p:cTn xmlns:p14="http://schemas.microsoft.com/office/powerpoint/2010/main" id="1" dur="indefinite" restart="never" nodeType="tmRoot"/>
-      </p:par>
-    </p:tnLst>
-  </p:timing>
-</p:sld>
-</file>
-
-<file path=ppt/slides/slide29.xml><?xml version="1.0" encoding="utf-8"?>
-<p:sld xmlns:a="http://schemas.openxmlformats.org/drawingml/2006/main" xmlns:r="http://schemas.openxmlformats.org/officeDocument/2006/relationships" xmlns:p="http://schemas.openxmlformats.org/presentationml/2006/main">
-  <p:cSld>
-    <p:spTree>
-      <p:nvGrpSpPr>
-        <p:cNvPr id="1" name=""/>
-        <p:cNvGrpSpPr/>
-        <p:nvPr/>
-      </p:nvGrpSpPr>
-      <p:grpSpPr>
-        <a:xfrm>
-          <a:off x="0" y="0"/>
-          <a:ext cx="0" cy="0"/>
-          <a:chOff x="0" y="0"/>
-          <a:chExt cx="0" cy="0"/>
-        </a:xfrm>
-      </p:grpSpPr>
-      <p:sp>
-        <p:nvSpPr>
-          <p:cNvPr id="2" name="Title 1"/>
-          <p:cNvSpPr>
-            <a:spLocks noGrp="1"/>
-          </p:cNvSpPr>
-          <p:nvPr>
-            <p:ph type="title"/>
-          </p:nvPr>
-        </p:nvSpPr>
-        <p:spPr/>
-        <p:txBody>
-          <a:bodyPr/>
-          <a:lstStyle/>
-          <a:p>
-            <a:r>
-              <a:rPr lang="en-US" dirty="0" smtClean="0"/>
-              <a:t>Demo time!	</a:t>
-            </a:r>
-            <a:endParaRPr lang="en-US" dirty="0"/>
-          </a:p>
-        </p:txBody>
-      </p:sp>
-      <p:sp>
-        <p:nvSpPr>
-          <p:cNvPr id="3" name="Content Placeholder 2"/>
-          <p:cNvSpPr>
-            <a:spLocks noGrp="1"/>
-          </p:cNvSpPr>
-          <p:nvPr>
-            <p:ph idx="1"/>
-          </p:nvPr>
-        </p:nvSpPr>
-        <p:spPr/>
-        <p:txBody>
-          <a:bodyPr/>
-          <a:lstStyle/>
-          <a:p>
-            <a:r>
-              <a:rPr lang="en-US" dirty="0" smtClean="0"/>
-              <a:t>Traditional stack overflow</a:t>
+            <a:pPr marL="0" indent="0">
+              <a:buNone/>
+            </a:pPr>
+            <a:r>
+              <a:rPr lang="en-US" dirty="0" smtClean="0"/>
+              <a:t>Thank you!</a:t>
             </a:r>
           </a:p>
           <a:p>
@@ -6753,79 +6534,21 @@
             <a:endParaRPr lang="en-US" dirty="0" smtClean="0"/>
           </a:p>
           <a:p>
-            <a:pPr marL="457200" lvl="1" indent="0">
+            <a:pPr marL="0" indent="0">
               <a:buNone/>
             </a:pPr>
             <a:r>
-              <a:rPr lang="en-US" dirty="0" err="1"/>
-              <a:t>g</a:t>
-            </a:r>
-            <a:r>
-              <a:rPr lang="en-US" dirty="0" err="1" smtClean="0"/>
-              <a:t>cc</a:t>
-            </a:r>
-            <a:r>
-              <a:rPr lang="en-US" dirty="0" smtClean="0"/>
-              <a:t> -Wall –</a:t>
-            </a:r>
-            <a:r>
-              <a:rPr lang="en-US" dirty="0" err="1" smtClean="0"/>
-              <a:t>fno</a:t>
-            </a:r>
-            <a:r>
-              <a:rPr lang="en-US" dirty="0" smtClean="0"/>
-              <a:t>-stack-protector –z </a:t>
-            </a:r>
-            <a:r>
-              <a:rPr lang="en-US" dirty="0" err="1" smtClean="0"/>
-              <a:t>execstack</a:t>
-            </a:r>
-            <a:endParaRPr lang="en-US" dirty="0" smtClean="0"/>
-          </a:p>
-          <a:p>
-            <a:pPr marL="457200" lvl="1" indent="0">
-              <a:buNone/>
-            </a:pPr>
-            <a:endParaRPr lang="en-US" dirty="0" smtClean="0"/>
-          </a:p>
-          <a:p>
-            <a:pPr marL="457200" lvl="1" indent="0">
-              <a:buNone/>
-            </a:pPr>
-            <a:r>
-              <a:rPr lang="en-US" dirty="0" err="1"/>
-              <a:t>gcc</a:t>
-            </a:r>
-            <a:r>
-              <a:rPr lang="en-US" dirty="0"/>
-              <a:t> -Wall –</a:t>
-            </a:r>
-            <a:r>
-              <a:rPr lang="en-US" dirty="0" err="1"/>
-              <a:t>fno</a:t>
-            </a:r>
-            <a:r>
-              <a:rPr lang="en-US" dirty="0"/>
-              <a:t>-stack-</a:t>
-            </a:r>
-            <a:r>
-              <a:rPr lang="en-US" dirty="0" smtClean="0"/>
-              <a:t>protector</a:t>
+              <a:rPr lang="en-US" dirty="0" smtClean="0"/>
+              <a:t>Questions?</a:t>
             </a:r>
             <a:endParaRPr lang="en-US" dirty="0"/>
-          </a:p>
-          <a:p>
-            <a:pPr marL="457200" lvl="1" indent="0">
-              <a:buNone/>
-            </a:pPr>
-            <a:endParaRPr lang="en-US" dirty="0" smtClean="0"/>
           </a:p>
         </p:txBody>
       </p:sp>
     </p:spTree>
     <p:extLst>
       <p:ext uri="{BB962C8B-B14F-4D97-AF65-F5344CB8AC3E}">
-        <p14:creationId xmlns:p14="http://schemas.microsoft.com/office/powerpoint/2010/main" val="363628969"/>
+        <p14:creationId xmlns:p14="http://schemas.microsoft.com/office/powerpoint/2010/main" val="1209679460"/>
       </p:ext>
     </p:extLst>
   </p:cSld>
@@ -6876,7 +6599,160 @@
           <a:p>
             <a:r>
               <a:rPr lang="en-US" dirty="0" smtClean="0"/>
-              <a:t>Reasons for doing ROP</a:t>
+              <a:t>What is ROP</a:t>
+            </a:r>
+            <a:r>
+              <a:rPr lang="en-US" dirty="0" smtClean="0"/>
+              <a:t>? (</a:t>
+            </a:r>
+            <a:r>
+              <a:rPr lang="en-US" dirty="0" err="1" smtClean="0"/>
+              <a:t>dbu</a:t>
+            </a:r>
+            <a:r>
+              <a:rPr lang="en-US" dirty="0" smtClean="0"/>
+              <a:t> + </a:t>
+            </a:r>
+            <a:r>
+              <a:rPr lang="en-US" dirty="0" err="1" smtClean="0"/>
+              <a:t>pwa</a:t>
+            </a:r>
+            <a:r>
+              <a:rPr lang="en-US" dirty="0" smtClean="0"/>
+              <a:t>)</a:t>
+            </a:r>
+            <a:endParaRPr lang="en-US" dirty="0"/>
+          </a:p>
+        </p:txBody>
+      </p:sp>
+      <p:sp>
+        <p:nvSpPr>
+          <p:cNvPr id="3" name="Content Placeholder 2"/>
+          <p:cNvSpPr>
+            <a:spLocks noGrp="1"/>
+          </p:cNvSpPr>
+          <p:nvPr>
+            <p:ph idx="1"/>
+          </p:nvPr>
+        </p:nvSpPr>
+        <p:spPr/>
+        <p:txBody>
+          <a:bodyPr/>
+          <a:lstStyle/>
+          <a:p>
+            <a:pPr marL="457200" lvl="1" indent="0">
+              <a:buNone/>
+            </a:pPr>
+            <a:r>
+              <a:rPr lang="en-US" dirty="0" smtClean="0"/>
+              <a:t>“</a:t>
+            </a:r>
+            <a:r>
+              <a:rPr lang="en-US" dirty="0"/>
+              <a:t>Return-oriented programming (ROP) is a computer security exploit technique that allows an attacker to execute code in the presence of security </a:t>
+            </a:r>
+            <a:r>
+              <a:rPr lang="en-US" dirty="0" smtClean="0"/>
+              <a:t>defenses” - Wikipedia</a:t>
+            </a:r>
+          </a:p>
+          <a:p>
+            <a:pPr marL="457200" lvl="1" indent="0">
+              <a:buNone/>
+            </a:pPr>
+            <a:endParaRPr lang="en-US" dirty="0" smtClean="0"/>
+          </a:p>
+          <a:p>
+            <a:pPr lvl="1">
+              <a:buFont typeface="Arial"/>
+              <a:buChar char="•"/>
+            </a:pPr>
+            <a:r>
+              <a:rPr lang="en-US" dirty="0" smtClean="0"/>
+              <a:t>Theoretically, one can perform ROP in a few different ways, but we will focus on buffer overflows</a:t>
+            </a:r>
+          </a:p>
+          <a:p>
+            <a:pPr marL="457200" lvl="1" indent="0">
+              <a:buNone/>
+            </a:pPr>
+            <a:endParaRPr lang="en-US" dirty="0"/>
+          </a:p>
+          <a:p>
+            <a:pPr marL="457200" lvl="1" indent="0">
+              <a:buNone/>
+            </a:pPr>
+            <a:endParaRPr lang="en-US" dirty="0" smtClean="0"/>
+          </a:p>
+        </p:txBody>
+      </p:sp>
+    </p:spTree>
+    <p:extLst>
+      <p:ext uri="{BB962C8B-B14F-4D97-AF65-F5344CB8AC3E}">
+        <p14:creationId xmlns:p14="http://schemas.microsoft.com/office/powerpoint/2010/main" val="1136095492"/>
+      </p:ext>
+    </p:extLst>
+  </p:cSld>
+  <p:clrMapOvr>
+    <a:masterClrMapping/>
+  </p:clrMapOvr>
+  <p:timing>
+    <p:tnLst>
+      <p:par>
+        <p:cTn xmlns:p14="http://schemas.microsoft.com/office/powerpoint/2010/main" id="1" dur="indefinite" restart="never" nodeType="tmRoot"/>
+      </p:par>
+    </p:tnLst>
+  </p:timing>
+</p:sld>
+</file>
+
+<file path=ppt/slides/slide4.xml><?xml version="1.0" encoding="utf-8"?>
+<p:sld xmlns:a="http://schemas.openxmlformats.org/drawingml/2006/main" xmlns:r="http://schemas.openxmlformats.org/officeDocument/2006/relationships" xmlns:p="http://schemas.openxmlformats.org/presentationml/2006/main">
+  <p:cSld>
+    <p:spTree>
+      <p:nvGrpSpPr>
+        <p:cNvPr id="1" name=""/>
+        <p:cNvGrpSpPr/>
+        <p:nvPr/>
+      </p:nvGrpSpPr>
+      <p:grpSpPr>
+        <a:xfrm>
+          <a:off x="0" y="0"/>
+          <a:ext cx="0" cy="0"/>
+          <a:chOff x="0" y="0"/>
+          <a:chExt cx="0" cy="0"/>
+        </a:xfrm>
+      </p:grpSpPr>
+      <p:sp>
+        <p:nvSpPr>
+          <p:cNvPr id="2" name="Title 1"/>
+          <p:cNvSpPr>
+            <a:spLocks noGrp="1"/>
+          </p:cNvSpPr>
+          <p:nvPr>
+            <p:ph type="title"/>
+          </p:nvPr>
+        </p:nvSpPr>
+        <p:spPr/>
+        <p:txBody>
+          <a:bodyPr/>
+          <a:lstStyle/>
+          <a:p>
+            <a:r>
+              <a:rPr lang="en-US" dirty="0" smtClean="0"/>
+              <a:t>Reasons for doing </a:t>
+            </a:r>
+            <a:r>
+              <a:rPr lang="en-US" dirty="0" smtClean="0"/>
+              <a:t>ROP (</a:t>
+            </a:r>
+            <a:r>
+              <a:rPr lang="en-US" dirty="0" err="1" smtClean="0"/>
+              <a:t>dbu</a:t>
+            </a:r>
+            <a:r>
+              <a:rPr lang="en-US" dirty="0" smtClean="0"/>
+              <a:t>)</a:t>
             </a:r>
             <a:endParaRPr lang="en-US" dirty="0"/>
           </a:p>
@@ -6931,379 +6807,7 @@
 </p:sld>
 </file>
 
-<file path=ppt/slides/slide30.xml><?xml version="1.0" encoding="utf-8"?>
-<p:sld xmlns:a="http://schemas.openxmlformats.org/drawingml/2006/main" xmlns:r="http://schemas.openxmlformats.org/officeDocument/2006/relationships" xmlns:p="http://schemas.openxmlformats.org/presentationml/2006/main">
-  <p:cSld>
-    <p:spTree>
-      <p:nvGrpSpPr>
-        <p:cNvPr id="1" name=""/>
-        <p:cNvGrpSpPr/>
-        <p:nvPr/>
-      </p:nvGrpSpPr>
-      <p:grpSpPr>
-        <a:xfrm>
-          <a:off x="0" y="0"/>
-          <a:ext cx="0" cy="0"/>
-          <a:chOff x="0" y="0"/>
-          <a:chExt cx="0" cy="0"/>
-        </a:xfrm>
-      </p:grpSpPr>
-      <p:sp>
-        <p:nvSpPr>
-          <p:cNvPr id="2" name="Title 1"/>
-          <p:cNvSpPr>
-            <a:spLocks noGrp="1"/>
-          </p:cNvSpPr>
-          <p:nvPr>
-            <p:ph type="title"/>
-          </p:nvPr>
-        </p:nvSpPr>
-        <p:spPr/>
-        <p:txBody>
-          <a:bodyPr>
-            <a:normAutofit/>
-          </a:bodyPr>
-          <a:lstStyle/>
-          <a:p>
-            <a:r>
-              <a:rPr lang="en-US" dirty="0" smtClean="0"/>
-              <a:t>TODO: Fill in ROP</a:t>
-            </a:r>
-            <a:endParaRPr lang="en-US" dirty="0"/>
-          </a:p>
-        </p:txBody>
-      </p:sp>
-    </p:spTree>
-    <p:extLst>
-      <p:ext uri="{BB962C8B-B14F-4D97-AF65-F5344CB8AC3E}">
-        <p14:creationId xmlns:p14="http://schemas.microsoft.com/office/powerpoint/2010/main" val="318503199"/>
-      </p:ext>
-    </p:extLst>
-  </p:cSld>
-  <p:clrMapOvr>
-    <a:masterClrMapping/>
-  </p:clrMapOvr>
-</p:sld>
-</file>
-
-<file path=ppt/slides/slide31.xml><?xml version="1.0" encoding="utf-8"?>
-<p:sld xmlns:a="http://schemas.openxmlformats.org/drawingml/2006/main" xmlns:r="http://schemas.openxmlformats.org/officeDocument/2006/relationships" xmlns:p="http://schemas.openxmlformats.org/presentationml/2006/main">
-  <p:cSld>
-    <p:spTree>
-      <p:nvGrpSpPr>
-        <p:cNvPr id="1" name=""/>
-        <p:cNvGrpSpPr/>
-        <p:nvPr/>
-      </p:nvGrpSpPr>
-      <p:grpSpPr>
-        <a:xfrm>
-          <a:off x="0" y="0"/>
-          <a:ext cx="0" cy="0"/>
-          <a:chOff x="0" y="0"/>
-          <a:chExt cx="0" cy="0"/>
-        </a:xfrm>
-      </p:grpSpPr>
-      <p:sp>
-        <p:nvSpPr>
-          <p:cNvPr id="2" name="Title 1"/>
-          <p:cNvSpPr>
-            <a:spLocks noGrp="1"/>
-          </p:cNvSpPr>
-          <p:nvPr>
-            <p:ph type="title"/>
-          </p:nvPr>
-        </p:nvSpPr>
-        <p:spPr/>
-        <p:txBody>
-          <a:bodyPr/>
-          <a:lstStyle/>
-          <a:p>
-            <a:r>
-              <a:rPr lang="en-US" dirty="0" smtClean="0"/>
-              <a:t>Demo time!	</a:t>
-            </a:r>
-            <a:endParaRPr lang="en-US" dirty="0"/>
-          </a:p>
-        </p:txBody>
-      </p:sp>
-      <p:sp>
-        <p:nvSpPr>
-          <p:cNvPr id="3" name="Content Placeholder 2"/>
-          <p:cNvSpPr>
-            <a:spLocks noGrp="1"/>
-          </p:cNvSpPr>
-          <p:nvPr>
-            <p:ph idx="1"/>
-          </p:nvPr>
-        </p:nvSpPr>
-        <p:spPr/>
-        <p:txBody>
-          <a:bodyPr/>
-          <a:lstStyle/>
-          <a:p>
-            <a:r>
-              <a:rPr lang="en-US" dirty="0" smtClean="0"/>
-              <a:t>ROP</a:t>
-            </a:r>
-          </a:p>
-          <a:p>
-            <a:pPr marL="457200" lvl="1" indent="0">
-              <a:buNone/>
-            </a:pPr>
-            <a:r>
-              <a:rPr lang="en-US" dirty="0" err="1"/>
-              <a:t>g</a:t>
-            </a:r>
-            <a:r>
-              <a:rPr lang="en-US" dirty="0" err="1" smtClean="0"/>
-              <a:t>cc</a:t>
-            </a:r>
-            <a:r>
-              <a:rPr lang="en-US" dirty="0" smtClean="0"/>
-              <a:t> –Wall –</a:t>
-            </a:r>
-            <a:r>
-              <a:rPr lang="en-US" dirty="0" err="1" smtClean="0"/>
-              <a:t>fno</a:t>
-            </a:r>
-            <a:r>
-              <a:rPr lang="en-US" dirty="0" smtClean="0"/>
-              <a:t>-stack-protector</a:t>
-            </a:r>
-          </a:p>
-        </p:txBody>
-      </p:sp>
-    </p:spTree>
-    <p:extLst>
-      <p:ext uri="{BB962C8B-B14F-4D97-AF65-F5344CB8AC3E}">
-        <p14:creationId xmlns:p14="http://schemas.microsoft.com/office/powerpoint/2010/main" val="2850226909"/>
-      </p:ext>
-    </p:extLst>
-  </p:cSld>
-  <p:clrMapOvr>
-    <a:masterClrMapping/>
-  </p:clrMapOvr>
-  <p:timing>
-    <p:tnLst>
-      <p:par>
-        <p:cTn xmlns:p14="http://schemas.microsoft.com/office/powerpoint/2010/main" id="1" dur="indefinite" restart="never" nodeType="tmRoot"/>
-      </p:par>
-    </p:tnLst>
-  </p:timing>
-</p:sld>
-</file>
-
-<file path=ppt/slides/slide32.xml><?xml version="1.0" encoding="utf-8"?>
-<p:sld xmlns:a="http://schemas.openxmlformats.org/drawingml/2006/main" xmlns:r="http://schemas.openxmlformats.org/officeDocument/2006/relationships" xmlns:p="http://schemas.openxmlformats.org/presentationml/2006/main">
-  <p:cSld>
-    <p:spTree>
-      <p:nvGrpSpPr>
-        <p:cNvPr id="1" name=""/>
-        <p:cNvGrpSpPr/>
-        <p:nvPr/>
-      </p:nvGrpSpPr>
-      <p:grpSpPr>
-        <a:xfrm>
-          <a:off x="0" y="0"/>
-          <a:ext cx="0" cy="0"/>
-          <a:chOff x="0" y="0"/>
-          <a:chExt cx="0" cy="0"/>
-        </a:xfrm>
-      </p:grpSpPr>
-      <p:sp>
-        <p:nvSpPr>
-          <p:cNvPr id="2" name="Title 1"/>
-          <p:cNvSpPr>
-            <a:spLocks noGrp="1"/>
-          </p:cNvSpPr>
-          <p:nvPr>
-            <p:ph type="title"/>
-          </p:nvPr>
-        </p:nvSpPr>
-        <p:spPr/>
-        <p:txBody>
-          <a:bodyPr/>
-          <a:lstStyle/>
-          <a:p>
-            <a:r>
-              <a:rPr lang="en-US" dirty="0" smtClean="0"/>
-              <a:t>Tools for writing ROP chains	</a:t>
-            </a:r>
-            <a:endParaRPr lang="en-US" dirty="0"/>
-          </a:p>
-        </p:txBody>
-      </p:sp>
-      <p:sp>
-        <p:nvSpPr>
-          <p:cNvPr id="3" name="Content Placeholder 2"/>
-          <p:cNvSpPr>
-            <a:spLocks noGrp="1"/>
-          </p:cNvSpPr>
-          <p:nvPr>
-            <p:ph idx="1"/>
-          </p:nvPr>
-        </p:nvSpPr>
-        <p:spPr/>
-        <p:txBody>
-          <a:bodyPr/>
-          <a:lstStyle/>
-          <a:p>
-            <a:r>
-              <a:rPr lang="en-US" dirty="0" err="1" smtClean="0"/>
-              <a:t>metasploit</a:t>
-            </a:r>
-            <a:r>
-              <a:rPr lang="en-US" dirty="0" smtClean="0"/>
-              <a:t>/</a:t>
-            </a:r>
-            <a:r>
-              <a:rPr lang="en-US" dirty="0" err="1" smtClean="0"/>
-              <a:t>msfrop</a:t>
-            </a:r>
-            <a:r>
-              <a:rPr lang="en-US" dirty="0" smtClean="0"/>
-              <a:t> – a gadget finder</a:t>
-            </a:r>
-          </a:p>
-          <a:p>
-            <a:r>
-              <a:rPr lang="en-US" dirty="0" err="1" smtClean="0"/>
-              <a:t>gogo</a:t>
-            </a:r>
-            <a:r>
-              <a:rPr lang="en-US" dirty="0" smtClean="0"/>
-              <a:t> – </a:t>
-            </a:r>
-            <a:r>
-              <a:rPr lang="en-US" dirty="0" err="1" smtClean="0"/>
-              <a:t>pwahlman’s</a:t>
-            </a:r>
-            <a:r>
-              <a:rPr lang="en-US" dirty="0" smtClean="0"/>
-              <a:t> gadget finder</a:t>
-            </a:r>
-          </a:p>
-          <a:p>
-            <a:r>
-              <a:rPr lang="en-US" dirty="0" err="1"/>
-              <a:t>ropc</a:t>
-            </a:r>
-            <a:r>
-              <a:rPr lang="en-US" dirty="0"/>
-              <a:t> – a </a:t>
-            </a:r>
-            <a:r>
-              <a:rPr lang="en-US" dirty="0" smtClean="0"/>
-              <a:t>ROP payload compiler</a:t>
-            </a:r>
-          </a:p>
-          <a:p>
-            <a:r>
-              <a:rPr lang="en-US" dirty="0" smtClean="0"/>
-              <a:t>A plethora of other tools</a:t>
-            </a:r>
-          </a:p>
-        </p:txBody>
-      </p:sp>
-    </p:spTree>
-    <p:extLst>
-      <p:ext uri="{BB962C8B-B14F-4D97-AF65-F5344CB8AC3E}">
-        <p14:creationId xmlns:p14="http://schemas.microsoft.com/office/powerpoint/2010/main" val="82216525"/>
-      </p:ext>
-    </p:extLst>
-  </p:cSld>
-  <p:clrMapOvr>
-    <a:masterClrMapping/>
-  </p:clrMapOvr>
-  <p:timing>
-    <p:tnLst>
-      <p:par>
-        <p:cTn xmlns:p14="http://schemas.microsoft.com/office/powerpoint/2010/main" id="1" dur="indefinite" restart="never" nodeType="tmRoot"/>
-      </p:par>
-    </p:tnLst>
-  </p:timing>
-</p:sld>
-</file>
-
-<file path=ppt/slides/slide33.xml><?xml version="1.0" encoding="utf-8"?>
-<p:sld xmlns:a="http://schemas.openxmlformats.org/drawingml/2006/main" xmlns:r="http://schemas.openxmlformats.org/officeDocument/2006/relationships" xmlns:p="http://schemas.openxmlformats.org/presentationml/2006/main">
-  <p:cSld>
-    <p:spTree>
-      <p:nvGrpSpPr>
-        <p:cNvPr id="1" name=""/>
-        <p:cNvGrpSpPr/>
-        <p:nvPr/>
-      </p:nvGrpSpPr>
-      <p:grpSpPr>
-        <a:xfrm>
-          <a:off x="0" y="0"/>
-          <a:ext cx="0" cy="0"/>
-          <a:chOff x="0" y="0"/>
-          <a:chExt cx="0" cy="0"/>
-        </a:xfrm>
-      </p:grpSpPr>
-      <p:sp>
-        <p:nvSpPr>
-          <p:cNvPr id="3" name="Content Placeholder 2"/>
-          <p:cNvSpPr>
-            <a:spLocks noGrp="1"/>
-          </p:cNvSpPr>
-          <p:nvPr>
-            <p:ph idx="1"/>
-          </p:nvPr>
-        </p:nvSpPr>
-        <p:spPr/>
-        <p:txBody>
-          <a:bodyPr/>
-          <a:lstStyle/>
-          <a:p>
-            <a:pPr marL="0" indent="0">
-              <a:buNone/>
-            </a:pPr>
-            <a:r>
-              <a:rPr lang="en-US" dirty="0" smtClean="0"/>
-              <a:t>Thank you!</a:t>
-            </a:r>
-          </a:p>
-          <a:p>
-            <a:pPr marL="0" indent="0">
-              <a:buNone/>
-            </a:pPr>
-            <a:endParaRPr lang="en-US" dirty="0" smtClean="0"/>
-          </a:p>
-          <a:p>
-            <a:pPr marL="0" indent="0">
-              <a:buNone/>
-            </a:pPr>
-            <a:r>
-              <a:rPr lang="en-US" dirty="0" smtClean="0"/>
-              <a:t>Questions?</a:t>
-            </a:r>
-            <a:endParaRPr lang="en-US" dirty="0"/>
-          </a:p>
-        </p:txBody>
-      </p:sp>
-    </p:spTree>
-    <p:extLst>
-      <p:ext uri="{BB962C8B-B14F-4D97-AF65-F5344CB8AC3E}">
-        <p14:creationId xmlns:p14="http://schemas.microsoft.com/office/powerpoint/2010/main" val="1209679460"/>
-      </p:ext>
-    </p:extLst>
-  </p:cSld>
-  <p:clrMapOvr>
-    <a:masterClrMapping/>
-  </p:clrMapOvr>
-  <p:timing>
-    <p:tnLst>
-      <p:par>
-        <p:cTn xmlns:p14="http://schemas.microsoft.com/office/powerpoint/2010/main" id="1" dur="indefinite" restart="never" nodeType="tmRoot"/>
-      </p:par>
-    </p:tnLst>
-  </p:timing>
-</p:sld>
-</file>
-
-<file path=ppt/slides/slide4.xml><?xml version="1.0" encoding="utf-8"?>
+<file path=ppt/slides/slide5.xml><?xml version="1.0" encoding="utf-8"?>
 <p:sld xmlns:a="http://schemas.openxmlformats.org/drawingml/2006/main" xmlns:r="http://schemas.openxmlformats.org/officeDocument/2006/relationships" xmlns:p="http://schemas.openxmlformats.org/presentationml/2006/main">
   <p:cSld>
     <p:spTree>
@@ -7370,139 +6874,6 @@
 </p:sld>
 </file>
 
-<file path=ppt/slides/slide5.xml><?xml version="1.0" encoding="utf-8"?>
-<p:sld xmlns:a="http://schemas.openxmlformats.org/drawingml/2006/main" xmlns:r="http://schemas.openxmlformats.org/officeDocument/2006/relationships" xmlns:p="http://schemas.openxmlformats.org/presentationml/2006/main">
-  <p:cSld>
-    <p:spTree>
-      <p:nvGrpSpPr>
-        <p:cNvPr id="1" name=""/>
-        <p:cNvGrpSpPr/>
-        <p:nvPr/>
-      </p:nvGrpSpPr>
-      <p:grpSpPr>
-        <a:xfrm>
-          <a:off x="0" y="0"/>
-          <a:ext cx="0" cy="0"/>
-          <a:chOff x="0" y="0"/>
-          <a:chExt cx="0" cy="0"/>
-        </a:xfrm>
-      </p:grpSpPr>
-      <p:sp>
-        <p:nvSpPr>
-          <p:cNvPr id="2" name="Title 1"/>
-          <p:cNvSpPr>
-            <a:spLocks noGrp="1"/>
-          </p:cNvSpPr>
-          <p:nvPr>
-            <p:ph type="title"/>
-          </p:nvPr>
-        </p:nvSpPr>
-        <p:spPr/>
-        <p:txBody>
-          <a:bodyPr>
-            <a:normAutofit fontScale="90000"/>
-          </a:bodyPr>
-          <a:lstStyle/>
-          <a:p>
-            <a:r>
-              <a:rPr lang="en-US" dirty="0" smtClean="0"/>
-              <a:t>History of buffer overflow exploitation</a:t>
-            </a:r>
-            <a:endParaRPr lang="en-US" dirty="0"/>
-          </a:p>
-        </p:txBody>
-      </p:sp>
-      <p:sp>
-        <p:nvSpPr>
-          <p:cNvPr id="3" name="Content Placeholder 2"/>
-          <p:cNvSpPr>
-            <a:spLocks noGrp="1"/>
-          </p:cNvSpPr>
-          <p:nvPr>
-            <p:ph idx="1"/>
-          </p:nvPr>
-        </p:nvSpPr>
-        <p:spPr/>
-        <p:txBody>
-          <a:bodyPr/>
-          <a:lstStyle/>
-          <a:p>
-            <a:r>
-              <a:rPr lang="en-US" dirty="0" smtClean="0"/>
-              <a:t>Paper published documenting it in ‘72</a:t>
-            </a:r>
-          </a:p>
-          <a:p>
-            <a:r>
-              <a:rPr lang="en-US" dirty="0" smtClean="0"/>
-              <a:t>First documented exploitation ‘88</a:t>
-            </a:r>
-          </a:p>
-          <a:p>
-            <a:pPr lvl="1"/>
-            <a:r>
-              <a:rPr lang="en-US" dirty="0" smtClean="0"/>
-              <a:t>Morris Worm</a:t>
-            </a:r>
-          </a:p>
-          <a:p>
-            <a:r>
-              <a:rPr lang="en-US" dirty="0" smtClean="0"/>
-              <a:t>“Rediscovered” in </a:t>
-            </a:r>
-            <a:r>
-              <a:rPr lang="fr-FR" dirty="0" smtClean="0"/>
-              <a:t>’</a:t>
-            </a:r>
-            <a:r>
-              <a:rPr lang="en-US" dirty="0" smtClean="0"/>
-              <a:t>95</a:t>
-            </a:r>
-          </a:p>
-          <a:p>
-            <a:r>
-              <a:rPr lang="en-US" dirty="0" smtClean="0"/>
-              <a:t>‘Smashing the stack for fun and profit’ - </a:t>
-            </a:r>
-            <a:r>
-              <a:rPr lang="fr-FR" dirty="0" smtClean="0"/>
-              <a:t>’</a:t>
-            </a:r>
-            <a:r>
-              <a:rPr lang="en-US" dirty="0" smtClean="0"/>
-              <a:t>96</a:t>
-            </a:r>
-          </a:p>
-          <a:p>
-            <a:pPr lvl="1"/>
-            <a:r>
-              <a:rPr lang="en-US" dirty="0" smtClean="0"/>
-              <a:t>One of the original articles explaining the basic technique.</a:t>
-            </a:r>
-            <a:endParaRPr lang="en-US" dirty="0"/>
-          </a:p>
-        </p:txBody>
-      </p:sp>
-    </p:spTree>
-    <p:extLst>
-      <p:ext uri="{BB962C8B-B14F-4D97-AF65-F5344CB8AC3E}">
-        <p14:creationId xmlns:p14="http://schemas.microsoft.com/office/powerpoint/2010/main" val="437814625"/>
-      </p:ext>
-    </p:extLst>
-  </p:cSld>
-  <p:clrMapOvr>
-    <a:masterClrMapping/>
-  </p:clrMapOvr>
-  <p:timing>
-    <p:tnLst>
-      <p:par>
-        <p:cTn xmlns:p14="http://schemas.microsoft.com/office/powerpoint/2010/main" id="1" dur="indefinite" restart="never" nodeType="tmRoot"/>
-      </p:par>
-    </p:tnLst>
-  </p:timing>
-</p:sld>
-</file>
-
 <file path=ppt/slides/slide6.xml><?xml version="1.0" encoding="utf-8"?>
 <p:sld xmlns:a="http://schemas.openxmlformats.org/drawingml/2006/main" xmlns:r="http://schemas.openxmlformats.org/officeDocument/2006/relationships" xmlns:p="http://schemas.openxmlformats.org/presentationml/2006/main">
   <p:cSld>
@@ -7532,12 +6903,26 @@
         </p:nvSpPr>
         <p:spPr/>
         <p:txBody>
-          <a:bodyPr/>
-          <a:lstStyle/>
-          <a:p>
-            <a:r>
-              <a:rPr lang="en-US" dirty="0" smtClean="0"/>
-              <a:t>Evolution: then</a:t>
+          <a:bodyPr>
+            <a:normAutofit fontScale="90000"/>
+          </a:bodyPr>
+          <a:lstStyle/>
+          <a:p>
+            <a:r>
+              <a:rPr lang="en-US" dirty="0" smtClean="0"/>
+              <a:t>History of buffer overflow </a:t>
+            </a:r>
+            <a:r>
+              <a:rPr lang="en-US" dirty="0" smtClean="0"/>
+              <a:t>exploitation (</a:t>
+            </a:r>
+            <a:r>
+              <a:rPr lang="en-US" dirty="0" err="1" smtClean="0"/>
+              <a:t>dbu</a:t>
+            </a:r>
+            <a:r>
+              <a:rPr lang="en-US" dirty="0" smtClean="0"/>
+              <a:t>)</a:t>
             </a:r>
             <a:endParaRPr lang="en-US" dirty="0"/>
           </a:p>
@@ -7555,70 +6940,69 @@
         </p:nvSpPr>
         <p:spPr/>
         <p:txBody>
-          <a:bodyPr>
-            <a:normAutofit lnSpcReduction="10000"/>
-          </a:bodyPr>
-          <a:lstStyle/>
-          <a:p>
-            <a:r>
-              <a:rPr lang="en-US" dirty="0" smtClean="0"/>
-              <a:t>Traditional stack overflow</a:t>
+          <a:bodyPr/>
+          <a:lstStyle/>
+          <a:p>
+            <a:r>
+              <a:rPr lang="en-US" dirty="0" smtClean="0"/>
+              <a:t>Paper published documenting it in ‘72</a:t>
+            </a:r>
+          </a:p>
+          <a:p>
+            <a:r>
+              <a:rPr lang="en-US" dirty="0" smtClean="0"/>
+              <a:t>First documented exploitation ‘88</a:t>
             </a:r>
           </a:p>
           <a:p>
             <a:pPr lvl="1"/>
             <a:r>
               <a:rPr lang="en-US" dirty="0" smtClean="0"/>
-              <a:t>Write more data to a buffer than the buffer has space allocated</a:t>
+              <a:t>Morris Worm</a:t>
+            </a:r>
+          </a:p>
+          <a:p>
+            <a:r>
+              <a:rPr lang="en-US" dirty="0" smtClean="0"/>
+              <a:t>“Rediscovered” in </a:t>
+            </a:r>
+            <a:r>
+              <a:rPr lang="fr-FR" dirty="0" smtClean="0"/>
+              <a:t>’</a:t>
+            </a:r>
+            <a:r>
+              <a:rPr lang="en-US" dirty="0" smtClean="0"/>
+              <a:t>95</a:t>
+            </a:r>
+          </a:p>
+          <a:p>
+            <a:r>
+              <a:rPr lang="en-US" dirty="0" smtClean="0"/>
+              <a:t>‘Smashing the stack for fun and profit’ - </a:t>
+            </a:r>
+            <a:r>
+              <a:rPr lang="fr-FR" dirty="0" smtClean="0"/>
+              <a:t>’</a:t>
+            </a:r>
+            <a:r>
+              <a:rPr lang="en-US" dirty="0" smtClean="0"/>
+              <a:t>96</a:t>
             </a:r>
           </a:p>
           <a:p>
             <a:pPr lvl="1"/>
             <a:r>
               <a:rPr lang="en-US" dirty="0" smtClean="0"/>
-              <a:t>This can overwrite the return address of the calling function</a:t>
-            </a:r>
-          </a:p>
-          <a:p>
-            <a:pPr lvl="1"/>
-            <a:r>
-              <a:rPr lang="en-US" dirty="0" smtClean="0"/>
-              <a:t>When </a:t>
-            </a:r>
-            <a:r>
-              <a:rPr lang="en-US" dirty="0" smtClean="0">
-                <a:latin typeface="Courier New"/>
-              </a:rPr>
-              <a:t>ret</a:t>
-            </a:r>
-            <a:r>
-              <a:rPr lang="en-US" dirty="0" smtClean="0"/>
-              <a:t> is performed the attacker controls the address and can point that at her own payload</a:t>
-            </a:r>
-          </a:p>
-          <a:p>
-            <a:pPr lvl="1"/>
-            <a:r>
-              <a:rPr lang="en-US" dirty="0" smtClean="0"/>
-              <a:t>If the attacker doesn’t exactly know which address the payload starts at, she can use a </a:t>
-            </a:r>
-            <a:r>
-              <a:rPr lang="en-US" dirty="0" smtClean="0">
-                <a:latin typeface="Courier New"/>
-              </a:rPr>
-              <a:t>nop</a:t>
-            </a:r>
-            <a:r>
-              <a:rPr lang="en-US" dirty="0" smtClean="0"/>
-              <a:t> sled to maximize her chances of successful exploitation</a:t>
-            </a:r>
+              <a:t>One of the original articles explaining the basic technique.</a:t>
+            </a:r>
+            <a:endParaRPr lang="en-US" dirty="0"/>
           </a:p>
         </p:txBody>
       </p:sp>
     </p:spTree>
     <p:extLst>
       <p:ext uri="{BB962C8B-B14F-4D97-AF65-F5344CB8AC3E}">
-        <p14:creationId xmlns:p14="http://schemas.microsoft.com/office/powerpoint/2010/main" val="3528101162"/>
+        <p14:creationId xmlns:p14="http://schemas.microsoft.com/office/powerpoint/2010/main" val="437814625"/>
       </p:ext>
     </p:extLst>
   </p:cSld>
@@ -7664,29 +7048,6 @@
         </p:nvSpPr>
         <p:spPr/>
         <p:txBody>
-          <a:bodyPr/>
-          <a:lstStyle/>
-          <a:p>
-            <a:r>
-              <a:rPr lang="en-US" dirty="0" smtClean="0"/>
-              <a:t>Evolution: then and now</a:t>
-            </a:r>
-            <a:endParaRPr lang="en-US" dirty="0"/>
-          </a:p>
-        </p:txBody>
-      </p:sp>
-      <p:sp>
-        <p:nvSpPr>
-          <p:cNvPr id="3" name="Content Placeholder 2"/>
-          <p:cNvSpPr>
-            <a:spLocks noGrp="1"/>
-          </p:cNvSpPr>
-          <p:nvPr>
-            <p:ph idx="1"/>
-          </p:nvPr>
-        </p:nvSpPr>
-        <p:spPr/>
-        <p:txBody>
           <a:bodyPr>
             <a:normAutofit/>
           </a:bodyPr>
@@ -7694,40 +7055,53 @@
           <a:p>
             <a:r>
               <a:rPr lang="en-US" dirty="0" smtClean="0"/>
-              <a:t>Return-to-</a:t>
+              <a:t>Traditional Stack Overflow (</a:t>
             </a:r>
             <a:r>
               <a:rPr lang="en-US" dirty="0" err="1" smtClean="0"/>
-              <a:t>libc</a:t>
-            </a:r>
-            <a:r>
-              <a:rPr lang="en-US" dirty="0" smtClean="0"/>
-              <a:t> attack</a:t>
-            </a:r>
-          </a:p>
+              <a:t>dbu</a:t>
+            </a:r>
+            <a:r>
+              <a:rPr lang="en-US" dirty="0" smtClean="0"/>
+              <a:t>)</a:t>
+            </a:r>
+            <a:endParaRPr lang="en-US" dirty="0"/>
+          </a:p>
+        </p:txBody>
+      </p:sp>
+      <p:sp>
+        <p:nvSpPr>
+          <p:cNvPr id="3" name="Content Placeholder 2"/>
+          <p:cNvSpPr>
+            <a:spLocks noGrp="1"/>
+          </p:cNvSpPr>
+          <p:nvPr>
+            <p:ph idx="1"/>
+          </p:nvPr>
+        </p:nvSpPr>
+        <p:spPr/>
+        <p:txBody>
+          <a:bodyPr>
+            <a:normAutofit/>
+          </a:bodyPr>
+          <a:lstStyle/>
           <a:p>
             <a:pPr lvl="1"/>
             <a:r>
               <a:rPr lang="en-US" dirty="0" smtClean="0"/>
-              <a:t>Overwrite the return address like in the </a:t>
-            </a:r>
-            <a:r>
-              <a:rPr lang="en-US" dirty="0"/>
-              <a:t>traditional attack and </a:t>
-            </a:r>
-            <a:r>
-              <a:rPr lang="en-US" dirty="0" smtClean="0"/>
-              <a:t>point </a:t>
-            </a:r>
-            <a:r>
-              <a:rPr lang="en-US" dirty="0"/>
-              <a:t>it to a function in </a:t>
-            </a:r>
-            <a:r>
-              <a:rPr lang="en-US" dirty="0" err="1" smtClean="0"/>
-              <a:t>libc</a:t>
-            </a:r>
-            <a:endParaRPr lang="en-US" dirty="0" smtClean="0"/>
+              <a:t>Write </a:t>
+            </a:r>
+            <a:r>
+              <a:rPr lang="en-US" dirty="0" smtClean="0"/>
+              <a:t>more data to a buffer than the buffer has space allocated</a:t>
+            </a:r>
+          </a:p>
+          <a:p>
+            <a:pPr lvl="1"/>
+            <a:r>
+              <a:rPr lang="en-US" dirty="0" smtClean="0"/>
+              <a:t>This can overwrite the return address of the calling function</a:t>
+            </a:r>
           </a:p>
           <a:p>
             <a:pPr lvl="1"/>
@@ -7743,29 +7117,24 @@
             </a:r>
             <a:r>
               <a:rPr lang="en-US" dirty="0" smtClean="0"/>
-              <a:t> is performed the attacker controls the address (e.g. the system() function call)</a:t>
+              <a:t> is performed the attacker controls the address and can point that at her own payload</a:t>
             </a:r>
           </a:p>
           <a:p>
             <a:pPr lvl="1"/>
             <a:r>
               <a:rPr lang="en-US" dirty="0" smtClean="0"/>
-              <a:t>She can write her own stack frame data beyond the ret address: (e.g. pointer to “/bin/</a:t>
-            </a:r>
-            <a:r>
-              <a:rPr lang="en-US" dirty="0" err="1" smtClean="0"/>
-              <a:t>sh</a:t>
-            </a:r>
-            <a:r>
-              <a:rPr lang="en-US" dirty="0" smtClean="0"/>
-              <a:t>”)</a:t>
-            </a:r>
-          </a:p>
-          <a:p>
-            <a:pPr lvl="1"/>
-            <a:r>
-              <a:rPr lang="en-US" dirty="0" smtClean="0"/>
-              <a:t>Limited to one function call (which might not be enough in all cases)</a:t>
+              <a:t>If the attacker doesn’t exactly know which address the payload starts at, she can use a </a:t>
+            </a:r>
+            <a:r>
+              <a:rPr lang="en-US" dirty="0" smtClean="0">
+                <a:latin typeface="Courier New"/>
+              </a:rPr>
+              <a:t>nop</a:t>
+            </a:r>
+            <a:r>
+              <a:rPr lang="en-US" dirty="0" smtClean="0"/>
+              <a:t> sled to maximize her chances of successful exploitation</a:t>
             </a:r>
           </a:p>
         </p:txBody>
@@ -7773,7 +7142,7 @@
     </p:spTree>
     <p:extLst>
       <p:ext uri="{BB962C8B-B14F-4D97-AF65-F5344CB8AC3E}">
-        <p14:creationId xmlns:p14="http://schemas.microsoft.com/office/powerpoint/2010/main" val="3393532301"/>
+        <p14:creationId xmlns:p14="http://schemas.microsoft.com/office/powerpoint/2010/main" val="3528101162"/>
       </p:ext>
     </p:extLst>
   </p:cSld>
@@ -7824,7 +7193,15 @@
           <a:p>
             <a:r>
               <a:rPr lang="en-US" dirty="0" smtClean="0"/>
-              <a:t>Now</a:t>
+              <a:t>Evolution: then (</a:t>
+            </a:r>
+            <a:r>
+              <a:rPr lang="en-US" dirty="0" err="1" smtClean="0"/>
+              <a:t>pwa</a:t>
+            </a:r>
+            <a:r>
+              <a:rPr lang="en-US" dirty="0" smtClean="0"/>
+              <a:t>)</a:t>
             </a:r>
             <a:endParaRPr lang="en-US" dirty="0"/>
           </a:p>
@@ -7845,60 +7222,12 @@
           <a:bodyPr/>
           <a:lstStyle/>
           <a:p>
-            <a:r>
-              <a:rPr lang="en-US" dirty="0" smtClean="0"/>
-              <a:t>Return-oriented-programming</a:t>
-            </a:r>
-          </a:p>
-          <a:p>
-            <a:pPr lvl="1"/>
-            <a:r>
-              <a:rPr lang="en-US" dirty="0" smtClean="0"/>
-              <a:t>Extension of return-to-</a:t>
-            </a:r>
-            <a:r>
-              <a:rPr lang="en-US" dirty="0" err="1" smtClean="0"/>
-              <a:t>libc</a:t>
-            </a:r>
-            <a:endParaRPr lang="en-US" dirty="0" smtClean="0"/>
-          </a:p>
-          <a:p>
-            <a:pPr lvl="1"/>
-            <a:r>
-              <a:rPr lang="en-US" dirty="0"/>
-              <a:t>C</a:t>
-            </a:r>
-            <a:r>
-              <a:rPr lang="en-US" dirty="0" smtClean="0"/>
-              <a:t>reate multiple stack frames after each other</a:t>
-            </a:r>
-          </a:p>
-          <a:p>
-            <a:pPr lvl="1"/>
-            <a:r>
-              <a:rPr lang="en-US" dirty="0" smtClean="0"/>
-              <a:t>Chain together addresses with instructions ending in </a:t>
-            </a:r>
-            <a:r>
-              <a:rPr lang="en-US" dirty="0" smtClean="0">
-                <a:latin typeface="Courier New"/>
-              </a:rPr>
-              <a:t>ret</a:t>
-            </a:r>
-            <a:r>
-              <a:rPr lang="en-US" dirty="0" smtClean="0"/>
-              <a:t> (known as gadgets)</a:t>
-            </a:r>
-          </a:p>
-          <a:p>
-            <a:pPr lvl="1"/>
-            <a:r>
-              <a:rPr lang="en-US" dirty="0"/>
-              <a:t> </a:t>
-            </a:r>
-            <a:r>
-              <a:rPr lang="en-US" dirty="0" smtClean="0"/>
-              <a:t>The hard part is finding suitable gadgets and where they are mapped in the address space</a:t>
+            <a:pPr marL="0" indent="0">
+              <a:buNone/>
+            </a:pPr>
+            <a:r>
+              <a:rPr lang="en-US" dirty="0" smtClean="0"/>
+              <a:t>Can you spot the bug(s)?</a:t>
             </a:r>
           </a:p>
         </p:txBody>
@@ -7906,20 +7235,13 @@
     </p:spTree>
     <p:extLst>
       <p:ext uri="{BB962C8B-B14F-4D97-AF65-F5344CB8AC3E}">
-        <p14:creationId xmlns:p14="http://schemas.microsoft.com/office/powerpoint/2010/main" val="15523703"/>
+        <p14:creationId xmlns:p14="http://schemas.microsoft.com/office/powerpoint/2010/main" val="27817519"/>
       </p:ext>
     </p:extLst>
   </p:cSld>
   <p:clrMapOvr>
     <a:masterClrMapping/>
   </p:clrMapOvr>
-  <p:timing>
-    <p:tnLst>
-      <p:par>
-        <p:cTn xmlns:p14="http://schemas.microsoft.com/office/powerpoint/2010/main" id="1" dur="indefinite" restart="never" nodeType="tmRoot"/>
-      </p:par>
-    </p:tnLst>
-  </p:timing>
 </p:sld>
 </file>
 
@@ -7940,333 +7262,40 @@
           <a:chExt cx="0" cy="0"/>
         </a:xfrm>
       </p:grpSpPr>
-      <p:sp>
-        <p:nvSpPr>
-          <p:cNvPr id="2" name="Title 1"/>
-          <p:cNvSpPr>
-            <a:spLocks noGrp="1"/>
-          </p:cNvSpPr>
-          <p:nvPr>
-            <p:ph type="title"/>
-          </p:nvPr>
-        </p:nvSpPr>
-        <p:spPr/>
-        <p:txBody>
-          <a:bodyPr>
-            <a:normAutofit fontScale="90000"/>
-          </a:bodyPr>
-          <a:lstStyle/>
-          <a:p>
-            <a:r>
-              <a:rPr lang="en-US" dirty="0" smtClean="0"/>
-              <a:t>Evolution of </a:t>
-            </a:r>
-            <a:r>
-              <a:rPr lang="en-US" dirty="0"/>
-              <a:t>b</a:t>
-            </a:r>
-            <a:r>
-              <a:rPr lang="en-US" dirty="0" smtClean="0"/>
-              <a:t>uffer overflow mitigations</a:t>
-            </a:r>
-            <a:endParaRPr lang="en-US" dirty="0"/>
-          </a:p>
-        </p:txBody>
-      </p:sp>
-      <p:sp>
-        <p:nvSpPr>
-          <p:cNvPr id="3" name="Content Placeholder 2"/>
-          <p:cNvSpPr>
-            <a:spLocks noGrp="1"/>
-          </p:cNvSpPr>
-          <p:nvPr>
-            <p:ph idx="1"/>
-          </p:nvPr>
-        </p:nvSpPr>
+      <p:pic>
+        <p:nvPicPr>
+          <p:cNvPr id="7" name="Picture 6" descr="main.png"/>
+          <p:cNvPicPr>
+            <a:picLocks noChangeAspect="1"/>
+          </p:cNvPicPr>
+          <p:nvPr/>
+        </p:nvPicPr>
+        <p:blipFill>
+          <a:blip r:embed="rId3">
+            <a:extLst>
+              <a:ext uri="{28A0092B-C50C-407E-A947-70E740481C1C}">
+                <a14:useLocalDpi xmlns:a14="http://schemas.microsoft.com/office/drawing/2010/main" val="0"/>
+              </a:ext>
+            </a:extLst>
+          </a:blip>
+          <a:stretch>
+            <a:fillRect/>
+          </a:stretch>
+        </p:blipFill>
         <p:spPr>
           <a:xfrm>
-            <a:off x="457200" y="1600200"/>
-            <a:ext cx="4187735" cy="4525963"/>
-          </a:xfrm>
-        </p:spPr>
-        <p:txBody>
-          <a:bodyPr/>
-          <a:lstStyle/>
-          <a:p>
-            <a:pPr lvl="1"/>
-            <a:r>
-              <a:rPr lang="en-US" dirty="0" smtClean="0"/>
-              <a:t>Type</a:t>
-            </a:r>
-          </a:p>
-          <a:p>
-            <a:r>
-              <a:rPr lang="en-US" dirty="0" smtClean="0"/>
-              <a:t>Traditional stack overflow</a:t>
-            </a:r>
-          </a:p>
-          <a:p>
-            <a:endParaRPr lang="en-US" dirty="0" smtClean="0"/>
-          </a:p>
-          <a:p>
-            <a:r>
-              <a:rPr lang="en-US" dirty="0" smtClean="0"/>
-              <a:t>Return-to-</a:t>
-            </a:r>
-            <a:r>
-              <a:rPr lang="en-US" dirty="0" err="1" smtClean="0"/>
-              <a:t>libc</a:t>
-            </a:r>
-            <a:r>
-              <a:rPr lang="en-US" dirty="0" smtClean="0"/>
-              <a:t> attack</a:t>
-            </a:r>
-          </a:p>
-          <a:p>
-            <a:r>
-              <a:rPr lang="en-US" dirty="0" smtClean="0"/>
-              <a:t>Return-oriented programming</a:t>
-            </a:r>
-          </a:p>
-        </p:txBody>
-      </p:sp>
-      <p:sp>
-        <p:nvSpPr>
-          <p:cNvPr id="5" name="Content Placeholder 2"/>
-          <p:cNvSpPr txBox="1">
-            <a:spLocks/>
-          </p:cNvSpPr>
-          <p:nvPr/>
-        </p:nvSpPr>
-        <p:spPr>
-          <a:xfrm>
-            <a:off x="4797335" y="1752600"/>
-            <a:ext cx="4187735" cy="4525963"/>
+            <a:off x="539552" y="847870"/>
+            <a:ext cx="7889572" cy="5184576"/>
           </a:xfrm>
           <a:prstGeom prst="rect">
             <a:avLst/>
           </a:prstGeom>
         </p:spPr>
-        <p:txBody>
-          <a:bodyPr vert="horz" lIns="91440" tIns="45720" rIns="91440" bIns="45720" rtlCol="0">
-            <a:normAutofit lnSpcReduction="10000"/>
-          </a:bodyPr>
-          <a:lstStyle>
-            <a:lvl1pPr marL="342900" indent="-342900" algn="l" defTabSz="914400" rtl="0" eaLnBrk="1" latinLnBrk="0" hangingPunct="1">
-              <a:spcBef>
-                <a:spcPct val="20000"/>
-              </a:spcBef>
-              <a:buFont typeface="Arial" pitchFamily="34" charset="0"/>
-              <a:buChar char="•"/>
-              <a:defRPr sz="3200" kern="1200">
-                <a:solidFill>
-                  <a:schemeClr val="tx1"/>
-                </a:solidFill>
-                <a:latin typeface="+mn-lt"/>
-                <a:ea typeface="+mn-ea"/>
-                <a:cs typeface="+mn-cs"/>
-              </a:defRPr>
-            </a:lvl1pPr>
-            <a:lvl2pPr marL="742950" indent="-285750" algn="l" defTabSz="914400" rtl="0" eaLnBrk="1" latinLnBrk="0" hangingPunct="1">
-              <a:spcBef>
-                <a:spcPct val="20000"/>
-              </a:spcBef>
-              <a:buFont typeface="Arial" pitchFamily="34" charset="0"/>
-              <a:buChar char="–"/>
-              <a:defRPr sz="2800" kern="1200">
-                <a:solidFill>
-                  <a:schemeClr val="tx1"/>
-                </a:solidFill>
-                <a:latin typeface="+mn-lt"/>
-                <a:ea typeface="+mn-ea"/>
-                <a:cs typeface="+mn-cs"/>
-              </a:defRPr>
-            </a:lvl2pPr>
-            <a:lvl3pPr marL="1143000" indent="-228600" algn="l" defTabSz="914400" rtl="0" eaLnBrk="1" latinLnBrk="0" hangingPunct="1">
-              <a:spcBef>
-                <a:spcPct val="20000"/>
-              </a:spcBef>
-              <a:buFont typeface="Arial" pitchFamily="34" charset="0"/>
-              <a:buChar char="•"/>
-              <a:defRPr sz="2400" kern="1200">
-                <a:solidFill>
-                  <a:schemeClr val="tx1"/>
-                </a:solidFill>
-                <a:latin typeface="+mn-lt"/>
-                <a:ea typeface="+mn-ea"/>
-                <a:cs typeface="+mn-cs"/>
-              </a:defRPr>
-            </a:lvl3pPr>
-            <a:lvl4pPr marL="1600200" indent="-228600" algn="l" defTabSz="914400" rtl="0" eaLnBrk="1" latinLnBrk="0" hangingPunct="1">
-              <a:spcBef>
-                <a:spcPct val="20000"/>
-              </a:spcBef>
-              <a:buFont typeface="Arial" pitchFamily="34" charset="0"/>
-              <a:buChar char="–"/>
-              <a:defRPr sz="2000" kern="1200">
-                <a:solidFill>
-                  <a:schemeClr val="tx1"/>
-                </a:solidFill>
-                <a:latin typeface="+mn-lt"/>
-                <a:ea typeface="+mn-ea"/>
-                <a:cs typeface="+mn-cs"/>
-              </a:defRPr>
-            </a:lvl4pPr>
-            <a:lvl5pPr marL="2057400" indent="-228600" algn="l" defTabSz="914400" rtl="0" eaLnBrk="1" latinLnBrk="0" hangingPunct="1">
-              <a:spcBef>
-                <a:spcPct val="20000"/>
-              </a:spcBef>
-              <a:buFont typeface="Arial" pitchFamily="34" charset="0"/>
-              <a:buChar char="»"/>
-              <a:defRPr sz="2000" kern="1200">
-                <a:solidFill>
-                  <a:schemeClr val="tx1"/>
-                </a:solidFill>
-                <a:latin typeface="+mn-lt"/>
-                <a:ea typeface="+mn-ea"/>
-                <a:cs typeface="+mn-cs"/>
-              </a:defRPr>
-            </a:lvl5pPr>
-            <a:lvl6pPr marL="2514600" indent="-228600" algn="l" defTabSz="914400" rtl="0" eaLnBrk="1" latinLnBrk="0" hangingPunct="1">
-              <a:spcBef>
-                <a:spcPct val="20000"/>
-              </a:spcBef>
-              <a:buFont typeface="Arial" pitchFamily="34" charset="0"/>
-              <a:buChar char="•"/>
-              <a:defRPr sz="2000" kern="1200">
-                <a:solidFill>
-                  <a:schemeClr val="tx1"/>
-                </a:solidFill>
-                <a:latin typeface="+mn-lt"/>
-                <a:ea typeface="+mn-ea"/>
-                <a:cs typeface="+mn-cs"/>
-              </a:defRPr>
-            </a:lvl6pPr>
-            <a:lvl7pPr marL="2971800" indent="-228600" algn="l" defTabSz="914400" rtl="0" eaLnBrk="1" latinLnBrk="0" hangingPunct="1">
-              <a:spcBef>
-                <a:spcPct val="20000"/>
-              </a:spcBef>
-              <a:buFont typeface="Arial" pitchFamily="34" charset="0"/>
-              <a:buChar char="•"/>
-              <a:defRPr sz="2000" kern="1200">
-                <a:solidFill>
-                  <a:schemeClr val="tx1"/>
-                </a:solidFill>
-                <a:latin typeface="+mn-lt"/>
-                <a:ea typeface="+mn-ea"/>
-                <a:cs typeface="+mn-cs"/>
-              </a:defRPr>
-            </a:lvl7pPr>
-            <a:lvl8pPr marL="3429000" indent="-228600" algn="l" defTabSz="914400" rtl="0" eaLnBrk="1" latinLnBrk="0" hangingPunct="1">
-              <a:spcBef>
-                <a:spcPct val="20000"/>
-              </a:spcBef>
-              <a:buFont typeface="Arial" pitchFamily="34" charset="0"/>
-              <a:buChar char="•"/>
-              <a:defRPr sz="2000" kern="1200">
-                <a:solidFill>
-                  <a:schemeClr val="tx1"/>
-                </a:solidFill>
-                <a:latin typeface="+mn-lt"/>
-                <a:ea typeface="+mn-ea"/>
-                <a:cs typeface="+mn-cs"/>
-              </a:defRPr>
-            </a:lvl8pPr>
-            <a:lvl9pPr marL="3886200" indent="-228600" algn="l" defTabSz="914400" rtl="0" eaLnBrk="1" latinLnBrk="0" hangingPunct="1">
-              <a:spcBef>
-                <a:spcPct val="20000"/>
-              </a:spcBef>
-              <a:buFont typeface="Arial" pitchFamily="34" charset="0"/>
-              <a:buChar char="•"/>
-              <a:defRPr sz="2000" kern="1200">
-                <a:solidFill>
-                  <a:schemeClr val="tx1"/>
-                </a:solidFill>
-                <a:latin typeface="+mn-lt"/>
-                <a:ea typeface="+mn-ea"/>
-                <a:cs typeface="+mn-cs"/>
-              </a:defRPr>
-            </a:lvl9pPr>
-          </a:lstStyle>
-          <a:p>
-            <a:pPr lvl="1"/>
-            <a:r>
-              <a:rPr lang="en-US" dirty="0" smtClean="0"/>
-              <a:t>Mitigations</a:t>
-            </a:r>
-          </a:p>
-          <a:p>
-            <a:r>
-              <a:rPr lang="en-US" dirty="0" smtClean="0"/>
-              <a:t>Non-executable stack (DEP)</a:t>
-            </a:r>
-          </a:p>
-          <a:p>
-            <a:pPr marL="0" indent="0">
-              <a:buNone/>
-            </a:pPr>
-            <a:endParaRPr lang="en-US" dirty="0" smtClean="0"/>
-          </a:p>
-          <a:p>
-            <a:r>
-              <a:rPr lang="en-US" dirty="0" smtClean="0"/>
-              <a:t>Map libraries to addresses starting with 0x00</a:t>
-            </a:r>
-          </a:p>
-          <a:p>
-            <a:r>
-              <a:rPr lang="en-US" dirty="0" smtClean="0"/>
-              <a:t>Stack canaries</a:t>
-            </a:r>
-          </a:p>
-          <a:p>
-            <a:r>
-              <a:rPr lang="en-US" dirty="0" smtClean="0"/>
-              <a:t>ASLR</a:t>
-            </a:r>
-            <a:endParaRPr lang="en-US" dirty="0"/>
-          </a:p>
-        </p:txBody>
-      </p:sp>
-      <p:cxnSp>
-        <p:nvCxnSpPr>
-          <p:cNvPr id="6" name="Straight Connector 5"/>
-          <p:cNvCxnSpPr/>
-          <p:nvPr/>
-        </p:nvCxnSpPr>
-        <p:spPr>
-          <a:xfrm>
-            <a:off x="323528" y="3429000"/>
-            <a:ext cx="8661542" cy="0"/>
-          </a:xfrm>
-          <a:prstGeom prst="line">
-            <a:avLst/>
-          </a:prstGeom>
-          <a:ln>
-            <a:solidFill>
-              <a:schemeClr val="tx1"/>
-            </a:solidFill>
-          </a:ln>
-        </p:spPr>
-        <p:style>
-          <a:lnRef idx="2">
-            <a:schemeClr val="accent1"/>
-          </a:lnRef>
-          <a:fillRef idx="0">
-            <a:schemeClr val="accent1"/>
-          </a:fillRef>
-          <a:effectRef idx="1">
-            <a:schemeClr val="accent1"/>
-          </a:effectRef>
-          <a:fontRef idx="minor">
-            <a:schemeClr val="tx1"/>
-          </a:fontRef>
-        </p:style>
-      </p:cxnSp>
+      </p:pic>
     </p:spTree>
     <p:extLst>
       <p:ext uri="{BB962C8B-B14F-4D97-AF65-F5344CB8AC3E}">
-        <p14:creationId xmlns:p14="http://schemas.microsoft.com/office/powerpoint/2010/main" val="3772370395"/>
+        <p14:creationId xmlns:p14="http://schemas.microsoft.com/office/powerpoint/2010/main" val="1304676583"/>
       </p:ext>
     </p:extLst>
   </p:cSld>

--- a/presentation.pptx
+++ b/presentation.pptx
@@ -4624,21 +4624,19 @@
         <p:spPr/>
         <p:txBody>
           <a:bodyPr>
-            <a:normAutofit fontScale="90000"/>
+            <a:normAutofit/>
           </a:bodyPr>
           <a:lstStyle/>
           <a:p>
             <a:r>
               <a:rPr lang="en-US" dirty="0"/>
-              <a:t>Circumventing non-executable stack protection with return oriented</a:t>
-            </a:r>
-            <a:br>
-              <a:rPr lang="en-US" dirty="0"/>
-            </a:br>
-            <a:r>
-              <a:rPr lang="en-US" dirty="0"/>
-              <a:t>programming</a:t>
-            </a:r>
+              <a:t>Circumventing </a:t>
+            </a:r>
+            <a:r>
+              <a:rPr lang="en-US" dirty="0" smtClean="0"/>
+              <a:t>modern exploitation mitigations</a:t>
+            </a:r>
+            <a:endParaRPr lang="en-US" dirty="0"/>
           </a:p>
         </p:txBody>
       </p:sp>
@@ -4855,6 +4853,13 @@
   <p:clrMapOvr>
     <a:masterClrMapping/>
   </p:clrMapOvr>
+  <p:timing>
+    <p:tnLst>
+      <p:par>
+        <p:cTn xmlns:p14="http://schemas.microsoft.com/office/powerpoint/2010/main" id="1" dur="indefinite" restart="never" nodeType="tmRoot"/>
+      </p:par>
+    </p:tnLst>
+  </p:timing>
 </p:sld>
 </file>
 
@@ -4925,7 +4930,7 @@
           <a:p>
             <a:r>
               <a:rPr lang="en-US" dirty="0" smtClean="0"/>
-              <a:t>Stack canaries</a:t>
+              <a:t>Stack Smashing Protection (SSP)</a:t>
             </a:r>
           </a:p>
           <a:p>
@@ -5012,7 +5017,7 @@
           <a:p>
             <a:r>
               <a:rPr lang="en-US" dirty="0" smtClean="0"/>
-              <a:t>TODO: Canaries slides (</a:t>
+              <a:t>TODO: SSP slides (</a:t>
             </a:r>
             <a:r>
               <a:rPr lang="en-US" dirty="0" err="1" smtClean="0"/>
@@ -5115,6 +5120,13 @@
   <p:clrMapOvr>
     <a:masterClrMapping/>
   </p:clrMapOvr>
+  <p:timing>
+    <p:tnLst>
+      <p:par>
+        <p:cTn xmlns:p14="http://schemas.microsoft.com/office/powerpoint/2010/main" id="1" dur="indefinite" restart="never" nodeType="tmRoot"/>
+      </p:par>
+    </p:tnLst>
+  </p:timing>
 </p:sld>
 </file>
 
@@ -5342,7 +5354,7 @@
         <p:spPr>
           <a:xfrm>
             <a:off x="2987824" y="2708920"/>
-            <a:ext cx="3396257" cy="1754327"/>
+            <a:ext cx="3396257" cy="2031325"/>
           </a:xfrm>
           <a:prstGeom prst="rect">
             <a:avLst/>
@@ -5414,6 +5426,25 @@
             <a:r>
               <a:rPr lang="en-US" dirty="0" err="1" smtClean="0"/>
               <a:t>gdb</a:t>
+            </a:r>
+            <a:endParaRPr lang="en-US" dirty="0" smtClean="0"/>
+          </a:p>
+          <a:p>
+            <a:r>
+              <a:rPr lang="en-US" dirty="0" err="1" smtClean="0"/>
+              <a:t>Bruteforce</a:t>
+            </a:r>
+            <a:r>
+              <a:rPr lang="en-US" dirty="0" smtClean="0"/>
+              <a:t> (32 </a:t>
+            </a:r>
+            <a:r>
+              <a:rPr lang="en-US" dirty="0" err="1" smtClean="0"/>
+              <a:t>vs</a:t>
+            </a:r>
+            <a:r>
+              <a:rPr lang="en-US" smtClean="0"/>
+              <a:t> 64 bit)</a:t>
             </a:r>
             <a:endParaRPr lang="en-US" dirty="0" smtClean="0"/>
           </a:p>
@@ -5571,6 +5602,13 @@
   <p:clrMapOvr>
     <a:masterClrMapping/>
   </p:clrMapOvr>
+  <p:timing>
+    <p:tnLst>
+      <p:par>
+        <p:cTn xmlns:p14="http://schemas.microsoft.com/office/powerpoint/2010/main" id="1" dur="indefinite" restart="never" nodeType="tmRoot"/>
+      </p:par>
+    </p:tnLst>
+  </p:timing>
 </p:sld>
 </file>
 
@@ -5912,7 +5950,7 @@
         <p:spPr/>
         <p:txBody>
           <a:bodyPr>
-            <a:normAutofit fontScale="90000"/>
+            <a:normAutofit/>
           </a:bodyPr>
           <a:lstStyle/>
           <a:p>
@@ -5930,7 +5968,7 @@
             </a:r>
             <a:r>
               <a:rPr lang="en-US" dirty="0" smtClean="0"/>
-              <a:t>) ???</a:t>
+              <a:t>)</a:t>
             </a:r>
             <a:endParaRPr lang="en-US" dirty="0"/>
           </a:p>
@@ -6092,8 +6130,8 @@
         </p:nvSpPr>
         <p:spPr>
           <a:xfrm>
-            <a:off x="1749131" y="2120753"/>
-            <a:ext cx="2039215" cy="369332"/>
+            <a:off x="1728755" y="3259010"/>
+            <a:ext cx="1430124" cy="369332"/>
           </a:xfrm>
           <a:prstGeom prst="rect">
             <a:avLst/>
@@ -6108,7 +6146,7 @@
           <a:p>
             <a:r>
               <a:rPr lang="en-US" dirty="0" smtClean="0"/>
-              <a:t>Why do we do this?</a:t>
+              <a:t>Who are we?</a:t>
             </a:r>
             <a:endParaRPr lang="en-US" dirty="0"/>
           </a:p>
@@ -6122,8 +6160,8 @@
         </p:nvSpPr>
         <p:spPr>
           <a:xfrm>
-            <a:off x="4660355" y="3259010"/>
-            <a:ext cx="2127806" cy="369332"/>
+            <a:off x="5795083" y="3259010"/>
+            <a:ext cx="2544837" cy="369332"/>
           </a:xfrm>
           <a:prstGeom prst="rect">
             <a:avLst/>
@@ -6138,7 +6176,7 @@
           <a:p>
             <a:r>
               <a:rPr lang="en-US" dirty="0" smtClean="0"/>
-              <a:t>Where are we from?</a:t>
+              <a:t>Why should you do this?</a:t>
             </a:r>
             <a:endParaRPr lang="en-US" dirty="0"/>
           </a:p>
@@ -6146,14 +6184,14 @@
       </p:sp>
       <p:sp>
         <p:nvSpPr>
-          <p:cNvPr id="7" name="TextBox 6"/>
+          <p:cNvPr id="9" name="TextBox 8"/>
           <p:cNvSpPr txBox="1"/>
           <p:nvPr/>
         </p:nvSpPr>
         <p:spPr>
           <a:xfrm>
-            <a:off x="2743500" y="5331837"/>
-            <a:ext cx="1805678" cy="369332"/>
+            <a:off x="3052209" y="1732399"/>
+            <a:ext cx="715761" cy="369332"/>
           </a:xfrm>
           <a:prstGeom prst="rect">
             <a:avLst/>
@@ -6168,21 +6206,22 @@
           <a:p>
             <a:r>
               <a:rPr lang="en-US" dirty="0" smtClean="0"/>
-              <a:t>Why do we care?</a:t>
-            </a:r>
-          </a:p>
-        </p:txBody>
-      </p:sp>
-      <p:sp>
-        <p:nvSpPr>
-          <p:cNvPr id="8" name="TextBox 7"/>
+              <a:t>David</a:t>
+            </a:r>
+            <a:endParaRPr lang="en-US" dirty="0"/>
+          </a:p>
+        </p:txBody>
+      </p:sp>
+      <p:sp>
+        <p:nvSpPr>
+          <p:cNvPr id="10" name="TextBox 9"/>
           <p:cNvSpPr txBox="1"/>
           <p:nvPr/>
         </p:nvSpPr>
         <p:spPr>
           <a:xfrm>
-            <a:off x="5795083" y="4509120"/>
-            <a:ext cx="2259115" cy="369332"/>
+            <a:off x="5414209" y="1732399"/>
+            <a:ext cx="761747" cy="369332"/>
           </a:xfrm>
           <a:prstGeom prst="rect">
             <a:avLst/>
@@ -6196,8 +6235,8 @@
           <a:lstStyle/>
           <a:p>
             <a:r>
-              <a:rPr lang="en-US" dirty="0" smtClean="0"/>
-              <a:t>Why should you care?</a:t>
+              <a:rPr lang="en-US" dirty="0" err="1" smtClean="0"/>
+              <a:t>Petter</a:t>
             </a:r>
             <a:endParaRPr lang="en-US" dirty="0"/>
           </a:p>
@@ -6213,6 +6252,168 @@
   <p:clrMapOvr>
     <a:masterClrMapping/>
   </p:clrMapOvr>
+  <p:timing>
+    <p:tnLst>
+      <p:par>
+        <p:cTn xmlns:p14="http://schemas.microsoft.com/office/powerpoint/2010/main" id="1" dur="indefinite" restart="never" nodeType="tmRoot">
+          <p:childTnLst>
+            <p:seq concurrent="1" nextAc="seek">
+              <p:cTn id="2" dur="indefinite" nodeType="mainSeq">
+                <p:childTnLst>
+                  <p:par>
+                    <p:cTn id="3" fill="hold">
+                      <p:stCondLst>
+                        <p:cond delay="indefinite"/>
+                      </p:stCondLst>
+                      <p:childTnLst>
+                        <p:par>
+                          <p:cTn id="4" fill="hold">
+                            <p:stCondLst>
+                              <p:cond delay="0"/>
+                            </p:stCondLst>
+                            <p:childTnLst>
+                              <p:par>
+                                <p:cTn id="5" presetID="1" presetClass="entr" presetSubtype="0" fill="hold" grpId="0" nodeType="clickEffect">
+                                  <p:stCondLst>
+                                    <p:cond delay="0"/>
+                                  </p:stCondLst>
+                                  <p:childTnLst>
+                                    <p:set>
+                                      <p:cBhvr>
+                                        <p:cTn id="6" dur="1" fill="hold">
+                                          <p:stCondLst>
+                                            <p:cond delay="0"/>
+                                          </p:stCondLst>
+                                        </p:cTn>
+                                        <p:tgtEl>
+                                          <p:spTgt spid="9"/>
+                                        </p:tgtEl>
+                                        <p:attrNameLst>
+                                          <p:attrName>style.visibility</p:attrName>
+                                        </p:attrNameLst>
+                                      </p:cBhvr>
+                                      <p:to>
+                                        <p:strVal val="visible"/>
+                                      </p:to>
+                                    </p:set>
+                                  </p:childTnLst>
+                                </p:cTn>
+                              </p:par>
+                              <p:par>
+                                <p:cTn id="7" presetID="1" presetClass="entr" presetSubtype="0" fill="hold" grpId="0" nodeType="withEffect">
+                                  <p:stCondLst>
+                                    <p:cond delay="0"/>
+                                  </p:stCondLst>
+                                  <p:childTnLst>
+                                    <p:set>
+                                      <p:cBhvr>
+                                        <p:cTn id="8" dur="1" fill="hold">
+                                          <p:stCondLst>
+                                            <p:cond delay="0"/>
+                                          </p:stCondLst>
+                                        </p:cTn>
+                                        <p:tgtEl>
+                                          <p:spTgt spid="10"/>
+                                        </p:tgtEl>
+                                        <p:attrNameLst>
+                                          <p:attrName>style.visibility</p:attrName>
+                                        </p:attrNameLst>
+                                      </p:cBhvr>
+                                      <p:to>
+                                        <p:strVal val="visible"/>
+                                      </p:to>
+                                    </p:set>
+                                  </p:childTnLst>
+                                </p:cTn>
+                              </p:par>
+                              <p:par>
+                                <p:cTn id="9" presetID="1" presetClass="entr" presetSubtype="0" fill="hold" grpId="0" nodeType="withEffect">
+                                  <p:stCondLst>
+                                    <p:cond delay="0"/>
+                                  </p:stCondLst>
+                                  <p:childTnLst>
+                                    <p:set>
+                                      <p:cBhvr>
+                                        <p:cTn id="10" dur="1" fill="hold">
+                                          <p:stCondLst>
+                                            <p:cond delay="0"/>
+                                          </p:stCondLst>
+                                        </p:cTn>
+                                        <p:tgtEl>
+                                          <p:spTgt spid="5"/>
+                                        </p:tgtEl>
+                                        <p:attrNameLst>
+                                          <p:attrName>style.visibility</p:attrName>
+                                        </p:attrNameLst>
+                                      </p:cBhvr>
+                                      <p:to>
+                                        <p:strVal val="visible"/>
+                                      </p:to>
+                                    </p:set>
+                                  </p:childTnLst>
+                                </p:cTn>
+                              </p:par>
+                              <p:par>
+                                <p:cTn id="11" presetID="1" presetClass="entr" presetSubtype="0" fill="hold" grpId="0" nodeType="withEffect">
+                                  <p:stCondLst>
+                                    <p:cond delay="0"/>
+                                  </p:stCondLst>
+                                  <p:childTnLst>
+                                    <p:set>
+                                      <p:cBhvr>
+                                        <p:cTn id="12" dur="1" fill="hold">
+                                          <p:stCondLst>
+                                            <p:cond delay="0"/>
+                                          </p:stCondLst>
+                                        </p:cTn>
+                                        <p:tgtEl>
+                                          <p:spTgt spid="6"/>
+                                        </p:tgtEl>
+                                        <p:attrNameLst>
+                                          <p:attrName>style.visibility</p:attrName>
+                                        </p:attrNameLst>
+                                      </p:cBhvr>
+                                      <p:to>
+                                        <p:strVal val="visible"/>
+                                      </p:to>
+                                    </p:set>
+                                  </p:childTnLst>
+                                </p:cTn>
+                              </p:par>
+                            </p:childTnLst>
+                          </p:cTn>
+                        </p:par>
+                      </p:childTnLst>
+                    </p:cTn>
+                  </p:par>
+                </p:childTnLst>
+              </p:cTn>
+              <p:prevCondLst>
+                <p:cond evt="onPrev" delay="0">
+                  <p:tgtEl>
+                    <p:sldTgt/>
+                  </p:tgtEl>
+                </p:cond>
+              </p:prevCondLst>
+              <p:nextCondLst>
+                <p:cond evt="onNext" delay="0">
+                  <p:tgtEl>
+                    <p:sldTgt/>
+                  </p:tgtEl>
+                </p:cond>
+              </p:nextCondLst>
+            </p:seq>
+          </p:childTnLst>
+        </p:cTn>
+      </p:par>
+    </p:tnLst>
+    <p:bldLst>
+      <p:bldP spid="5" grpId="0"/>
+      <p:bldP spid="6" grpId="0"/>
+      <p:bldP spid="9" grpId="0"/>
+      <p:bldP spid="10" grpId="0"/>
+    </p:bldLst>
+  </p:timing>
 </p:sld>
 </file>
 
@@ -6308,6 +6509,13 @@
   <p:clrMapOvr>
     <a:masterClrMapping/>
   </p:clrMapOvr>
+  <p:timing>
+    <p:tnLst>
+      <p:par>
+        <p:cTn xmlns:p14="http://schemas.microsoft.com/office/powerpoint/2010/main" id="1" dur="indefinite" restart="never" nodeType="tmRoot"/>
+      </p:par>
+    </p:tnLst>
+  </p:timing>
 </p:sld>
 </file>
 
@@ -6392,6 +6600,13 @@
   <p:clrMapOvr>
     <a:masterClrMapping/>
   </p:clrMapOvr>
+  <p:timing>
+    <p:tnLst>
+      <p:par>
+        <p:cTn xmlns:p14="http://schemas.microsoft.com/office/powerpoint/2010/main" id="1" dur="indefinite" restart="never" nodeType="tmRoot"/>
+      </p:par>
+    </p:tnLst>
+  </p:timing>
 </p:sld>
 </file>
 
@@ -6464,11 +6679,7 @@
           <a:p>
             <a:r>
               <a:rPr lang="en-US" dirty="0" smtClean="0"/>
-              <a:t>-Wall -</a:t>
-            </a:r>
-            <a:r>
-              <a:rPr lang="en-US" dirty="0" err="1" smtClean="0"/>
-              <a:t>Werror</a:t>
+              <a:t>-Wall</a:t>
             </a:r>
             <a:endParaRPr lang="en-US" dirty="0"/>
           </a:p>
@@ -6484,6 +6695,13 @@
   <p:clrMapOvr>
     <a:masterClrMapping/>
   </p:clrMapOvr>
+  <p:timing>
+    <p:tnLst>
+      <p:par>
+        <p:cTn xmlns:p14="http://schemas.microsoft.com/office/powerpoint/2010/main" id="1" dur="indefinite" restart="never" nodeType="tmRoot"/>
+      </p:par>
+    </p:tnLst>
+  </p:timing>
 </p:sld>
 </file>
 
@@ -7117,25 +7335,13 @@
             </a:r>
             <a:r>
               <a:rPr lang="en-US" dirty="0" smtClean="0"/>
-              <a:t> is performed the attacker controls the address and can point that at her own payload</a:t>
-            </a:r>
-          </a:p>
-          <a:p>
-            <a:pPr lvl="1"/>
-            <a:r>
-              <a:rPr lang="en-US" dirty="0" smtClean="0"/>
-              <a:t>If the attacker doesn’t exactly know which address the payload starts at, she can use a </a:t>
-            </a:r>
-            <a:r>
-              <a:rPr lang="en-US" dirty="0" smtClean="0">
-                <a:latin typeface="Courier New"/>
-              </a:rPr>
-              <a:t>nop</a:t>
-            </a:r>
-            <a:r>
-              <a:rPr lang="en-US" dirty="0" smtClean="0"/>
-              <a:t> sled to maximize her chances of successful exploitation</a:t>
-            </a:r>
+              <a:t> is performed the attacker controls the address and can point that at her own </a:t>
+            </a:r>
+            <a:r>
+              <a:rPr lang="en-US" dirty="0" smtClean="0"/>
+              <a:t>payload</a:t>
+            </a:r>
+            <a:endParaRPr lang="en-US" dirty="0" smtClean="0"/>
           </a:p>
         </p:txBody>
       </p:sp>
@@ -7193,7 +7399,7 @@
           <a:p>
             <a:r>
               <a:rPr lang="en-US" dirty="0" smtClean="0"/>
-              <a:t>Evolution: then (</a:t>
+              <a:t>Exploitation in practice (</a:t>
             </a:r>
             <a:r>
               <a:rPr lang="en-US" dirty="0" err="1" smtClean="0"/>
@@ -7242,6 +7448,13 @@
   <p:clrMapOvr>
     <a:masterClrMapping/>
   </p:clrMapOvr>
+  <p:timing>
+    <p:tnLst>
+      <p:par>
+        <p:cTn xmlns:p14="http://schemas.microsoft.com/office/powerpoint/2010/main" id="1" dur="indefinite" restart="never" nodeType="tmRoot"/>
+      </p:par>
+    </p:tnLst>
+  </p:timing>
 </p:sld>
 </file>
 

--- a/presentation.pptx
+++ b/presentation.pptx
@@ -5164,11 +5164,7 @@
           <a:p>
             <a:r>
               <a:rPr lang="en-US" dirty="0" smtClean="0"/>
-              <a:t>Evolution: then and </a:t>
-            </a:r>
-            <a:r>
-              <a:rPr lang="en-US" dirty="0" smtClean="0"/>
-              <a:t>now (</a:t>
+              <a:t>Evolution: then and now (</a:t>
             </a:r>
             <a:r>
               <a:rPr lang="en-US" dirty="0" err="1" smtClean="0"/>
@@ -5680,11 +5676,7 @@
             <a:pPr lvl="1"/>
             <a:r>
               <a:rPr lang="en-US" dirty="0" smtClean="0"/>
-              <a:t>Extension </a:t>
-            </a:r>
-            <a:r>
-              <a:rPr lang="en-US" dirty="0" smtClean="0"/>
-              <a:t>of return-to-</a:t>
+              <a:t>Extension of return-to-</a:t>
             </a:r>
             <a:r>
               <a:rPr lang="en-US" dirty="0" err="1" smtClean="0"/>
@@ -5861,15 +5853,7 @@
           <a:p>
             <a:r>
               <a:rPr lang="en-US" dirty="0" smtClean="0"/>
-              <a:t>Finding usable gadgets </a:t>
-            </a:r>
-            <a:r>
-              <a:rPr lang="en-US" dirty="0" smtClean="0"/>
-              <a:t>can be hard </a:t>
-            </a:r>
-            <a:r>
-              <a:rPr lang="en-US" dirty="0" smtClean="0"/>
-              <a:t>work</a:t>
+              <a:t>Finding usable gadgets can be hard work</a:t>
             </a:r>
           </a:p>
           <a:p>
@@ -5883,11 +5867,7 @@
             <a:pPr lvl="1"/>
             <a:r>
               <a:rPr lang="en-US" dirty="0" smtClean="0"/>
-              <a:t>There exists tools to generate a complete ROP payload based on the flora of available </a:t>
-            </a:r>
-            <a:r>
-              <a:rPr lang="en-US" dirty="0" smtClean="0"/>
-              <a:t>gadgets</a:t>
+              <a:t>There exists tools to generate a complete ROP payload based on the flora of available gadgets</a:t>
             </a:r>
           </a:p>
           <a:p>
@@ -5956,11 +5936,7 @@
           <a:p>
             <a:r>
               <a:rPr lang="en-US" dirty="0" smtClean="0"/>
-              <a:t>Tools for writing ROP chains	</a:t>
-            </a:r>
-            <a:r>
-              <a:rPr lang="en-US" dirty="0" smtClean="0"/>
-              <a:t> (</a:t>
+              <a:t>Tools for writing ROP chains	 (</a:t>
             </a:r>
             <a:r>
               <a:rPr lang="en-US" dirty="0" err="1" smtClean="0"/>
@@ -6817,11 +6793,7 @@
           <a:p>
             <a:r>
               <a:rPr lang="en-US" dirty="0" smtClean="0"/>
-              <a:t>What is ROP</a:t>
-            </a:r>
-            <a:r>
-              <a:rPr lang="en-US" dirty="0" smtClean="0"/>
-              <a:t>? (</a:t>
+              <a:t>What is ROP? (</a:t>
             </a:r>
             <a:r>
               <a:rPr lang="en-US" dirty="0" err="1" smtClean="0"/>
@@ -6958,11 +6930,7 @@
           <a:p>
             <a:r>
               <a:rPr lang="en-US" dirty="0" smtClean="0"/>
-              <a:t>Reasons for doing </a:t>
-            </a:r>
-            <a:r>
-              <a:rPr lang="en-US" dirty="0" smtClean="0"/>
-              <a:t>ROP (</a:t>
+              <a:t>Reasons for doing ROP (</a:t>
             </a:r>
             <a:r>
               <a:rPr lang="en-US" dirty="0" err="1" smtClean="0"/>
@@ -7044,7 +7012,7 @@
       </p:grpSpPr>
       <p:pic>
         <p:nvPicPr>
-          <p:cNvPr id="4" name="Picture 3" descr="Screen Shot 2014-04-25 at 16.43.53.png"/>
+          <p:cNvPr id="2" name="Picture 1" descr="ciscoannual.png"/>
           <p:cNvPicPr>
             <a:picLocks noChangeAspect="1"/>
           </p:cNvPicPr>
@@ -7065,7 +7033,7 @@
         <p:spPr>
           <a:xfrm>
             <a:off x="0" y="-1035496"/>
-            <a:ext cx="9144000" cy="8496944"/>
+            <a:ext cx="9144000" cy="7881044"/>
           </a:xfrm>
           <a:prstGeom prst="rect">
             <a:avLst/>
@@ -7128,11 +7096,7 @@
           <a:p>
             <a:r>
               <a:rPr lang="en-US" dirty="0" smtClean="0"/>
-              <a:t>History of buffer overflow </a:t>
-            </a:r>
-            <a:r>
-              <a:rPr lang="en-US" dirty="0" smtClean="0"/>
-              <a:t>exploitation (</a:t>
+              <a:t>History of buffer overflow exploitation (</a:t>
             </a:r>
             <a:r>
               <a:rPr lang="en-US" dirty="0" err="1" smtClean="0"/>
@@ -7307,11 +7271,7 @@
             <a:pPr lvl="1"/>
             <a:r>
               <a:rPr lang="en-US" dirty="0" smtClean="0"/>
-              <a:t>Write </a:t>
-            </a:r>
-            <a:r>
-              <a:rPr lang="en-US" dirty="0" smtClean="0"/>
-              <a:t>more data to a buffer than the buffer has space allocated</a:t>
+              <a:t>Write more data to a buffer than the buffer has space allocated</a:t>
             </a:r>
           </a:p>
           <a:p>
@@ -7335,13 +7295,8 @@
             </a:r>
             <a:r>
               <a:rPr lang="en-US" dirty="0" smtClean="0"/>
-              <a:t> is performed the attacker controls the address and can point that at her own </a:t>
-            </a:r>
-            <a:r>
-              <a:rPr lang="en-US" dirty="0" smtClean="0"/>
-              <a:t>payload</a:t>
-            </a:r>
-            <a:endParaRPr lang="en-US" dirty="0" smtClean="0"/>
+              <a:t> is performed the attacker controls the address and can point that at her own payload</a:t>
+            </a:r>
           </a:p>
         </p:txBody>
       </p:sp>

--- a/presentation.pptx
+++ b/presentation.pptx
@@ -5,7 +5,7 @@
     <p:sldMasterId id="2147483648" r:id="rId1"/>
   </p:sldMasterIdLst>
   <p:notesMasterIdLst>
-    <p:notesMasterId r:id="rId25"/>
+    <p:notesMasterId r:id="rId33"/>
   </p:notesMasterIdLst>
   <p:sldIdLst>
     <p:sldId id="256" r:id="rId2"/>
@@ -15,22 +15,30 @@
     <p:sldId id="301" r:id="rId6"/>
     <p:sldId id="271" r:id="rId7"/>
     <p:sldId id="273" r:id="rId8"/>
-    <p:sldId id="308" r:id="rId9"/>
-    <p:sldId id="278" r:id="rId10"/>
-    <p:sldId id="296" r:id="rId11"/>
-    <p:sldId id="309" r:id="rId12"/>
+    <p:sldId id="325" r:id="rId9"/>
+    <p:sldId id="313" r:id="rId10"/>
+    <p:sldId id="312" r:id="rId11"/>
+    <p:sldId id="314" r:id="rId12"/>
     <p:sldId id="272" r:id="rId13"/>
-    <p:sldId id="304" r:id="rId14"/>
-    <p:sldId id="274" r:id="rId15"/>
-    <p:sldId id="276" r:id="rId16"/>
-    <p:sldId id="305" r:id="rId17"/>
-    <p:sldId id="275" r:id="rId18"/>
-    <p:sldId id="281" r:id="rId19"/>
-    <p:sldId id="280" r:id="rId20"/>
-    <p:sldId id="306" r:id="rId21"/>
-    <p:sldId id="310" r:id="rId22"/>
-    <p:sldId id="311" r:id="rId23"/>
-    <p:sldId id="295" r:id="rId24"/>
+    <p:sldId id="315" r:id="rId14"/>
+    <p:sldId id="316" r:id="rId15"/>
+    <p:sldId id="317" r:id="rId16"/>
+    <p:sldId id="318" r:id="rId17"/>
+    <p:sldId id="319" r:id="rId18"/>
+    <p:sldId id="321" r:id="rId19"/>
+    <p:sldId id="322" r:id="rId20"/>
+    <p:sldId id="305" r:id="rId21"/>
+    <p:sldId id="320" r:id="rId22"/>
+    <p:sldId id="323" r:id="rId23"/>
+    <p:sldId id="326" r:id="rId24"/>
+    <p:sldId id="274" r:id="rId25"/>
+    <p:sldId id="275" r:id="rId26"/>
+    <p:sldId id="281" r:id="rId27"/>
+    <p:sldId id="280" r:id="rId28"/>
+    <p:sldId id="306" r:id="rId29"/>
+    <p:sldId id="310" r:id="rId30"/>
+    <p:sldId id="311" r:id="rId31"/>
+    <p:sldId id="295" r:id="rId32"/>
   </p:sldIdLst>
   <p:sldSz cx="9144000" cy="6858000" type="screen4x3"/>
   <p:notesSz cx="6858000" cy="9144000"/>
@@ -214,7 +222,7 @@
           <a:p>
             <a:fld id="{1276CDAF-28B4-7E45-A69E-2DC163EF97CF}" type="datetimeFigureOut">
               <a:rPr lang="en-US" smtClean="0"/>
-              <a:t>02/05/14</a:t>
+              <a:t>06/05/14</a:t>
             </a:fld>
             <a:endParaRPr lang="en-US"/>
           </a:p>
@@ -576,116 +584,6 @@
 </p:notes>
 </file>
 
-<file path=ppt/notesSlides/notesSlide10.xml><?xml version="1.0" encoding="utf-8"?>
-<p:notes xmlns:a="http://schemas.openxmlformats.org/drawingml/2006/main" xmlns:r="http://schemas.openxmlformats.org/officeDocument/2006/relationships" xmlns:p="http://schemas.openxmlformats.org/presentationml/2006/main">
-  <p:cSld>
-    <p:spTree>
-      <p:nvGrpSpPr>
-        <p:cNvPr id="1" name=""/>
-        <p:cNvGrpSpPr/>
-        <p:nvPr/>
-      </p:nvGrpSpPr>
-      <p:grpSpPr>
-        <a:xfrm>
-          <a:off x="0" y="0"/>
-          <a:ext cx="0" cy="0"/>
-          <a:chOff x="0" y="0"/>
-          <a:chExt cx="0" cy="0"/>
-        </a:xfrm>
-      </p:grpSpPr>
-      <p:sp>
-        <p:nvSpPr>
-          <p:cNvPr id="2" name="Slide Image Placeholder 1"/>
-          <p:cNvSpPr>
-            <a:spLocks noGrp="1" noRot="1" noChangeAspect="1"/>
-          </p:cNvSpPr>
-          <p:nvPr>
-            <p:ph type="sldImg"/>
-          </p:nvPr>
-        </p:nvSpPr>
-        <p:spPr/>
-      </p:sp>
-      <p:sp>
-        <p:nvSpPr>
-          <p:cNvPr id="3" name="Notes Placeholder 2"/>
-          <p:cNvSpPr>
-            <a:spLocks noGrp="1"/>
-          </p:cNvSpPr>
-          <p:nvPr>
-            <p:ph type="body" idx="1"/>
-          </p:nvPr>
-        </p:nvSpPr>
-        <p:spPr/>
-        <p:txBody>
-          <a:bodyPr/>
-          <a:lstStyle/>
-          <a:p>
-            <a:r>
-              <a:rPr lang="en-US" dirty="0" smtClean="0"/>
-              <a:t>NUL – Look it up!</a:t>
-            </a:r>
-          </a:p>
-          <a:p>
-            <a:endParaRPr lang="en-US" dirty="0" smtClean="0"/>
-          </a:p>
-          <a:p>
-            <a:r>
-              <a:rPr lang="en-US" dirty="0" smtClean="0"/>
-              <a:t>We don’t use tools!</a:t>
-            </a:r>
-          </a:p>
-          <a:p>
-            <a:endParaRPr lang="en-US" dirty="0" smtClean="0"/>
-          </a:p>
-          <a:p>
-            <a:r>
-              <a:rPr lang="en-US" dirty="0" smtClean="0"/>
-              <a:t>Next: Let’s get</a:t>
-            </a:r>
-            <a:r>
-              <a:rPr lang="en-US" baseline="0" dirty="0" smtClean="0"/>
-              <a:t> into some code</a:t>
-            </a:r>
-            <a:endParaRPr lang="en-US" dirty="0"/>
-          </a:p>
-        </p:txBody>
-      </p:sp>
-      <p:sp>
-        <p:nvSpPr>
-          <p:cNvPr id="4" name="Slide Number Placeholder 3"/>
-          <p:cNvSpPr>
-            <a:spLocks noGrp="1"/>
-          </p:cNvSpPr>
-          <p:nvPr>
-            <p:ph type="sldNum" sz="quarter" idx="10"/>
-          </p:nvPr>
-        </p:nvSpPr>
-        <p:spPr/>
-        <p:txBody>
-          <a:bodyPr/>
-          <a:lstStyle/>
-          <a:p>
-            <a:fld id="{5D74FDC0-35D8-F34C-B228-DA42CBAF1130}" type="slidenum">
-              <a:rPr lang="en-US" smtClean="0"/>
-              <a:t>18</a:t>
-            </a:fld>
-            <a:endParaRPr lang="en-US"/>
-          </a:p>
-        </p:txBody>
-      </p:sp>
-    </p:spTree>
-    <p:extLst>
-      <p:ext uri="{BB962C8B-B14F-4D97-AF65-F5344CB8AC3E}">
-        <p14:creationId xmlns:p14="http://schemas.microsoft.com/office/powerpoint/2010/main" val="1410465275"/>
-      </p:ext>
-    </p:extLst>
-  </p:cSld>
-  <p:clrMapOvr>
-    <a:masterClrMapping/>
-  </p:clrMapOvr>
-</p:notes>
-</file>
-
 <file path=ppt/notesSlides/notesSlide2.xml><?xml version="1.0" encoding="utf-8"?>
 <p:notes xmlns:a="http://schemas.openxmlformats.org/drawingml/2006/main" xmlns:r="http://schemas.openxmlformats.org/officeDocument/2006/relationships" xmlns:p="http://schemas.openxmlformats.org/presentationml/2006/main">
   <p:cSld>
@@ -939,21 +837,37 @@
           <a:p>
             <a:r>
               <a:rPr lang="en-US" dirty="0" smtClean="0"/>
-              <a:t>Program</a:t>
+              <a:t>Mitigations are </a:t>
+            </a:r>
+            <a:r>
+              <a:rPr lang="en-US" dirty="0" err="1" smtClean="0"/>
+              <a:t>defences</a:t>
+            </a:r>
+            <a:r>
+              <a:rPr lang="en-US" dirty="0" smtClean="0"/>
+              <a:t> against exploitation</a:t>
             </a:r>
             <a:r>
               <a:rPr lang="en-US" baseline="0" dirty="0" smtClean="0"/>
-              <a:t> reads </a:t>
-            </a:r>
-            <a:r>
-              <a:rPr lang="en-US" baseline="0" dirty="0" err="1" smtClean="0"/>
-              <a:t>pascal</a:t>
+              <a:t> techniques</a:t>
+            </a:r>
+            <a:endParaRPr lang="en-US" dirty="0" smtClean="0"/>
+          </a:p>
+          <a:p>
+            <a:r>
+              <a:rPr lang="en-US" dirty="0" smtClean="0"/>
+              <a:t>DEP was a challenge due to </a:t>
+            </a:r>
+          </a:p>
+          <a:p>
+            <a:r>
+              <a:rPr lang="en-US" dirty="0" smtClean="0"/>
+              <a:t>	self-modifying</a:t>
             </a:r>
             <a:r>
               <a:rPr lang="en-US" baseline="0" dirty="0" smtClean="0"/>
-              <a:t> type strings from a remote connection</a:t>
-            </a:r>
-            <a:endParaRPr lang="en-US" dirty="0"/>
+              <a:t> code (JAVA)</a:t>
+            </a:r>
           </a:p>
         </p:txBody>
       </p:sp>
@@ -974,7 +888,7 @@
           <a:p>
             <a:fld id="{5D74FDC0-35D8-F34C-B228-DA42CBAF1130}" type="slidenum">
               <a:rPr lang="en-US" smtClean="0"/>
-              <a:t>9</a:t>
+              <a:t>12</a:t>
             </a:fld>
             <a:endParaRPr lang="en-US"/>
           </a:p>
@@ -983,7 +897,7 @@
     </p:spTree>
     <p:extLst>
       <p:ext uri="{BB962C8B-B14F-4D97-AF65-F5344CB8AC3E}">
-        <p14:creationId xmlns:p14="http://schemas.microsoft.com/office/powerpoint/2010/main" val="2290135558"/>
+        <p14:creationId xmlns:p14="http://schemas.microsoft.com/office/powerpoint/2010/main" val="311344447"/>
       </p:ext>
     </p:extLst>
   </p:cSld>
@@ -1037,44 +951,60 @@
           <a:bodyPr/>
           <a:lstStyle/>
           <a:p>
-            <a:pPr marL="0" marR="0" indent="0" algn="l" defTabSz="457200" rtl="0" eaLnBrk="1" fontAlgn="auto" latinLnBrk="0" hangingPunct="1">
-              <a:lnSpc>
-                <a:spcPct val="100000"/>
-              </a:lnSpc>
-              <a:spcBef>
-                <a:spcPts val="0"/>
-              </a:spcBef>
-              <a:spcAft>
-                <a:spcPts val="0"/>
-              </a:spcAft>
-              <a:buClrTx/>
-              <a:buSzTx/>
+            <a:pPr marL="171450" indent="-171450">
               <a:buFontTx/>
-              <a:buNone/>
-              <a:tabLst/>
-              <a:defRPr/>
+              <a:buChar char="-"/>
             </a:pPr>
             <a:r>
-              <a:rPr lang="en-US" dirty="0" smtClean="0"/>
-              <a:t>Spot</a:t>
-            </a:r>
-            <a:r>
               <a:rPr lang="en-US" baseline="0" dirty="0" smtClean="0"/>
-              <a:t> the bug</a:t>
-            </a:r>
-            <a:endParaRPr lang="en-US" dirty="0" smtClean="0"/>
-          </a:p>
-          <a:p>
-            <a:endParaRPr lang="en-US" dirty="0" smtClean="0"/>
-          </a:p>
-          <a:p>
-            <a:r>
-              <a:rPr lang="en-US" dirty="0" smtClean="0"/>
-              <a:t>- Read many</a:t>
-            </a:r>
+              <a:t>Circumvents non-executable stack protection</a:t>
+            </a:r>
+          </a:p>
+          <a:p>
+            <a:pPr marL="171450" indent="-171450">
+              <a:buFontTx/>
+              <a:buChar char="-"/>
+            </a:pPr>
+            <a:endParaRPr lang="en-US" baseline="0" dirty="0" smtClean="0"/>
+          </a:p>
+          <a:p>
+            <a:pPr marL="171450" indent="-171450">
+              <a:buFontTx/>
+              <a:buChar char="-"/>
+            </a:pPr>
             <a:r>
               <a:rPr lang="en-US" baseline="0" dirty="0" smtClean="0"/>
-              <a:t> chunks from a string where each chunk is prefixed with a 32 bit unsigned integer length</a:t>
+              <a:t>/bin/</a:t>
+            </a:r>
+            <a:r>
+              <a:rPr lang="en-US" baseline="0" dirty="0" err="1" smtClean="0"/>
+              <a:t>sh</a:t>
+            </a:r>
+            <a:r>
+              <a:rPr lang="en-US" baseline="0" dirty="0" smtClean="0"/>
+              <a:t> string could exist in </a:t>
+            </a:r>
+            <a:r>
+              <a:rPr lang="en-US" baseline="0" dirty="0" err="1" smtClean="0"/>
+              <a:t>libc</a:t>
+            </a:r>
+            <a:endParaRPr lang="en-US" baseline="0" dirty="0" smtClean="0"/>
+          </a:p>
+          <a:p>
+            <a:pPr marL="171450" indent="-171450">
+              <a:buFontTx/>
+              <a:buChar char="-"/>
+            </a:pPr>
+            <a:endParaRPr lang="en-US" baseline="0" dirty="0" smtClean="0"/>
+          </a:p>
+          <a:p>
+            <a:pPr marL="171450" indent="-171450">
+              <a:buFontTx/>
+              <a:buChar char="-"/>
+            </a:pPr>
+            <a:r>
+              <a:rPr lang="en-US" baseline="0" dirty="0" smtClean="0"/>
+              <a:t>One function call : remote exploitation</a:t>
             </a:r>
             <a:endParaRPr lang="en-US" dirty="0"/>
           </a:p>
@@ -1097,7 +1027,7 @@
           <a:p>
             <a:fld id="{5D74FDC0-35D8-F34C-B228-DA42CBAF1130}" type="slidenum">
               <a:rPr lang="en-US" smtClean="0"/>
-              <a:t>10</a:t>
+              <a:t>24</a:t>
             </a:fld>
             <a:endParaRPr lang="en-US"/>
           </a:p>
@@ -1106,7 +1036,7 @@
     </p:spTree>
     <p:extLst>
       <p:ext uri="{BB962C8B-B14F-4D97-AF65-F5344CB8AC3E}">
-        <p14:creationId xmlns:p14="http://schemas.microsoft.com/office/powerpoint/2010/main" val="1664901898"/>
+        <p14:creationId xmlns:p14="http://schemas.microsoft.com/office/powerpoint/2010/main" val="3651854870"/>
       </p:ext>
     </p:extLst>
   </p:cSld>
@@ -1162,37 +1092,13 @@
           <a:p>
             <a:r>
               <a:rPr lang="en-US" dirty="0" smtClean="0"/>
-              <a:t>Mitigations are </a:t>
-            </a:r>
-            <a:r>
-              <a:rPr lang="en-US" dirty="0" err="1" smtClean="0"/>
-              <a:t>defences</a:t>
-            </a:r>
-            <a:r>
-              <a:rPr lang="en-US" dirty="0" smtClean="0"/>
-              <a:t> against exploitation</a:t>
+              <a:t>- Remote exploits: you don’t have access to inspection</a:t>
             </a:r>
             <a:r>
               <a:rPr lang="en-US" baseline="0" dirty="0" smtClean="0"/>
-              <a:t> techniques</a:t>
-            </a:r>
-            <a:endParaRPr lang="en-US" dirty="0" smtClean="0"/>
-          </a:p>
-          <a:p>
-            <a:r>
-              <a:rPr lang="en-US" dirty="0" smtClean="0"/>
-              <a:t>DEP was a challenge due to </a:t>
-            </a:r>
-          </a:p>
-          <a:p>
-            <a:r>
-              <a:rPr lang="en-US" dirty="0" smtClean="0"/>
-              <a:t>	self-modifying</a:t>
-            </a:r>
-            <a:r>
-              <a:rPr lang="en-US" baseline="0" dirty="0" smtClean="0"/>
-              <a:t> code (JAVA)</a:t>
-            </a:r>
+              <a:t> of memory layout</a:t>
+            </a:r>
+            <a:endParaRPr lang="en-US" dirty="0"/>
           </a:p>
         </p:txBody>
       </p:sp>
@@ -1213,7 +1119,7 @@
           <a:p>
             <a:fld id="{5D74FDC0-35D8-F34C-B228-DA42CBAF1130}" type="slidenum">
               <a:rPr lang="en-US" smtClean="0"/>
-              <a:t>12</a:t>
+              <a:t>25</a:t>
             </a:fld>
             <a:endParaRPr lang="en-US"/>
           </a:p>
@@ -1222,7 +1128,7 @@
     </p:spTree>
     <p:extLst>
       <p:ext uri="{BB962C8B-B14F-4D97-AF65-F5344CB8AC3E}">
-        <p14:creationId xmlns:p14="http://schemas.microsoft.com/office/powerpoint/2010/main" val="311344447"/>
+        <p14:creationId xmlns:p14="http://schemas.microsoft.com/office/powerpoint/2010/main" val="3992771908"/>
       </p:ext>
     </p:extLst>
   </p:cSld>
@@ -1276,60 +1182,31 @@
           <a:bodyPr/>
           <a:lstStyle/>
           <a:p>
-            <a:pPr marL="171450" indent="-171450">
-              <a:buFontTx/>
-              <a:buChar char="-"/>
-            </a:pPr>
+            <a:r>
+              <a:rPr lang="en-US" dirty="0" smtClean="0"/>
+              <a:t>NUL – Look it up!</a:t>
+            </a:r>
+          </a:p>
+          <a:p>
+            <a:endParaRPr lang="en-US" dirty="0" smtClean="0"/>
+          </a:p>
+          <a:p>
+            <a:r>
+              <a:rPr lang="en-US" dirty="0" smtClean="0"/>
+              <a:t>We don’t use tools!</a:t>
+            </a:r>
+          </a:p>
+          <a:p>
+            <a:endParaRPr lang="en-US" dirty="0" smtClean="0"/>
+          </a:p>
+          <a:p>
+            <a:r>
+              <a:rPr lang="en-US" dirty="0" smtClean="0"/>
+              <a:t>Next: Let’s get</a:t>
+            </a:r>
             <a:r>
               <a:rPr lang="en-US" baseline="0" dirty="0" smtClean="0"/>
-              <a:t>Circumvents non-executable stack protection</a:t>
-            </a:r>
-          </a:p>
-          <a:p>
-            <a:pPr marL="171450" indent="-171450">
-              <a:buFontTx/>
-              <a:buChar char="-"/>
-            </a:pPr>
-            <a:endParaRPr lang="en-US" baseline="0" dirty="0" smtClean="0"/>
-          </a:p>
-          <a:p>
-            <a:pPr marL="171450" indent="-171450">
-              <a:buFontTx/>
-              <a:buChar char="-"/>
-            </a:pPr>
-            <a:r>
-              <a:rPr lang="en-US" baseline="0" dirty="0" smtClean="0"/>
-              <a:t>/bin/</a:t>
-            </a:r>
-            <a:r>
-              <a:rPr lang="en-US" baseline="0" dirty="0" err="1" smtClean="0"/>
-              <a:t>sh</a:t>
-            </a:r>
-            <a:r>
-              <a:rPr lang="en-US" baseline="0" dirty="0" smtClean="0"/>
-              <a:t> string could exist in </a:t>
-            </a:r>
-            <a:r>
-              <a:rPr lang="en-US" baseline="0" dirty="0" err="1" smtClean="0"/>
-              <a:t>libc</a:t>
-            </a:r>
-            <a:endParaRPr lang="en-US" baseline="0" dirty="0" smtClean="0"/>
-          </a:p>
-          <a:p>
-            <a:pPr marL="171450" indent="-171450">
-              <a:buFontTx/>
-              <a:buChar char="-"/>
-            </a:pPr>
-            <a:endParaRPr lang="en-US" baseline="0" dirty="0" smtClean="0"/>
-          </a:p>
-          <a:p>
-            <a:pPr marL="171450" indent="-171450">
-              <a:buFontTx/>
-              <a:buChar char="-"/>
-            </a:pPr>
-            <a:r>
-              <a:rPr lang="en-US" baseline="0" dirty="0" smtClean="0"/>
-              <a:t>One function call : remote exploitation</a:t>
+              <a:t> into some code</a:t>
             </a:r>
             <a:endParaRPr lang="en-US" dirty="0"/>
           </a:p>
@@ -1352,7 +1229,7 @@
           <a:p>
             <a:fld id="{5D74FDC0-35D8-F34C-B228-DA42CBAF1130}" type="slidenum">
               <a:rPr lang="en-US" smtClean="0"/>
-              <a:t>14</a:t>
+              <a:t>26</a:t>
             </a:fld>
             <a:endParaRPr lang="en-US"/>
           </a:p>
@@ -1361,255 +1238,7 @@
     </p:spTree>
     <p:extLst>
       <p:ext uri="{BB962C8B-B14F-4D97-AF65-F5344CB8AC3E}">
-        <p14:creationId xmlns:p14="http://schemas.microsoft.com/office/powerpoint/2010/main" val="3651854870"/>
-      </p:ext>
-    </p:extLst>
-  </p:cSld>
-  <p:clrMapOvr>
-    <a:masterClrMapping/>
-  </p:clrMapOvr>
-</p:notes>
-</file>
-
-<file path=ppt/notesSlides/notesSlide8.xml><?xml version="1.0" encoding="utf-8"?>
-<p:notes xmlns:a="http://schemas.openxmlformats.org/drawingml/2006/main" xmlns:r="http://schemas.openxmlformats.org/officeDocument/2006/relationships" xmlns:p="http://schemas.openxmlformats.org/presentationml/2006/main">
-  <p:cSld>
-    <p:spTree>
-      <p:nvGrpSpPr>
-        <p:cNvPr id="1" name=""/>
-        <p:cNvGrpSpPr/>
-        <p:nvPr/>
-      </p:nvGrpSpPr>
-      <p:grpSpPr>
-        <a:xfrm>
-          <a:off x="0" y="0"/>
-          <a:ext cx="0" cy="0"/>
-          <a:chOff x="0" y="0"/>
-          <a:chExt cx="0" cy="0"/>
-        </a:xfrm>
-      </p:grpSpPr>
-      <p:sp>
-        <p:nvSpPr>
-          <p:cNvPr id="2" name="Slide Image Placeholder 1"/>
-          <p:cNvSpPr>
-            <a:spLocks noGrp="1" noRot="1" noChangeAspect="1"/>
-          </p:cNvSpPr>
-          <p:nvPr>
-            <p:ph type="sldImg"/>
-          </p:nvPr>
-        </p:nvSpPr>
-        <p:spPr/>
-      </p:sp>
-      <p:sp>
-        <p:nvSpPr>
-          <p:cNvPr id="3" name="Notes Placeholder 2"/>
-          <p:cNvSpPr>
-            <a:spLocks noGrp="1"/>
-          </p:cNvSpPr>
-          <p:nvPr>
-            <p:ph type="body" idx="1"/>
-          </p:nvPr>
-        </p:nvSpPr>
-        <p:spPr/>
-        <p:txBody>
-          <a:bodyPr/>
-          <a:lstStyle/>
-          <a:p>
-            <a:r>
-              <a:rPr lang="en-US" dirty="0" smtClean="0"/>
-              <a:t>Non-executable stack:</a:t>
-            </a:r>
-          </a:p>
-          <a:p>
-            <a:pPr lvl="1"/>
-            <a:r>
-              <a:rPr lang="en-US" dirty="0" smtClean="0"/>
-              <a:t>Stack only has read and write permissions, therefore pointing the return address to the stack raises SIGSEGV.</a:t>
-            </a:r>
-          </a:p>
-          <a:p>
-            <a:r>
-              <a:rPr lang="en-US" dirty="0" smtClean="0"/>
-              <a:t>Map libraries to addresses starting with 0x00</a:t>
-            </a:r>
-          </a:p>
-          <a:p>
-            <a:pPr lvl="1"/>
-            <a:r>
-              <a:rPr lang="en-US" dirty="0" smtClean="0"/>
-              <a:t>With </a:t>
-            </a:r>
-            <a:r>
-              <a:rPr lang="en-US" dirty="0" err="1" smtClean="0"/>
-              <a:t>strcpy</a:t>
-            </a:r>
-            <a:r>
-              <a:rPr lang="en-US" dirty="0" smtClean="0"/>
-              <a:t> no NULL bytes can be placed in the middle of the payload or the full payload will not be copied</a:t>
-            </a:r>
-          </a:p>
-          <a:p>
-            <a:r>
-              <a:rPr lang="en-US" dirty="0" smtClean="0"/>
-              <a:t>Stack canaries:</a:t>
-            </a:r>
-          </a:p>
-          <a:p>
-            <a:pPr lvl="1"/>
-            <a:r>
-              <a:rPr lang="en-US" dirty="0" smtClean="0"/>
-              <a:t>A small bit of random information is added to the stack between the return address and local variables and is checked to be the same value before fetching the return address.</a:t>
-            </a:r>
-          </a:p>
-          <a:p>
-            <a:r>
-              <a:rPr lang="en-US" dirty="0" smtClean="0"/>
-              <a:t>ASLR (Address Space Layout Randomization):</a:t>
-            </a:r>
-          </a:p>
-          <a:p>
-            <a:pPr lvl="1"/>
-            <a:r>
-              <a:rPr lang="en-US" dirty="0" smtClean="0"/>
-              <a:t>Each time the program is run, the position of the stack, heap and libraries are randomized.</a:t>
-            </a:r>
-          </a:p>
-          <a:p>
-            <a:pPr lvl="1"/>
-            <a:r>
-              <a:rPr lang="en-US" dirty="0" smtClean="0"/>
-              <a:t>Slight performance impact on </a:t>
-            </a:r>
-            <a:r>
-              <a:rPr lang="en-US" dirty="0" err="1" smtClean="0"/>
-              <a:t>linux</a:t>
-            </a:r>
-            <a:endParaRPr lang="en-US" dirty="0" smtClean="0"/>
-          </a:p>
-          <a:p>
-            <a:endParaRPr lang="en-US" dirty="0" smtClean="0"/>
-          </a:p>
-        </p:txBody>
-      </p:sp>
-      <p:sp>
-        <p:nvSpPr>
-          <p:cNvPr id="4" name="Slide Number Placeholder 3"/>
-          <p:cNvSpPr>
-            <a:spLocks noGrp="1"/>
-          </p:cNvSpPr>
-          <p:nvPr>
-            <p:ph type="sldNum" sz="quarter" idx="10"/>
-          </p:nvPr>
-        </p:nvSpPr>
-        <p:spPr/>
-        <p:txBody>
-          <a:bodyPr/>
-          <a:lstStyle/>
-          <a:p>
-            <a:fld id="{5D74FDC0-35D8-F34C-B228-DA42CBAF1130}" type="slidenum">
-              <a:rPr lang="en-US" smtClean="0"/>
-              <a:t>15</a:t>
-            </a:fld>
-            <a:endParaRPr lang="en-US"/>
-          </a:p>
-        </p:txBody>
-      </p:sp>
-    </p:spTree>
-    <p:extLst>
-      <p:ext uri="{BB962C8B-B14F-4D97-AF65-F5344CB8AC3E}">
-        <p14:creationId xmlns:p14="http://schemas.microsoft.com/office/powerpoint/2010/main" val="910512442"/>
-      </p:ext>
-    </p:extLst>
-  </p:cSld>
-  <p:clrMapOvr>
-    <a:masterClrMapping/>
-  </p:clrMapOvr>
-</p:notes>
-</file>
-
-<file path=ppt/notesSlides/notesSlide9.xml><?xml version="1.0" encoding="utf-8"?>
-<p:notes xmlns:a="http://schemas.openxmlformats.org/drawingml/2006/main" xmlns:r="http://schemas.openxmlformats.org/officeDocument/2006/relationships" xmlns:p="http://schemas.openxmlformats.org/presentationml/2006/main">
-  <p:cSld>
-    <p:spTree>
-      <p:nvGrpSpPr>
-        <p:cNvPr id="1" name=""/>
-        <p:cNvGrpSpPr/>
-        <p:nvPr/>
-      </p:nvGrpSpPr>
-      <p:grpSpPr>
-        <a:xfrm>
-          <a:off x="0" y="0"/>
-          <a:ext cx="0" cy="0"/>
-          <a:chOff x="0" y="0"/>
-          <a:chExt cx="0" cy="0"/>
-        </a:xfrm>
-      </p:grpSpPr>
-      <p:sp>
-        <p:nvSpPr>
-          <p:cNvPr id="2" name="Slide Image Placeholder 1"/>
-          <p:cNvSpPr>
-            <a:spLocks noGrp="1" noRot="1" noChangeAspect="1"/>
-          </p:cNvSpPr>
-          <p:nvPr>
-            <p:ph type="sldImg"/>
-          </p:nvPr>
-        </p:nvSpPr>
-        <p:spPr/>
-      </p:sp>
-      <p:sp>
-        <p:nvSpPr>
-          <p:cNvPr id="3" name="Notes Placeholder 2"/>
-          <p:cNvSpPr>
-            <a:spLocks noGrp="1"/>
-          </p:cNvSpPr>
-          <p:nvPr>
-            <p:ph type="body" idx="1"/>
-          </p:nvPr>
-        </p:nvSpPr>
-        <p:spPr/>
-        <p:txBody>
-          <a:bodyPr/>
-          <a:lstStyle/>
-          <a:p>
-            <a:r>
-              <a:rPr lang="en-US" dirty="0" smtClean="0"/>
-              <a:t>- Remote exploits: you don’t have access to inspection</a:t>
-            </a:r>
-            <a:r>
-              <a:rPr lang="en-US" baseline="0" dirty="0" smtClean="0"/>
-              <a:t> of memory layout</a:t>
-            </a:r>
-            <a:endParaRPr lang="en-US" dirty="0"/>
-          </a:p>
-        </p:txBody>
-      </p:sp>
-      <p:sp>
-        <p:nvSpPr>
-          <p:cNvPr id="4" name="Slide Number Placeholder 3"/>
-          <p:cNvSpPr>
-            <a:spLocks noGrp="1"/>
-          </p:cNvSpPr>
-          <p:nvPr>
-            <p:ph type="sldNum" sz="quarter" idx="10"/>
-          </p:nvPr>
-        </p:nvSpPr>
-        <p:spPr/>
-        <p:txBody>
-          <a:bodyPr/>
-          <a:lstStyle/>
-          <a:p>
-            <a:fld id="{5D74FDC0-35D8-F34C-B228-DA42CBAF1130}" type="slidenum">
-              <a:rPr lang="en-US" smtClean="0"/>
-              <a:t>17</a:t>
-            </a:fld>
-            <a:endParaRPr lang="en-US"/>
-          </a:p>
-        </p:txBody>
-      </p:sp>
-    </p:spTree>
-    <p:extLst>
-      <p:ext uri="{BB962C8B-B14F-4D97-AF65-F5344CB8AC3E}">
-        <p14:creationId xmlns:p14="http://schemas.microsoft.com/office/powerpoint/2010/main" val="3992771908"/>
+        <p14:creationId xmlns:p14="http://schemas.microsoft.com/office/powerpoint/2010/main" val="1410465275"/>
       </p:ext>
     </p:extLst>
   </p:cSld>
@@ -1800,7 +1429,7 @@
           <a:p>
             <a:fld id="{6BFECD78-3C8E-49F2-8FAB-59489D168ABB}" type="datetimeFigureOut">
               <a:rPr lang="en-US" smtClean="0"/>
-              <a:t>02/05/14</a:t>
+              <a:t>06/05/14</a:t>
             </a:fld>
             <a:endParaRPr lang="en-US"/>
           </a:p>
@@ -1970,7 +1599,7 @@
           <a:p>
             <a:fld id="{6BFECD78-3C8E-49F2-8FAB-59489D168ABB}" type="datetimeFigureOut">
               <a:rPr lang="en-US" smtClean="0"/>
-              <a:t>02/05/14</a:t>
+              <a:t>06/05/14</a:t>
             </a:fld>
             <a:endParaRPr lang="en-US"/>
           </a:p>
@@ -2150,7 +1779,7 @@
           <a:p>
             <a:fld id="{6BFECD78-3C8E-49F2-8FAB-59489D168ABB}" type="datetimeFigureOut">
               <a:rPr lang="en-US" smtClean="0"/>
-              <a:t>02/05/14</a:t>
+              <a:t>06/05/14</a:t>
             </a:fld>
             <a:endParaRPr lang="en-US"/>
           </a:p>
@@ -2320,7 +1949,7 @@
           <a:p>
             <a:fld id="{6BFECD78-3C8E-49F2-8FAB-59489D168ABB}" type="datetimeFigureOut">
               <a:rPr lang="en-US" smtClean="0"/>
-              <a:t>02/05/14</a:t>
+              <a:t>06/05/14</a:t>
             </a:fld>
             <a:endParaRPr lang="en-US"/>
           </a:p>
@@ -2566,7 +2195,7 @@
           <a:p>
             <a:fld id="{6BFECD78-3C8E-49F2-8FAB-59489D168ABB}" type="datetimeFigureOut">
               <a:rPr lang="en-US" smtClean="0"/>
-              <a:t>02/05/14</a:t>
+              <a:t>06/05/14</a:t>
             </a:fld>
             <a:endParaRPr lang="en-US"/>
           </a:p>
@@ -2854,7 +2483,7 @@
           <a:p>
             <a:fld id="{6BFECD78-3C8E-49F2-8FAB-59489D168ABB}" type="datetimeFigureOut">
               <a:rPr lang="en-US" smtClean="0"/>
-              <a:t>02/05/14</a:t>
+              <a:t>06/05/14</a:t>
             </a:fld>
             <a:endParaRPr lang="en-US"/>
           </a:p>
@@ -3276,7 +2905,7 @@
           <a:p>
             <a:fld id="{6BFECD78-3C8E-49F2-8FAB-59489D168ABB}" type="datetimeFigureOut">
               <a:rPr lang="en-US" smtClean="0"/>
-              <a:t>02/05/14</a:t>
+              <a:t>06/05/14</a:t>
             </a:fld>
             <a:endParaRPr lang="en-US"/>
           </a:p>
@@ -3394,7 +3023,7 @@
           <a:p>
             <a:fld id="{6BFECD78-3C8E-49F2-8FAB-59489D168ABB}" type="datetimeFigureOut">
               <a:rPr lang="en-US" smtClean="0"/>
-              <a:t>02/05/14</a:t>
+              <a:t>06/05/14</a:t>
             </a:fld>
             <a:endParaRPr lang="en-US"/>
           </a:p>
@@ -3489,7 +3118,7 @@
           <a:p>
             <a:fld id="{6BFECD78-3C8E-49F2-8FAB-59489D168ABB}" type="datetimeFigureOut">
               <a:rPr lang="en-US" smtClean="0"/>
-              <a:t>02/05/14</a:t>
+              <a:t>06/05/14</a:t>
             </a:fld>
             <a:endParaRPr lang="en-US"/>
           </a:p>
@@ -3766,7 +3395,7 @@
           <a:p>
             <a:fld id="{6BFECD78-3C8E-49F2-8FAB-59489D168ABB}" type="datetimeFigureOut">
               <a:rPr lang="en-US" smtClean="0"/>
-              <a:t>02/05/14</a:t>
+              <a:t>06/05/14</a:t>
             </a:fld>
             <a:endParaRPr lang="en-US"/>
           </a:p>
@@ -4023,7 +3652,7 @@
           <a:p>
             <a:fld id="{6BFECD78-3C8E-49F2-8FAB-59489D168ABB}" type="datetimeFigureOut">
               <a:rPr lang="en-US" smtClean="0"/>
-              <a:t>02/05/14</a:t>
+              <a:t>06/05/14</a:t>
             </a:fld>
             <a:endParaRPr lang="en-US"/>
           </a:p>
@@ -4236,7 +3865,7 @@
           <a:p>
             <a:fld id="{6BFECD78-3C8E-49F2-8FAB-59489D168ABB}" type="datetimeFigureOut">
               <a:rPr lang="en-US" smtClean="0"/>
-              <a:t>02/05/14</a:t>
+              <a:t>06/05/14</a:t>
             </a:fld>
             <a:endParaRPr lang="en-US"/>
           </a:p>
@@ -4712,16 +4341,54 @@
           <a:chExt cx="0" cy="0"/>
         </a:xfrm>
       </p:grpSpPr>
+      <p:sp>
+        <p:nvSpPr>
+          <p:cNvPr id="2" name="Title 1"/>
+          <p:cNvSpPr>
+            <a:spLocks noGrp="1"/>
+          </p:cNvSpPr>
+          <p:nvPr>
+            <p:ph type="title"/>
+          </p:nvPr>
+        </p:nvSpPr>
+        <p:spPr/>
+        <p:txBody>
+          <a:bodyPr/>
+          <a:lstStyle/>
+          <a:p>
+            <a:endParaRPr lang="en-US"/>
+          </a:p>
+        </p:txBody>
+      </p:sp>
+      <p:sp>
+        <p:nvSpPr>
+          <p:cNvPr id="3" name="Content Placeholder 2"/>
+          <p:cNvSpPr>
+            <a:spLocks noGrp="1"/>
+          </p:cNvSpPr>
+          <p:nvPr>
+            <p:ph idx="1"/>
+          </p:nvPr>
+        </p:nvSpPr>
+        <p:spPr/>
+        <p:txBody>
+          <a:bodyPr/>
+          <a:lstStyle/>
+          <a:p>
+            <a:endParaRPr lang="en-US"/>
+          </a:p>
+        </p:txBody>
+      </p:sp>
       <p:pic>
         <p:nvPicPr>
-          <p:cNvPr id="8" name="Picture 7" descr="pstrings.png"/>
+          <p:cNvPr id="4" name="Picture 3" descr="stack-overflow.jpg"/>
           <p:cNvPicPr>
             <a:picLocks noChangeAspect="1"/>
           </p:cNvPicPr>
           <p:nvPr/>
         </p:nvPicPr>
         <p:blipFill>
-          <a:blip r:embed="rId3">
+          <a:blip r:embed="rId2">
             <a:extLst>
               <a:ext uri="{28A0092B-C50C-407E-A947-70E740481C1C}">
                 <a14:useLocalDpi xmlns:a14="http://schemas.microsoft.com/office/drawing/2010/main" val="0"/>
@@ -4734,8 +4401,8 @@
         </p:blipFill>
         <p:spPr>
           <a:xfrm>
-            <a:off x="30692" y="548680"/>
-            <a:ext cx="9079699" cy="5997085"/>
+            <a:off x="0" y="0"/>
+            <a:ext cx="9114842" cy="6858000"/>
           </a:xfrm>
           <a:prstGeom prst="rect">
             <a:avLst/>
@@ -4745,7 +4412,7 @@
     </p:spTree>
     <p:extLst>
       <p:ext uri="{BB962C8B-B14F-4D97-AF65-F5344CB8AC3E}">
-        <p14:creationId xmlns:p14="http://schemas.microsoft.com/office/powerpoint/2010/main" val="3737165385"/>
+        <p14:creationId xmlns:p14="http://schemas.microsoft.com/office/powerpoint/2010/main" val="3774079020"/>
       </p:ext>
     </p:extLst>
   </p:cSld>
@@ -4796,15 +4463,7 @@
           <a:p>
             <a:r>
               <a:rPr lang="en-US" dirty="0" smtClean="0"/>
-              <a:t>Evolution: then (</a:t>
-            </a:r>
-            <a:r>
-              <a:rPr lang="en-US" dirty="0" err="1" smtClean="0"/>
-              <a:t>pwa</a:t>
-            </a:r>
-            <a:r>
-              <a:rPr lang="en-US" dirty="0" smtClean="0"/>
-              <a:t>)</a:t>
+              <a:t>Demo</a:t>
             </a:r>
             <a:endParaRPr lang="en-US" dirty="0"/>
           </a:p>
@@ -4825,20 +4484,10 @@
           <a:bodyPr/>
           <a:lstStyle/>
           <a:p>
-            <a:pPr lvl="1"/>
-            <a:r>
-              <a:rPr lang="en-US" dirty="0"/>
-              <a:t>Vanilla stack</a:t>
-            </a:r>
-          </a:p>
-          <a:p>
-            <a:pPr lvl="1"/>
-            <a:r>
-              <a:rPr lang="en-US" dirty="0"/>
-              <a:t>Exploit RET</a:t>
-            </a:r>
-          </a:p>
-          <a:p>
+            <a:r>
+              <a:rPr lang="en-US" dirty="0" smtClean="0"/>
+              <a:t>Exploit time!</a:t>
+            </a:r>
             <a:endParaRPr lang="en-US" dirty="0"/>
           </a:p>
         </p:txBody>
@@ -4846,7 +4495,7 @@
     </p:spTree>
     <p:extLst>
       <p:ext uri="{BB962C8B-B14F-4D97-AF65-F5344CB8AC3E}">
-        <p14:creationId xmlns:p14="http://schemas.microsoft.com/office/powerpoint/2010/main" val="917405343"/>
+        <p14:creationId xmlns:p14="http://schemas.microsoft.com/office/powerpoint/2010/main" val="2656370035"/>
       </p:ext>
     </p:extLst>
   </p:cSld>
@@ -5015,105 +4664,63 @@
           <a:bodyPr/>
           <a:lstStyle/>
           <a:p>
-            <a:r>
-              <a:rPr lang="en-US" dirty="0" smtClean="0"/>
-              <a:t>TODO: SSP slides (</a:t>
-            </a:r>
-            <a:r>
-              <a:rPr lang="en-US" dirty="0" err="1" smtClean="0"/>
-              <a:t>pwa</a:t>
-            </a:r>
-            <a:r>
-              <a:rPr lang="en-US" dirty="0" smtClean="0"/>
-              <a:t>)</a:t>
-            </a:r>
-            <a:endParaRPr lang="en-US" dirty="0"/>
-          </a:p>
-        </p:txBody>
-      </p:sp>
-      <p:sp>
-        <p:nvSpPr>
-          <p:cNvPr id="4" name="TextBox 3"/>
-          <p:cNvSpPr txBox="1"/>
+            <a:endParaRPr lang="en-US"/>
+          </a:p>
+        </p:txBody>
+      </p:sp>
+      <p:sp>
+        <p:nvSpPr>
+          <p:cNvPr id="3" name="Content Placeholder 2"/>
+          <p:cNvSpPr>
+            <a:spLocks noGrp="1"/>
+          </p:cNvSpPr>
+          <p:nvPr>
+            <p:ph idx="1"/>
+          </p:nvPr>
+        </p:nvSpPr>
+        <p:spPr/>
+        <p:txBody>
+          <a:bodyPr/>
+          <a:lstStyle/>
+          <a:p>
+            <a:endParaRPr lang="en-US"/>
+          </a:p>
+        </p:txBody>
+      </p:sp>
+      <p:pic>
+        <p:nvPicPr>
+          <p:cNvPr id="4" name="Picture 3" descr="SSP.jpg"/>
+          <p:cNvPicPr>
+            <a:picLocks noChangeAspect="1"/>
+          </p:cNvPicPr>
           <p:nvPr/>
-        </p:nvSpPr>
+        </p:nvPicPr>
+        <p:blipFill>
+          <a:blip r:embed="rId2">
+            <a:extLst>
+              <a:ext uri="{28A0092B-C50C-407E-A947-70E740481C1C}">
+                <a14:useLocalDpi xmlns:a14="http://schemas.microsoft.com/office/drawing/2010/main" val="0"/>
+              </a:ext>
+            </a:extLst>
+          </a:blip>
+          <a:stretch>
+            <a:fillRect/>
+          </a:stretch>
+        </p:blipFill>
         <p:spPr>
           <a:xfrm>
-            <a:off x="2699792" y="2564904"/>
-            <a:ext cx="3082895" cy="2031325"/>
+            <a:off x="0" y="0"/>
+            <a:ext cx="9114842" cy="6858000"/>
           </a:xfrm>
           <a:prstGeom prst="rect">
             <a:avLst/>
           </a:prstGeom>
-          <a:noFill/>
         </p:spPr>
-        <p:txBody>
-          <a:bodyPr wrap="none" rtlCol="0">
-            <a:spAutoFit/>
-          </a:bodyPr>
-          <a:lstStyle/>
-          <a:p>
-            <a:r>
-              <a:rPr lang="en-US" dirty="0" err="1" smtClean="0"/>
-              <a:t>Historie</a:t>
-            </a:r>
-            <a:endParaRPr lang="en-US" dirty="0" smtClean="0"/>
-          </a:p>
-          <a:p>
-            <a:r>
-              <a:rPr lang="en-US" dirty="0" err="1" smtClean="0"/>
-              <a:t>Gcc</a:t>
-            </a:r>
-            <a:r>
-              <a:rPr lang="en-US" dirty="0" smtClean="0"/>
-              <a:t> / </a:t>
-            </a:r>
-            <a:r>
-              <a:rPr lang="en-US" dirty="0" err="1" smtClean="0"/>
-              <a:t>glibc</a:t>
-            </a:r>
-            <a:endParaRPr lang="en-US" dirty="0" smtClean="0"/>
-          </a:p>
-          <a:p>
-            <a:r>
-              <a:rPr lang="en-US" dirty="0" smtClean="0"/>
-              <a:t>Vise pro / epilog slide</a:t>
-            </a:r>
-          </a:p>
-          <a:p>
-            <a:r>
-              <a:rPr lang="en-US" dirty="0" smtClean="0"/>
-              <a:t>Vise stack med SSP</a:t>
-            </a:r>
-          </a:p>
-          <a:p>
-            <a:r>
-              <a:rPr lang="en-US" dirty="0" err="1" smtClean="0"/>
-              <a:t>Forklare</a:t>
-            </a:r>
-            <a:r>
-              <a:rPr lang="en-US" dirty="0" smtClean="0"/>
-              <a:t> info leak</a:t>
-            </a:r>
-          </a:p>
-          <a:p>
-            <a:r>
-              <a:rPr lang="en-US" dirty="0" smtClean="0"/>
-              <a:t>Vise slide med exploit med SSP</a:t>
-            </a:r>
-          </a:p>
-          <a:p>
-            <a:r>
-              <a:rPr lang="en-US" dirty="0" smtClean="0"/>
-              <a:t>DEMO</a:t>
-            </a:r>
-          </a:p>
-        </p:txBody>
-      </p:sp>
+      </p:pic>
     </p:spTree>
     <p:extLst>
       <p:ext uri="{BB962C8B-B14F-4D97-AF65-F5344CB8AC3E}">
-        <p14:creationId xmlns:p14="http://schemas.microsoft.com/office/powerpoint/2010/main" val="3498650002"/>
+        <p14:creationId xmlns:p14="http://schemas.microsoft.com/office/powerpoint/2010/main" val="1458006188"/>
       </p:ext>
     </p:extLst>
   </p:cSld>
@@ -5162,19 +4769,7 @@
           <a:bodyPr/>
           <a:lstStyle/>
           <a:p>
-            <a:r>
-              <a:rPr lang="en-US" dirty="0" smtClean="0"/>
-              <a:t>Evolution: then and now (</a:t>
-            </a:r>
-            <a:r>
-              <a:rPr lang="en-US" dirty="0" err="1" smtClean="0"/>
-              <a:t>dbu</a:t>
-            </a:r>
-            <a:r>
-              <a:rPr lang="en-US" dirty="0" smtClean="0"/>
-              <a:t>)???</a:t>
-            </a:r>
-            <a:endParaRPr lang="en-US" dirty="0"/>
+            <a:endParaRPr lang="en-US"/>
           </a:p>
         </p:txBody>
       </p:sp>
@@ -5190,93 +4785,47 @@
         </p:nvSpPr>
         <p:spPr/>
         <p:txBody>
-          <a:bodyPr>
-            <a:normAutofit/>
-          </a:bodyPr>
-          <a:lstStyle/>
-          <a:p>
-            <a:r>
-              <a:rPr lang="en-US" dirty="0" smtClean="0"/>
-              <a:t>Return-to-</a:t>
-            </a:r>
-            <a:r>
-              <a:rPr lang="en-US" dirty="0" err="1" smtClean="0"/>
-              <a:t>libc</a:t>
-            </a:r>
-            <a:r>
-              <a:rPr lang="en-US" dirty="0" smtClean="0"/>
-              <a:t> attack</a:t>
-            </a:r>
-          </a:p>
-          <a:p>
-            <a:pPr lvl="1"/>
-            <a:r>
-              <a:rPr lang="en-US" dirty="0" smtClean="0"/>
-              <a:t>Overwrite the return address like in the </a:t>
-            </a:r>
-            <a:r>
-              <a:rPr lang="en-US" dirty="0"/>
-              <a:t>traditional attack and </a:t>
-            </a:r>
-            <a:r>
-              <a:rPr lang="en-US" dirty="0" smtClean="0"/>
-              <a:t>point </a:t>
-            </a:r>
-            <a:r>
-              <a:rPr lang="en-US" dirty="0"/>
-              <a:t>it to a function in </a:t>
-            </a:r>
-            <a:r>
-              <a:rPr lang="en-US" dirty="0" err="1" smtClean="0"/>
-              <a:t>libc</a:t>
-            </a:r>
-            <a:endParaRPr lang="en-US" dirty="0" smtClean="0"/>
-          </a:p>
-          <a:p>
-            <a:pPr lvl="1"/>
-            <a:r>
-              <a:rPr lang="en-US" dirty="0" smtClean="0"/>
-              <a:t>When </a:t>
-            </a:r>
-            <a:r>
-              <a:rPr lang="en-US" dirty="0" smtClean="0">
-                <a:latin typeface="Courier New"/>
-              </a:rPr>
-              <a:t>ret</a:t>
-            </a:r>
-            <a:r>
-              <a:rPr lang="en-US" dirty="0" smtClean="0"/>
-              <a:t> is performed the attacker controls the address (e.g. the system() function call)</a:t>
-            </a:r>
-          </a:p>
-          <a:p>
-            <a:pPr lvl="1"/>
-            <a:r>
-              <a:rPr lang="en-US" dirty="0" smtClean="0"/>
-              <a:t>She can write her own stack frame data beyond the ret address: (e.g. pointer to “/bin/</a:t>
-            </a:r>
-            <a:r>
-              <a:rPr lang="en-US" dirty="0" err="1" smtClean="0"/>
-              <a:t>sh</a:t>
-            </a:r>
-            <a:r>
-              <a:rPr lang="en-US" dirty="0" smtClean="0"/>
-              <a:t>”)</a:t>
-            </a:r>
-          </a:p>
-          <a:p>
-            <a:pPr lvl="1"/>
-            <a:r>
-              <a:rPr lang="en-US" dirty="0" smtClean="0"/>
-              <a:t>Limited to one function call (which might not be enough in all cases)</a:t>
-            </a:r>
-          </a:p>
-        </p:txBody>
-      </p:sp>
+          <a:bodyPr/>
+          <a:lstStyle/>
+          <a:p>
+            <a:endParaRPr lang="en-US"/>
+          </a:p>
+        </p:txBody>
+      </p:sp>
+      <p:pic>
+        <p:nvPicPr>
+          <p:cNvPr id="4" name="Picture 3" descr="stack-canaries.jpg"/>
+          <p:cNvPicPr>
+            <a:picLocks noChangeAspect="1"/>
+          </p:cNvPicPr>
+          <p:nvPr/>
+        </p:nvPicPr>
+        <p:blipFill>
+          <a:blip r:embed="rId2">
+            <a:extLst>
+              <a:ext uri="{28A0092B-C50C-407E-A947-70E740481C1C}">
+                <a14:useLocalDpi xmlns:a14="http://schemas.microsoft.com/office/drawing/2010/main" val="0"/>
+              </a:ext>
+            </a:extLst>
+          </a:blip>
+          <a:stretch>
+            <a:fillRect/>
+          </a:stretch>
+        </p:blipFill>
+        <p:spPr>
+          <a:xfrm>
+            <a:off x="0" y="0"/>
+            <a:ext cx="9114842" cy="6858000"/>
+          </a:xfrm>
+          <a:prstGeom prst="rect">
+            <a:avLst/>
+          </a:prstGeom>
+        </p:spPr>
+      </p:pic>
     </p:spTree>
     <p:extLst>
       <p:ext uri="{BB962C8B-B14F-4D97-AF65-F5344CB8AC3E}">
-        <p14:creationId xmlns:p14="http://schemas.microsoft.com/office/powerpoint/2010/main" val="3393532301"/>
+        <p14:creationId xmlns:p14="http://schemas.microsoft.com/office/powerpoint/2010/main" val="1001521305"/>
       </p:ext>
     </p:extLst>
   </p:cSld>
@@ -5325,143 +4874,63 @@
           <a:bodyPr/>
           <a:lstStyle/>
           <a:p>
-            <a:r>
-              <a:rPr lang="en-US" dirty="0" smtClean="0"/>
-              <a:t>TODO: ASLR slides (</a:t>
-            </a:r>
-            <a:r>
-              <a:rPr lang="en-US" dirty="0" err="1" smtClean="0"/>
-              <a:t>pwa</a:t>
-            </a:r>
-            <a:r>
-              <a:rPr lang="en-US" dirty="0" smtClean="0"/>
-              <a:t>)</a:t>
-            </a:r>
-            <a:endParaRPr lang="en-US" dirty="0"/>
-          </a:p>
-        </p:txBody>
-      </p:sp>
-      <p:sp>
-        <p:nvSpPr>
-          <p:cNvPr id="5" name="TextBox 4"/>
-          <p:cNvSpPr txBox="1"/>
+            <a:endParaRPr lang="en-US"/>
+          </a:p>
+        </p:txBody>
+      </p:sp>
+      <p:sp>
+        <p:nvSpPr>
+          <p:cNvPr id="3" name="Content Placeholder 2"/>
+          <p:cNvSpPr>
+            <a:spLocks noGrp="1"/>
+          </p:cNvSpPr>
+          <p:nvPr>
+            <p:ph idx="1"/>
+          </p:nvPr>
+        </p:nvSpPr>
+        <p:spPr/>
+        <p:txBody>
+          <a:bodyPr/>
+          <a:lstStyle/>
+          <a:p>
+            <a:endParaRPr lang="en-US"/>
+          </a:p>
+        </p:txBody>
+      </p:sp>
+      <p:pic>
+        <p:nvPicPr>
+          <p:cNvPr id="4" name="Picture 3" descr="SSP_vs_noSSP.jpg"/>
+          <p:cNvPicPr>
+            <a:picLocks noChangeAspect="1"/>
+          </p:cNvPicPr>
           <p:nvPr/>
-        </p:nvSpPr>
+        </p:nvPicPr>
+        <p:blipFill>
+          <a:blip r:embed="rId2">
+            <a:extLst>
+              <a:ext uri="{28A0092B-C50C-407E-A947-70E740481C1C}">
+                <a14:useLocalDpi xmlns:a14="http://schemas.microsoft.com/office/drawing/2010/main" val="0"/>
+              </a:ext>
+            </a:extLst>
+          </a:blip>
+          <a:stretch>
+            <a:fillRect/>
+          </a:stretch>
+        </p:blipFill>
         <p:spPr>
           <a:xfrm>
-            <a:off x="2987824" y="2708920"/>
-            <a:ext cx="3396257" cy="2031325"/>
+            <a:off x="0" y="0"/>
+            <a:ext cx="9114842" cy="6858000"/>
           </a:xfrm>
           <a:prstGeom prst="rect">
             <a:avLst/>
           </a:prstGeom>
-          <a:noFill/>
         </p:spPr>
-        <p:txBody>
-          <a:bodyPr wrap="none" rtlCol="0">
-            <a:spAutoFit/>
-          </a:bodyPr>
-          <a:lstStyle/>
-          <a:p>
-            <a:r>
-              <a:rPr lang="en-US" dirty="0" err="1" smtClean="0"/>
-              <a:t>Historie</a:t>
-            </a:r>
-            <a:endParaRPr lang="en-US" dirty="0" smtClean="0"/>
-          </a:p>
-          <a:p>
-            <a:r>
-              <a:rPr lang="en-US" dirty="0" smtClean="0"/>
-              <a:t>ASLR slide</a:t>
-            </a:r>
-          </a:p>
-          <a:p>
-            <a:r>
-              <a:rPr lang="en-US" dirty="0" err="1" smtClean="0"/>
-              <a:t>Gcc</a:t>
-            </a:r>
-            <a:r>
-              <a:rPr lang="en-US" dirty="0" smtClean="0"/>
-              <a:t> / </a:t>
-            </a:r>
-            <a:r>
-              <a:rPr lang="en-US" dirty="0" err="1" smtClean="0"/>
-              <a:t>glibc</a:t>
-            </a:r>
-            <a:endParaRPr lang="en-US" dirty="0" smtClean="0"/>
-          </a:p>
-          <a:p>
-            <a:r>
-              <a:rPr lang="en-US" dirty="0" smtClean="0"/>
-              <a:t>Vise at </a:t>
-            </a:r>
-            <a:r>
-              <a:rPr lang="en-US" dirty="0" err="1" smtClean="0"/>
-              <a:t>addressen</a:t>
-            </a:r>
-            <a:r>
-              <a:rPr lang="en-US" dirty="0" smtClean="0"/>
-              <a:t> </a:t>
-            </a:r>
-            <a:r>
-              <a:rPr lang="en-US" dirty="0" err="1" smtClean="0"/>
-              <a:t>endrer</a:t>
-            </a:r>
-            <a:r>
-              <a:rPr lang="en-US" dirty="0" smtClean="0"/>
-              <a:t> </a:t>
-            </a:r>
-            <a:r>
-              <a:rPr lang="en-US" dirty="0" err="1" smtClean="0"/>
-              <a:t>seg</a:t>
-            </a:r>
-            <a:r>
-              <a:rPr lang="en-US" dirty="0" smtClean="0"/>
-              <a:t> I </a:t>
-            </a:r>
-            <a:r>
-              <a:rPr lang="en-US" dirty="0" err="1" smtClean="0"/>
-              <a:t>gdb</a:t>
-            </a:r>
-            <a:endParaRPr lang="en-US" dirty="0" smtClean="0"/>
-          </a:p>
-          <a:p>
-            <a:r>
-              <a:rPr lang="en-US" dirty="0" err="1" smtClean="0"/>
-              <a:t>Bruteforce</a:t>
-            </a:r>
-            <a:r>
-              <a:rPr lang="en-US" dirty="0" smtClean="0"/>
-              <a:t> (32 </a:t>
-            </a:r>
-            <a:r>
-              <a:rPr lang="en-US" dirty="0" err="1" smtClean="0"/>
-              <a:t>vs</a:t>
-            </a:r>
-            <a:r>
-              <a:rPr lang="en-US" smtClean="0"/>
-              <a:t> 64 bit)</a:t>
-            </a:r>
-            <a:endParaRPr lang="en-US" dirty="0" smtClean="0"/>
-          </a:p>
-          <a:p>
-            <a:r>
-              <a:rPr lang="en-US" dirty="0" smtClean="0"/>
-              <a:t>Vise info leak</a:t>
-            </a:r>
-          </a:p>
-          <a:p>
-            <a:r>
-              <a:rPr lang="en-US" dirty="0" smtClean="0"/>
-              <a:t>DEMO?</a:t>
-            </a:r>
-          </a:p>
-        </p:txBody>
-      </p:sp>
+      </p:pic>
     </p:spTree>
     <p:extLst>
       <p:ext uri="{BB962C8B-B14F-4D97-AF65-F5344CB8AC3E}">
-        <p14:creationId xmlns:p14="http://schemas.microsoft.com/office/powerpoint/2010/main" val="1005865055"/>
+        <p14:creationId xmlns:p14="http://schemas.microsoft.com/office/powerpoint/2010/main" val="2282776401"/>
       </p:ext>
     </p:extLst>
   </p:cSld>
@@ -5510,88 +4979,63 @@
           <a:bodyPr/>
           <a:lstStyle/>
           <a:p>
-            <a:r>
-              <a:rPr lang="en-US" dirty="0" smtClean="0"/>
-              <a:t>TODO: </a:t>
-            </a:r>
-            <a:r>
-              <a:rPr lang="en-US" dirty="0" err="1" smtClean="0"/>
-              <a:t>Dep</a:t>
-            </a:r>
-            <a:r>
-              <a:rPr lang="en-US" dirty="0" smtClean="0"/>
-              <a:t> slides (</a:t>
-            </a:r>
-            <a:r>
-              <a:rPr lang="en-US" dirty="0" err="1" smtClean="0"/>
-              <a:t>pwa</a:t>
-            </a:r>
-            <a:r>
-              <a:rPr lang="en-US" dirty="0" smtClean="0"/>
-              <a:t>)</a:t>
-            </a:r>
-            <a:endParaRPr lang="en-US" dirty="0"/>
-          </a:p>
-        </p:txBody>
-      </p:sp>
-      <p:sp>
-        <p:nvSpPr>
-          <p:cNvPr id="4" name="TextBox 3"/>
-          <p:cNvSpPr txBox="1"/>
+            <a:endParaRPr lang="en-US"/>
+          </a:p>
+        </p:txBody>
+      </p:sp>
+      <p:sp>
+        <p:nvSpPr>
+          <p:cNvPr id="3" name="Content Placeholder 2"/>
+          <p:cNvSpPr>
+            <a:spLocks noGrp="1"/>
+          </p:cNvSpPr>
+          <p:nvPr>
+            <p:ph idx="1"/>
+          </p:nvPr>
+        </p:nvSpPr>
+        <p:spPr/>
+        <p:txBody>
+          <a:bodyPr/>
+          <a:lstStyle/>
+          <a:p>
+            <a:endParaRPr lang="en-US"/>
+          </a:p>
+        </p:txBody>
+      </p:sp>
+      <p:pic>
+        <p:nvPicPr>
+          <p:cNvPr id="4" name="Picture 3" descr="stack-layout[SSP].jpg"/>
+          <p:cNvPicPr>
+            <a:picLocks noChangeAspect="1"/>
+          </p:cNvPicPr>
           <p:nvPr/>
-        </p:nvSpPr>
+        </p:nvPicPr>
+        <p:blipFill>
+          <a:blip r:embed="rId2">
+            <a:extLst>
+              <a:ext uri="{28A0092B-C50C-407E-A947-70E740481C1C}">
+                <a14:useLocalDpi xmlns:a14="http://schemas.microsoft.com/office/drawing/2010/main" val="0"/>
+              </a:ext>
+            </a:extLst>
+          </a:blip>
+          <a:stretch>
+            <a:fillRect/>
+          </a:stretch>
+        </p:blipFill>
         <p:spPr>
           <a:xfrm>
-            <a:off x="4684316" y="2623983"/>
-            <a:ext cx="2108269" cy="1200329"/>
+            <a:off x="0" y="0"/>
+            <a:ext cx="9114842" cy="6858000"/>
           </a:xfrm>
           <a:prstGeom prst="rect">
             <a:avLst/>
           </a:prstGeom>
-          <a:noFill/>
         </p:spPr>
-        <p:txBody>
-          <a:bodyPr wrap="none" rtlCol="0">
-            <a:spAutoFit/>
-          </a:bodyPr>
-          <a:lstStyle/>
-          <a:p>
-            <a:r>
-              <a:rPr lang="en-US" dirty="0" err="1" smtClean="0"/>
-              <a:t>Historie</a:t>
-            </a:r>
-            <a:endParaRPr lang="en-US" dirty="0"/>
-          </a:p>
-          <a:p>
-            <a:r>
-              <a:rPr lang="en-US" dirty="0" err="1" smtClean="0"/>
-              <a:t>Implementasjon</a:t>
-            </a:r>
-            <a:endParaRPr lang="en-US" dirty="0" smtClean="0"/>
-          </a:p>
-          <a:p>
-            <a:r>
-              <a:rPr lang="en-US" dirty="0" smtClean="0"/>
-              <a:t>Vise /</a:t>
-            </a:r>
-            <a:r>
-              <a:rPr lang="en-US" dirty="0" err="1" smtClean="0"/>
-              <a:t>proc</a:t>
-            </a:r>
-            <a:r>
-              <a:rPr lang="en-US" dirty="0" smtClean="0"/>
-              <a:t>/sys/maps</a:t>
-            </a:r>
-          </a:p>
-          <a:p>
-            <a:endParaRPr lang="en-US" dirty="0"/>
-          </a:p>
-        </p:txBody>
-      </p:sp>
+      </p:pic>
     </p:spTree>
     <p:extLst>
       <p:ext uri="{BB962C8B-B14F-4D97-AF65-F5344CB8AC3E}">
-        <p14:creationId xmlns:p14="http://schemas.microsoft.com/office/powerpoint/2010/main" val="3445304644"/>
+        <p14:creationId xmlns:p14="http://schemas.microsoft.com/office/powerpoint/2010/main" val="3870768634"/>
       </p:ext>
     </p:extLst>
   </p:cSld>
@@ -5627,7 +5071,7 @@
       </p:grpSpPr>
       <p:sp>
         <p:nvSpPr>
-          <p:cNvPr id="2" name="Title 1"/>
+          <p:cNvPr id="5" name="Title 1"/>
           <p:cNvSpPr>
             <a:spLocks noGrp="1"/>
           </p:cNvSpPr>
@@ -5635,24 +5079,19 @@
             <p:ph type="title"/>
           </p:nvPr>
         </p:nvSpPr>
-        <p:spPr/>
-        <p:txBody>
-          <a:bodyPr>
-            <a:normAutofit fontScale="90000"/>
-          </a:bodyPr>
-          <a:lstStyle/>
-          <a:p>
-            <a:r>
-              <a:rPr lang="en-US" dirty="0" smtClean="0"/>
-              <a:t>Return Oriented Programming (</a:t>
-            </a:r>
-            <a:r>
-              <a:rPr lang="en-US" dirty="0" err="1" smtClean="0"/>
-              <a:t>dbu</a:t>
-            </a:r>
-            <a:r>
-              <a:rPr lang="en-US" dirty="0" smtClean="0"/>
-              <a:t>)</a:t>
+        <p:spPr>
+          <a:xfrm>
+            <a:off x="457200" y="274638"/>
+            <a:ext cx="8229600" cy="1143000"/>
+          </a:xfrm>
+        </p:spPr>
+        <p:txBody>
+          <a:bodyPr/>
+          <a:lstStyle/>
+          <a:p>
+            <a:r>
+              <a:rPr lang="en-US" dirty="0" smtClean="0"/>
+              <a:t>Demo</a:t>
             </a:r>
             <a:endParaRPr lang="en-US" dirty="0"/>
           </a:p>
@@ -5676,59 +5115,30 @@
             <a:pPr lvl="1"/>
             <a:r>
               <a:rPr lang="en-US" dirty="0" smtClean="0"/>
-              <a:t>Extension of return-to-</a:t>
-            </a:r>
-            <a:r>
-              <a:rPr lang="en-US" dirty="0" err="1" smtClean="0"/>
-              <a:t>libc</a:t>
-            </a:r>
-            <a:endParaRPr lang="en-US" dirty="0" smtClean="0"/>
+              <a:t>Info leak</a:t>
+            </a:r>
           </a:p>
           <a:p>
             <a:pPr lvl="1"/>
             <a:r>
-              <a:rPr lang="en-US" dirty="0"/>
-              <a:t>C</a:t>
-            </a:r>
-            <a:r>
-              <a:rPr lang="en-US" dirty="0" smtClean="0"/>
-              <a:t>reate multiple stack frames after each other</a:t>
+              <a:rPr lang="en-US" dirty="0" smtClean="0"/>
+              <a:t>Exploit</a:t>
             </a:r>
           </a:p>
           <a:p>
             <a:pPr lvl="1"/>
             <a:r>
               <a:rPr lang="en-US" dirty="0" smtClean="0"/>
-              <a:t>Chain together addresses with instructions ending in </a:t>
-            </a:r>
-            <a:r>
-              <a:rPr lang="en-US" dirty="0" smtClean="0">
-                <a:latin typeface="Courier New"/>
-              </a:rPr>
-              <a:t>ret</a:t>
-            </a:r>
-            <a:r>
-              <a:rPr lang="en-US" dirty="0" smtClean="0"/>
-              <a:t> (known as gadgets)</a:t>
-            </a:r>
-          </a:p>
-          <a:p>
-            <a:pPr lvl="1"/>
-            <a:r>
-              <a:rPr lang="en-US" dirty="0"/>
-              <a:t> </a:t>
-            </a:r>
-            <a:r>
-              <a:rPr lang="en-US" dirty="0" smtClean="0"/>
-              <a:t>The hard part is finding suitable gadgets and where they are mapped in the address space</a:t>
-            </a:r>
+              <a:t>Exploit (ASLR)</a:t>
+            </a:r>
+            <a:endParaRPr lang="en-US" dirty="0"/>
           </a:p>
         </p:txBody>
       </p:sp>
     </p:spTree>
     <p:extLst>
       <p:ext uri="{BB962C8B-B14F-4D97-AF65-F5344CB8AC3E}">
-        <p14:creationId xmlns:p14="http://schemas.microsoft.com/office/powerpoint/2010/main" val="15523703"/>
+        <p14:creationId xmlns:p14="http://schemas.microsoft.com/office/powerpoint/2010/main" val="2813834603"/>
       </p:ext>
     </p:extLst>
   </p:cSld>
@@ -5777,11 +5187,7 @@
           <a:bodyPr/>
           <a:lstStyle/>
           <a:p>
-            <a:r>
-              <a:rPr lang="en-US" dirty="0" smtClean="0"/>
-              <a:t>ROP challenges	</a:t>
-            </a:r>
-            <a:endParaRPr lang="en-US" dirty="0"/>
+            <a:endParaRPr lang="en-US"/>
           </a:p>
         </p:txBody>
       </p:sp>
@@ -5797,93 +5203,47 @@
         </p:nvSpPr>
         <p:spPr/>
         <p:txBody>
-          <a:bodyPr>
-            <a:normAutofit lnSpcReduction="10000"/>
-          </a:bodyPr>
-          <a:lstStyle/>
-          <a:p>
-            <a:r>
-              <a:rPr lang="en-US" dirty="0" smtClean="0"/>
-              <a:t>If exploiting </a:t>
-            </a:r>
-            <a:r>
-              <a:rPr lang="en-US" dirty="0" err="1" smtClean="0"/>
-              <a:t>strcpy</a:t>
-            </a:r>
-            <a:r>
-              <a:rPr lang="en-US" dirty="0" smtClean="0"/>
-              <a:t> no NUL bytes may be present in the payload</a:t>
-            </a:r>
-          </a:p>
-          <a:p>
-            <a:pPr lvl="1"/>
-            <a:r>
-              <a:rPr lang="en-US" dirty="0" smtClean="0"/>
-              <a:t>Use </a:t>
-            </a:r>
-            <a:r>
-              <a:rPr lang="en-US" dirty="0" smtClean="0">
-                <a:latin typeface="Courier New"/>
-              </a:rPr>
-              <a:t>xor / </a:t>
-            </a:r>
-            <a:r>
-              <a:rPr lang="en-US" dirty="0" err="1" smtClean="0">
-                <a:latin typeface="Courier New"/>
-              </a:rPr>
-              <a:t>incr</a:t>
-            </a:r>
-            <a:r>
-              <a:rPr lang="en-US" dirty="0" smtClean="0">
-                <a:latin typeface="Courier New"/>
-              </a:rPr>
-              <a:t> / </a:t>
-            </a:r>
-            <a:r>
-              <a:rPr lang="en-US" dirty="0" err="1" smtClean="0">
-                <a:latin typeface="Courier New"/>
-              </a:rPr>
-              <a:t>decr</a:t>
-            </a:r>
-            <a:r>
-              <a:rPr lang="en-US" dirty="0" smtClean="0"/>
-              <a:t> in a gadget to create 0x00 bytes</a:t>
-            </a:r>
-          </a:p>
-          <a:p>
-            <a:r>
-              <a:rPr lang="en-US" dirty="0" smtClean="0"/>
-              <a:t>Finding usable gadgets can be hard work</a:t>
-            </a:r>
-          </a:p>
-          <a:p>
-            <a:pPr lvl="1"/>
-            <a:r>
-              <a:rPr lang="en-US" dirty="0" smtClean="0"/>
-              <a:t>Use a tool where you can filter on useful gadgets</a:t>
-            </a:r>
-          </a:p>
-          <a:p>
-            <a:pPr lvl="1"/>
-            <a:r>
-              <a:rPr lang="en-US" dirty="0" smtClean="0"/>
-              <a:t>There exists tools to generate a complete ROP payload based on the flora of available gadgets</a:t>
-            </a:r>
-          </a:p>
-          <a:p>
-            <a:pPr lvl="1"/>
-            <a:r>
-              <a:rPr lang="en-US" dirty="0" smtClean="0"/>
-              <a:t>An attacker can abuse non-aligned instructions</a:t>
-            </a:r>
-            <a:endParaRPr lang="en-US" dirty="0"/>
-          </a:p>
-        </p:txBody>
-      </p:sp>
+          <a:bodyPr/>
+          <a:lstStyle/>
+          <a:p>
+            <a:endParaRPr lang="en-US"/>
+          </a:p>
+        </p:txBody>
+      </p:sp>
+      <p:pic>
+        <p:nvPicPr>
+          <p:cNvPr id="4" name="Picture 3" descr="aslr.jpg"/>
+          <p:cNvPicPr>
+            <a:picLocks noChangeAspect="1"/>
+          </p:cNvPicPr>
+          <p:nvPr/>
+        </p:nvPicPr>
+        <p:blipFill>
+          <a:blip r:embed="rId2">
+            <a:extLst>
+              <a:ext uri="{28A0092B-C50C-407E-A947-70E740481C1C}">
+                <a14:useLocalDpi xmlns:a14="http://schemas.microsoft.com/office/drawing/2010/main" val="0"/>
+              </a:ext>
+            </a:extLst>
+          </a:blip>
+          <a:stretch>
+            <a:fillRect/>
+          </a:stretch>
+        </p:blipFill>
+        <p:spPr>
+          <a:xfrm>
+            <a:off x="395536" y="0"/>
+            <a:ext cx="8749166" cy="6858000"/>
+          </a:xfrm>
+          <a:prstGeom prst="rect">
+            <a:avLst/>
+          </a:prstGeom>
+        </p:spPr>
+      </p:pic>
     </p:spTree>
     <p:extLst>
       <p:ext uri="{BB962C8B-B14F-4D97-AF65-F5344CB8AC3E}">
-        <p14:creationId xmlns:p14="http://schemas.microsoft.com/office/powerpoint/2010/main" val="1700955891"/>
+        <p14:creationId xmlns:p14="http://schemas.microsoft.com/office/powerpoint/2010/main" val="3812683012"/>
       </p:ext>
     </p:extLst>
   </p:cSld>
@@ -5929,22 +5289,12 @@
         </p:nvSpPr>
         <p:spPr/>
         <p:txBody>
-          <a:bodyPr>
-            <a:normAutofit/>
-          </a:bodyPr>
-          <a:lstStyle/>
-          <a:p>
-            <a:r>
-              <a:rPr lang="en-US" dirty="0" smtClean="0"/>
-              <a:t>Tools for writing ROP chains	 (</a:t>
-            </a:r>
-            <a:r>
-              <a:rPr lang="en-US" dirty="0" err="1" smtClean="0"/>
-              <a:t>dbu</a:t>
-            </a:r>
-            <a:r>
-              <a:rPr lang="en-US" dirty="0" smtClean="0"/>
-              <a:t>)</a:t>
+          <a:bodyPr/>
+          <a:lstStyle/>
+          <a:p>
+            <a:r>
+              <a:rPr lang="en-US" dirty="0" smtClean="0"/>
+              <a:t>Demo</a:t>
             </a:r>
             <a:endParaRPr lang="en-US" dirty="0"/>
           </a:p>
@@ -5966,66 +5316,23 @@
           <a:lstStyle/>
           <a:p>
             <a:r>
-              <a:rPr lang="en-US" dirty="0" err="1" smtClean="0"/>
-              <a:t>metasploit</a:t>
-            </a:r>
-            <a:r>
-              <a:rPr lang="en-US" dirty="0" smtClean="0"/>
-              <a:t>/</a:t>
-            </a:r>
-            <a:r>
-              <a:rPr lang="en-US" dirty="0" err="1" smtClean="0"/>
-              <a:t>msfrop</a:t>
-            </a:r>
-            <a:r>
-              <a:rPr lang="en-US" dirty="0" smtClean="0"/>
-              <a:t> – a gadget finder</a:t>
-            </a:r>
-          </a:p>
-          <a:p>
-            <a:r>
-              <a:rPr lang="en-US" dirty="0" err="1" smtClean="0"/>
-              <a:t>gogo</a:t>
-            </a:r>
-            <a:r>
-              <a:rPr lang="en-US" dirty="0" smtClean="0"/>
-              <a:t> – </a:t>
-            </a:r>
-            <a:r>
-              <a:rPr lang="en-US" dirty="0" err="1" smtClean="0"/>
-              <a:t>pwahlman’s</a:t>
-            </a:r>
-            <a:r>
-              <a:rPr lang="en-US" dirty="0" smtClean="0"/>
-              <a:t> gadget finder</a:t>
-            </a:r>
-          </a:p>
-          <a:p>
-            <a:r>
-              <a:rPr lang="en-US" dirty="0" err="1"/>
-              <a:t>ropc</a:t>
-            </a:r>
-            <a:r>
-              <a:rPr lang="en-US" dirty="0"/>
-              <a:t> – a </a:t>
-            </a:r>
-            <a:r>
-              <a:rPr lang="en-US" dirty="0" smtClean="0"/>
-              <a:t>ROP payload compiler</a:t>
-            </a:r>
-          </a:p>
-          <a:p>
-            <a:r>
-              <a:rPr lang="en-US" dirty="0" smtClean="0"/>
-              <a:t>A plethora of other tools</a:t>
-            </a:r>
+              <a:rPr lang="en-US" dirty="0" smtClean="0"/>
+              <a:t>Exploit</a:t>
+            </a:r>
+          </a:p>
+          <a:p>
+            <a:r>
+              <a:rPr lang="en-US" dirty="0" smtClean="0"/>
+              <a:t>DEP Enabled</a:t>
+            </a:r>
+            <a:endParaRPr lang="en-US" dirty="0"/>
           </a:p>
         </p:txBody>
       </p:sp>
     </p:spTree>
     <p:extLst>
       <p:ext uri="{BB962C8B-B14F-4D97-AF65-F5344CB8AC3E}">
-        <p14:creationId xmlns:p14="http://schemas.microsoft.com/office/powerpoint/2010/main" val="82216525"/>
+        <p14:creationId xmlns:p14="http://schemas.microsoft.com/office/powerpoint/2010/main" val="3856896417"/>
       </p:ext>
     </p:extLst>
   </p:cSld>
@@ -6427,11 +5734,15 @@
           <a:p>
             <a:r>
               <a:rPr lang="en-US" dirty="0" err="1" smtClean="0"/>
-              <a:t>Gogo</a:t>
-            </a:r>
-            <a:r>
-              <a:rPr lang="en-US" dirty="0" smtClean="0"/>
-              <a:t> (</a:t>
+              <a:t>Dep</a:t>
+            </a:r>
+            <a:r>
+              <a:rPr lang="en-US" dirty="0" smtClean="0"/>
+              <a:t> </a:t>
+            </a:r>
+            <a:r>
+              <a:rPr lang="en-US" dirty="0" smtClean="0"/>
+              <a:t>(</a:t>
             </a:r>
             <a:r>
               <a:rPr lang="en-US" dirty="0" err="1" smtClean="0"/>
@@ -6440,36 +5751,6 @@
             <a:r>
               <a:rPr lang="en-US" dirty="0" smtClean="0"/>
               <a:t>)</a:t>
-            </a:r>
-            <a:endParaRPr lang="en-US" dirty="0"/>
-          </a:p>
-        </p:txBody>
-      </p:sp>
-      <p:sp>
-        <p:nvSpPr>
-          <p:cNvPr id="4" name="TextBox 3"/>
-          <p:cNvSpPr txBox="1"/>
-          <p:nvPr/>
-        </p:nvSpPr>
-        <p:spPr>
-          <a:xfrm>
-            <a:off x="3606085" y="2348404"/>
-            <a:ext cx="1648896" cy="369332"/>
-          </a:xfrm>
-          <a:prstGeom prst="rect">
-            <a:avLst/>
-          </a:prstGeom>
-          <a:noFill/>
-        </p:spPr>
-        <p:txBody>
-          <a:bodyPr wrap="none" rtlCol="0">
-            <a:spAutoFit/>
-          </a:bodyPr>
-          <a:lstStyle/>
-          <a:p>
-            <a:r>
-              <a:rPr lang="en-US" dirty="0" smtClean="0"/>
-              <a:t>Find stack pivot</a:t>
             </a:r>
             <a:endParaRPr lang="en-US" dirty="0"/>
           </a:p>
@@ -6478,7 +5759,7 @@
     </p:spTree>
     <p:extLst>
       <p:ext uri="{BB962C8B-B14F-4D97-AF65-F5344CB8AC3E}">
-        <p14:creationId xmlns:p14="http://schemas.microsoft.com/office/powerpoint/2010/main" val="3766031157"/>
+        <p14:creationId xmlns:p14="http://schemas.microsoft.com/office/powerpoint/2010/main" val="3445304644"/>
       </p:ext>
     </p:extLst>
   </p:cSld>
@@ -6512,64 +5793,40 @@
           <a:chExt cx="0" cy="0"/>
         </a:xfrm>
       </p:grpSpPr>
-      <p:sp>
-        <p:nvSpPr>
-          <p:cNvPr id="2" name="Title 1"/>
-          <p:cNvSpPr>
-            <a:spLocks noGrp="1"/>
-          </p:cNvSpPr>
-          <p:nvPr>
-            <p:ph type="title"/>
-          </p:nvPr>
-        </p:nvSpPr>
-        <p:spPr/>
-        <p:txBody>
-          <a:bodyPr/>
-          <a:lstStyle/>
-          <a:p>
-            <a:r>
-              <a:rPr lang="en-US" dirty="0" smtClean="0"/>
-              <a:t>Demo (</a:t>
-            </a:r>
-            <a:r>
-              <a:rPr lang="en-US" dirty="0" err="1" smtClean="0"/>
-              <a:t>pwa</a:t>
-            </a:r>
-            <a:r>
-              <a:rPr lang="en-US" dirty="0" smtClean="0"/>
-              <a:t>)</a:t>
-            </a:r>
-            <a:endParaRPr lang="en-US" dirty="0"/>
-          </a:p>
-        </p:txBody>
-      </p:sp>
-      <p:sp>
-        <p:nvSpPr>
-          <p:cNvPr id="3" name="Content Placeholder 2"/>
-          <p:cNvSpPr>
-            <a:spLocks noGrp="1"/>
-          </p:cNvSpPr>
-          <p:nvPr>
-            <p:ph idx="1"/>
-          </p:nvPr>
-        </p:nvSpPr>
-        <p:spPr/>
-        <p:txBody>
-          <a:bodyPr/>
-          <a:lstStyle/>
-          <a:p>
-            <a:r>
-              <a:rPr lang="en-US" dirty="0" smtClean="0"/>
-              <a:t>ROP Exploit</a:t>
-            </a:r>
-            <a:endParaRPr lang="en-US" dirty="0"/>
-          </a:p>
-        </p:txBody>
-      </p:sp>
+      <p:pic>
+        <p:nvPicPr>
+          <p:cNvPr id="4" name="Picture 3" descr="johnny-depp1.jpg"/>
+          <p:cNvPicPr>
+            <a:picLocks noChangeAspect="1"/>
+          </p:cNvPicPr>
+          <p:nvPr/>
+        </p:nvPicPr>
+        <p:blipFill>
+          <a:blip r:embed="rId2" cstate="print">
+            <a:extLst>
+              <a:ext uri="{28A0092B-C50C-407E-A947-70E740481C1C}">
+                <a14:useLocalDpi xmlns:a14="http://schemas.microsoft.com/office/drawing/2010/main" val="0"/>
+              </a:ext>
+            </a:extLst>
+          </a:blip>
+          <a:stretch>
+            <a:fillRect/>
+          </a:stretch>
+        </p:blipFill>
+        <p:spPr>
+          <a:xfrm>
+            <a:off x="1115616" y="0"/>
+            <a:ext cx="6885542" cy="6858000"/>
+          </a:xfrm>
+          <a:prstGeom prst="rect">
+            <a:avLst/>
+          </a:prstGeom>
+        </p:spPr>
+      </p:pic>
     </p:spTree>
     <p:extLst>
       <p:ext uri="{BB962C8B-B14F-4D97-AF65-F5344CB8AC3E}">
-        <p14:creationId xmlns:p14="http://schemas.microsoft.com/office/powerpoint/2010/main" val="178510715"/>
+        <p14:creationId xmlns:p14="http://schemas.microsoft.com/office/powerpoint/2010/main" val="784409348"/>
       </p:ext>
     </p:extLst>
   </p:cSld>
@@ -6618,11 +5875,7 @@
           <a:bodyPr/>
           <a:lstStyle/>
           <a:p>
-            <a:r>
-              <a:rPr lang="en-US" dirty="0" smtClean="0"/>
-              <a:t>Lessons learned</a:t>
-            </a:r>
-            <a:endParaRPr lang="en-US" dirty="0"/>
+            <a:endParaRPr lang="en-US"/>
           </a:p>
         </p:txBody>
       </p:sp>
@@ -6641,30 +5894,44 @@
           <a:bodyPr/>
           <a:lstStyle/>
           <a:p>
-            <a:r>
-              <a:rPr lang="en-US" dirty="0" smtClean="0"/>
-              <a:t>Be careful what you log!</a:t>
-            </a:r>
-          </a:p>
-          <a:p>
-            <a:r>
-              <a:rPr lang="en-US" dirty="0" smtClean="0"/>
-              <a:t>User controlled data</a:t>
-            </a:r>
-          </a:p>
-          <a:p>
-            <a:r>
-              <a:rPr lang="en-US" dirty="0" smtClean="0"/>
-              <a:t>-Wall</a:t>
-            </a:r>
-            <a:endParaRPr lang="en-US" dirty="0"/>
-          </a:p>
-        </p:txBody>
-      </p:sp>
+            <a:endParaRPr lang="en-US"/>
+          </a:p>
+        </p:txBody>
+      </p:sp>
+      <p:pic>
+        <p:nvPicPr>
+          <p:cNvPr id="4" name="Picture 3" descr="proc_maps.jpg"/>
+          <p:cNvPicPr>
+            <a:picLocks noChangeAspect="1"/>
+          </p:cNvPicPr>
+          <p:nvPr/>
+        </p:nvPicPr>
+        <p:blipFill>
+          <a:blip r:embed="rId2">
+            <a:extLst>
+              <a:ext uri="{28A0092B-C50C-407E-A947-70E740481C1C}">
+                <a14:useLocalDpi xmlns:a14="http://schemas.microsoft.com/office/drawing/2010/main" val="0"/>
+              </a:ext>
+            </a:extLst>
+          </a:blip>
+          <a:stretch>
+            <a:fillRect/>
+          </a:stretch>
+        </p:blipFill>
+        <p:spPr>
+          <a:xfrm>
+            <a:off x="0" y="0"/>
+            <a:ext cx="9114842" cy="6858000"/>
+          </a:xfrm>
+          <a:prstGeom prst="rect">
+            <a:avLst/>
+          </a:prstGeom>
+        </p:spPr>
+      </p:pic>
     </p:spTree>
     <p:extLst>
       <p:ext uri="{BB962C8B-B14F-4D97-AF65-F5344CB8AC3E}">
-        <p14:creationId xmlns:p14="http://schemas.microsoft.com/office/powerpoint/2010/main" val="4083618436"/>
+        <p14:creationId xmlns:p14="http://schemas.microsoft.com/office/powerpoint/2010/main" val="3792768929"/>
       </p:ext>
     </p:extLst>
   </p:cSld>
@@ -6700,6 +5967,29 @@
       </p:grpSpPr>
       <p:sp>
         <p:nvSpPr>
+          <p:cNvPr id="2" name="Title 1"/>
+          <p:cNvSpPr>
+            <a:spLocks noGrp="1"/>
+          </p:cNvSpPr>
+          <p:nvPr>
+            <p:ph type="title"/>
+          </p:nvPr>
+        </p:nvSpPr>
+        <p:spPr/>
+        <p:txBody>
+          <a:bodyPr/>
+          <a:lstStyle/>
+          <a:p>
+            <a:r>
+              <a:rPr lang="en-US" dirty="0" smtClean="0"/>
+              <a:t>ROP SSP Slide</a:t>
+            </a:r>
+            <a:endParaRPr lang="en-US" dirty="0"/>
+          </a:p>
+        </p:txBody>
+      </p:sp>
+      <p:sp>
+        <p:nvSpPr>
           <p:cNvPr id="3" name="Content Placeholder 2"/>
           <p:cNvSpPr>
             <a:spLocks noGrp="1"/>
@@ -6713,36 +6003,799 @@
           <a:bodyPr/>
           <a:lstStyle/>
           <a:p>
-            <a:pPr marL="0" indent="0">
-              <a:buNone/>
-            </a:pPr>
-            <a:r>
-              <a:rPr lang="en-US" dirty="0" smtClean="0"/>
-              <a:t>Thank you!</a:t>
-            </a:r>
-          </a:p>
-          <a:p>
-            <a:pPr marL="0" indent="0">
-              <a:buNone/>
-            </a:pPr>
-            <a:endParaRPr lang="en-US" dirty="0" smtClean="0"/>
-          </a:p>
-          <a:p>
-            <a:pPr marL="0" indent="0">
-              <a:buNone/>
-            </a:pPr>
-            <a:r>
-              <a:rPr lang="en-US" dirty="0" smtClean="0"/>
-              <a:t>Questions?</a:t>
-            </a:r>
-            <a:endParaRPr lang="en-US" dirty="0"/>
+            <a:endParaRPr lang="en-US"/>
           </a:p>
         </p:txBody>
       </p:sp>
     </p:spTree>
     <p:extLst>
       <p:ext uri="{BB962C8B-B14F-4D97-AF65-F5344CB8AC3E}">
-        <p14:creationId xmlns:p14="http://schemas.microsoft.com/office/powerpoint/2010/main" val="1209679460"/>
+        <p14:creationId xmlns:p14="http://schemas.microsoft.com/office/powerpoint/2010/main" val="310437979"/>
+      </p:ext>
+    </p:extLst>
+  </p:cSld>
+  <p:clrMapOvr>
+    <a:masterClrMapping/>
+  </p:clrMapOvr>
+</p:sld>
+</file>
+
+<file path=ppt/slides/slide24.xml><?xml version="1.0" encoding="utf-8"?>
+<p:sld xmlns:a="http://schemas.openxmlformats.org/drawingml/2006/main" xmlns:r="http://schemas.openxmlformats.org/officeDocument/2006/relationships" xmlns:p="http://schemas.openxmlformats.org/presentationml/2006/main">
+  <p:cSld>
+    <p:spTree>
+      <p:nvGrpSpPr>
+        <p:cNvPr id="1" name=""/>
+        <p:cNvGrpSpPr/>
+        <p:nvPr/>
+      </p:nvGrpSpPr>
+      <p:grpSpPr>
+        <a:xfrm>
+          <a:off x="0" y="0"/>
+          <a:ext cx="0" cy="0"/>
+          <a:chOff x="0" y="0"/>
+          <a:chExt cx="0" cy="0"/>
+        </a:xfrm>
+      </p:grpSpPr>
+      <p:sp>
+        <p:nvSpPr>
+          <p:cNvPr id="2" name="Title 1"/>
+          <p:cNvSpPr>
+            <a:spLocks noGrp="1"/>
+          </p:cNvSpPr>
+          <p:nvPr>
+            <p:ph type="title"/>
+          </p:nvPr>
+        </p:nvSpPr>
+        <p:spPr/>
+        <p:txBody>
+          <a:bodyPr/>
+          <a:lstStyle/>
+          <a:p>
+            <a:r>
+              <a:rPr lang="en-US" dirty="0"/>
+              <a:t>Return-to-</a:t>
+            </a:r>
+            <a:r>
+              <a:rPr lang="en-US" dirty="0" err="1"/>
+              <a:t>libc</a:t>
+            </a:r>
+            <a:r>
+              <a:rPr lang="en-US" dirty="0"/>
+              <a:t> </a:t>
+            </a:r>
+            <a:r>
+              <a:rPr lang="en-US" dirty="0" smtClean="0"/>
+              <a:t>attack (</a:t>
+            </a:r>
+            <a:r>
+              <a:rPr lang="en-US" dirty="0" err="1" smtClean="0"/>
+              <a:t>dbu</a:t>
+            </a:r>
+            <a:r>
+              <a:rPr lang="en-US" dirty="0" smtClean="0"/>
+              <a:t>)</a:t>
+            </a:r>
+            <a:endParaRPr lang="en-US" dirty="0"/>
+          </a:p>
+        </p:txBody>
+      </p:sp>
+      <p:sp>
+        <p:nvSpPr>
+          <p:cNvPr id="3" name="Content Placeholder 2"/>
+          <p:cNvSpPr>
+            <a:spLocks noGrp="1"/>
+          </p:cNvSpPr>
+          <p:nvPr>
+            <p:ph idx="1"/>
+          </p:nvPr>
+        </p:nvSpPr>
+        <p:spPr/>
+        <p:txBody>
+          <a:bodyPr>
+            <a:normAutofit/>
+          </a:bodyPr>
+          <a:lstStyle/>
+          <a:p>
+            <a:pPr lvl="1"/>
+            <a:r>
+              <a:rPr lang="en-US" dirty="0" smtClean="0"/>
+              <a:t>Overwrite </a:t>
+            </a:r>
+            <a:r>
+              <a:rPr lang="en-US" dirty="0" smtClean="0"/>
+              <a:t>the return address like in the </a:t>
+            </a:r>
+            <a:r>
+              <a:rPr lang="en-US" dirty="0"/>
+              <a:t>traditional attack and </a:t>
+            </a:r>
+            <a:r>
+              <a:rPr lang="en-US" dirty="0" smtClean="0"/>
+              <a:t>point </a:t>
+            </a:r>
+            <a:r>
+              <a:rPr lang="en-US" dirty="0"/>
+              <a:t>it to a function in </a:t>
+            </a:r>
+            <a:r>
+              <a:rPr lang="en-US" dirty="0" err="1" smtClean="0"/>
+              <a:t>libc</a:t>
+            </a:r>
+            <a:endParaRPr lang="en-US" dirty="0" smtClean="0"/>
+          </a:p>
+          <a:p>
+            <a:pPr lvl="1"/>
+            <a:r>
+              <a:rPr lang="en-US" dirty="0" smtClean="0"/>
+              <a:t>When </a:t>
+            </a:r>
+            <a:r>
+              <a:rPr lang="en-US" dirty="0" smtClean="0">
+                <a:latin typeface="Courier New"/>
+              </a:rPr>
+              <a:t>ret</a:t>
+            </a:r>
+            <a:r>
+              <a:rPr lang="en-US" dirty="0" smtClean="0"/>
+              <a:t> is performed the attacker controls the address (e.g. the system() function call)</a:t>
+            </a:r>
+          </a:p>
+          <a:p>
+            <a:pPr lvl="1"/>
+            <a:r>
+              <a:rPr lang="en-US" dirty="0" smtClean="0"/>
+              <a:t>She can write her own stack frame data beyond the ret address: (e.g. pointer to “/bin/</a:t>
+            </a:r>
+            <a:r>
+              <a:rPr lang="en-US" dirty="0" err="1" smtClean="0"/>
+              <a:t>sh</a:t>
+            </a:r>
+            <a:r>
+              <a:rPr lang="en-US" dirty="0" smtClean="0"/>
+              <a:t>”)</a:t>
+            </a:r>
+          </a:p>
+          <a:p>
+            <a:pPr lvl="1"/>
+            <a:r>
+              <a:rPr lang="en-US" dirty="0" smtClean="0"/>
+              <a:t>Limited to one function call (which might not be enough in all cases)</a:t>
+            </a:r>
+          </a:p>
+        </p:txBody>
+      </p:sp>
+    </p:spTree>
+    <p:extLst>
+      <p:ext uri="{BB962C8B-B14F-4D97-AF65-F5344CB8AC3E}">
+        <p14:creationId xmlns:p14="http://schemas.microsoft.com/office/powerpoint/2010/main" val="3393532301"/>
+      </p:ext>
+    </p:extLst>
+  </p:cSld>
+  <p:clrMapOvr>
+    <a:masterClrMapping/>
+  </p:clrMapOvr>
+  <p:timing>
+    <p:tnLst>
+      <p:par>
+        <p:cTn xmlns:p14="http://schemas.microsoft.com/office/powerpoint/2010/main" id="1" dur="indefinite" restart="never" nodeType="tmRoot"/>
+      </p:par>
+    </p:tnLst>
+  </p:timing>
+</p:sld>
+</file>
+
+<file path=ppt/slides/slide25.xml><?xml version="1.0" encoding="utf-8"?>
+<p:sld xmlns:a="http://schemas.openxmlformats.org/drawingml/2006/main" xmlns:r="http://schemas.openxmlformats.org/officeDocument/2006/relationships" xmlns:p="http://schemas.openxmlformats.org/presentationml/2006/main">
+  <p:cSld>
+    <p:spTree>
+      <p:nvGrpSpPr>
+        <p:cNvPr id="1" name=""/>
+        <p:cNvGrpSpPr/>
+        <p:nvPr/>
+      </p:nvGrpSpPr>
+      <p:grpSpPr>
+        <a:xfrm>
+          <a:off x="0" y="0"/>
+          <a:ext cx="0" cy="0"/>
+          <a:chOff x="0" y="0"/>
+          <a:chExt cx="0" cy="0"/>
+        </a:xfrm>
+      </p:grpSpPr>
+      <p:sp>
+        <p:nvSpPr>
+          <p:cNvPr id="2" name="Title 1"/>
+          <p:cNvSpPr>
+            <a:spLocks noGrp="1"/>
+          </p:cNvSpPr>
+          <p:nvPr>
+            <p:ph type="title"/>
+          </p:nvPr>
+        </p:nvSpPr>
+        <p:spPr/>
+        <p:txBody>
+          <a:bodyPr>
+            <a:normAutofit fontScale="90000"/>
+          </a:bodyPr>
+          <a:lstStyle/>
+          <a:p>
+            <a:r>
+              <a:rPr lang="en-US" dirty="0" smtClean="0"/>
+              <a:t>Return Oriented Programming (</a:t>
+            </a:r>
+            <a:r>
+              <a:rPr lang="en-US" dirty="0" err="1" smtClean="0"/>
+              <a:t>dbu</a:t>
+            </a:r>
+            <a:r>
+              <a:rPr lang="en-US" dirty="0" smtClean="0"/>
+              <a:t>)</a:t>
+            </a:r>
+            <a:endParaRPr lang="en-US" dirty="0"/>
+          </a:p>
+        </p:txBody>
+      </p:sp>
+      <p:sp>
+        <p:nvSpPr>
+          <p:cNvPr id="3" name="Content Placeholder 2"/>
+          <p:cNvSpPr>
+            <a:spLocks noGrp="1"/>
+          </p:cNvSpPr>
+          <p:nvPr>
+            <p:ph idx="1"/>
+          </p:nvPr>
+        </p:nvSpPr>
+        <p:spPr/>
+        <p:txBody>
+          <a:bodyPr/>
+          <a:lstStyle/>
+          <a:p>
+            <a:pPr lvl="1"/>
+            <a:r>
+              <a:rPr lang="en-US" dirty="0" smtClean="0"/>
+              <a:t>Extension of return-to-</a:t>
+            </a:r>
+            <a:r>
+              <a:rPr lang="en-US" dirty="0" err="1" smtClean="0"/>
+              <a:t>libc</a:t>
+            </a:r>
+            <a:endParaRPr lang="en-US" dirty="0" smtClean="0"/>
+          </a:p>
+          <a:p>
+            <a:pPr lvl="1"/>
+            <a:r>
+              <a:rPr lang="en-US" dirty="0"/>
+              <a:t>C</a:t>
+            </a:r>
+            <a:r>
+              <a:rPr lang="en-US" dirty="0" smtClean="0"/>
+              <a:t>reate multiple stack frames after each other</a:t>
+            </a:r>
+          </a:p>
+          <a:p>
+            <a:pPr lvl="1"/>
+            <a:r>
+              <a:rPr lang="en-US" dirty="0" smtClean="0"/>
+              <a:t>Chain together addresses with instructions ending in </a:t>
+            </a:r>
+            <a:r>
+              <a:rPr lang="en-US" dirty="0" smtClean="0">
+                <a:latin typeface="Courier New"/>
+              </a:rPr>
+              <a:t>ret</a:t>
+            </a:r>
+            <a:r>
+              <a:rPr lang="en-US" dirty="0" smtClean="0"/>
+              <a:t> (known as gadgets)</a:t>
+            </a:r>
+          </a:p>
+          <a:p>
+            <a:pPr lvl="1"/>
+            <a:r>
+              <a:rPr lang="en-US" dirty="0"/>
+              <a:t> </a:t>
+            </a:r>
+            <a:r>
+              <a:rPr lang="en-US" dirty="0" smtClean="0"/>
+              <a:t>The hard part is finding suitable gadgets and where they are mapped in the address space</a:t>
+            </a:r>
+          </a:p>
+        </p:txBody>
+      </p:sp>
+    </p:spTree>
+    <p:extLst>
+      <p:ext uri="{BB962C8B-B14F-4D97-AF65-F5344CB8AC3E}">
+        <p14:creationId xmlns:p14="http://schemas.microsoft.com/office/powerpoint/2010/main" val="15523703"/>
+      </p:ext>
+    </p:extLst>
+  </p:cSld>
+  <p:clrMapOvr>
+    <a:masterClrMapping/>
+  </p:clrMapOvr>
+  <p:timing>
+    <p:tnLst>
+      <p:par>
+        <p:cTn xmlns:p14="http://schemas.microsoft.com/office/powerpoint/2010/main" id="1" dur="indefinite" restart="never" nodeType="tmRoot"/>
+      </p:par>
+    </p:tnLst>
+  </p:timing>
+</p:sld>
+</file>
+
+<file path=ppt/slides/slide26.xml><?xml version="1.0" encoding="utf-8"?>
+<p:sld xmlns:a="http://schemas.openxmlformats.org/drawingml/2006/main" xmlns:r="http://schemas.openxmlformats.org/officeDocument/2006/relationships" xmlns:p="http://schemas.openxmlformats.org/presentationml/2006/main">
+  <p:cSld>
+    <p:spTree>
+      <p:nvGrpSpPr>
+        <p:cNvPr id="1" name=""/>
+        <p:cNvGrpSpPr/>
+        <p:nvPr/>
+      </p:nvGrpSpPr>
+      <p:grpSpPr>
+        <a:xfrm>
+          <a:off x="0" y="0"/>
+          <a:ext cx="0" cy="0"/>
+          <a:chOff x="0" y="0"/>
+          <a:chExt cx="0" cy="0"/>
+        </a:xfrm>
+      </p:grpSpPr>
+      <p:sp>
+        <p:nvSpPr>
+          <p:cNvPr id="2" name="Title 1"/>
+          <p:cNvSpPr>
+            <a:spLocks noGrp="1"/>
+          </p:cNvSpPr>
+          <p:nvPr>
+            <p:ph type="title"/>
+          </p:nvPr>
+        </p:nvSpPr>
+        <p:spPr/>
+        <p:txBody>
+          <a:bodyPr/>
+          <a:lstStyle/>
+          <a:p>
+            <a:r>
+              <a:rPr lang="en-US" dirty="0" smtClean="0"/>
+              <a:t>ROP challenges	</a:t>
+            </a:r>
+            <a:endParaRPr lang="en-US" dirty="0"/>
+          </a:p>
+        </p:txBody>
+      </p:sp>
+      <p:sp>
+        <p:nvSpPr>
+          <p:cNvPr id="3" name="Content Placeholder 2"/>
+          <p:cNvSpPr>
+            <a:spLocks noGrp="1"/>
+          </p:cNvSpPr>
+          <p:nvPr>
+            <p:ph idx="1"/>
+          </p:nvPr>
+        </p:nvSpPr>
+        <p:spPr/>
+        <p:txBody>
+          <a:bodyPr>
+            <a:normAutofit lnSpcReduction="10000"/>
+          </a:bodyPr>
+          <a:lstStyle/>
+          <a:p>
+            <a:r>
+              <a:rPr lang="en-US" dirty="0" smtClean="0"/>
+              <a:t>If exploiting </a:t>
+            </a:r>
+            <a:r>
+              <a:rPr lang="en-US" dirty="0" err="1" smtClean="0"/>
+              <a:t>strcpy</a:t>
+            </a:r>
+            <a:r>
+              <a:rPr lang="en-US" dirty="0" smtClean="0"/>
+              <a:t> no NUL bytes may be present in the payload</a:t>
+            </a:r>
+          </a:p>
+          <a:p>
+            <a:pPr lvl="1"/>
+            <a:r>
+              <a:rPr lang="en-US" dirty="0" smtClean="0"/>
+              <a:t>Use </a:t>
+            </a:r>
+            <a:r>
+              <a:rPr lang="en-US" dirty="0" smtClean="0">
+                <a:latin typeface="Courier New"/>
+              </a:rPr>
+              <a:t>xor / </a:t>
+            </a:r>
+            <a:r>
+              <a:rPr lang="en-US" dirty="0" err="1" smtClean="0">
+                <a:latin typeface="Courier New"/>
+              </a:rPr>
+              <a:t>incr</a:t>
+            </a:r>
+            <a:r>
+              <a:rPr lang="en-US" dirty="0" smtClean="0">
+                <a:latin typeface="Courier New"/>
+              </a:rPr>
+              <a:t> / </a:t>
+            </a:r>
+            <a:r>
+              <a:rPr lang="en-US" dirty="0" err="1" smtClean="0">
+                <a:latin typeface="Courier New"/>
+              </a:rPr>
+              <a:t>decr</a:t>
+            </a:r>
+            <a:r>
+              <a:rPr lang="en-US" dirty="0" smtClean="0"/>
+              <a:t> in a gadget to create 0x00 bytes</a:t>
+            </a:r>
+          </a:p>
+          <a:p>
+            <a:r>
+              <a:rPr lang="en-US" dirty="0" smtClean="0"/>
+              <a:t>Finding usable gadgets can be hard work</a:t>
+            </a:r>
+          </a:p>
+          <a:p>
+            <a:pPr lvl="1"/>
+            <a:r>
+              <a:rPr lang="en-US" dirty="0" smtClean="0"/>
+              <a:t>Use a tool where you can filter on useful gadgets</a:t>
+            </a:r>
+          </a:p>
+          <a:p>
+            <a:pPr lvl="1"/>
+            <a:r>
+              <a:rPr lang="en-US" dirty="0" smtClean="0"/>
+              <a:t>There exists tools to generate a complete ROP payload based on the flora of available gadgets</a:t>
+            </a:r>
+          </a:p>
+          <a:p>
+            <a:pPr lvl="1"/>
+            <a:r>
+              <a:rPr lang="en-US" dirty="0" smtClean="0"/>
+              <a:t>An attacker can abuse non-aligned instructions</a:t>
+            </a:r>
+            <a:endParaRPr lang="en-US" dirty="0"/>
+          </a:p>
+        </p:txBody>
+      </p:sp>
+    </p:spTree>
+    <p:extLst>
+      <p:ext uri="{BB962C8B-B14F-4D97-AF65-F5344CB8AC3E}">
+        <p14:creationId xmlns:p14="http://schemas.microsoft.com/office/powerpoint/2010/main" val="1700955891"/>
+      </p:ext>
+    </p:extLst>
+  </p:cSld>
+  <p:clrMapOvr>
+    <a:masterClrMapping/>
+  </p:clrMapOvr>
+  <p:timing>
+    <p:tnLst>
+      <p:par>
+        <p:cTn xmlns:p14="http://schemas.microsoft.com/office/powerpoint/2010/main" id="1" dur="indefinite" restart="never" nodeType="tmRoot"/>
+      </p:par>
+    </p:tnLst>
+  </p:timing>
+</p:sld>
+</file>
+
+<file path=ppt/slides/slide27.xml><?xml version="1.0" encoding="utf-8"?>
+<p:sld xmlns:a="http://schemas.openxmlformats.org/drawingml/2006/main" xmlns:r="http://schemas.openxmlformats.org/officeDocument/2006/relationships" xmlns:p="http://schemas.openxmlformats.org/presentationml/2006/main">
+  <p:cSld>
+    <p:spTree>
+      <p:nvGrpSpPr>
+        <p:cNvPr id="1" name=""/>
+        <p:cNvGrpSpPr/>
+        <p:nvPr/>
+      </p:nvGrpSpPr>
+      <p:grpSpPr>
+        <a:xfrm>
+          <a:off x="0" y="0"/>
+          <a:ext cx="0" cy="0"/>
+          <a:chOff x="0" y="0"/>
+          <a:chExt cx="0" cy="0"/>
+        </a:xfrm>
+      </p:grpSpPr>
+      <p:sp>
+        <p:nvSpPr>
+          <p:cNvPr id="2" name="Title 1"/>
+          <p:cNvSpPr>
+            <a:spLocks noGrp="1"/>
+          </p:cNvSpPr>
+          <p:nvPr>
+            <p:ph type="title"/>
+          </p:nvPr>
+        </p:nvSpPr>
+        <p:spPr/>
+        <p:txBody>
+          <a:bodyPr>
+            <a:normAutofit/>
+          </a:bodyPr>
+          <a:lstStyle/>
+          <a:p>
+            <a:r>
+              <a:rPr lang="en-US" dirty="0" smtClean="0"/>
+              <a:t>Tools for writing ROP chains	 (</a:t>
+            </a:r>
+            <a:r>
+              <a:rPr lang="en-US" dirty="0" err="1" smtClean="0"/>
+              <a:t>dbu</a:t>
+            </a:r>
+            <a:r>
+              <a:rPr lang="en-US" dirty="0" smtClean="0"/>
+              <a:t>)</a:t>
+            </a:r>
+            <a:endParaRPr lang="en-US" dirty="0"/>
+          </a:p>
+        </p:txBody>
+      </p:sp>
+      <p:sp>
+        <p:nvSpPr>
+          <p:cNvPr id="3" name="Content Placeholder 2"/>
+          <p:cNvSpPr>
+            <a:spLocks noGrp="1"/>
+          </p:cNvSpPr>
+          <p:nvPr>
+            <p:ph idx="1"/>
+          </p:nvPr>
+        </p:nvSpPr>
+        <p:spPr/>
+        <p:txBody>
+          <a:bodyPr/>
+          <a:lstStyle/>
+          <a:p>
+            <a:r>
+              <a:rPr lang="en-US" dirty="0" err="1" smtClean="0"/>
+              <a:t>metasploit</a:t>
+            </a:r>
+            <a:r>
+              <a:rPr lang="en-US" dirty="0" smtClean="0"/>
+              <a:t>/</a:t>
+            </a:r>
+            <a:r>
+              <a:rPr lang="en-US" dirty="0" err="1" smtClean="0"/>
+              <a:t>msfrop</a:t>
+            </a:r>
+            <a:r>
+              <a:rPr lang="en-US" dirty="0" smtClean="0"/>
+              <a:t> – a gadget finder</a:t>
+            </a:r>
+          </a:p>
+          <a:p>
+            <a:r>
+              <a:rPr lang="en-US" dirty="0" err="1" smtClean="0"/>
+              <a:t>gogo</a:t>
+            </a:r>
+            <a:r>
+              <a:rPr lang="en-US" dirty="0" smtClean="0"/>
+              <a:t> – </a:t>
+            </a:r>
+            <a:r>
+              <a:rPr lang="en-US" dirty="0" err="1" smtClean="0"/>
+              <a:t>pwahlman’s</a:t>
+            </a:r>
+            <a:r>
+              <a:rPr lang="en-US" dirty="0" smtClean="0"/>
+              <a:t> gadget finder</a:t>
+            </a:r>
+          </a:p>
+          <a:p>
+            <a:r>
+              <a:rPr lang="en-US" dirty="0" err="1"/>
+              <a:t>ropc</a:t>
+            </a:r>
+            <a:r>
+              <a:rPr lang="en-US" dirty="0"/>
+              <a:t> – a </a:t>
+            </a:r>
+            <a:r>
+              <a:rPr lang="en-US" dirty="0" smtClean="0"/>
+              <a:t>ROP payload compiler</a:t>
+            </a:r>
+          </a:p>
+          <a:p>
+            <a:r>
+              <a:rPr lang="en-US" dirty="0" smtClean="0"/>
+              <a:t>A plethora of other tools</a:t>
+            </a:r>
+          </a:p>
+        </p:txBody>
+      </p:sp>
+    </p:spTree>
+    <p:extLst>
+      <p:ext uri="{BB962C8B-B14F-4D97-AF65-F5344CB8AC3E}">
+        <p14:creationId xmlns:p14="http://schemas.microsoft.com/office/powerpoint/2010/main" val="82216525"/>
+      </p:ext>
+    </p:extLst>
+  </p:cSld>
+  <p:clrMapOvr>
+    <a:masterClrMapping/>
+  </p:clrMapOvr>
+  <p:timing>
+    <p:tnLst>
+      <p:par>
+        <p:cTn xmlns:p14="http://schemas.microsoft.com/office/powerpoint/2010/main" id="1" dur="indefinite" restart="never" nodeType="tmRoot"/>
+      </p:par>
+    </p:tnLst>
+  </p:timing>
+</p:sld>
+</file>
+
+<file path=ppt/slides/slide28.xml><?xml version="1.0" encoding="utf-8"?>
+<p:sld xmlns:a="http://schemas.openxmlformats.org/drawingml/2006/main" xmlns:r="http://schemas.openxmlformats.org/officeDocument/2006/relationships" xmlns:p="http://schemas.openxmlformats.org/presentationml/2006/main">
+  <p:cSld>
+    <p:spTree>
+      <p:nvGrpSpPr>
+        <p:cNvPr id="1" name=""/>
+        <p:cNvGrpSpPr/>
+        <p:nvPr/>
+      </p:nvGrpSpPr>
+      <p:grpSpPr>
+        <a:xfrm>
+          <a:off x="0" y="0"/>
+          <a:ext cx="0" cy="0"/>
+          <a:chOff x="0" y="0"/>
+          <a:chExt cx="0" cy="0"/>
+        </a:xfrm>
+      </p:grpSpPr>
+      <p:sp>
+        <p:nvSpPr>
+          <p:cNvPr id="2" name="Title 1"/>
+          <p:cNvSpPr>
+            <a:spLocks noGrp="1"/>
+          </p:cNvSpPr>
+          <p:nvPr>
+            <p:ph type="title"/>
+          </p:nvPr>
+        </p:nvSpPr>
+        <p:spPr/>
+        <p:txBody>
+          <a:bodyPr/>
+          <a:lstStyle/>
+          <a:p>
+            <a:r>
+              <a:rPr lang="en-US" dirty="0" err="1" smtClean="0"/>
+              <a:t>Gogo</a:t>
+            </a:r>
+            <a:r>
+              <a:rPr lang="en-US" dirty="0" smtClean="0"/>
+              <a:t> (</a:t>
+            </a:r>
+            <a:r>
+              <a:rPr lang="en-US" dirty="0" err="1" smtClean="0"/>
+              <a:t>pwa</a:t>
+            </a:r>
+            <a:r>
+              <a:rPr lang="en-US" dirty="0" smtClean="0"/>
+              <a:t>)</a:t>
+            </a:r>
+            <a:endParaRPr lang="en-US" dirty="0"/>
+          </a:p>
+        </p:txBody>
+      </p:sp>
+      <p:sp>
+        <p:nvSpPr>
+          <p:cNvPr id="4" name="TextBox 3"/>
+          <p:cNvSpPr txBox="1"/>
+          <p:nvPr/>
+        </p:nvSpPr>
+        <p:spPr>
+          <a:xfrm>
+            <a:off x="3606085" y="2348404"/>
+            <a:ext cx="1648896" cy="369332"/>
+          </a:xfrm>
+          <a:prstGeom prst="rect">
+            <a:avLst/>
+          </a:prstGeom>
+          <a:noFill/>
+        </p:spPr>
+        <p:txBody>
+          <a:bodyPr wrap="none" rtlCol="0">
+            <a:spAutoFit/>
+          </a:bodyPr>
+          <a:lstStyle/>
+          <a:p>
+            <a:r>
+              <a:rPr lang="en-US" dirty="0" smtClean="0"/>
+              <a:t>Find stack pivot</a:t>
+            </a:r>
+            <a:endParaRPr lang="en-US" dirty="0"/>
+          </a:p>
+        </p:txBody>
+      </p:sp>
+    </p:spTree>
+    <p:extLst>
+      <p:ext uri="{BB962C8B-B14F-4D97-AF65-F5344CB8AC3E}">
+        <p14:creationId xmlns:p14="http://schemas.microsoft.com/office/powerpoint/2010/main" val="3766031157"/>
+      </p:ext>
+    </p:extLst>
+  </p:cSld>
+  <p:clrMapOvr>
+    <a:masterClrMapping/>
+  </p:clrMapOvr>
+  <p:timing>
+    <p:tnLst>
+      <p:par>
+        <p:cTn xmlns:p14="http://schemas.microsoft.com/office/powerpoint/2010/main" id="1" dur="indefinite" restart="never" nodeType="tmRoot"/>
+      </p:par>
+    </p:tnLst>
+  </p:timing>
+</p:sld>
+</file>
+
+<file path=ppt/slides/slide29.xml><?xml version="1.0" encoding="utf-8"?>
+<p:sld xmlns:a="http://schemas.openxmlformats.org/drawingml/2006/main" xmlns:r="http://schemas.openxmlformats.org/officeDocument/2006/relationships" xmlns:p="http://schemas.openxmlformats.org/presentationml/2006/main">
+  <p:cSld>
+    <p:spTree>
+      <p:nvGrpSpPr>
+        <p:cNvPr id="1" name=""/>
+        <p:cNvGrpSpPr/>
+        <p:nvPr/>
+      </p:nvGrpSpPr>
+      <p:grpSpPr>
+        <a:xfrm>
+          <a:off x="0" y="0"/>
+          <a:ext cx="0" cy="0"/>
+          <a:chOff x="0" y="0"/>
+          <a:chExt cx="0" cy="0"/>
+        </a:xfrm>
+      </p:grpSpPr>
+      <p:sp>
+        <p:nvSpPr>
+          <p:cNvPr id="2" name="Title 1"/>
+          <p:cNvSpPr>
+            <a:spLocks noGrp="1"/>
+          </p:cNvSpPr>
+          <p:nvPr>
+            <p:ph type="title"/>
+          </p:nvPr>
+        </p:nvSpPr>
+        <p:spPr/>
+        <p:txBody>
+          <a:bodyPr/>
+          <a:lstStyle/>
+          <a:p>
+            <a:r>
+              <a:rPr lang="en-US" dirty="0" smtClean="0"/>
+              <a:t>Demo (</a:t>
+            </a:r>
+            <a:r>
+              <a:rPr lang="en-US" dirty="0" err="1" smtClean="0"/>
+              <a:t>pwa</a:t>
+            </a:r>
+            <a:r>
+              <a:rPr lang="en-US" dirty="0" smtClean="0"/>
+              <a:t>)</a:t>
+            </a:r>
+            <a:endParaRPr lang="en-US" dirty="0"/>
+          </a:p>
+        </p:txBody>
+      </p:sp>
+      <p:sp>
+        <p:nvSpPr>
+          <p:cNvPr id="3" name="Content Placeholder 2"/>
+          <p:cNvSpPr>
+            <a:spLocks noGrp="1"/>
+          </p:cNvSpPr>
+          <p:nvPr>
+            <p:ph idx="1"/>
+          </p:nvPr>
+        </p:nvSpPr>
+        <p:spPr/>
+        <p:txBody>
+          <a:bodyPr/>
+          <a:lstStyle/>
+          <a:p>
+            <a:r>
+              <a:rPr lang="en-US" dirty="0" smtClean="0"/>
+              <a:t>ROP Exploit</a:t>
+            </a:r>
+            <a:endParaRPr lang="en-US" dirty="0"/>
+          </a:p>
+        </p:txBody>
+      </p:sp>
+    </p:spTree>
+    <p:extLst>
+      <p:ext uri="{BB962C8B-B14F-4D97-AF65-F5344CB8AC3E}">
+        <p14:creationId xmlns:p14="http://schemas.microsoft.com/office/powerpoint/2010/main" val="178510715"/>
       </p:ext>
     </p:extLst>
   </p:cSld>
@@ -6880,6 +6933,179 @@
     <p:extLst>
       <p:ext uri="{BB962C8B-B14F-4D97-AF65-F5344CB8AC3E}">
         <p14:creationId xmlns:p14="http://schemas.microsoft.com/office/powerpoint/2010/main" val="1136095492"/>
+      </p:ext>
+    </p:extLst>
+  </p:cSld>
+  <p:clrMapOvr>
+    <a:masterClrMapping/>
+  </p:clrMapOvr>
+  <p:timing>
+    <p:tnLst>
+      <p:par>
+        <p:cTn xmlns:p14="http://schemas.microsoft.com/office/powerpoint/2010/main" id="1" dur="indefinite" restart="never" nodeType="tmRoot"/>
+      </p:par>
+    </p:tnLst>
+  </p:timing>
+</p:sld>
+</file>
+
+<file path=ppt/slides/slide30.xml><?xml version="1.0" encoding="utf-8"?>
+<p:sld xmlns:a="http://schemas.openxmlformats.org/drawingml/2006/main" xmlns:r="http://schemas.openxmlformats.org/officeDocument/2006/relationships" xmlns:p="http://schemas.openxmlformats.org/presentationml/2006/main">
+  <p:cSld>
+    <p:spTree>
+      <p:nvGrpSpPr>
+        <p:cNvPr id="1" name=""/>
+        <p:cNvGrpSpPr/>
+        <p:nvPr/>
+      </p:nvGrpSpPr>
+      <p:grpSpPr>
+        <a:xfrm>
+          <a:off x="0" y="0"/>
+          <a:ext cx="0" cy="0"/>
+          <a:chOff x="0" y="0"/>
+          <a:chExt cx="0" cy="0"/>
+        </a:xfrm>
+      </p:grpSpPr>
+      <p:sp>
+        <p:nvSpPr>
+          <p:cNvPr id="2" name="Title 1"/>
+          <p:cNvSpPr>
+            <a:spLocks noGrp="1"/>
+          </p:cNvSpPr>
+          <p:nvPr>
+            <p:ph type="title"/>
+          </p:nvPr>
+        </p:nvSpPr>
+        <p:spPr/>
+        <p:txBody>
+          <a:bodyPr/>
+          <a:lstStyle/>
+          <a:p>
+            <a:r>
+              <a:rPr lang="en-US" dirty="0" smtClean="0"/>
+              <a:t>Lessons learned</a:t>
+            </a:r>
+            <a:endParaRPr lang="en-US" dirty="0"/>
+          </a:p>
+        </p:txBody>
+      </p:sp>
+      <p:sp>
+        <p:nvSpPr>
+          <p:cNvPr id="3" name="Content Placeholder 2"/>
+          <p:cNvSpPr>
+            <a:spLocks noGrp="1"/>
+          </p:cNvSpPr>
+          <p:nvPr>
+            <p:ph idx="1"/>
+          </p:nvPr>
+        </p:nvSpPr>
+        <p:spPr/>
+        <p:txBody>
+          <a:bodyPr/>
+          <a:lstStyle/>
+          <a:p>
+            <a:r>
+              <a:rPr lang="en-US" dirty="0" smtClean="0"/>
+              <a:t>Be careful what you log!</a:t>
+            </a:r>
+          </a:p>
+          <a:p>
+            <a:r>
+              <a:rPr lang="en-US" dirty="0" smtClean="0"/>
+              <a:t>User controlled data</a:t>
+            </a:r>
+          </a:p>
+          <a:p>
+            <a:r>
+              <a:rPr lang="en-US" dirty="0" smtClean="0"/>
+              <a:t>-Wall</a:t>
+            </a:r>
+            <a:endParaRPr lang="en-US" dirty="0"/>
+          </a:p>
+        </p:txBody>
+      </p:sp>
+    </p:spTree>
+    <p:extLst>
+      <p:ext uri="{BB962C8B-B14F-4D97-AF65-F5344CB8AC3E}">
+        <p14:creationId xmlns:p14="http://schemas.microsoft.com/office/powerpoint/2010/main" val="4083618436"/>
+      </p:ext>
+    </p:extLst>
+  </p:cSld>
+  <p:clrMapOvr>
+    <a:masterClrMapping/>
+  </p:clrMapOvr>
+  <p:timing>
+    <p:tnLst>
+      <p:par>
+        <p:cTn xmlns:p14="http://schemas.microsoft.com/office/powerpoint/2010/main" id="1" dur="indefinite" restart="never" nodeType="tmRoot"/>
+      </p:par>
+    </p:tnLst>
+  </p:timing>
+</p:sld>
+</file>
+
+<file path=ppt/slides/slide31.xml><?xml version="1.0" encoding="utf-8"?>
+<p:sld xmlns:a="http://schemas.openxmlformats.org/drawingml/2006/main" xmlns:r="http://schemas.openxmlformats.org/officeDocument/2006/relationships" xmlns:p="http://schemas.openxmlformats.org/presentationml/2006/main">
+  <p:cSld>
+    <p:spTree>
+      <p:nvGrpSpPr>
+        <p:cNvPr id="1" name=""/>
+        <p:cNvGrpSpPr/>
+        <p:nvPr/>
+      </p:nvGrpSpPr>
+      <p:grpSpPr>
+        <a:xfrm>
+          <a:off x="0" y="0"/>
+          <a:ext cx="0" cy="0"/>
+          <a:chOff x="0" y="0"/>
+          <a:chExt cx="0" cy="0"/>
+        </a:xfrm>
+      </p:grpSpPr>
+      <p:sp>
+        <p:nvSpPr>
+          <p:cNvPr id="3" name="Content Placeholder 2"/>
+          <p:cNvSpPr>
+            <a:spLocks noGrp="1"/>
+          </p:cNvSpPr>
+          <p:nvPr>
+            <p:ph idx="1"/>
+          </p:nvPr>
+        </p:nvSpPr>
+        <p:spPr/>
+        <p:txBody>
+          <a:bodyPr/>
+          <a:lstStyle/>
+          <a:p>
+            <a:pPr marL="0" indent="0">
+              <a:buNone/>
+            </a:pPr>
+            <a:r>
+              <a:rPr lang="en-US" dirty="0" smtClean="0"/>
+              <a:t>Thank you!</a:t>
+            </a:r>
+          </a:p>
+          <a:p>
+            <a:pPr marL="0" indent="0">
+              <a:buNone/>
+            </a:pPr>
+            <a:endParaRPr lang="en-US" dirty="0" smtClean="0"/>
+          </a:p>
+          <a:p>
+            <a:pPr marL="0" indent="0">
+              <a:buNone/>
+            </a:pPr>
+            <a:r>
+              <a:rPr lang="en-US" dirty="0" smtClean="0"/>
+              <a:t>Questions?</a:t>
+            </a:r>
+            <a:endParaRPr lang="en-US" dirty="0"/>
+          </a:p>
+        </p:txBody>
+      </p:sp>
+    </p:spTree>
+    <p:extLst>
+      <p:ext uri="{BB962C8B-B14F-4D97-AF65-F5344CB8AC3E}">
+        <p14:creationId xmlns:p14="http://schemas.microsoft.com/office/powerpoint/2010/main" val="1209679460"/>
       </p:ext>
     </p:extLst>
   </p:cSld>
@@ -7352,19 +7578,7 @@
           <a:bodyPr/>
           <a:lstStyle/>
           <a:p>
-            <a:r>
-              <a:rPr lang="en-US" dirty="0" smtClean="0"/>
-              <a:t>Exploitation in practice (</a:t>
-            </a:r>
-            <a:r>
-              <a:rPr lang="en-US" dirty="0" err="1" smtClean="0"/>
-              <a:t>pwa</a:t>
-            </a:r>
-            <a:r>
-              <a:rPr lang="en-US" dirty="0" smtClean="0"/>
-              <a:t>)</a:t>
-            </a:r>
-            <a:endParaRPr lang="en-US" dirty="0"/>
+            <a:endParaRPr lang="en-US"/>
           </a:p>
         </p:txBody>
       </p:sp>
@@ -7383,20 +7597,44 @@
           <a:bodyPr/>
           <a:lstStyle/>
           <a:p>
-            <a:pPr marL="0" indent="0">
-              <a:buNone/>
-            </a:pPr>
-            <a:r>
-              <a:rPr lang="en-US" dirty="0" smtClean="0"/>
-              <a:t>Can you spot the bug(s)?</a:t>
-            </a:r>
-          </a:p>
-        </p:txBody>
-      </p:sp>
+            <a:endParaRPr lang="en-US"/>
+          </a:p>
+        </p:txBody>
+      </p:sp>
+      <p:pic>
+        <p:nvPicPr>
+          <p:cNvPr id="4" name="Picture 3" descr="spot-the-bug.jpg"/>
+          <p:cNvPicPr>
+            <a:picLocks noChangeAspect="1"/>
+          </p:cNvPicPr>
+          <p:nvPr/>
+        </p:nvPicPr>
+        <p:blipFill>
+          <a:blip r:embed="rId2">
+            <a:extLst>
+              <a:ext uri="{28A0092B-C50C-407E-A947-70E740481C1C}">
+                <a14:useLocalDpi xmlns:a14="http://schemas.microsoft.com/office/drawing/2010/main" val="0"/>
+              </a:ext>
+            </a:extLst>
+          </a:blip>
+          <a:stretch>
+            <a:fillRect/>
+          </a:stretch>
+        </p:blipFill>
+        <p:spPr>
+          <a:xfrm>
+            <a:off x="0" y="0"/>
+            <a:ext cx="9114842" cy="6858000"/>
+          </a:xfrm>
+          <a:prstGeom prst="rect">
+            <a:avLst/>
+          </a:prstGeom>
+        </p:spPr>
+      </p:pic>
     </p:spTree>
     <p:extLst>
       <p:ext uri="{BB962C8B-B14F-4D97-AF65-F5344CB8AC3E}">
-        <p14:creationId xmlns:p14="http://schemas.microsoft.com/office/powerpoint/2010/main" val="27817519"/>
+        <p14:creationId xmlns:p14="http://schemas.microsoft.com/office/powerpoint/2010/main" val="1468982932"/>
       </p:ext>
     </p:extLst>
   </p:cSld>
@@ -7430,16 +7668,54 @@
           <a:chExt cx="0" cy="0"/>
         </a:xfrm>
       </p:grpSpPr>
+      <p:sp>
+        <p:nvSpPr>
+          <p:cNvPr id="2" name="Title 1"/>
+          <p:cNvSpPr>
+            <a:spLocks noGrp="1"/>
+          </p:cNvSpPr>
+          <p:nvPr>
+            <p:ph type="title"/>
+          </p:nvPr>
+        </p:nvSpPr>
+        <p:spPr/>
+        <p:txBody>
+          <a:bodyPr/>
+          <a:lstStyle/>
+          <a:p>
+            <a:endParaRPr lang="en-US"/>
+          </a:p>
+        </p:txBody>
+      </p:sp>
+      <p:sp>
+        <p:nvSpPr>
+          <p:cNvPr id="3" name="Content Placeholder 2"/>
+          <p:cNvSpPr>
+            <a:spLocks noGrp="1"/>
+          </p:cNvSpPr>
+          <p:nvPr>
+            <p:ph idx="1"/>
+          </p:nvPr>
+        </p:nvSpPr>
+        <p:spPr/>
+        <p:txBody>
+          <a:bodyPr/>
+          <a:lstStyle/>
+          <a:p>
+            <a:endParaRPr lang="en-US"/>
+          </a:p>
+        </p:txBody>
+      </p:sp>
       <p:pic>
         <p:nvPicPr>
-          <p:cNvPr id="7" name="Picture 6" descr="main.png"/>
+          <p:cNvPr id="4" name="Picture 3" descr="stack-layout.jpg"/>
           <p:cNvPicPr>
             <a:picLocks noChangeAspect="1"/>
           </p:cNvPicPr>
           <p:nvPr/>
         </p:nvPicPr>
         <p:blipFill>
-          <a:blip r:embed="rId3">
+          <a:blip r:embed="rId2">
             <a:extLst>
               <a:ext uri="{28A0092B-C50C-407E-A947-70E740481C1C}">
                 <a14:useLocalDpi xmlns:a14="http://schemas.microsoft.com/office/drawing/2010/main" val="0"/>
@@ -7452,8 +7728,8 @@
         </p:blipFill>
         <p:spPr>
           <a:xfrm>
-            <a:off x="539552" y="847870"/>
-            <a:ext cx="7889572" cy="5184576"/>
+            <a:off x="0" y="0"/>
+            <a:ext cx="9114842" cy="6858000"/>
           </a:xfrm>
           <a:prstGeom prst="rect">
             <a:avLst/>
@@ -7463,7 +7739,7 @@
     </p:spTree>
     <p:extLst>
       <p:ext uri="{BB962C8B-B14F-4D97-AF65-F5344CB8AC3E}">
-        <p14:creationId xmlns:p14="http://schemas.microsoft.com/office/powerpoint/2010/main" val="1304676583"/>
+        <p14:creationId xmlns:p14="http://schemas.microsoft.com/office/powerpoint/2010/main" val="2594581436"/>
       </p:ext>
     </p:extLst>
   </p:cSld>

--- a/presentation.pptx
+++ b/presentation.pptx
@@ -5,7 +5,7 @@
     <p:sldMasterId id="2147483648" r:id="rId1"/>
   </p:sldMasterIdLst>
   <p:notesMasterIdLst>
-    <p:notesMasterId r:id="rId33"/>
+    <p:notesMasterId r:id="rId32"/>
   </p:notesMasterIdLst>
   <p:sldIdLst>
     <p:sldId id="256" r:id="rId2"/>
@@ -27,18 +27,17 @@
     <p:sldId id="319" r:id="rId18"/>
     <p:sldId id="321" r:id="rId19"/>
     <p:sldId id="322" r:id="rId20"/>
-    <p:sldId id="305" r:id="rId21"/>
-    <p:sldId id="320" r:id="rId22"/>
-    <p:sldId id="323" r:id="rId23"/>
-    <p:sldId id="326" r:id="rId24"/>
-    <p:sldId id="274" r:id="rId25"/>
-    <p:sldId id="275" r:id="rId26"/>
-    <p:sldId id="281" r:id="rId27"/>
-    <p:sldId id="280" r:id="rId28"/>
-    <p:sldId id="306" r:id="rId29"/>
-    <p:sldId id="310" r:id="rId30"/>
-    <p:sldId id="311" r:id="rId31"/>
-    <p:sldId id="295" r:id="rId32"/>
+    <p:sldId id="320" r:id="rId21"/>
+    <p:sldId id="323" r:id="rId22"/>
+    <p:sldId id="326" r:id="rId23"/>
+    <p:sldId id="274" r:id="rId24"/>
+    <p:sldId id="275" r:id="rId25"/>
+    <p:sldId id="281" r:id="rId26"/>
+    <p:sldId id="280" r:id="rId27"/>
+    <p:sldId id="306" r:id="rId28"/>
+    <p:sldId id="310" r:id="rId29"/>
+    <p:sldId id="311" r:id="rId30"/>
+    <p:sldId id="295" r:id="rId31"/>
   </p:sldIdLst>
   <p:sldSz cx="9144000" cy="6858000" type="screen4x3"/>
   <p:notesSz cx="6858000" cy="9144000"/>
@@ -185,11 +184,13 @@
           <a:bodyPr vert="horz" lIns="91440" tIns="45720" rIns="91440" bIns="45720" rtlCol="0"/>
           <a:lstStyle>
             <a:lvl1pPr algn="l">
-              <a:defRPr sz="1200"/>
+              <a:defRPr sz="1200">
+                <a:latin typeface="Calibri"/>
+              </a:defRPr>
             </a:lvl1pPr>
           </a:lstStyle>
           <a:p>
-            <a:endParaRPr lang="en-US"/>
+            <a:endParaRPr lang="en-US" dirty="0"/>
           </a:p>
         </p:txBody>
       </p:sp>
@@ -216,15 +217,18 @@
           <a:bodyPr vert="horz" lIns="91440" tIns="45720" rIns="91440" bIns="45720" rtlCol="0"/>
           <a:lstStyle>
             <a:lvl1pPr algn="r">
-              <a:defRPr sz="1200"/>
+              <a:defRPr sz="1200">
+                <a:latin typeface="Calibri"/>
+              </a:defRPr>
             </a:lvl1pPr>
           </a:lstStyle>
           <a:p>
             <a:fld id="{1276CDAF-28B4-7E45-A69E-2DC163EF97CF}" type="datetimeFigureOut">
               <a:rPr lang="en-US" smtClean="0"/>
-              <a:t>06/05/14</a:t>
+              <a:pPr/>
+              <a:t>07/05/14</a:t>
             </a:fld>
-            <a:endParaRPr lang="en-US"/>
+            <a:endParaRPr lang="en-US" dirty="0"/>
           </a:p>
         </p:txBody>
       </p:sp>
@@ -257,7 +261,7 @@
           <a:bodyPr vert="horz" lIns="91440" tIns="45720" rIns="91440" bIns="45720" rtlCol="0" anchor="ctr"/>
           <a:lstStyle/>
           <a:p>
-            <a:endParaRPr lang="en-US"/>
+            <a:endParaRPr lang="en-US" dirty="0"/>
           </a:p>
         </p:txBody>
       </p:sp>
@@ -286,38 +290,38 @@
           <a:p>
             <a:pPr lvl="0"/>
             <a:r>
-              <a:rPr lang="en-US" smtClean="0"/>
+              <a:rPr lang="en-US" dirty="0" smtClean="0"/>
               <a:t>Click to edit Master text styles</a:t>
             </a:r>
           </a:p>
           <a:p>
             <a:pPr lvl="1"/>
             <a:r>
-              <a:rPr lang="en-US" smtClean="0"/>
+              <a:rPr lang="en-US" dirty="0" smtClean="0"/>
               <a:t>Second level</a:t>
             </a:r>
           </a:p>
           <a:p>
             <a:pPr lvl="2"/>
             <a:r>
-              <a:rPr lang="en-US" smtClean="0"/>
+              <a:rPr lang="en-US" dirty="0" smtClean="0"/>
               <a:t>Third level</a:t>
             </a:r>
           </a:p>
           <a:p>
             <a:pPr lvl="3"/>
             <a:r>
-              <a:rPr lang="en-US" smtClean="0"/>
+              <a:rPr lang="en-US" dirty="0" smtClean="0"/>
               <a:t>Fourth level</a:t>
             </a:r>
           </a:p>
           <a:p>
             <a:pPr lvl="4"/>
             <a:r>
-              <a:rPr lang="en-US" smtClean="0"/>
+              <a:rPr lang="en-US" dirty="0" smtClean="0"/>
               <a:t>Fifth level</a:t>
             </a:r>
-            <a:endParaRPr lang="en-US"/>
+            <a:endParaRPr lang="en-US" dirty="0"/>
           </a:p>
         </p:txBody>
       </p:sp>
@@ -344,11 +348,13 @@
           <a:bodyPr vert="horz" lIns="91440" tIns="45720" rIns="91440" bIns="45720" rtlCol="0" anchor="b"/>
           <a:lstStyle>
             <a:lvl1pPr algn="l">
-              <a:defRPr sz="1200"/>
+              <a:defRPr sz="1200">
+                <a:latin typeface="Calibri"/>
+              </a:defRPr>
             </a:lvl1pPr>
           </a:lstStyle>
           <a:p>
-            <a:endParaRPr lang="en-US"/>
+            <a:endParaRPr lang="en-US" dirty="0"/>
           </a:p>
         </p:txBody>
       </p:sp>
@@ -375,15 +381,18 @@
           <a:bodyPr vert="horz" lIns="91440" tIns="45720" rIns="91440" bIns="45720" rtlCol="0" anchor="b"/>
           <a:lstStyle>
             <a:lvl1pPr algn="r">
-              <a:defRPr sz="1200"/>
+              <a:defRPr sz="1200">
+                <a:latin typeface="Calibri"/>
+              </a:defRPr>
             </a:lvl1pPr>
           </a:lstStyle>
           <a:p>
             <a:fld id="{5D74FDC0-35D8-F34C-B228-DA42CBAF1130}" type="slidenum">
               <a:rPr lang="en-US" smtClean="0"/>
+              <a:pPr/>
               <a:t>‹#›</a:t>
             </a:fld>
-            <a:endParaRPr lang="en-US"/>
+            <a:endParaRPr lang="en-US" dirty="0"/>
           </a:p>
         </p:txBody>
       </p:sp>
@@ -401,7 +410,7 @@
         <a:solidFill>
           <a:schemeClr val="tx1"/>
         </a:solidFill>
-        <a:latin typeface="+mn-lt"/>
+        <a:latin typeface="Calibri"/>
         <a:ea typeface="+mn-ea"/>
         <a:cs typeface="+mn-cs"/>
       </a:defRPr>
@@ -411,7 +420,7 @@
         <a:solidFill>
           <a:schemeClr val="tx1"/>
         </a:solidFill>
-        <a:latin typeface="+mn-lt"/>
+        <a:latin typeface="Calibri"/>
         <a:ea typeface="+mn-ea"/>
         <a:cs typeface="+mn-cs"/>
       </a:defRPr>
@@ -421,7 +430,7 @@
         <a:solidFill>
           <a:schemeClr val="tx1"/>
         </a:solidFill>
-        <a:latin typeface="+mn-lt"/>
+        <a:latin typeface="Calibri"/>
         <a:ea typeface="+mn-ea"/>
         <a:cs typeface="+mn-cs"/>
       </a:defRPr>
@@ -431,7 +440,7 @@
         <a:solidFill>
           <a:schemeClr val="tx1"/>
         </a:solidFill>
-        <a:latin typeface="+mn-lt"/>
+        <a:latin typeface="Calibri"/>
         <a:ea typeface="+mn-ea"/>
         <a:cs typeface="+mn-cs"/>
       </a:defRPr>
@@ -441,7 +450,7 @@
         <a:solidFill>
           <a:schemeClr val="tx1"/>
         </a:solidFill>
-        <a:latin typeface="+mn-lt"/>
+        <a:latin typeface="Calibri"/>
         <a:ea typeface="+mn-ea"/>
         <a:cs typeface="+mn-cs"/>
       </a:defRPr>
@@ -1027,7 +1036,7 @@
           <a:p>
             <a:fld id="{5D74FDC0-35D8-F34C-B228-DA42CBAF1130}" type="slidenum">
               <a:rPr lang="en-US" smtClean="0"/>
-              <a:t>24</a:t>
+              <a:t>23</a:t>
             </a:fld>
             <a:endParaRPr lang="en-US"/>
           </a:p>
@@ -1119,7 +1128,7 @@
           <a:p>
             <a:fld id="{5D74FDC0-35D8-F34C-B228-DA42CBAF1130}" type="slidenum">
               <a:rPr lang="en-US" smtClean="0"/>
-              <a:t>25</a:t>
+              <a:t>24</a:t>
             </a:fld>
             <a:endParaRPr lang="en-US"/>
           </a:p>
@@ -1229,7 +1238,7 @@
           <a:p>
             <a:fld id="{5D74FDC0-35D8-F34C-B228-DA42CBAF1130}" type="slidenum">
               <a:rPr lang="en-US" smtClean="0"/>
-              <a:t>26</a:t>
+              <a:t>25</a:t>
             </a:fld>
             <a:endParaRPr lang="en-US"/>
           </a:p>
@@ -1429,7 +1438,7 @@
           <a:p>
             <a:fld id="{6BFECD78-3C8E-49F2-8FAB-59489D168ABB}" type="datetimeFigureOut">
               <a:rPr lang="en-US" smtClean="0"/>
-              <a:t>06/05/14</a:t>
+              <a:t>07/05/14</a:t>
             </a:fld>
             <a:endParaRPr lang="en-US"/>
           </a:p>
@@ -1599,7 +1608,7 @@
           <a:p>
             <a:fld id="{6BFECD78-3C8E-49F2-8FAB-59489D168ABB}" type="datetimeFigureOut">
               <a:rPr lang="en-US" smtClean="0"/>
-              <a:t>06/05/14</a:t>
+              <a:t>07/05/14</a:t>
             </a:fld>
             <a:endParaRPr lang="en-US"/>
           </a:p>
@@ -1779,7 +1788,7 @@
           <a:p>
             <a:fld id="{6BFECD78-3C8E-49F2-8FAB-59489D168ABB}" type="datetimeFigureOut">
               <a:rPr lang="en-US" smtClean="0"/>
-              <a:t>06/05/14</a:t>
+              <a:t>07/05/14</a:t>
             </a:fld>
             <a:endParaRPr lang="en-US"/>
           </a:p>
@@ -1949,7 +1958,7 @@
           <a:p>
             <a:fld id="{6BFECD78-3C8E-49F2-8FAB-59489D168ABB}" type="datetimeFigureOut">
               <a:rPr lang="en-US" smtClean="0"/>
-              <a:t>06/05/14</a:t>
+              <a:t>07/05/14</a:t>
             </a:fld>
             <a:endParaRPr lang="en-US"/>
           </a:p>
@@ -2195,7 +2204,7 @@
           <a:p>
             <a:fld id="{6BFECD78-3C8E-49F2-8FAB-59489D168ABB}" type="datetimeFigureOut">
               <a:rPr lang="en-US" smtClean="0"/>
-              <a:t>06/05/14</a:t>
+              <a:t>07/05/14</a:t>
             </a:fld>
             <a:endParaRPr lang="en-US"/>
           </a:p>
@@ -2483,7 +2492,7 @@
           <a:p>
             <a:fld id="{6BFECD78-3C8E-49F2-8FAB-59489D168ABB}" type="datetimeFigureOut">
               <a:rPr lang="en-US" smtClean="0"/>
-              <a:t>06/05/14</a:t>
+              <a:t>07/05/14</a:t>
             </a:fld>
             <a:endParaRPr lang="en-US"/>
           </a:p>
@@ -2905,7 +2914,7 @@
           <a:p>
             <a:fld id="{6BFECD78-3C8E-49F2-8FAB-59489D168ABB}" type="datetimeFigureOut">
               <a:rPr lang="en-US" smtClean="0"/>
-              <a:t>06/05/14</a:t>
+              <a:t>07/05/14</a:t>
             </a:fld>
             <a:endParaRPr lang="en-US"/>
           </a:p>
@@ -3023,7 +3032,7 @@
           <a:p>
             <a:fld id="{6BFECD78-3C8E-49F2-8FAB-59489D168ABB}" type="datetimeFigureOut">
               <a:rPr lang="en-US" smtClean="0"/>
-              <a:t>06/05/14</a:t>
+              <a:t>07/05/14</a:t>
             </a:fld>
             <a:endParaRPr lang="en-US"/>
           </a:p>
@@ -3118,7 +3127,7 @@
           <a:p>
             <a:fld id="{6BFECD78-3C8E-49F2-8FAB-59489D168ABB}" type="datetimeFigureOut">
               <a:rPr lang="en-US" smtClean="0"/>
-              <a:t>06/05/14</a:t>
+              <a:t>07/05/14</a:t>
             </a:fld>
             <a:endParaRPr lang="en-US"/>
           </a:p>
@@ -3395,7 +3404,7 @@
           <a:p>
             <a:fld id="{6BFECD78-3C8E-49F2-8FAB-59489D168ABB}" type="datetimeFigureOut">
               <a:rPr lang="en-US" smtClean="0"/>
-              <a:t>06/05/14</a:t>
+              <a:t>07/05/14</a:t>
             </a:fld>
             <a:endParaRPr lang="en-US"/>
           </a:p>
@@ -3652,7 +3661,7 @@
           <a:p>
             <a:fld id="{6BFECD78-3C8E-49F2-8FAB-59489D168ABB}" type="datetimeFigureOut">
               <a:rPr lang="en-US" smtClean="0"/>
-              <a:t>06/05/14</a:t>
+              <a:t>07/05/14</a:t>
             </a:fld>
             <a:endParaRPr lang="en-US"/>
           </a:p>
@@ -3761,10 +3770,10 @@
           <a:lstStyle/>
           <a:p>
             <a:r>
-              <a:rPr lang="en-US" smtClean="0"/>
+              <a:rPr lang="en-US" dirty="0" smtClean="0"/>
               <a:t>Click to edit Master title style</a:t>
             </a:r>
-            <a:endParaRPr lang="en-US"/>
+            <a:endParaRPr lang="en-US" dirty="0"/>
           </a:p>
         </p:txBody>
       </p:sp>
@@ -3795,38 +3804,38 @@
           <a:p>
             <a:pPr lvl="0"/>
             <a:r>
-              <a:rPr lang="en-US" smtClean="0"/>
+              <a:rPr lang="en-US" dirty="0" smtClean="0"/>
               <a:t>Click to edit Master text styles</a:t>
             </a:r>
           </a:p>
           <a:p>
             <a:pPr lvl="1"/>
             <a:r>
-              <a:rPr lang="en-US" smtClean="0"/>
+              <a:rPr lang="en-US" dirty="0" smtClean="0"/>
               <a:t>Second level</a:t>
             </a:r>
           </a:p>
           <a:p>
             <a:pPr lvl="2"/>
             <a:r>
-              <a:rPr lang="en-US" smtClean="0"/>
+              <a:rPr lang="en-US" dirty="0" smtClean="0"/>
               <a:t>Third level</a:t>
             </a:r>
           </a:p>
           <a:p>
             <a:pPr lvl="3"/>
             <a:r>
-              <a:rPr lang="en-US" smtClean="0"/>
+              <a:rPr lang="en-US" dirty="0" smtClean="0"/>
               <a:t>Fourth level</a:t>
             </a:r>
           </a:p>
           <a:p>
             <a:pPr lvl="4"/>
             <a:r>
-              <a:rPr lang="en-US" smtClean="0"/>
+              <a:rPr lang="en-US" dirty="0" smtClean="0"/>
               <a:t>Fifth level</a:t>
             </a:r>
-            <a:endParaRPr lang="en-US"/>
+            <a:endParaRPr lang="en-US" dirty="0"/>
           </a:p>
         </p:txBody>
       </p:sp>
@@ -3859,15 +3868,17 @@
                     <a:tint val="75000"/>
                   </a:schemeClr>
                 </a:solidFill>
+                <a:latin typeface="Calibri"/>
               </a:defRPr>
             </a:lvl1pPr>
           </a:lstStyle>
           <a:p>
             <a:fld id="{6BFECD78-3C8E-49F2-8FAB-59489D168ABB}" type="datetimeFigureOut">
               <a:rPr lang="en-US" smtClean="0"/>
-              <a:t>06/05/14</a:t>
+              <a:pPr/>
+              <a:t>07/05/14</a:t>
             </a:fld>
-            <a:endParaRPr lang="en-US"/>
+            <a:endParaRPr lang="en-US" dirty="0"/>
           </a:p>
         </p:txBody>
       </p:sp>
@@ -3900,11 +3911,12 @@
                     <a:tint val="75000"/>
                   </a:schemeClr>
                 </a:solidFill>
+                <a:latin typeface="Calibri"/>
               </a:defRPr>
             </a:lvl1pPr>
           </a:lstStyle>
           <a:p>
-            <a:endParaRPr lang="en-US"/>
+            <a:endParaRPr lang="en-US" dirty="0"/>
           </a:p>
         </p:txBody>
       </p:sp>
@@ -3937,15 +3949,17 @@
                     <a:tint val="75000"/>
                   </a:schemeClr>
                 </a:solidFill>
+                <a:latin typeface="Calibri"/>
               </a:defRPr>
             </a:lvl1pPr>
           </a:lstStyle>
           <a:p>
             <a:fld id="{0FB56013-B943-42BA-886F-6F9D4EB85E9D}" type="slidenum">
               <a:rPr lang="en-US" smtClean="0"/>
+              <a:pPr/>
               <a:t>‹#›</a:t>
             </a:fld>
-            <a:endParaRPr lang="en-US"/>
+            <a:endParaRPr lang="en-US" dirty="0"/>
           </a:p>
         </p:txBody>
       </p:sp>
@@ -3981,7 +3995,7 @@
           <a:solidFill>
             <a:schemeClr val="tx1"/>
           </a:solidFill>
-          <a:latin typeface="+mj-lt"/>
+          <a:latin typeface="Calibri"/>
           <a:ea typeface="+mj-ea"/>
           <a:cs typeface="+mj-cs"/>
         </a:defRPr>
@@ -3998,7 +4012,7 @@
           <a:solidFill>
             <a:schemeClr val="tx1"/>
           </a:solidFill>
-          <a:latin typeface="+mn-lt"/>
+          <a:latin typeface="Calibri"/>
           <a:ea typeface="+mn-ea"/>
           <a:cs typeface="+mn-cs"/>
         </a:defRPr>
@@ -4013,7 +4027,7 @@
           <a:solidFill>
             <a:schemeClr val="tx1"/>
           </a:solidFill>
-          <a:latin typeface="+mn-lt"/>
+          <a:latin typeface="Calibri"/>
           <a:ea typeface="+mn-ea"/>
           <a:cs typeface="+mn-cs"/>
         </a:defRPr>
@@ -4028,7 +4042,7 @@
           <a:solidFill>
             <a:schemeClr val="tx1"/>
           </a:solidFill>
-          <a:latin typeface="+mn-lt"/>
+          <a:latin typeface="Calibri"/>
           <a:ea typeface="+mn-ea"/>
           <a:cs typeface="+mn-cs"/>
         </a:defRPr>
@@ -4043,7 +4057,7 @@
           <a:solidFill>
             <a:schemeClr val="tx1"/>
           </a:solidFill>
-          <a:latin typeface="+mn-lt"/>
+          <a:latin typeface="Calibri"/>
           <a:ea typeface="+mn-ea"/>
           <a:cs typeface="+mn-cs"/>
         </a:defRPr>
@@ -4058,7 +4072,7 @@
           <a:solidFill>
             <a:schemeClr val="tx1"/>
           </a:solidFill>
-          <a:latin typeface="+mn-lt"/>
+          <a:latin typeface="Calibri"/>
           <a:ea typeface="+mn-ea"/>
           <a:cs typeface="+mn-cs"/>
         </a:defRPr>
@@ -4381,7 +4395,7 @@
       </p:sp>
       <p:pic>
         <p:nvPicPr>
-          <p:cNvPr id="4" name="Picture 3" descr="stack-overflow.jpg"/>
+          <p:cNvPr id="6" name="Picture 5" descr="030_stack_overflow.jpg"/>
           <p:cNvPicPr>
             <a:picLocks noChangeAspect="1"/>
           </p:cNvPicPr>
@@ -4492,6 +4506,36 @@
           </a:p>
         </p:txBody>
       </p:sp>
+      <p:pic>
+        <p:nvPicPr>
+          <p:cNvPr id="4" name="Picture 3" descr="040_exploit.jpg"/>
+          <p:cNvPicPr>
+            <a:picLocks noChangeAspect="1"/>
+          </p:cNvPicPr>
+          <p:nvPr/>
+        </p:nvPicPr>
+        <p:blipFill>
+          <a:blip r:embed="rId2">
+            <a:extLst>
+              <a:ext uri="{28A0092B-C50C-407E-A947-70E740481C1C}">
+                <a14:useLocalDpi xmlns:a14="http://schemas.microsoft.com/office/drawing/2010/main" val="0"/>
+              </a:ext>
+            </a:extLst>
+          </a:blip>
+          <a:stretch>
+            <a:fillRect/>
+          </a:stretch>
+        </p:blipFill>
+        <p:spPr>
+          <a:xfrm>
+            <a:off x="0" y="0"/>
+            <a:ext cx="9114842" cy="6858000"/>
+          </a:xfrm>
+          <a:prstGeom prst="rect">
+            <a:avLst/>
+          </a:prstGeom>
+        </p:spPr>
+      </p:pic>
     </p:spTree>
     <p:extLst>
       <p:ext uri="{BB962C8B-B14F-4D97-AF65-F5344CB8AC3E}">
@@ -4689,7 +4733,7 @@
       </p:sp>
       <p:pic>
         <p:nvPicPr>
-          <p:cNvPr id="4" name="Picture 3" descr="SSP.jpg"/>
+          <p:cNvPr id="6" name="Picture 5" descr="050_SSP.jpg"/>
           <p:cNvPicPr>
             <a:picLocks noChangeAspect="1"/>
           </p:cNvPicPr>
@@ -4899,7 +4943,7 @@
       </p:sp>
       <p:pic>
         <p:nvPicPr>
-          <p:cNvPr id="4" name="Picture 3" descr="SSP_vs_noSSP.jpg"/>
+          <p:cNvPr id="5" name="Picture 4" descr="070_SSP_vs_noSSP.jpg"/>
           <p:cNvPicPr>
             <a:picLocks noChangeAspect="1"/>
           </p:cNvPicPr>
@@ -5212,7 +5256,7 @@
       </p:sp>
       <p:pic>
         <p:nvPicPr>
-          <p:cNvPr id="4" name="Picture 3" descr="aslr.jpg"/>
+          <p:cNvPr id="5" name="Picture 4" descr="100_ASLR.jpg"/>
           <p:cNvPicPr>
             <a:picLocks noChangeAspect="1"/>
           </p:cNvPicPr>
@@ -5232,7 +5276,7 @@
         </p:blipFill>
         <p:spPr>
           <a:xfrm>
-            <a:off x="395536" y="0"/>
+            <a:off x="394834" y="0"/>
             <a:ext cx="8749166" cy="6858000"/>
           </a:xfrm>
           <a:prstGeom prst="rect">
@@ -5378,7 +5422,9 @@
         </p:nvSpPr>
         <p:spPr/>
         <p:txBody>
-          <a:bodyPr/>
+          <a:bodyPr>
+            <a:normAutofit/>
+          </a:bodyPr>
           <a:lstStyle/>
           <a:p>
             <a:r>
@@ -5428,10 +5474,14 @@
           <a:lstStyle/>
           <a:p>
             <a:r>
-              <a:rPr lang="en-US" dirty="0" smtClean="0"/>
+              <a:rPr lang="en-US" dirty="0" smtClean="0">
+                <a:latin typeface="Calibri"/>
+              </a:rPr>
               <a:t>Who are we?</a:t>
             </a:r>
-            <a:endParaRPr lang="en-US" dirty="0"/>
+            <a:endParaRPr lang="en-US" dirty="0">
+              <a:latin typeface="Calibri"/>
+            </a:endParaRPr>
           </a:p>
         </p:txBody>
       </p:sp>
@@ -5444,7 +5494,7 @@
         <p:spPr>
           <a:xfrm>
             <a:off x="5795083" y="3259010"/>
-            <a:ext cx="2544837" cy="369332"/>
+            <a:ext cx="2492990" cy="369332"/>
           </a:xfrm>
           <a:prstGeom prst="rect">
             <a:avLst/>
@@ -5458,10 +5508,14 @@
           <a:lstStyle/>
           <a:p>
             <a:r>
-              <a:rPr lang="en-US" dirty="0" smtClean="0"/>
+              <a:rPr lang="en-US" dirty="0" smtClean="0">
+                <a:latin typeface="Calibri"/>
+              </a:rPr>
               <a:t>Why should you do this?</a:t>
             </a:r>
-            <a:endParaRPr lang="en-US" dirty="0"/>
+            <a:endParaRPr lang="en-US" dirty="0">
+              <a:latin typeface="Calibri"/>
+            </a:endParaRPr>
           </a:p>
         </p:txBody>
       </p:sp>
@@ -5488,10 +5542,14 @@
           <a:lstStyle/>
           <a:p>
             <a:r>
-              <a:rPr lang="en-US" dirty="0" smtClean="0"/>
+              <a:rPr lang="en-US" dirty="0" smtClean="0">
+                <a:latin typeface="Calibri"/>
+              </a:rPr>
               <a:t>David</a:t>
             </a:r>
-            <a:endParaRPr lang="en-US" dirty="0"/>
+            <a:endParaRPr lang="en-US" dirty="0">
+              <a:latin typeface="Calibri"/>
+            </a:endParaRPr>
           </a:p>
         </p:txBody>
       </p:sp>
@@ -5518,10 +5576,14 @@
           <a:lstStyle/>
           <a:p>
             <a:r>
-              <a:rPr lang="en-US" dirty="0" err="1" smtClean="0"/>
+              <a:rPr lang="en-US" dirty="0" err="1" smtClean="0">
+                <a:latin typeface="Calibri"/>
+              </a:rPr>
               <a:t>Petter</a:t>
             </a:r>
-            <a:endParaRPr lang="en-US" dirty="0"/>
+            <a:endParaRPr lang="en-US" dirty="0">
+              <a:latin typeface="Calibri"/>
+            </a:endParaRPr>
           </a:p>
         </p:txBody>
       </p:sp>
@@ -5717,49 +5779,40 @@
           <a:chExt cx="0" cy="0"/>
         </a:xfrm>
       </p:grpSpPr>
-      <p:sp>
-        <p:nvSpPr>
-          <p:cNvPr id="2" name="Title 1"/>
-          <p:cNvSpPr>
-            <a:spLocks noGrp="1"/>
-          </p:cNvSpPr>
-          <p:nvPr>
-            <p:ph type="title"/>
-          </p:nvPr>
-        </p:nvSpPr>
-        <p:spPr/>
-        <p:txBody>
-          <a:bodyPr/>
-          <a:lstStyle/>
-          <a:p>
-            <a:r>
-              <a:rPr lang="en-US" dirty="0" err="1" smtClean="0"/>
-              <a:t>Dep</a:t>
-            </a:r>
-            <a:r>
-              <a:rPr lang="en-US" dirty="0" smtClean="0"/>
-              <a:t> </a:t>
-            </a:r>
-            <a:r>
-              <a:rPr lang="en-US" dirty="0" smtClean="0"/>
-              <a:t>(</a:t>
-            </a:r>
-            <a:r>
-              <a:rPr lang="en-US" dirty="0" err="1" smtClean="0"/>
-              <a:t>pwa</a:t>
-            </a:r>
-            <a:r>
-              <a:rPr lang="en-US" dirty="0" smtClean="0"/>
-              <a:t>)</a:t>
-            </a:r>
-            <a:endParaRPr lang="en-US" dirty="0"/>
-          </a:p>
-        </p:txBody>
-      </p:sp>
+      <p:pic>
+        <p:nvPicPr>
+          <p:cNvPr id="2" name="Picture 1" descr="110_DEP.jpg"/>
+          <p:cNvPicPr>
+            <a:picLocks noChangeAspect="1"/>
+          </p:cNvPicPr>
+          <p:nvPr/>
+        </p:nvPicPr>
+        <p:blipFill>
+          <a:blip r:embed="rId2">
+            <a:extLst>
+              <a:ext uri="{28A0092B-C50C-407E-A947-70E740481C1C}">
+                <a14:useLocalDpi xmlns:a14="http://schemas.microsoft.com/office/drawing/2010/main" val="0"/>
+              </a:ext>
+            </a:extLst>
+          </a:blip>
+          <a:stretch>
+            <a:fillRect/>
+          </a:stretch>
+        </p:blipFill>
+        <p:spPr>
+          <a:xfrm>
+            <a:off x="0" y="0"/>
+            <a:ext cx="9114842" cy="6858000"/>
+          </a:xfrm>
+          <a:prstGeom prst="rect">
+            <a:avLst/>
+          </a:prstGeom>
+        </p:spPr>
+      </p:pic>
     </p:spTree>
     <p:extLst>
       <p:ext uri="{BB962C8B-B14F-4D97-AF65-F5344CB8AC3E}">
-        <p14:creationId xmlns:p14="http://schemas.microsoft.com/office/powerpoint/2010/main" val="3445304644"/>
+        <p14:creationId xmlns:p14="http://schemas.microsoft.com/office/powerpoint/2010/main" val="784409348"/>
       </p:ext>
     </p:extLst>
   </p:cSld>
@@ -5793,114 +5846,47 @@
           <a:chExt cx="0" cy="0"/>
         </a:xfrm>
       </p:grpSpPr>
+      <p:sp>
+        <p:nvSpPr>
+          <p:cNvPr id="2" name="Title 1"/>
+          <p:cNvSpPr>
+            <a:spLocks noGrp="1"/>
+          </p:cNvSpPr>
+          <p:nvPr>
+            <p:ph type="title"/>
+          </p:nvPr>
+        </p:nvSpPr>
+        <p:spPr/>
+        <p:txBody>
+          <a:bodyPr/>
+          <a:lstStyle/>
+          <a:p>
+            <a:endParaRPr lang="en-US"/>
+          </a:p>
+        </p:txBody>
+      </p:sp>
+      <p:sp>
+        <p:nvSpPr>
+          <p:cNvPr id="3" name="Content Placeholder 2"/>
+          <p:cNvSpPr>
+            <a:spLocks noGrp="1"/>
+          </p:cNvSpPr>
+          <p:nvPr>
+            <p:ph idx="1"/>
+          </p:nvPr>
+        </p:nvSpPr>
+        <p:spPr/>
+        <p:txBody>
+          <a:bodyPr/>
+          <a:lstStyle/>
+          <a:p>
+            <a:endParaRPr lang="en-US"/>
+          </a:p>
+        </p:txBody>
+      </p:sp>
       <p:pic>
         <p:nvPicPr>
-          <p:cNvPr id="4" name="Picture 3" descr="johnny-depp1.jpg"/>
-          <p:cNvPicPr>
-            <a:picLocks noChangeAspect="1"/>
-          </p:cNvPicPr>
-          <p:nvPr/>
-        </p:nvPicPr>
-        <p:blipFill>
-          <a:blip r:embed="rId2" cstate="print">
-            <a:extLst>
-              <a:ext uri="{28A0092B-C50C-407E-A947-70E740481C1C}">
-                <a14:useLocalDpi xmlns:a14="http://schemas.microsoft.com/office/drawing/2010/main" val="0"/>
-              </a:ext>
-            </a:extLst>
-          </a:blip>
-          <a:stretch>
-            <a:fillRect/>
-          </a:stretch>
-        </p:blipFill>
-        <p:spPr>
-          <a:xfrm>
-            <a:off x="1115616" y="0"/>
-            <a:ext cx="6885542" cy="6858000"/>
-          </a:xfrm>
-          <a:prstGeom prst="rect">
-            <a:avLst/>
-          </a:prstGeom>
-        </p:spPr>
-      </p:pic>
-    </p:spTree>
-    <p:extLst>
-      <p:ext uri="{BB962C8B-B14F-4D97-AF65-F5344CB8AC3E}">
-        <p14:creationId xmlns:p14="http://schemas.microsoft.com/office/powerpoint/2010/main" val="784409348"/>
-      </p:ext>
-    </p:extLst>
-  </p:cSld>
-  <p:clrMapOvr>
-    <a:masterClrMapping/>
-  </p:clrMapOvr>
-  <p:timing>
-    <p:tnLst>
-      <p:par>
-        <p:cTn xmlns:p14="http://schemas.microsoft.com/office/powerpoint/2010/main" id="1" dur="indefinite" restart="never" nodeType="tmRoot"/>
-      </p:par>
-    </p:tnLst>
-  </p:timing>
-</p:sld>
-</file>
-
-<file path=ppt/slides/slide22.xml><?xml version="1.0" encoding="utf-8"?>
-<p:sld xmlns:a="http://schemas.openxmlformats.org/drawingml/2006/main" xmlns:r="http://schemas.openxmlformats.org/officeDocument/2006/relationships" xmlns:p="http://schemas.openxmlformats.org/presentationml/2006/main">
-  <p:cSld>
-    <p:spTree>
-      <p:nvGrpSpPr>
-        <p:cNvPr id="1" name=""/>
-        <p:cNvGrpSpPr/>
-        <p:nvPr/>
-      </p:nvGrpSpPr>
-      <p:grpSpPr>
-        <a:xfrm>
-          <a:off x="0" y="0"/>
-          <a:ext cx="0" cy="0"/>
-          <a:chOff x="0" y="0"/>
-          <a:chExt cx="0" cy="0"/>
-        </a:xfrm>
-      </p:grpSpPr>
-      <p:sp>
-        <p:nvSpPr>
-          <p:cNvPr id="2" name="Title 1"/>
-          <p:cNvSpPr>
-            <a:spLocks noGrp="1"/>
-          </p:cNvSpPr>
-          <p:nvPr>
-            <p:ph type="title"/>
-          </p:nvPr>
-        </p:nvSpPr>
-        <p:spPr/>
-        <p:txBody>
-          <a:bodyPr/>
-          <a:lstStyle/>
-          <a:p>
-            <a:endParaRPr lang="en-US"/>
-          </a:p>
-        </p:txBody>
-      </p:sp>
-      <p:sp>
-        <p:nvSpPr>
-          <p:cNvPr id="3" name="Content Placeholder 2"/>
-          <p:cNvSpPr>
-            <a:spLocks noGrp="1"/>
-          </p:cNvSpPr>
-          <p:nvPr>
-            <p:ph idx="1"/>
-          </p:nvPr>
-        </p:nvSpPr>
-        <p:spPr/>
-        <p:txBody>
-          <a:bodyPr/>
-          <a:lstStyle/>
-          <a:p>
-            <a:endParaRPr lang="en-US"/>
-          </a:p>
-        </p:txBody>
-      </p:sp>
-      <p:pic>
-        <p:nvPicPr>
-          <p:cNvPr id="4" name="Picture 3" descr="proc_maps.jpg"/>
+          <p:cNvPr id="5" name="Picture 4" descr="120_proc_maps.jpg"/>
           <p:cNvPicPr>
             <a:picLocks noChangeAspect="1"/>
           </p:cNvPicPr>
@@ -5948,6 +5934,108 @@
 </p:sld>
 </file>
 
+<file path=ppt/slides/slide22.xml><?xml version="1.0" encoding="utf-8"?>
+<p:sld xmlns:a="http://schemas.openxmlformats.org/drawingml/2006/main" xmlns:r="http://schemas.openxmlformats.org/officeDocument/2006/relationships" xmlns:p="http://schemas.openxmlformats.org/presentationml/2006/main">
+  <p:cSld>
+    <p:spTree>
+      <p:nvGrpSpPr>
+        <p:cNvPr id="1" name=""/>
+        <p:cNvGrpSpPr/>
+        <p:nvPr/>
+      </p:nvGrpSpPr>
+      <p:grpSpPr>
+        <a:xfrm>
+          <a:off x="0" y="0"/>
+          <a:ext cx="0" cy="0"/>
+          <a:chOff x="0" y="0"/>
+          <a:chExt cx="0" cy="0"/>
+        </a:xfrm>
+      </p:grpSpPr>
+      <p:sp>
+        <p:nvSpPr>
+          <p:cNvPr id="2" name="Title 1"/>
+          <p:cNvSpPr>
+            <a:spLocks noGrp="1"/>
+          </p:cNvSpPr>
+          <p:nvPr>
+            <p:ph type="title"/>
+          </p:nvPr>
+        </p:nvSpPr>
+        <p:spPr/>
+        <p:txBody>
+          <a:bodyPr/>
+          <a:lstStyle/>
+          <a:p>
+            <a:r>
+              <a:rPr lang="en-US" dirty="0" smtClean="0"/>
+              <a:t>ROP SSP Slide</a:t>
+            </a:r>
+            <a:endParaRPr lang="en-US" dirty="0"/>
+          </a:p>
+        </p:txBody>
+      </p:sp>
+      <p:sp>
+        <p:nvSpPr>
+          <p:cNvPr id="3" name="Content Placeholder 2"/>
+          <p:cNvSpPr>
+            <a:spLocks noGrp="1"/>
+          </p:cNvSpPr>
+          <p:nvPr>
+            <p:ph idx="1"/>
+          </p:nvPr>
+        </p:nvSpPr>
+        <p:spPr/>
+        <p:txBody>
+          <a:bodyPr/>
+          <a:lstStyle/>
+          <a:p>
+            <a:endParaRPr lang="en-US"/>
+          </a:p>
+        </p:txBody>
+      </p:sp>
+      <p:pic>
+        <p:nvPicPr>
+          <p:cNvPr id="5" name="Picture 4" descr="130_ROP.jpg"/>
+          <p:cNvPicPr>
+            <a:picLocks noChangeAspect="1"/>
+          </p:cNvPicPr>
+          <p:nvPr/>
+        </p:nvPicPr>
+        <p:blipFill>
+          <a:blip r:embed="rId2">
+            <a:extLst>
+              <a:ext uri="{28A0092B-C50C-407E-A947-70E740481C1C}">
+                <a14:useLocalDpi xmlns:a14="http://schemas.microsoft.com/office/drawing/2010/main" val="0"/>
+              </a:ext>
+            </a:extLst>
+          </a:blip>
+          <a:stretch>
+            <a:fillRect/>
+          </a:stretch>
+        </p:blipFill>
+        <p:spPr>
+          <a:xfrm>
+            <a:off x="0" y="0"/>
+            <a:ext cx="9114842" cy="6858000"/>
+          </a:xfrm>
+          <a:prstGeom prst="rect">
+            <a:avLst/>
+          </a:prstGeom>
+        </p:spPr>
+      </p:pic>
+    </p:spTree>
+    <p:extLst>
+      <p:ext uri="{BB962C8B-B14F-4D97-AF65-F5344CB8AC3E}">
+        <p14:creationId xmlns:p14="http://schemas.microsoft.com/office/powerpoint/2010/main" val="310437979"/>
+      </p:ext>
+    </p:extLst>
+  </p:cSld>
+  <p:clrMapOvr>
+    <a:masterClrMapping/>
+  </p:clrMapOvr>
+</p:sld>
+</file>
+
 <file path=ppt/slides/slide23.xml><?xml version="1.0" encoding="utf-8"?>
 <p:sld xmlns:a="http://schemas.openxmlformats.org/drawingml/2006/main" xmlns:r="http://schemas.openxmlformats.org/officeDocument/2006/relationships" xmlns:p="http://schemas.openxmlformats.org/presentationml/2006/main">
   <p:cSld>
@@ -5977,12 +6065,34 @@
         </p:nvSpPr>
         <p:spPr/>
         <p:txBody>
-          <a:bodyPr/>
-          <a:lstStyle/>
-          <a:p>
-            <a:r>
-              <a:rPr lang="en-US" dirty="0" smtClean="0"/>
-              <a:t>ROP SSP Slide</a:t>
+          <a:bodyPr>
+            <a:normAutofit/>
+          </a:bodyPr>
+          <a:lstStyle/>
+          <a:p>
+            <a:r>
+              <a:rPr lang="en-US" dirty="0"/>
+              <a:t>Return-to-</a:t>
+            </a:r>
+            <a:r>
+              <a:rPr lang="en-US" dirty="0" err="1"/>
+              <a:t>libc</a:t>
+            </a:r>
+            <a:r>
+              <a:rPr lang="en-US" dirty="0"/>
+              <a:t> </a:t>
+            </a:r>
+            <a:r>
+              <a:rPr lang="en-US" dirty="0" smtClean="0"/>
+              <a:t>attack (</a:t>
+            </a:r>
+            <a:r>
+              <a:rPr lang="en-US" dirty="0" err="1" smtClean="0"/>
+              <a:t>dbu</a:t>
+            </a:r>
+            <a:r>
+              <a:rPr lang="en-US" dirty="0" smtClean="0"/>
+              <a:t>)</a:t>
             </a:r>
             <a:endParaRPr lang="en-US" dirty="0"/>
           </a:p>
@@ -6000,23 +6110,92 @@
         </p:nvSpPr>
         <p:spPr/>
         <p:txBody>
-          <a:bodyPr/>
-          <a:lstStyle/>
-          <a:p>
-            <a:endParaRPr lang="en-US"/>
+          <a:bodyPr>
+            <a:normAutofit/>
+          </a:bodyPr>
+          <a:lstStyle/>
+          <a:p>
+            <a:pPr lvl="1"/>
+            <a:r>
+              <a:rPr lang="en-US" dirty="0" smtClean="0"/>
+              <a:t>Overwrite the return address like in the </a:t>
+            </a:r>
+            <a:r>
+              <a:rPr lang="en-US" dirty="0"/>
+              <a:t>traditional attack and </a:t>
+            </a:r>
+            <a:r>
+              <a:rPr lang="en-US" dirty="0" smtClean="0"/>
+              <a:t>point </a:t>
+            </a:r>
+            <a:r>
+              <a:rPr lang="en-US" dirty="0"/>
+              <a:t>it to a function in </a:t>
+            </a:r>
+            <a:r>
+              <a:rPr lang="en-US" dirty="0" err="1" smtClean="0"/>
+              <a:t>libc</a:t>
+            </a:r>
+            <a:endParaRPr lang="en-US" dirty="0" smtClean="0"/>
+          </a:p>
+          <a:p>
+            <a:pPr lvl="1"/>
+            <a:r>
+              <a:rPr lang="en-US" dirty="0" smtClean="0"/>
+              <a:t>When </a:t>
+            </a:r>
+            <a:r>
+              <a:rPr lang="en-US" dirty="0" smtClean="0">
+                <a:latin typeface="Courier New"/>
+              </a:rPr>
+              <a:t>ret</a:t>
+            </a:r>
+            <a:r>
+              <a:rPr lang="en-US" dirty="0" smtClean="0"/>
+              <a:t> is performed the attacker controls the address (e.g. the system() function call)</a:t>
+            </a:r>
+          </a:p>
+          <a:p>
+            <a:pPr lvl="1"/>
+            <a:r>
+              <a:rPr lang="en-US" dirty="0" smtClean="0"/>
+              <a:t>She can write her own stack frame data beyond the ret address: (e.g. pointer to “/bin/</a:t>
+            </a:r>
+            <a:r>
+              <a:rPr lang="en-US" dirty="0" err="1" smtClean="0"/>
+              <a:t>sh</a:t>
+            </a:r>
+            <a:r>
+              <a:rPr lang="en-US" dirty="0" smtClean="0"/>
+              <a:t>”)</a:t>
+            </a:r>
+          </a:p>
+          <a:p>
+            <a:pPr lvl="1"/>
+            <a:r>
+              <a:rPr lang="en-US" dirty="0" smtClean="0"/>
+              <a:t>Limited to one function call (which might not be enough in all cases)</a:t>
+            </a:r>
           </a:p>
         </p:txBody>
       </p:sp>
     </p:spTree>
     <p:extLst>
       <p:ext uri="{BB962C8B-B14F-4D97-AF65-F5344CB8AC3E}">
-        <p14:creationId xmlns:p14="http://schemas.microsoft.com/office/powerpoint/2010/main" val="310437979"/>
+        <p14:creationId xmlns:p14="http://schemas.microsoft.com/office/powerpoint/2010/main" val="3393532301"/>
       </p:ext>
     </p:extLst>
   </p:cSld>
   <p:clrMapOvr>
     <a:masterClrMapping/>
   </p:clrMapOvr>
+  <p:timing>
+    <p:tnLst>
+      <p:par>
+        <p:cTn xmlns:p14="http://schemas.microsoft.com/office/powerpoint/2010/main" id="1" dur="indefinite" restart="never" nodeType="tmRoot"/>
+      </p:par>
+    </p:tnLst>
+  </p:timing>
 </p:sld>
 </file>
 
@@ -6049,24 +6228,14 @@
         </p:nvSpPr>
         <p:spPr/>
         <p:txBody>
-          <a:bodyPr/>
-          <a:lstStyle/>
-          <a:p>
-            <a:r>
-              <a:rPr lang="en-US" dirty="0"/>
-              <a:t>Return-to-</a:t>
-            </a:r>
-            <a:r>
-              <a:rPr lang="en-US" dirty="0" err="1"/>
-              <a:t>libc</a:t>
-            </a:r>
-            <a:r>
-              <a:rPr lang="en-US" dirty="0"/>
-              <a:t> </a:t>
-            </a:r>
-            <a:r>
-              <a:rPr lang="en-US" dirty="0" smtClean="0"/>
-              <a:t>attack (</a:t>
+          <a:bodyPr>
+            <a:normAutofit fontScale="90000"/>
+          </a:bodyPr>
+          <a:lstStyle/>
+          <a:p>
+            <a:r>
+              <a:rPr lang="en-US" dirty="0" smtClean="0"/>
+              <a:t>Return Oriented Programming (</a:t>
             </a:r>
             <a:r>
               <a:rPr lang="en-US" dirty="0" err="1" smtClean="0"/>
@@ -6092,31 +6261,13 @@
         </p:nvSpPr>
         <p:spPr/>
         <p:txBody>
-          <a:bodyPr>
-            <a:normAutofit/>
-          </a:bodyPr>
+          <a:bodyPr/>
           <a:lstStyle/>
           <a:p>
             <a:pPr lvl="1"/>
             <a:r>
               <a:rPr lang="en-US" dirty="0" smtClean="0"/>
-              <a:t>Overwrite </a:t>
-            </a:r>
-            <a:r>
-              <a:rPr lang="en-US" dirty="0" smtClean="0"/>
-              <a:t>the return address like in the </a:t>
-            </a:r>
-            <a:r>
-              <a:rPr lang="en-US" dirty="0"/>
-              <a:t>traditional attack and </a:t>
-            </a:r>
-            <a:r>
-              <a:rPr lang="en-US" dirty="0" smtClean="0"/>
-              <a:t>point </a:t>
-            </a:r>
-            <a:r>
-              <a:rPr lang="en-US" dirty="0"/>
-              <a:t>it to a function in </a:t>
+              <a:t>Extension of return-to-</a:t>
             </a:r>
             <a:r>
               <a:rPr lang="en-US" dirty="0" err="1" smtClean="0"/>
@@ -6127,8 +6278,19 @@
           <a:p>
             <a:pPr lvl="1"/>
             <a:r>
-              <a:rPr lang="en-US" dirty="0" smtClean="0"/>
-              <a:t>When </a:t>
+              <a:rPr lang="en-US" dirty="0"/>
+              <a:t>C</a:t>
+            </a:r>
+            <a:r>
+              <a:rPr lang="en-US" dirty="0" smtClean="0"/>
+              <a:t>reate multiple stack frames after each other</a:t>
+            </a:r>
+          </a:p>
+          <a:p>
+            <a:pPr lvl="1"/>
+            <a:r>
+              <a:rPr lang="en-US" dirty="0" smtClean="0"/>
+              <a:t>Chain together addresses with instructions ending in </a:t>
             </a:r>
             <a:r>
               <a:rPr lang="en-US" dirty="0" smtClean="0">
@@ -6138,29 +6300,18 @@
             </a:r>
             <a:r>
               <a:rPr lang="en-US" dirty="0" smtClean="0"/>
-              <a:t> is performed the attacker controls the address (e.g. the system() function call)</a:t>
+              <a:t> (known as gadgets)</a:t>
             </a:r>
           </a:p>
           <a:p>
             <a:pPr lvl="1"/>
             <a:r>
-              <a:rPr lang="en-US" dirty="0" smtClean="0"/>
-              <a:t>She can write her own stack frame data beyond the ret address: (e.g. pointer to “/bin/</a:t>
-            </a:r>
-            <a:r>
-              <a:rPr lang="en-US" dirty="0" err="1" smtClean="0"/>
-              <a:t>sh</a:t>
-            </a:r>
-            <a:r>
-              <a:rPr lang="en-US" dirty="0" smtClean="0"/>
-              <a:t>”)</a:t>
-            </a:r>
-          </a:p>
-          <a:p>
-            <a:pPr lvl="1"/>
-            <a:r>
-              <a:rPr lang="en-US" dirty="0" smtClean="0"/>
-              <a:t>Limited to one function call (which might not be enough in all cases)</a:t>
+              <a:rPr lang="en-US" dirty="0"/>
+              <a:t> </a:t>
+            </a:r>
+            <a:r>
+              <a:rPr lang="en-US" dirty="0" smtClean="0"/>
+              <a:t>The hard part is finding suitable gadgets and where they are mapped in the address space</a:t>
             </a:r>
           </a:p>
         </p:txBody>
@@ -6168,7 +6319,7 @@
     </p:spTree>
     <p:extLst>
       <p:ext uri="{BB962C8B-B14F-4D97-AF65-F5344CB8AC3E}">
-        <p14:creationId xmlns:p14="http://schemas.microsoft.com/office/powerpoint/2010/main" val="3393532301"/>
+        <p14:creationId xmlns:p14="http://schemas.microsoft.com/office/powerpoint/2010/main" val="15523703"/>
       </p:ext>
     </p:extLst>
   </p:cSld>
@@ -6214,98 +6365,118 @@
         </p:nvSpPr>
         <p:spPr/>
         <p:txBody>
+          <a:bodyPr/>
+          <a:lstStyle/>
+          <a:p>
+            <a:r>
+              <a:rPr lang="en-US" dirty="0" smtClean="0"/>
+              <a:t>ROP challenges	</a:t>
+            </a:r>
+            <a:endParaRPr lang="en-US" dirty="0"/>
+          </a:p>
+        </p:txBody>
+      </p:sp>
+      <p:sp>
+        <p:nvSpPr>
+          <p:cNvPr id="3" name="Content Placeholder 2"/>
+          <p:cNvSpPr>
+            <a:spLocks noGrp="1"/>
+          </p:cNvSpPr>
+          <p:nvPr>
+            <p:ph idx="1"/>
+          </p:nvPr>
+        </p:nvSpPr>
+        <p:spPr/>
+        <p:txBody>
           <a:bodyPr>
-            <a:normAutofit fontScale="90000"/>
+            <a:normAutofit lnSpcReduction="10000"/>
           </a:bodyPr>
           <a:lstStyle/>
           <a:p>
             <a:r>
               <a:rPr lang="en-US" dirty="0" smtClean="0"/>
-              <a:t>Return Oriented Programming (</a:t>
+              <a:t>If exploiting </a:t>
             </a:r>
             <a:r>
               <a:rPr lang="en-US" dirty="0" err="1" smtClean="0"/>
-              <a:t>dbu</a:t>
-            </a:r>
-            <a:r>
-              <a:rPr lang="en-US" dirty="0" smtClean="0"/>
-              <a:t>)</a:t>
-            </a:r>
-            <a:endParaRPr lang="en-US" dirty="0"/>
-          </a:p>
-        </p:txBody>
-      </p:sp>
-      <p:sp>
-        <p:nvSpPr>
-          <p:cNvPr id="3" name="Content Placeholder 2"/>
-          <p:cNvSpPr>
-            <a:spLocks noGrp="1"/>
-          </p:cNvSpPr>
-          <p:nvPr>
-            <p:ph idx="1"/>
-          </p:nvPr>
-        </p:nvSpPr>
-        <p:spPr/>
-        <p:txBody>
-          <a:bodyPr/>
-          <a:lstStyle/>
+              <a:t>strcpy</a:t>
+            </a:r>
+            <a:r>
+              <a:rPr lang="en-US" dirty="0" smtClean="0"/>
+              <a:t> no NUL bytes may be present in the payload</a:t>
+            </a:r>
+          </a:p>
           <a:p>
             <a:pPr lvl="1"/>
             <a:r>
               <a:rPr lang="en-US" dirty="0" smtClean="0"/>
-              <a:t>Extension of return-to-</a:t>
-            </a:r>
-            <a:r>
-              <a:rPr lang="en-US" dirty="0" err="1" smtClean="0"/>
-              <a:t>libc</a:t>
-            </a:r>
-            <a:endParaRPr lang="en-US" dirty="0" smtClean="0"/>
-          </a:p>
-          <a:p>
-            <a:pPr lvl="1"/>
-            <a:r>
-              <a:rPr lang="en-US" dirty="0"/>
-              <a:t>C</a:t>
-            </a:r>
-            <a:r>
-              <a:rPr lang="en-US" dirty="0" smtClean="0"/>
-              <a:t>reate multiple stack frames after each other</a:t>
-            </a:r>
-          </a:p>
-          <a:p>
-            <a:pPr lvl="1"/>
-            <a:r>
-              <a:rPr lang="en-US" dirty="0" smtClean="0"/>
-              <a:t>Chain together addresses with instructions ending in </a:t>
+              <a:t>Use </a:t>
             </a:r>
             <a:r>
               <a:rPr lang="en-US" dirty="0" smtClean="0">
                 <a:latin typeface="Courier New"/>
               </a:rPr>
-              <a:t>ret</a:t>
-            </a:r>
-            <a:r>
-              <a:rPr lang="en-US" dirty="0" smtClean="0"/>
-              <a:t> (known as gadgets)</a:t>
+              <a:t>xor</a:t>
+            </a:r>
+            <a:r>
+              <a:rPr lang="en-US" dirty="0" smtClean="0"/>
+              <a:t> / </a:t>
+            </a:r>
+            <a:r>
+              <a:rPr lang="en-US" dirty="0" smtClean="0">
+                <a:latin typeface="Courier New"/>
+              </a:rPr>
+              <a:t>incr</a:t>
+            </a:r>
+            <a:r>
+              <a:rPr lang="en-US" dirty="0" smtClean="0"/>
+              <a:t> / </a:t>
+            </a:r>
+            <a:r>
+              <a:rPr lang="en-US" dirty="0" smtClean="0">
+                <a:latin typeface="Courier New"/>
+              </a:rPr>
+              <a:t>decr</a:t>
+            </a:r>
+            <a:r>
+              <a:rPr lang="en-US" dirty="0" smtClean="0"/>
+              <a:t> in a gadget to create 0x00 bytes</a:t>
+            </a:r>
+          </a:p>
+          <a:p>
+            <a:r>
+              <a:rPr lang="en-US" dirty="0" smtClean="0"/>
+              <a:t>Finding usable gadgets can be hard work</a:t>
             </a:r>
           </a:p>
           <a:p>
             <a:pPr lvl="1"/>
             <a:r>
-              <a:rPr lang="en-US" dirty="0"/>
-              <a:t> </a:t>
-            </a:r>
-            <a:r>
-              <a:rPr lang="en-US" dirty="0" smtClean="0"/>
-              <a:t>The hard part is finding suitable gadgets and where they are mapped in the address space</a:t>
-            </a:r>
+              <a:rPr lang="en-US" dirty="0" smtClean="0"/>
+              <a:t>Use a tool where you can filter on useful gadgets</a:t>
+            </a:r>
+          </a:p>
+          <a:p>
+            <a:pPr lvl="1"/>
+            <a:r>
+              <a:rPr lang="en-US" dirty="0" smtClean="0"/>
+              <a:t>There exists tools to generate a complete ROP payload based on the flora of available gadgets</a:t>
+            </a:r>
+          </a:p>
+          <a:p>
+            <a:pPr lvl="1"/>
+            <a:r>
+              <a:rPr lang="en-US" dirty="0" smtClean="0"/>
+              <a:t>An attacker can abuse non-aligned instructions</a:t>
+            </a:r>
+            <a:endParaRPr lang="en-US" dirty="0"/>
           </a:p>
         </p:txBody>
       </p:sp>
     </p:spTree>
     <p:extLst>
       <p:ext uri="{BB962C8B-B14F-4D97-AF65-F5344CB8AC3E}">
-        <p14:creationId xmlns:p14="http://schemas.microsoft.com/office/powerpoint/2010/main" val="15523703"/>
+        <p14:creationId xmlns:p14="http://schemas.microsoft.com/office/powerpoint/2010/main" val="1700955891"/>
       </p:ext>
     </p:extLst>
   </p:cSld>
@@ -6351,12 +6522,22 @@
         </p:nvSpPr>
         <p:spPr/>
         <p:txBody>
-          <a:bodyPr/>
-          <a:lstStyle/>
-          <a:p>
-            <a:r>
-              <a:rPr lang="en-US" dirty="0" smtClean="0"/>
-              <a:t>ROP challenges	</a:t>
+          <a:bodyPr>
+            <a:normAutofit/>
+          </a:bodyPr>
+          <a:lstStyle/>
+          <a:p>
+            <a:r>
+              <a:rPr lang="en-US" dirty="0" smtClean="0"/>
+              <a:t>Tools for writing ROP chains	 (</a:t>
+            </a:r>
+            <a:r>
+              <a:rPr lang="en-US" dirty="0" err="1" smtClean="0"/>
+              <a:t>dbu</a:t>
+            </a:r>
+            <a:r>
+              <a:rPr lang="en-US" dirty="0" smtClean="0"/>
+              <a:t>)</a:t>
             </a:r>
             <a:endParaRPr lang="en-US" dirty="0"/>
           </a:p>
@@ -6374,93 +6555,70 @@
         </p:nvSpPr>
         <p:spPr/>
         <p:txBody>
-          <a:bodyPr>
-            <a:normAutofit lnSpcReduction="10000"/>
-          </a:bodyPr>
-          <a:lstStyle/>
-          <a:p>
-            <a:r>
-              <a:rPr lang="en-US" dirty="0" smtClean="0"/>
-              <a:t>If exploiting </a:t>
-            </a:r>
+          <a:bodyPr/>
+          <a:lstStyle/>
+          <a:p>
             <a:r>
               <a:rPr lang="en-US" dirty="0" err="1" smtClean="0"/>
-              <a:t>strcpy</a:t>
-            </a:r>
-            <a:r>
-              <a:rPr lang="en-US" dirty="0" smtClean="0"/>
-              <a:t> no NUL bytes may be present in the payload</a:t>
-            </a:r>
-          </a:p>
-          <a:p>
-            <a:pPr lvl="1"/>
-            <a:r>
-              <a:rPr lang="en-US" dirty="0" smtClean="0"/>
-              <a:t>Use </a:t>
-            </a:r>
-            <a:r>
-              <a:rPr lang="en-US" dirty="0" smtClean="0">
-                <a:latin typeface="Courier New"/>
-              </a:rPr>
-              <a:t>xor / </a:t>
-            </a:r>
-            <a:r>
-              <a:rPr lang="en-US" dirty="0" err="1" smtClean="0">
-                <a:latin typeface="Courier New"/>
-              </a:rPr>
-              <a:t>incr</a:t>
-            </a:r>
-            <a:r>
-              <a:rPr lang="en-US" dirty="0" smtClean="0">
-                <a:latin typeface="Courier New"/>
-              </a:rPr>
-              <a:t> / </a:t>
-            </a:r>
-            <a:r>
-              <a:rPr lang="en-US" dirty="0" err="1" smtClean="0">
-                <a:latin typeface="Courier New"/>
-              </a:rPr>
-              <a:t>decr</a:t>
-            </a:r>
-            <a:r>
-              <a:rPr lang="en-US" dirty="0" smtClean="0"/>
-              <a:t> in a gadget to create 0x00 bytes</a:t>
-            </a:r>
-          </a:p>
-          <a:p>
-            <a:r>
-              <a:rPr lang="en-US" dirty="0" smtClean="0"/>
-              <a:t>Finding usable gadgets can be hard work</a:t>
-            </a:r>
-          </a:p>
-          <a:p>
-            <a:pPr lvl="1"/>
-            <a:r>
-              <a:rPr lang="en-US" dirty="0" smtClean="0"/>
-              <a:t>Use a tool where you can filter on useful gadgets</a:t>
-            </a:r>
-          </a:p>
-          <a:p>
-            <a:pPr lvl="1"/>
-            <a:r>
-              <a:rPr lang="en-US" dirty="0" smtClean="0"/>
-              <a:t>There exists tools to generate a complete ROP payload based on the flora of available gadgets</a:t>
-            </a:r>
-          </a:p>
-          <a:p>
-            <a:pPr lvl="1"/>
-            <a:r>
-              <a:rPr lang="en-US" dirty="0" smtClean="0"/>
-              <a:t>An attacker can abuse non-aligned instructions</a:t>
-            </a:r>
-            <a:endParaRPr lang="en-US" dirty="0"/>
+              <a:t>metasploit</a:t>
+            </a:r>
+            <a:r>
+              <a:rPr lang="en-US" dirty="0" smtClean="0"/>
+              <a:t>/</a:t>
+            </a:r>
+            <a:r>
+              <a:rPr lang="en-US" dirty="0" err="1" smtClean="0"/>
+              <a:t>msfrop</a:t>
+            </a:r>
+            <a:r>
+              <a:rPr lang="en-US" dirty="0" smtClean="0"/>
+              <a:t> – a gadget finder</a:t>
+            </a:r>
+          </a:p>
+          <a:p>
+            <a:r>
+              <a:rPr lang="en-US" dirty="0" err="1" smtClean="0"/>
+              <a:t>gogo</a:t>
+            </a:r>
+            <a:r>
+              <a:rPr lang="en-US" dirty="0" smtClean="0"/>
+              <a:t> – </a:t>
+            </a:r>
+            <a:r>
+              <a:rPr lang="en-US" dirty="0" err="1" smtClean="0"/>
+              <a:t>pwahlman’s</a:t>
+            </a:r>
+            <a:r>
+              <a:rPr lang="en-US" dirty="0" smtClean="0"/>
+              <a:t> gadget finder</a:t>
+            </a:r>
+          </a:p>
+          <a:p>
+            <a:r>
+              <a:rPr lang="en-US" dirty="0" err="1"/>
+              <a:t>ropc</a:t>
+            </a:r>
+            <a:r>
+              <a:rPr lang="en-US" dirty="0"/>
+              <a:t> – a </a:t>
+            </a:r>
+            <a:r>
+              <a:rPr lang="en-US" dirty="0" smtClean="0"/>
+              <a:t>ROP payload compiler</a:t>
+            </a:r>
+          </a:p>
+          <a:p>
+            <a:r>
+              <a:rPr lang="en-US" dirty="0" smtClean="0"/>
+              <a:t>A plethora of other tools</a:t>
+            </a:r>
           </a:p>
         </p:txBody>
       </p:sp>
     </p:spTree>
     <p:extLst>
       <p:ext uri="{BB962C8B-B14F-4D97-AF65-F5344CB8AC3E}">
-        <p14:creationId xmlns:p14="http://schemas.microsoft.com/office/powerpoint/2010/main" val="1700955891"/>
+        <p14:creationId xmlns:p14="http://schemas.microsoft.com/office/powerpoint/2010/main" val="82216525"/>
       </p:ext>
     </p:extLst>
   </p:cSld>
@@ -6506,103 +6664,67 @@
         </p:nvSpPr>
         <p:spPr/>
         <p:txBody>
-          <a:bodyPr>
-            <a:normAutofit/>
+          <a:bodyPr/>
+          <a:lstStyle/>
+          <a:p>
+            <a:r>
+              <a:rPr lang="en-US" dirty="0" err="1" smtClean="0"/>
+              <a:t>Gogo</a:t>
+            </a:r>
+            <a:r>
+              <a:rPr lang="en-US" dirty="0" smtClean="0"/>
+              <a:t> (</a:t>
+            </a:r>
+            <a:r>
+              <a:rPr lang="en-US" dirty="0" err="1" smtClean="0"/>
+              <a:t>pwa</a:t>
+            </a:r>
+            <a:r>
+              <a:rPr lang="en-US" dirty="0" smtClean="0"/>
+              <a:t>)</a:t>
+            </a:r>
+            <a:endParaRPr lang="en-US" dirty="0"/>
+          </a:p>
+        </p:txBody>
+      </p:sp>
+      <p:sp>
+        <p:nvSpPr>
+          <p:cNvPr id="4" name="TextBox 3"/>
+          <p:cNvSpPr txBox="1"/>
+          <p:nvPr/>
+        </p:nvSpPr>
+        <p:spPr>
+          <a:xfrm>
+            <a:off x="3606085" y="2348404"/>
+            <a:ext cx="1648896" cy="369332"/>
+          </a:xfrm>
+          <a:prstGeom prst="rect">
+            <a:avLst/>
+          </a:prstGeom>
+          <a:noFill/>
+        </p:spPr>
+        <p:txBody>
+          <a:bodyPr wrap="none" rtlCol="0">
+            <a:spAutoFit/>
           </a:bodyPr>
           <a:lstStyle/>
           <a:p>
             <a:r>
-              <a:rPr lang="en-US" dirty="0" smtClean="0"/>
-              <a:t>Tools for writing ROP chains	 (</a:t>
-            </a:r>
-            <a:r>
-              <a:rPr lang="en-US" dirty="0" err="1" smtClean="0"/>
-              <a:t>dbu</a:t>
-            </a:r>
-            <a:r>
-              <a:rPr lang="en-US" dirty="0" smtClean="0"/>
-              <a:t>)</a:t>
-            </a:r>
-            <a:endParaRPr lang="en-US" dirty="0"/>
-          </a:p>
-        </p:txBody>
-      </p:sp>
-      <p:sp>
-        <p:nvSpPr>
-          <p:cNvPr id="3" name="Content Placeholder 2"/>
-          <p:cNvSpPr>
-            <a:spLocks noGrp="1"/>
-          </p:cNvSpPr>
-          <p:nvPr>
-            <p:ph idx="1"/>
-          </p:nvPr>
-        </p:nvSpPr>
-        <p:spPr/>
-        <p:txBody>
-          <a:bodyPr/>
-          <a:lstStyle/>
-          <a:p>
-            <a:r>
-              <a:rPr lang="en-US" dirty="0" err="1" smtClean="0"/>
-              <a:t>metasploit</a:t>
-            </a:r>
-            <a:r>
-              <a:rPr lang="en-US" dirty="0" smtClean="0"/>
-              <a:t>/</a:t>
-            </a:r>
-            <a:r>
-              <a:rPr lang="en-US" dirty="0" err="1" smtClean="0"/>
-              <a:t>msfrop</a:t>
-            </a:r>
-            <a:r>
-              <a:rPr lang="en-US" dirty="0" smtClean="0"/>
-              <a:t> – a gadget finder</a:t>
-            </a:r>
-          </a:p>
-          <a:p>
-            <a:r>
-              <a:rPr lang="en-US" dirty="0" err="1" smtClean="0"/>
-              <a:t>gogo</a:t>
-            </a:r>
-            <a:r>
-              <a:rPr lang="en-US" dirty="0" smtClean="0"/>
-              <a:t> – </a:t>
-            </a:r>
-            <a:r>
-              <a:rPr lang="en-US" dirty="0" err="1" smtClean="0"/>
-              <a:t>pwahlman’s</a:t>
-            </a:r>
-            <a:r>
-              <a:rPr lang="en-US" dirty="0" smtClean="0"/>
-              <a:t> gadget finder</a:t>
-            </a:r>
-          </a:p>
-          <a:p>
-            <a:r>
-              <a:rPr lang="en-US" dirty="0" err="1"/>
-              <a:t>ropc</a:t>
-            </a:r>
-            <a:r>
-              <a:rPr lang="en-US" dirty="0"/>
-              <a:t> – a </a:t>
-            </a:r>
-            <a:r>
-              <a:rPr lang="en-US" dirty="0" smtClean="0"/>
-              <a:t>ROP payload compiler</a:t>
-            </a:r>
-          </a:p>
-          <a:p>
-            <a:r>
-              <a:rPr lang="en-US" dirty="0" smtClean="0"/>
-              <a:t>A plethora of other tools</a:t>
-            </a:r>
+              <a:rPr lang="en-US" dirty="0" smtClean="0">
+                <a:latin typeface="Calibri"/>
+              </a:rPr>
+              <a:t>Find stack pivot</a:t>
+            </a:r>
+            <a:endParaRPr lang="en-US" dirty="0">
+              <a:latin typeface="Calibri"/>
+            </a:endParaRPr>
           </a:p>
         </p:txBody>
       </p:sp>
     </p:spTree>
     <p:extLst>
       <p:ext uri="{BB962C8B-B14F-4D97-AF65-F5344CB8AC3E}">
-        <p14:creationId xmlns:p14="http://schemas.microsoft.com/office/powerpoint/2010/main" val="82216525"/>
+        <p14:creationId xmlns:p14="http://schemas.microsoft.com/office/powerpoint/2010/main" val="3766031157"/>
       </p:ext>
     </p:extLst>
   </p:cSld>
@@ -6652,12 +6774,8 @@
           <a:lstStyle/>
           <a:p>
             <a:r>
-              <a:rPr lang="en-US" dirty="0" err="1" smtClean="0"/>
-              <a:t>Gogo</a:t>
-            </a:r>
-            <a:r>
-              <a:rPr lang="en-US" dirty="0" smtClean="0"/>
-              <a:t> (</a:t>
+              <a:rPr lang="en-US" dirty="0" smtClean="0"/>
+              <a:t>Demo (</a:t>
             </a:r>
             <a:r>
               <a:rPr lang="en-US" dirty="0" err="1" smtClean="0"/>
@@ -6673,29 +6791,22 @@
       </p:sp>
       <p:sp>
         <p:nvSpPr>
-          <p:cNvPr id="4" name="TextBox 3"/>
-          <p:cNvSpPr txBox="1"/>
-          <p:nvPr/>
-        </p:nvSpPr>
-        <p:spPr>
-          <a:xfrm>
-            <a:off x="3606085" y="2348404"/>
-            <a:ext cx="1648896" cy="369332"/>
-          </a:xfrm>
-          <a:prstGeom prst="rect">
-            <a:avLst/>
-          </a:prstGeom>
-          <a:noFill/>
-        </p:spPr>
-        <p:txBody>
-          <a:bodyPr wrap="none" rtlCol="0">
-            <a:spAutoFit/>
-          </a:bodyPr>
-          <a:lstStyle/>
-          <a:p>
-            <a:r>
-              <a:rPr lang="en-US" dirty="0" smtClean="0"/>
-              <a:t>Find stack pivot</a:t>
+          <p:cNvPr id="3" name="Content Placeholder 2"/>
+          <p:cNvSpPr>
+            <a:spLocks noGrp="1"/>
+          </p:cNvSpPr>
+          <p:nvPr>
+            <p:ph idx="1"/>
+          </p:nvPr>
+        </p:nvSpPr>
+        <p:spPr/>
+        <p:txBody>
+          <a:bodyPr/>
+          <a:lstStyle/>
+          <a:p>
+            <a:r>
+              <a:rPr lang="en-US" dirty="0" smtClean="0"/>
+              <a:t>ROP Exploit</a:t>
             </a:r>
             <a:endParaRPr lang="en-US" dirty="0"/>
           </a:p>
@@ -6704,7 +6815,7 @@
     </p:spTree>
     <p:extLst>
       <p:ext uri="{BB962C8B-B14F-4D97-AF65-F5344CB8AC3E}">
-        <p14:creationId xmlns:p14="http://schemas.microsoft.com/office/powerpoint/2010/main" val="3766031157"/>
+        <p14:creationId xmlns:p14="http://schemas.microsoft.com/office/powerpoint/2010/main" val="178510715"/>
       </p:ext>
     </p:extLst>
   </p:cSld>
@@ -6755,15 +6866,7 @@
           <a:p>
             <a:r>
               <a:rPr lang="en-US" dirty="0" smtClean="0"/>
-              <a:t>Demo (</a:t>
-            </a:r>
-            <a:r>
-              <a:rPr lang="en-US" dirty="0" err="1" smtClean="0"/>
-              <a:t>pwa</a:t>
-            </a:r>
-            <a:r>
-              <a:rPr lang="en-US" dirty="0" smtClean="0"/>
-              <a:t>)</a:t>
+              <a:t>Lessons learned</a:t>
             </a:r>
             <a:endParaRPr lang="en-US" dirty="0"/>
           </a:p>
@@ -6786,7 +6889,19 @@
           <a:p>
             <a:r>
               <a:rPr lang="en-US" dirty="0" smtClean="0"/>
-              <a:t>ROP Exploit</a:t>
+              <a:t>Be careful what you log!</a:t>
+            </a:r>
+          </a:p>
+          <a:p>
+            <a:r>
+              <a:rPr lang="en-US" dirty="0" smtClean="0"/>
+              <a:t>User controlled data</a:t>
+            </a:r>
+          </a:p>
+          <a:p>
+            <a:r>
+              <a:rPr lang="en-US" dirty="0" smtClean="0"/>
+              <a:t>-Wall</a:t>
             </a:r>
             <a:endParaRPr lang="en-US" dirty="0"/>
           </a:p>
@@ -6795,7 +6910,7 @@
     </p:spTree>
     <p:extLst>
       <p:ext uri="{BB962C8B-B14F-4D97-AF65-F5344CB8AC3E}">
-        <p14:creationId xmlns:p14="http://schemas.microsoft.com/office/powerpoint/2010/main" val="178510715"/>
+        <p14:creationId xmlns:p14="http://schemas.microsoft.com/office/powerpoint/2010/main" val="4083618436"/>
       </p:ext>
     </p:extLst>
   </p:cSld>
@@ -6968,101 +7083,6 @@
       </p:grpSpPr>
       <p:sp>
         <p:nvSpPr>
-          <p:cNvPr id="2" name="Title 1"/>
-          <p:cNvSpPr>
-            <a:spLocks noGrp="1"/>
-          </p:cNvSpPr>
-          <p:nvPr>
-            <p:ph type="title"/>
-          </p:nvPr>
-        </p:nvSpPr>
-        <p:spPr/>
-        <p:txBody>
-          <a:bodyPr/>
-          <a:lstStyle/>
-          <a:p>
-            <a:r>
-              <a:rPr lang="en-US" dirty="0" smtClean="0"/>
-              <a:t>Lessons learned</a:t>
-            </a:r>
-            <a:endParaRPr lang="en-US" dirty="0"/>
-          </a:p>
-        </p:txBody>
-      </p:sp>
-      <p:sp>
-        <p:nvSpPr>
-          <p:cNvPr id="3" name="Content Placeholder 2"/>
-          <p:cNvSpPr>
-            <a:spLocks noGrp="1"/>
-          </p:cNvSpPr>
-          <p:nvPr>
-            <p:ph idx="1"/>
-          </p:nvPr>
-        </p:nvSpPr>
-        <p:spPr/>
-        <p:txBody>
-          <a:bodyPr/>
-          <a:lstStyle/>
-          <a:p>
-            <a:r>
-              <a:rPr lang="en-US" dirty="0" smtClean="0"/>
-              <a:t>Be careful what you log!</a:t>
-            </a:r>
-          </a:p>
-          <a:p>
-            <a:r>
-              <a:rPr lang="en-US" dirty="0" smtClean="0"/>
-              <a:t>User controlled data</a:t>
-            </a:r>
-          </a:p>
-          <a:p>
-            <a:r>
-              <a:rPr lang="en-US" dirty="0" smtClean="0"/>
-              <a:t>-Wall</a:t>
-            </a:r>
-            <a:endParaRPr lang="en-US" dirty="0"/>
-          </a:p>
-        </p:txBody>
-      </p:sp>
-    </p:spTree>
-    <p:extLst>
-      <p:ext uri="{BB962C8B-B14F-4D97-AF65-F5344CB8AC3E}">
-        <p14:creationId xmlns:p14="http://schemas.microsoft.com/office/powerpoint/2010/main" val="4083618436"/>
-      </p:ext>
-    </p:extLst>
-  </p:cSld>
-  <p:clrMapOvr>
-    <a:masterClrMapping/>
-  </p:clrMapOvr>
-  <p:timing>
-    <p:tnLst>
-      <p:par>
-        <p:cTn xmlns:p14="http://schemas.microsoft.com/office/powerpoint/2010/main" id="1" dur="indefinite" restart="never" nodeType="tmRoot"/>
-      </p:par>
-    </p:tnLst>
-  </p:timing>
-</p:sld>
-</file>
-
-<file path=ppt/slides/slide31.xml><?xml version="1.0" encoding="utf-8"?>
-<p:sld xmlns:a="http://schemas.openxmlformats.org/drawingml/2006/main" xmlns:r="http://schemas.openxmlformats.org/officeDocument/2006/relationships" xmlns:p="http://schemas.openxmlformats.org/presentationml/2006/main">
-  <p:cSld>
-    <p:spTree>
-      <p:nvGrpSpPr>
-        <p:cNvPr id="1" name=""/>
-        <p:cNvGrpSpPr/>
-        <p:nvPr/>
-      </p:nvGrpSpPr>
-      <p:grpSpPr>
-        <a:xfrm>
-          <a:off x="0" y="0"/>
-          <a:ext cx="0" cy="0"/>
-          <a:chOff x="0" y="0"/>
-          <a:chExt cx="0" cy="0"/>
-        </a:xfrm>
-      </p:grpSpPr>
-      <p:sp>
-        <p:nvSpPr>
           <p:cNvPr id="3" name="Content Placeholder 2"/>
           <p:cNvSpPr>
             <a:spLocks noGrp="1"/>
@@ -7151,7 +7171,9 @@
         </p:nvSpPr>
         <p:spPr/>
         <p:txBody>
-          <a:bodyPr/>
+          <a:bodyPr>
+            <a:normAutofit/>
+          </a:bodyPr>
           <a:lstStyle/>
           <a:p>
             <a:r>
@@ -7348,7 +7370,9 @@
         </p:nvSpPr>
         <p:spPr/>
         <p:txBody>
-          <a:bodyPr/>
+          <a:bodyPr>
+            <a:normAutofit/>
+          </a:bodyPr>
           <a:lstStyle/>
           <a:p>
             <a:r>
@@ -7603,7 +7627,7 @@
       </p:sp>
       <p:pic>
         <p:nvPicPr>
-          <p:cNvPr id="4" name="Picture 3" descr="spot-the-bug.jpg"/>
+          <p:cNvPr id="6" name="Picture 5" descr="010_spot_the_bugs.jpg"/>
           <p:cNvPicPr>
             <a:picLocks noChangeAspect="1"/>
           </p:cNvPicPr>

--- a/presentation.pptx
+++ b/presentation.pptx
@@ -5,7 +5,7 @@
     <p:sldMasterId id="2147483648" r:id="rId1"/>
   </p:sldMasterIdLst>
   <p:notesMasterIdLst>
-    <p:notesMasterId r:id="rId32"/>
+    <p:notesMasterId r:id="rId36"/>
   </p:notesMasterIdLst>
   <p:sldIdLst>
     <p:sldId id="256" r:id="rId2"/>
@@ -15,29 +15,33 @@
     <p:sldId id="301" r:id="rId6"/>
     <p:sldId id="271" r:id="rId7"/>
     <p:sldId id="273" r:id="rId8"/>
-    <p:sldId id="325" r:id="rId9"/>
-    <p:sldId id="313" r:id="rId10"/>
-    <p:sldId id="312" r:id="rId11"/>
-    <p:sldId id="314" r:id="rId12"/>
-    <p:sldId id="272" r:id="rId13"/>
-    <p:sldId id="315" r:id="rId14"/>
-    <p:sldId id="316" r:id="rId15"/>
-    <p:sldId id="317" r:id="rId16"/>
-    <p:sldId id="318" r:id="rId17"/>
-    <p:sldId id="319" r:id="rId18"/>
-    <p:sldId id="321" r:id="rId19"/>
-    <p:sldId id="322" r:id="rId20"/>
-    <p:sldId id="320" r:id="rId21"/>
-    <p:sldId id="323" r:id="rId22"/>
-    <p:sldId id="326" r:id="rId23"/>
-    <p:sldId id="274" r:id="rId24"/>
-    <p:sldId id="275" r:id="rId25"/>
-    <p:sldId id="281" r:id="rId26"/>
-    <p:sldId id="280" r:id="rId27"/>
-    <p:sldId id="306" r:id="rId28"/>
-    <p:sldId id="310" r:id="rId29"/>
-    <p:sldId id="311" r:id="rId30"/>
-    <p:sldId id="295" r:id="rId31"/>
+    <p:sldId id="328" r:id="rId9"/>
+    <p:sldId id="325" r:id="rId10"/>
+    <p:sldId id="329" r:id="rId11"/>
+    <p:sldId id="313" r:id="rId12"/>
+    <p:sldId id="312" r:id="rId13"/>
+    <p:sldId id="314" r:id="rId14"/>
+    <p:sldId id="330" r:id="rId15"/>
+    <p:sldId id="272" r:id="rId16"/>
+    <p:sldId id="315" r:id="rId17"/>
+    <p:sldId id="316" r:id="rId18"/>
+    <p:sldId id="317" r:id="rId19"/>
+    <p:sldId id="318" r:id="rId20"/>
+    <p:sldId id="319" r:id="rId21"/>
+    <p:sldId id="321" r:id="rId22"/>
+    <p:sldId id="322" r:id="rId23"/>
+    <p:sldId id="331" r:id="rId24"/>
+    <p:sldId id="320" r:id="rId25"/>
+    <p:sldId id="323" r:id="rId26"/>
+    <p:sldId id="274" r:id="rId27"/>
+    <p:sldId id="275" r:id="rId28"/>
+    <p:sldId id="281" r:id="rId29"/>
+    <p:sldId id="280" r:id="rId30"/>
+    <p:sldId id="327" r:id="rId31"/>
+    <p:sldId id="326" r:id="rId32"/>
+    <p:sldId id="310" r:id="rId33"/>
+    <p:sldId id="311" r:id="rId34"/>
+    <p:sldId id="295" r:id="rId35"/>
   </p:sldIdLst>
   <p:sldSz cx="9144000" cy="6858000" type="screen4x3"/>
   <p:notesSz cx="6858000" cy="9144000"/>
@@ -897,7 +901,7 @@
           <a:p>
             <a:fld id="{5D74FDC0-35D8-F34C-B228-DA42CBAF1130}" type="slidenum">
               <a:rPr lang="en-US" smtClean="0"/>
-              <a:t>12</a:t>
+              <a:t>15</a:t>
             </a:fld>
             <a:endParaRPr lang="en-US"/>
           </a:p>
@@ -1036,7 +1040,7 @@
           <a:p>
             <a:fld id="{5D74FDC0-35D8-F34C-B228-DA42CBAF1130}" type="slidenum">
               <a:rPr lang="en-US" smtClean="0"/>
-              <a:t>23</a:t>
+              <a:t>26</a:t>
             </a:fld>
             <a:endParaRPr lang="en-US"/>
           </a:p>
@@ -1128,7 +1132,7 @@
           <a:p>
             <a:fld id="{5D74FDC0-35D8-F34C-B228-DA42CBAF1130}" type="slidenum">
               <a:rPr lang="en-US" smtClean="0"/>
-              <a:t>24</a:t>
+              <a:t>27</a:t>
             </a:fld>
             <a:endParaRPr lang="en-US"/>
           </a:p>
@@ -1238,7 +1242,7 @@
           <a:p>
             <a:fld id="{5D74FDC0-35D8-F34C-B228-DA42CBAF1130}" type="slidenum">
               <a:rPr lang="en-US" smtClean="0"/>
-              <a:t>25</a:t>
+              <a:t>28</a:t>
             </a:fld>
             <a:endParaRPr lang="en-US"/>
           </a:p>
@@ -4389,13 +4393,204 @@
           <a:bodyPr/>
           <a:lstStyle/>
           <a:p>
+            <a:r>
+              <a:rPr lang="en-US" dirty="0" smtClean="0"/>
+              <a:t>Demo</a:t>
+            </a:r>
+          </a:p>
+          <a:p>
+            <a:pPr lvl="1"/>
+            <a:r>
+              <a:rPr lang="en-US" dirty="0" smtClean="0"/>
+              <a:t>Intended use</a:t>
+            </a:r>
+            <a:endParaRPr lang="en-US" dirty="0"/>
+          </a:p>
+        </p:txBody>
+      </p:sp>
+    </p:spTree>
+    <p:extLst>
+      <p:ext uri="{BB962C8B-B14F-4D97-AF65-F5344CB8AC3E}">
+        <p14:creationId xmlns:p14="http://schemas.microsoft.com/office/powerpoint/2010/main" val="253735214"/>
+      </p:ext>
+    </p:extLst>
+  </p:cSld>
+  <p:clrMapOvr>
+    <a:masterClrMapping/>
+  </p:clrMapOvr>
+  <p:timing>
+    <p:tnLst>
+      <p:par>
+        <p:cTn xmlns:p14="http://schemas.microsoft.com/office/powerpoint/2010/main" id="1" dur="indefinite" restart="never" nodeType="tmRoot"/>
+      </p:par>
+    </p:tnLst>
+  </p:timing>
+</p:sld>
+</file>
+
+<file path=ppt/slides/slide11.xml><?xml version="1.0" encoding="utf-8"?>
+<p:sld xmlns:a="http://schemas.openxmlformats.org/drawingml/2006/main" xmlns:r="http://schemas.openxmlformats.org/officeDocument/2006/relationships" xmlns:p="http://schemas.openxmlformats.org/presentationml/2006/main">
+  <p:cSld>
+    <p:spTree>
+      <p:nvGrpSpPr>
+        <p:cNvPr id="1" name=""/>
+        <p:cNvGrpSpPr/>
+        <p:nvPr/>
+      </p:nvGrpSpPr>
+      <p:grpSpPr>
+        <a:xfrm>
+          <a:off x="0" y="0"/>
+          <a:ext cx="0" cy="0"/>
+          <a:chOff x="0" y="0"/>
+          <a:chExt cx="0" cy="0"/>
+        </a:xfrm>
+      </p:grpSpPr>
+      <p:sp>
+        <p:nvSpPr>
+          <p:cNvPr id="2" name="Title 1"/>
+          <p:cNvSpPr>
+            <a:spLocks noGrp="1"/>
+          </p:cNvSpPr>
+          <p:nvPr>
+            <p:ph type="title"/>
+          </p:nvPr>
+        </p:nvSpPr>
+        <p:spPr/>
+        <p:txBody>
+          <a:bodyPr/>
+          <a:lstStyle/>
+          <a:p>
+            <a:endParaRPr lang="en-US"/>
+          </a:p>
+        </p:txBody>
+      </p:sp>
+      <p:sp>
+        <p:nvSpPr>
+          <p:cNvPr id="3" name="Content Placeholder 2"/>
+          <p:cNvSpPr>
+            <a:spLocks noGrp="1"/>
+          </p:cNvSpPr>
+          <p:nvPr>
+            <p:ph idx="1"/>
+          </p:nvPr>
+        </p:nvSpPr>
+        <p:spPr/>
+        <p:txBody>
+          <a:bodyPr/>
+          <a:lstStyle/>
+          <a:p>
             <a:endParaRPr lang="en-US"/>
           </a:p>
         </p:txBody>
       </p:sp>
       <p:pic>
         <p:nvPicPr>
-          <p:cNvPr id="6" name="Picture 5" descr="030_stack_overflow.jpg"/>
+          <p:cNvPr id="5" name="Picture 4" descr="020_stack_layout.jpg"/>
+          <p:cNvPicPr>
+            <a:picLocks noChangeAspect="1"/>
+          </p:cNvPicPr>
+          <p:nvPr/>
+        </p:nvPicPr>
+        <p:blipFill>
+          <a:blip r:embed="rId2">
+            <a:extLst>
+              <a:ext uri="{28A0092B-C50C-407E-A947-70E740481C1C}">
+                <a14:useLocalDpi xmlns:a14="http://schemas.microsoft.com/office/drawing/2010/main" val="0"/>
+              </a:ext>
+            </a:extLst>
+          </a:blip>
+          <a:stretch>
+            <a:fillRect/>
+          </a:stretch>
+        </p:blipFill>
+        <p:spPr>
+          <a:xfrm>
+            <a:off x="0" y="0"/>
+            <a:ext cx="9114842" cy="6858000"/>
+          </a:xfrm>
+          <a:prstGeom prst="rect">
+            <a:avLst/>
+          </a:prstGeom>
+        </p:spPr>
+      </p:pic>
+    </p:spTree>
+    <p:extLst>
+      <p:ext uri="{BB962C8B-B14F-4D97-AF65-F5344CB8AC3E}">
+        <p14:creationId xmlns:p14="http://schemas.microsoft.com/office/powerpoint/2010/main" val="2594581436"/>
+      </p:ext>
+    </p:extLst>
+  </p:cSld>
+  <p:clrMapOvr>
+    <a:masterClrMapping/>
+  </p:clrMapOvr>
+  <p:timing>
+    <p:tnLst>
+      <p:par>
+        <p:cTn xmlns:p14="http://schemas.microsoft.com/office/powerpoint/2010/main" id="1" dur="indefinite" restart="never" nodeType="tmRoot"/>
+      </p:par>
+    </p:tnLst>
+  </p:timing>
+</p:sld>
+</file>
+
+<file path=ppt/slides/slide12.xml><?xml version="1.0" encoding="utf-8"?>
+<p:sld xmlns:a="http://schemas.openxmlformats.org/drawingml/2006/main" xmlns:r="http://schemas.openxmlformats.org/officeDocument/2006/relationships" xmlns:p="http://schemas.openxmlformats.org/presentationml/2006/main">
+  <p:cSld>
+    <p:spTree>
+      <p:nvGrpSpPr>
+        <p:cNvPr id="1" name=""/>
+        <p:cNvGrpSpPr/>
+        <p:nvPr/>
+      </p:nvGrpSpPr>
+      <p:grpSpPr>
+        <a:xfrm>
+          <a:off x="0" y="0"/>
+          <a:ext cx="0" cy="0"/>
+          <a:chOff x="0" y="0"/>
+          <a:chExt cx="0" cy="0"/>
+        </a:xfrm>
+      </p:grpSpPr>
+      <p:sp>
+        <p:nvSpPr>
+          <p:cNvPr id="2" name="Title 1"/>
+          <p:cNvSpPr>
+            <a:spLocks noGrp="1"/>
+          </p:cNvSpPr>
+          <p:nvPr>
+            <p:ph type="title"/>
+          </p:nvPr>
+        </p:nvSpPr>
+        <p:spPr/>
+        <p:txBody>
+          <a:bodyPr/>
+          <a:lstStyle/>
+          <a:p>
+            <a:endParaRPr lang="en-US"/>
+          </a:p>
+        </p:txBody>
+      </p:sp>
+      <p:sp>
+        <p:nvSpPr>
+          <p:cNvPr id="3" name="Content Placeholder 2"/>
+          <p:cNvSpPr>
+            <a:spLocks noGrp="1"/>
+          </p:cNvSpPr>
+          <p:nvPr>
+            <p:ph idx="1"/>
+          </p:nvPr>
+        </p:nvSpPr>
+        <p:spPr/>
+        <p:txBody>
+          <a:bodyPr/>
+          <a:lstStyle/>
+          <a:p>
+            <a:endParaRPr lang="en-US"/>
+          </a:p>
+        </p:txBody>
+      </p:sp>
+      <p:pic>
+        <p:nvPicPr>
+          <p:cNvPr id="7" name="Picture 6" descr="030_stack_overflow.jpg"/>
           <p:cNvPicPr>
             <a:picLocks noChangeAspect="1"/>
           </p:cNvPicPr>
@@ -4443,7 +4638,7 @@
 </p:sld>
 </file>
 
-<file path=ppt/slides/slide11.xml><?xml version="1.0" encoding="utf-8"?>
+<file path=ppt/slides/slide13.xml><?xml version="1.0" encoding="utf-8"?>
 <p:sld xmlns:a="http://schemas.openxmlformats.org/drawingml/2006/main" xmlns:r="http://schemas.openxmlformats.org/officeDocument/2006/relationships" xmlns:p="http://schemas.openxmlformats.org/presentationml/2006/main">
   <p:cSld>
     <p:spTree>
@@ -4556,7 +4751,7 @@
 </p:sld>
 </file>
 
-<file path=ppt/slides/slide12.xml><?xml version="1.0" encoding="utf-8"?>
+<file path=ppt/slides/slide14.xml><?xml version="1.0" encoding="utf-8"?>
 <p:sld xmlns:a="http://schemas.openxmlformats.org/drawingml/2006/main" xmlns:r="http://schemas.openxmlformats.org/officeDocument/2006/relationships" xmlns:p="http://schemas.openxmlformats.org/presentationml/2006/main">
   <p:cSld>
     <p:spTree>
@@ -4575,6 +4770,79 @@
       </p:grpSpPr>
       <p:sp>
         <p:nvSpPr>
+          <p:cNvPr id="3" name="Content Placeholder 2"/>
+          <p:cNvSpPr>
+            <a:spLocks noGrp="1"/>
+          </p:cNvSpPr>
+          <p:nvPr>
+            <p:ph idx="1"/>
+          </p:nvPr>
+        </p:nvSpPr>
+        <p:spPr/>
+        <p:txBody>
+          <a:bodyPr/>
+          <a:lstStyle/>
+          <a:p>
+            <a:r>
+              <a:rPr lang="en-US" dirty="0" smtClean="0"/>
+              <a:t>Demo</a:t>
+            </a:r>
+          </a:p>
+          <a:p>
+            <a:pPr lvl="1"/>
+            <a:r>
+              <a:rPr lang="en-US" dirty="0" smtClean="0"/>
+              <a:t>Exploit</a:t>
+            </a:r>
+          </a:p>
+          <a:p>
+            <a:pPr lvl="1"/>
+            <a:r>
+              <a:rPr lang="en-US" dirty="0" smtClean="0"/>
+              <a:t>Apply SSP / exploit</a:t>
+            </a:r>
+          </a:p>
+        </p:txBody>
+      </p:sp>
+    </p:spTree>
+    <p:extLst>
+      <p:ext uri="{BB962C8B-B14F-4D97-AF65-F5344CB8AC3E}">
+        <p14:creationId xmlns:p14="http://schemas.microsoft.com/office/powerpoint/2010/main" val="2657373474"/>
+      </p:ext>
+    </p:extLst>
+  </p:cSld>
+  <p:clrMapOvr>
+    <a:masterClrMapping/>
+  </p:clrMapOvr>
+  <p:timing>
+    <p:tnLst>
+      <p:par>
+        <p:cTn xmlns:p14="http://schemas.microsoft.com/office/powerpoint/2010/main" id="1" dur="indefinite" restart="never" nodeType="tmRoot"/>
+      </p:par>
+    </p:tnLst>
+  </p:timing>
+</p:sld>
+</file>
+
+<file path=ppt/slides/slide15.xml><?xml version="1.0" encoding="utf-8"?>
+<p:sld xmlns:a="http://schemas.openxmlformats.org/drawingml/2006/main" xmlns:r="http://schemas.openxmlformats.org/officeDocument/2006/relationships" xmlns:p="http://schemas.openxmlformats.org/presentationml/2006/main">
+  <p:cSld>
+    <p:spTree>
+      <p:nvGrpSpPr>
+        <p:cNvPr id="1" name=""/>
+        <p:cNvGrpSpPr/>
+        <p:nvPr/>
+      </p:nvGrpSpPr>
+      <p:grpSpPr>
+        <a:xfrm>
+          <a:off x="0" y="0"/>
+          <a:ext cx="0" cy="0"/>
+          <a:chOff x="0" y="0"/>
+          <a:chExt cx="0" cy="0"/>
+        </a:xfrm>
+      </p:grpSpPr>
+      <p:sp>
+        <p:nvSpPr>
           <p:cNvPr id="2" name="Title 1"/>
           <p:cNvSpPr>
             <a:spLocks noGrp="1"/>
@@ -4623,7 +4891,15 @@
           <a:p>
             <a:r>
               <a:rPr lang="en-US" dirty="0" smtClean="0"/>
-              <a:t>Stack Smashing Protection (SSP)</a:t>
+              <a:t>Stack Smashing </a:t>
+            </a:r>
+            <a:r>
+              <a:rPr lang="en-US" dirty="0" smtClean="0"/>
+              <a:t>Prevention (</a:t>
+            </a:r>
+            <a:r>
+              <a:rPr lang="en-US" dirty="0" smtClean="0"/>
+              <a:t>SSP)</a:t>
             </a:r>
           </a:p>
           <a:p>
@@ -4676,7 +4952,7 @@
 </p:sld>
 </file>
 
-<file path=ppt/slides/slide13.xml><?xml version="1.0" encoding="utf-8"?>
+<file path=ppt/slides/slide16.xml><?xml version="1.0" encoding="utf-8"?>
 <p:sld xmlns:a="http://schemas.openxmlformats.org/drawingml/2006/main" xmlns:r="http://schemas.openxmlformats.org/officeDocument/2006/relationships" xmlns:p="http://schemas.openxmlformats.org/presentationml/2006/main">
   <p:cSld>
     <p:spTree>
@@ -4733,7 +5009,7 @@
       </p:sp>
       <p:pic>
         <p:nvPicPr>
-          <p:cNvPr id="6" name="Picture 5" descr="050_SSP.jpg"/>
+          <p:cNvPr id="7" name="Picture 6" descr="050_SSP.jpg"/>
           <p:cNvPicPr>
             <a:picLocks noChangeAspect="1"/>
           </p:cNvPicPr>
@@ -4781,7 +5057,7 @@
 </p:sld>
 </file>
 
-<file path=ppt/slides/slide14.xml><?xml version="1.0" encoding="utf-8"?>
+<file path=ppt/slides/slide17.xml><?xml version="1.0" encoding="utf-8"?>
 <p:sld xmlns:a="http://schemas.openxmlformats.org/drawingml/2006/main" xmlns:r="http://schemas.openxmlformats.org/officeDocument/2006/relationships" xmlns:p="http://schemas.openxmlformats.org/presentationml/2006/main">
   <p:cSld>
     <p:spTree>
@@ -4886,7 +5162,7 @@
 </p:sld>
 </file>
 
-<file path=ppt/slides/slide15.xml><?xml version="1.0" encoding="utf-8"?>
+<file path=ppt/slides/slide18.xml><?xml version="1.0" encoding="utf-8"?>
 <p:sld xmlns:a="http://schemas.openxmlformats.org/drawingml/2006/main" xmlns:r="http://schemas.openxmlformats.org/officeDocument/2006/relationships" xmlns:p="http://schemas.openxmlformats.org/presentationml/2006/main">
   <p:cSld>
     <p:spTree>
@@ -4991,7 +5267,7 @@
 </p:sld>
 </file>
 
-<file path=ppt/slides/slide16.xml><?xml version="1.0" encoding="utf-8"?>
+<file path=ppt/slides/slide19.xml><?xml version="1.0" encoding="utf-8"?>
 <p:sld xmlns:a="http://schemas.openxmlformats.org/drawingml/2006/main" xmlns:r="http://schemas.openxmlformats.org/officeDocument/2006/relationships" xmlns:p="http://schemas.openxmlformats.org/presentationml/2006/main">
   <p:cSld>
     <p:spTree>
@@ -5096,303 +5372,6 @@
 </p:sld>
 </file>
 
-<file path=ppt/slides/slide17.xml><?xml version="1.0" encoding="utf-8"?>
-<p:sld xmlns:a="http://schemas.openxmlformats.org/drawingml/2006/main" xmlns:r="http://schemas.openxmlformats.org/officeDocument/2006/relationships" xmlns:p="http://schemas.openxmlformats.org/presentationml/2006/main">
-  <p:cSld>
-    <p:spTree>
-      <p:nvGrpSpPr>
-        <p:cNvPr id="1" name=""/>
-        <p:cNvGrpSpPr/>
-        <p:nvPr/>
-      </p:nvGrpSpPr>
-      <p:grpSpPr>
-        <a:xfrm>
-          <a:off x="0" y="0"/>
-          <a:ext cx="0" cy="0"/>
-          <a:chOff x="0" y="0"/>
-          <a:chExt cx="0" cy="0"/>
-        </a:xfrm>
-      </p:grpSpPr>
-      <p:sp>
-        <p:nvSpPr>
-          <p:cNvPr id="5" name="Title 1"/>
-          <p:cNvSpPr>
-            <a:spLocks noGrp="1"/>
-          </p:cNvSpPr>
-          <p:nvPr>
-            <p:ph type="title"/>
-          </p:nvPr>
-        </p:nvSpPr>
-        <p:spPr>
-          <a:xfrm>
-            <a:off x="457200" y="274638"/>
-            <a:ext cx="8229600" cy="1143000"/>
-          </a:xfrm>
-        </p:spPr>
-        <p:txBody>
-          <a:bodyPr/>
-          <a:lstStyle/>
-          <a:p>
-            <a:r>
-              <a:rPr lang="en-US" dirty="0" smtClean="0"/>
-              <a:t>Demo</a:t>
-            </a:r>
-            <a:endParaRPr lang="en-US" dirty="0"/>
-          </a:p>
-        </p:txBody>
-      </p:sp>
-      <p:sp>
-        <p:nvSpPr>
-          <p:cNvPr id="3" name="Content Placeholder 2"/>
-          <p:cNvSpPr>
-            <a:spLocks noGrp="1"/>
-          </p:cNvSpPr>
-          <p:nvPr>
-            <p:ph idx="1"/>
-          </p:nvPr>
-        </p:nvSpPr>
-        <p:spPr/>
-        <p:txBody>
-          <a:bodyPr/>
-          <a:lstStyle/>
-          <a:p>
-            <a:pPr lvl="1"/>
-            <a:r>
-              <a:rPr lang="en-US" dirty="0" smtClean="0"/>
-              <a:t>Info leak</a:t>
-            </a:r>
-          </a:p>
-          <a:p>
-            <a:pPr lvl="1"/>
-            <a:r>
-              <a:rPr lang="en-US" dirty="0" smtClean="0"/>
-              <a:t>Exploit</a:t>
-            </a:r>
-          </a:p>
-          <a:p>
-            <a:pPr lvl="1"/>
-            <a:r>
-              <a:rPr lang="en-US" dirty="0" smtClean="0"/>
-              <a:t>Exploit (ASLR)</a:t>
-            </a:r>
-            <a:endParaRPr lang="en-US" dirty="0"/>
-          </a:p>
-        </p:txBody>
-      </p:sp>
-    </p:spTree>
-    <p:extLst>
-      <p:ext uri="{BB962C8B-B14F-4D97-AF65-F5344CB8AC3E}">
-        <p14:creationId xmlns:p14="http://schemas.microsoft.com/office/powerpoint/2010/main" val="2813834603"/>
-      </p:ext>
-    </p:extLst>
-  </p:cSld>
-  <p:clrMapOvr>
-    <a:masterClrMapping/>
-  </p:clrMapOvr>
-  <p:timing>
-    <p:tnLst>
-      <p:par>
-        <p:cTn xmlns:p14="http://schemas.microsoft.com/office/powerpoint/2010/main" id="1" dur="indefinite" restart="never" nodeType="tmRoot"/>
-      </p:par>
-    </p:tnLst>
-  </p:timing>
-</p:sld>
-</file>
-
-<file path=ppt/slides/slide18.xml><?xml version="1.0" encoding="utf-8"?>
-<p:sld xmlns:a="http://schemas.openxmlformats.org/drawingml/2006/main" xmlns:r="http://schemas.openxmlformats.org/officeDocument/2006/relationships" xmlns:p="http://schemas.openxmlformats.org/presentationml/2006/main">
-  <p:cSld>
-    <p:spTree>
-      <p:nvGrpSpPr>
-        <p:cNvPr id="1" name=""/>
-        <p:cNvGrpSpPr/>
-        <p:nvPr/>
-      </p:nvGrpSpPr>
-      <p:grpSpPr>
-        <a:xfrm>
-          <a:off x="0" y="0"/>
-          <a:ext cx="0" cy="0"/>
-          <a:chOff x="0" y="0"/>
-          <a:chExt cx="0" cy="0"/>
-        </a:xfrm>
-      </p:grpSpPr>
-      <p:sp>
-        <p:nvSpPr>
-          <p:cNvPr id="2" name="Title 1"/>
-          <p:cNvSpPr>
-            <a:spLocks noGrp="1"/>
-          </p:cNvSpPr>
-          <p:nvPr>
-            <p:ph type="title"/>
-          </p:nvPr>
-        </p:nvSpPr>
-        <p:spPr/>
-        <p:txBody>
-          <a:bodyPr/>
-          <a:lstStyle/>
-          <a:p>
-            <a:endParaRPr lang="en-US"/>
-          </a:p>
-        </p:txBody>
-      </p:sp>
-      <p:sp>
-        <p:nvSpPr>
-          <p:cNvPr id="3" name="Content Placeholder 2"/>
-          <p:cNvSpPr>
-            <a:spLocks noGrp="1"/>
-          </p:cNvSpPr>
-          <p:nvPr>
-            <p:ph idx="1"/>
-          </p:nvPr>
-        </p:nvSpPr>
-        <p:spPr/>
-        <p:txBody>
-          <a:bodyPr/>
-          <a:lstStyle/>
-          <a:p>
-            <a:endParaRPr lang="en-US"/>
-          </a:p>
-        </p:txBody>
-      </p:sp>
-      <p:pic>
-        <p:nvPicPr>
-          <p:cNvPr id="5" name="Picture 4" descr="100_ASLR.jpg"/>
-          <p:cNvPicPr>
-            <a:picLocks noChangeAspect="1"/>
-          </p:cNvPicPr>
-          <p:nvPr/>
-        </p:nvPicPr>
-        <p:blipFill>
-          <a:blip r:embed="rId2">
-            <a:extLst>
-              <a:ext uri="{28A0092B-C50C-407E-A947-70E740481C1C}">
-                <a14:useLocalDpi xmlns:a14="http://schemas.microsoft.com/office/drawing/2010/main" val="0"/>
-              </a:ext>
-            </a:extLst>
-          </a:blip>
-          <a:stretch>
-            <a:fillRect/>
-          </a:stretch>
-        </p:blipFill>
-        <p:spPr>
-          <a:xfrm>
-            <a:off x="394834" y="0"/>
-            <a:ext cx="8749166" cy="6858000"/>
-          </a:xfrm>
-          <a:prstGeom prst="rect">
-            <a:avLst/>
-          </a:prstGeom>
-        </p:spPr>
-      </p:pic>
-    </p:spTree>
-    <p:extLst>
-      <p:ext uri="{BB962C8B-B14F-4D97-AF65-F5344CB8AC3E}">
-        <p14:creationId xmlns:p14="http://schemas.microsoft.com/office/powerpoint/2010/main" val="3812683012"/>
-      </p:ext>
-    </p:extLst>
-  </p:cSld>
-  <p:clrMapOvr>
-    <a:masterClrMapping/>
-  </p:clrMapOvr>
-  <p:timing>
-    <p:tnLst>
-      <p:par>
-        <p:cTn xmlns:p14="http://schemas.microsoft.com/office/powerpoint/2010/main" id="1" dur="indefinite" restart="never" nodeType="tmRoot"/>
-      </p:par>
-    </p:tnLst>
-  </p:timing>
-</p:sld>
-</file>
-
-<file path=ppt/slides/slide19.xml><?xml version="1.0" encoding="utf-8"?>
-<p:sld xmlns:a="http://schemas.openxmlformats.org/drawingml/2006/main" xmlns:r="http://schemas.openxmlformats.org/officeDocument/2006/relationships" xmlns:p="http://schemas.openxmlformats.org/presentationml/2006/main">
-  <p:cSld>
-    <p:spTree>
-      <p:nvGrpSpPr>
-        <p:cNvPr id="1" name=""/>
-        <p:cNvGrpSpPr/>
-        <p:nvPr/>
-      </p:nvGrpSpPr>
-      <p:grpSpPr>
-        <a:xfrm>
-          <a:off x="0" y="0"/>
-          <a:ext cx="0" cy="0"/>
-          <a:chOff x="0" y="0"/>
-          <a:chExt cx="0" cy="0"/>
-        </a:xfrm>
-      </p:grpSpPr>
-      <p:sp>
-        <p:nvSpPr>
-          <p:cNvPr id="2" name="Title 1"/>
-          <p:cNvSpPr>
-            <a:spLocks noGrp="1"/>
-          </p:cNvSpPr>
-          <p:nvPr>
-            <p:ph type="title"/>
-          </p:nvPr>
-        </p:nvSpPr>
-        <p:spPr/>
-        <p:txBody>
-          <a:bodyPr/>
-          <a:lstStyle/>
-          <a:p>
-            <a:r>
-              <a:rPr lang="en-US" dirty="0" smtClean="0"/>
-              <a:t>Demo</a:t>
-            </a:r>
-            <a:endParaRPr lang="en-US" dirty="0"/>
-          </a:p>
-        </p:txBody>
-      </p:sp>
-      <p:sp>
-        <p:nvSpPr>
-          <p:cNvPr id="3" name="Content Placeholder 2"/>
-          <p:cNvSpPr>
-            <a:spLocks noGrp="1"/>
-          </p:cNvSpPr>
-          <p:nvPr>
-            <p:ph idx="1"/>
-          </p:nvPr>
-        </p:nvSpPr>
-        <p:spPr/>
-        <p:txBody>
-          <a:bodyPr/>
-          <a:lstStyle/>
-          <a:p>
-            <a:r>
-              <a:rPr lang="en-US" dirty="0" smtClean="0"/>
-              <a:t>Exploit</a:t>
-            </a:r>
-          </a:p>
-          <a:p>
-            <a:r>
-              <a:rPr lang="en-US" dirty="0" smtClean="0"/>
-              <a:t>DEP Enabled</a:t>
-            </a:r>
-            <a:endParaRPr lang="en-US" dirty="0"/>
-          </a:p>
-        </p:txBody>
-      </p:sp>
-    </p:spTree>
-    <p:extLst>
-      <p:ext uri="{BB962C8B-B14F-4D97-AF65-F5344CB8AC3E}">
-        <p14:creationId xmlns:p14="http://schemas.microsoft.com/office/powerpoint/2010/main" val="3856896417"/>
-      </p:ext>
-    </p:extLst>
-  </p:cSld>
-  <p:clrMapOvr>
-    <a:masterClrMapping/>
-  </p:clrMapOvr>
-  <p:timing>
-    <p:tnLst>
-      <p:par>
-        <p:cTn xmlns:p14="http://schemas.microsoft.com/office/powerpoint/2010/main" id="1" dur="indefinite" restart="never" nodeType="tmRoot"/>
-      </p:par>
-    </p:tnLst>
-  </p:timing>
-</p:sld>
-</file>
-
 <file path=ppt/slides/slide2.xml><?xml version="1.0" encoding="utf-8"?>
 <p:sld xmlns:a="http://schemas.openxmlformats.org/drawingml/2006/main" xmlns:r="http://schemas.openxmlformats.org/officeDocument/2006/relationships" xmlns:p="http://schemas.openxmlformats.org/presentationml/2006/main">
   <p:cSld>
@@ -5429,7 +5408,15 @@
           <a:p>
             <a:r>
               <a:rPr lang="en-US" dirty="0" smtClean="0"/>
-              <a:t>Who the hell are we? (</a:t>
+              <a:t>Who </a:t>
+            </a:r>
+            <a:r>
+              <a:rPr lang="en-US" dirty="0" smtClean="0"/>
+              <a:t>are </a:t>
+            </a:r>
+            <a:r>
+              <a:rPr lang="en-US" dirty="0" smtClean="0"/>
+              <a:t>we? (</a:t>
             </a:r>
             <a:r>
               <a:rPr lang="en-US" dirty="0" err="1" smtClean="0"/>
@@ -5779,9 +5766,352 @@
           <a:chExt cx="0" cy="0"/>
         </a:xfrm>
       </p:grpSpPr>
+      <p:sp>
+        <p:nvSpPr>
+          <p:cNvPr id="5" name="Title 1"/>
+          <p:cNvSpPr>
+            <a:spLocks noGrp="1"/>
+          </p:cNvSpPr>
+          <p:nvPr>
+            <p:ph type="title"/>
+          </p:nvPr>
+        </p:nvSpPr>
+        <p:spPr>
+          <a:xfrm>
+            <a:off x="457200" y="274638"/>
+            <a:ext cx="8229600" cy="1143000"/>
+          </a:xfrm>
+        </p:spPr>
+        <p:txBody>
+          <a:bodyPr/>
+          <a:lstStyle/>
+          <a:p>
+            <a:r>
+              <a:rPr lang="en-US" dirty="0" smtClean="0"/>
+              <a:t>Demo</a:t>
+            </a:r>
+            <a:endParaRPr lang="en-US" dirty="0"/>
+          </a:p>
+        </p:txBody>
+      </p:sp>
+      <p:sp>
+        <p:nvSpPr>
+          <p:cNvPr id="3" name="Content Placeholder 2"/>
+          <p:cNvSpPr>
+            <a:spLocks noGrp="1"/>
+          </p:cNvSpPr>
+          <p:nvPr>
+            <p:ph idx="1"/>
+          </p:nvPr>
+        </p:nvSpPr>
+        <p:spPr/>
+        <p:txBody>
+          <a:bodyPr/>
+          <a:lstStyle/>
+          <a:p>
+            <a:pPr lvl="1"/>
+            <a:r>
+              <a:rPr lang="en-US" dirty="0" smtClean="0"/>
+              <a:t>Info leak</a:t>
+            </a:r>
+          </a:p>
+          <a:p>
+            <a:pPr lvl="1"/>
+            <a:r>
+              <a:rPr lang="en-US" dirty="0" smtClean="0"/>
+              <a:t>Exploit</a:t>
+            </a:r>
+            <a:endParaRPr lang="en-US" dirty="0" smtClean="0"/>
+          </a:p>
+        </p:txBody>
+      </p:sp>
+    </p:spTree>
+    <p:extLst>
+      <p:ext uri="{BB962C8B-B14F-4D97-AF65-F5344CB8AC3E}">
+        <p14:creationId xmlns:p14="http://schemas.microsoft.com/office/powerpoint/2010/main" val="2813834603"/>
+      </p:ext>
+    </p:extLst>
+  </p:cSld>
+  <p:clrMapOvr>
+    <a:masterClrMapping/>
+  </p:clrMapOvr>
+  <p:timing>
+    <p:tnLst>
+      <p:par>
+        <p:cTn xmlns:p14="http://schemas.microsoft.com/office/powerpoint/2010/main" id="1" dur="indefinite" restart="never" nodeType="tmRoot"/>
+      </p:par>
+    </p:tnLst>
+  </p:timing>
+</p:sld>
+</file>
+
+<file path=ppt/slides/slide21.xml><?xml version="1.0" encoding="utf-8"?>
+<p:sld xmlns:a="http://schemas.openxmlformats.org/drawingml/2006/main" xmlns:r="http://schemas.openxmlformats.org/officeDocument/2006/relationships" xmlns:p="http://schemas.openxmlformats.org/presentationml/2006/main">
+  <p:cSld>
+    <p:spTree>
+      <p:nvGrpSpPr>
+        <p:cNvPr id="1" name=""/>
+        <p:cNvGrpSpPr/>
+        <p:nvPr/>
+      </p:nvGrpSpPr>
+      <p:grpSpPr>
+        <a:xfrm>
+          <a:off x="0" y="0"/>
+          <a:ext cx="0" cy="0"/>
+          <a:chOff x="0" y="0"/>
+          <a:chExt cx="0" cy="0"/>
+        </a:xfrm>
+      </p:grpSpPr>
+      <p:sp>
+        <p:nvSpPr>
+          <p:cNvPr id="2" name="Title 1"/>
+          <p:cNvSpPr>
+            <a:spLocks noGrp="1"/>
+          </p:cNvSpPr>
+          <p:nvPr>
+            <p:ph type="title"/>
+          </p:nvPr>
+        </p:nvSpPr>
+        <p:spPr/>
+        <p:txBody>
+          <a:bodyPr/>
+          <a:lstStyle/>
+          <a:p>
+            <a:endParaRPr lang="en-US"/>
+          </a:p>
+        </p:txBody>
+      </p:sp>
+      <p:sp>
+        <p:nvSpPr>
+          <p:cNvPr id="3" name="Content Placeholder 2"/>
+          <p:cNvSpPr>
+            <a:spLocks noGrp="1"/>
+          </p:cNvSpPr>
+          <p:nvPr>
+            <p:ph idx="1"/>
+          </p:nvPr>
+        </p:nvSpPr>
+        <p:spPr/>
+        <p:txBody>
+          <a:bodyPr/>
+          <a:lstStyle/>
+          <a:p>
+            <a:endParaRPr lang="en-US"/>
+          </a:p>
+        </p:txBody>
+      </p:sp>
       <p:pic>
         <p:nvPicPr>
-          <p:cNvPr id="2" name="Picture 1" descr="110_DEP.jpg"/>
+          <p:cNvPr id="6" name="Picture 5" descr="100_ASLR.jpg"/>
+          <p:cNvPicPr>
+            <a:picLocks noChangeAspect="1"/>
+          </p:cNvPicPr>
+          <p:nvPr/>
+        </p:nvPicPr>
+        <p:blipFill>
+          <a:blip r:embed="rId2">
+            <a:extLst>
+              <a:ext uri="{28A0092B-C50C-407E-A947-70E740481C1C}">
+                <a14:useLocalDpi xmlns:a14="http://schemas.microsoft.com/office/drawing/2010/main" val="0"/>
+              </a:ext>
+            </a:extLst>
+          </a:blip>
+          <a:stretch>
+            <a:fillRect/>
+          </a:stretch>
+        </p:blipFill>
+        <p:spPr>
+          <a:xfrm>
+            <a:off x="0" y="0"/>
+            <a:ext cx="9114842" cy="6858000"/>
+          </a:xfrm>
+          <a:prstGeom prst="rect">
+            <a:avLst/>
+          </a:prstGeom>
+        </p:spPr>
+      </p:pic>
+    </p:spTree>
+    <p:extLst>
+      <p:ext uri="{BB962C8B-B14F-4D97-AF65-F5344CB8AC3E}">
+        <p14:creationId xmlns:p14="http://schemas.microsoft.com/office/powerpoint/2010/main" val="3812683012"/>
+      </p:ext>
+    </p:extLst>
+  </p:cSld>
+  <p:clrMapOvr>
+    <a:masterClrMapping/>
+  </p:clrMapOvr>
+  <p:timing>
+    <p:tnLst>
+      <p:par>
+        <p:cTn xmlns:p14="http://schemas.microsoft.com/office/powerpoint/2010/main" id="1" dur="indefinite" restart="never" nodeType="tmRoot"/>
+      </p:par>
+    </p:tnLst>
+  </p:timing>
+</p:sld>
+</file>
+
+<file path=ppt/slides/slide22.xml><?xml version="1.0" encoding="utf-8"?>
+<p:sld xmlns:a="http://schemas.openxmlformats.org/drawingml/2006/main" xmlns:r="http://schemas.openxmlformats.org/officeDocument/2006/relationships" xmlns:p="http://schemas.openxmlformats.org/presentationml/2006/main">
+  <p:cSld>
+    <p:spTree>
+      <p:nvGrpSpPr>
+        <p:cNvPr id="1" name=""/>
+        <p:cNvGrpSpPr/>
+        <p:nvPr/>
+      </p:nvGrpSpPr>
+      <p:grpSpPr>
+        <a:xfrm>
+          <a:off x="0" y="0"/>
+          <a:ext cx="0" cy="0"/>
+          <a:chOff x="0" y="0"/>
+          <a:chExt cx="0" cy="0"/>
+        </a:xfrm>
+      </p:grpSpPr>
+      <p:sp>
+        <p:nvSpPr>
+          <p:cNvPr id="2" name="Title 1"/>
+          <p:cNvSpPr>
+            <a:spLocks noGrp="1"/>
+          </p:cNvSpPr>
+          <p:nvPr>
+            <p:ph type="title"/>
+          </p:nvPr>
+        </p:nvSpPr>
+        <p:spPr/>
+        <p:txBody>
+          <a:bodyPr/>
+          <a:lstStyle/>
+          <a:p>
+            <a:r>
+              <a:rPr lang="en-US" dirty="0" smtClean="0"/>
+              <a:t>Demo</a:t>
+            </a:r>
+            <a:endParaRPr lang="en-US" dirty="0"/>
+          </a:p>
+        </p:txBody>
+      </p:sp>
+      <p:sp>
+        <p:nvSpPr>
+          <p:cNvPr id="3" name="Content Placeholder 2"/>
+          <p:cNvSpPr>
+            <a:spLocks noGrp="1"/>
+          </p:cNvSpPr>
+          <p:nvPr>
+            <p:ph idx="1"/>
+          </p:nvPr>
+        </p:nvSpPr>
+        <p:spPr/>
+        <p:txBody>
+          <a:bodyPr/>
+          <a:lstStyle/>
+          <a:p>
+            <a:r>
+              <a:rPr lang="en-US" dirty="0" smtClean="0"/>
+              <a:t>Previous Exploit (with ASLR enabled)</a:t>
+            </a:r>
+          </a:p>
+          <a:p>
+            <a:r>
+              <a:rPr lang="en-US" dirty="0" smtClean="0"/>
+              <a:t>Apply DEP mitigation / exploit</a:t>
+            </a:r>
+            <a:endParaRPr lang="en-US" dirty="0"/>
+          </a:p>
+        </p:txBody>
+      </p:sp>
+    </p:spTree>
+    <p:extLst>
+      <p:ext uri="{BB962C8B-B14F-4D97-AF65-F5344CB8AC3E}">
+        <p14:creationId xmlns:p14="http://schemas.microsoft.com/office/powerpoint/2010/main" val="3856896417"/>
+      </p:ext>
+    </p:extLst>
+  </p:cSld>
+  <p:clrMapOvr>
+    <a:masterClrMapping/>
+  </p:clrMapOvr>
+  <p:timing>
+    <p:tnLst>
+      <p:par>
+        <p:cTn xmlns:p14="http://schemas.microsoft.com/office/powerpoint/2010/main" id="1" dur="indefinite" restart="never" nodeType="tmRoot"/>
+      </p:par>
+    </p:tnLst>
+  </p:timing>
+</p:sld>
+</file>
+
+<file path=ppt/slides/slide23.xml><?xml version="1.0" encoding="utf-8"?>
+<p:sld xmlns:a="http://schemas.openxmlformats.org/drawingml/2006/main" xmlns:r="http://schemas.openxmlformats.org/officeDocument/2006/relationships" xmlns:p="http://schemas.openxmlformats.org/presentationml/2006/main">
+  <p:cSld>
+    <p:spTree>
+      <p:nvGrpSpPr>
+        <p:cNvPr id="1" name=""/>
+        <p:cNvGrpSpPr/>
+        <p:nvPr/>
+      </p:nvGrpSpPr>
+      <p:grpSpPr>
+        <a:xfrm>
+          <a:off x="0" y="0"/>
+          <a:ext cx="0" cy="0"/>
+          <a:chOff x="0" y="0"/>
+          <a:chExt cx="0" cy="0"/>
+        </a:xfrm>
+      </p:grpSpPr>
+      <p:sp>
+        <p:nvSpPr>
+          <p:cNvPr id="2" name="Title 1"/>
+          <p:cNvSpPr>
+            <a:spLocks noGrp="1"/>
+          </p:cNvSpPr>
+          <p:nvPr>
+            <p:ph type="title"/>
+          </p:nvPr>
+        </p:nvSpPr>
+        <p:spPr/>
+        <p:txBody>
+          <a:bodyPr/>
+          <a:lstStyle/>
+          <a:p>
+            <a:r>
+              <a:rPr lang="en-US" dirty="0" smtClean="0"/>
+              <a:t>WTF?</a:t>
+            </a:r>
+            <a:endParaRPr lang="en-US" dirty="0"/>
+          </a:p>
+        </p:txBody>
+      </p:sp>
+    </p:spTree>
+    <p:extLst>
+      <p:ext uri="{BB962C8B-B14F-4D97-AF65-F5344CB8AC3E}">
+        <p14:creationId xmlns:p14="http://schemas.microsoft.com/office/powerpoint/2010/main" val="1650030081"/>
+      </p:ext>
+    </p:extLst>
+  </p:cSld>
+  <p:clrMapOvr>
+    <a:masterClrMapping/>
+  </p:clrMapOvr>
+</p:sld>
+</file>
+
+<file path=ppt/slides/slide24.xml><?xml version="1.0" encoding="utf-8"?>
+<p:sld xmlns:a="http://schemas.openxmlformats.org/drawingml/2006/main" xmlns:r="http://schemas.openxmlformats.org/officeDocument/2006/relationships" xmlns:p="http://schemas.openxmlformats.org/presentationml/2006/main">
+  <p:cSld>
+    <p:spTree>
+      <p:nvGrpSpPr>
+        <p:cNvPr id="1" name=""/>
+        <p:cNvGrpSpPr/>
+        <p:nvPr/>
+      </p:nvGrpSpPr>
+      <p:grpSpPr>
+        <a:xfrm>
+          <a:off x="0" y="0"/>
+          <a:ext cx="0" cy="0"/>
+          <a:chOff x="0" y="0"/>
+          <a:chExt cx="0" cy="0"/>
+        </a:xfrm>
+      </p:grpSpPr>
+      <p:pic>
+        <p:nvPicPr>
+          <p:cNvPr id="3" name="Picture 2" descr="110_DEP.jpg"/>
           <p:cNvPicPr>
             <a:picLocks noChangeAspect="1"/>
           </p:cNvPicPr>
@@ -5829,7 +6159,7 @@
 </p:sld>
 </file>
 
-<file path=ppt/slides/slide21.xml><?xml version="1.0" encoding="utf-8"?>
+<file path=ppt/slides/slide25.xml><?xml version="1.0" encoding="utf-8"?>
 <p:sld xmlns:a="http://schemas.openxmlformats.org/drawingml/2006/main" xmlns:r="http://schemas.openxmlformats.org/officeDocument/2006/relationships" xmlns:p="http://schemas.openxmlformats.org/presentationml/2006/main">
   <p:cSld>
     <p:spTree>
@@ -5934,7 +6264,848 @@
 </p:sld>
 </file>
 
-<file path=ppt/slides/slide22.xml><?xml version="1.0" encoding="utf-8"?>
+<file path=ppt/slides/slide26.xml><?xml version="1.0" encoding="utf-8"?>
+<p:sld xmlns:a="http://schemas.openxmlformats.org/drawingml/2006/main" xmlns:r="http://schemas.openxmlformats.org/officeDocument/2006/relationships" xmlns:p="http://schemas.openxmlformats.org/presentationml/2006/main">
+  <p:cSld>
+    <p:spTree>
+      <p:nvGrpSpPr>
+        <p:cNvPr id="1" name=""/>
+        <p:cNvGrpSpPr/>
+        <p:nvPr/>
+      </p:nvGrpSpPr>
+      <p:grpSpPr>
+        <a:xfrm>
+          <a:off x="0" y="0"/>
+          <a:ext cx="0" cy="0"/>
+          <a:chOff x="0" y="0"/>
+          <a:chExt cx="0" cy="0"/>
+        </a:xfrm>
+      </p:grpSpPr>
+      <p:sp>
+        <p:nvSpPr>
+          <p:cNvPr id="2" name="Title 1"/>
+          <p:cNvSpPr>
+            <a:spLocks noGrp="1"/>
+          </p:cNvSpPr>
+          <p:nvPr>
+            <p:ph type="title"/>
+          </p:nvPr>
+        </p:nvSpPr>
+        <p:spPr/>
+        <p:txBody>
+          <a:bodyPr>
+            <a:normAutofit/>
+          </a:bodyPr>
+          <a:lstStyle/>
+          <a:p>
+            <a:r>
+              <a:rPr lang="en-US" dirty="0"/>
+              <a:t>Return-to-</a:t>
+            </a:r>
+            <a:r>
+              <a:rPr lang="en-US" dirty="0" err="1"/>
+              <a:t>libc</a:t>
+            </a:r>
+            <a:r>
+              <a:rPr lang="en-US" dirty="0"/>
+              <a:t> </a:t>
+            </a:r>
+            <a:r>
+              <a:rPr lang="en-US" dirty="0" smtClean="0"/>
+              <a:t>attack (</a:t>
+            </a:r>
+            <a:r>
+              <a:rPr lang="en-US" dirty="0" err="1" smtClean="0"/>
+              <a:t>dbu</a:t>
+            </a:r>
+            <a:r>
+              <a:rPr lang="en-US" dirty="0" smtClean="0"/>
+              <a:t>)</a:t>
+            </a:r>
+            <a:endParaRPr lang="en-US" dirty="0"/>
+          </a:p>
+        </p:txBody>
+      </p:sp>
+      <p:sp>
+        <p:nvSpPr>
+          <p:cNvPr id="3" name="Content Placeholder 2"/>
+          <p:cNvSpPr>
+            <a:spLocks noGrp="1"/>
+          </p:cNvSpPr>
+          <p:nvPr>
+            <p:ph idx="1"/>
+          </p:nvPr>
+        </p:nvSpPr>
+        <p:spPr/>
+        <p:txBody>
+          <a:bodyPr>
+            <a:normAutofit/>
+          </a:bodyPr>
+          <a:lstStyle/>
+          <a:p>
+            <a:pPr lvl="1"/>
+            <a:r>
+              <a:rPr lang="en-US" dirty="0" smtClean="0"/>
+              <a:t>Overwrite the return address like in the </a:t>
+            </a:r>
+            <a:r>
+              <a:rPr lang="en-US" dirty="0"/>
+              <a:t>traditional attack and </a:t>
+            </a:r>
+            <a:r>
+              <a:rPr lang="en-US" dirty="0" smtClean="0"/>
+              <a:t>point </a:t>
+            </a:r>
+            <a:r>
+              <a:rPr lang="en-US" dirty="0"/>
+              <a:t>it to a function in </a:t>
+            </a:r>
+            <a:r>
+              <a:rPr lang="en-US" dirty="0" err="1" smtClean="0"/>
+              <a:t>libc</a:t>
+            </a:r>
+            <a:endParaRPr lang="en-US" dirty="0" smtClean="0"/>
+          </a:p>
+          <a:p>
+            <a:pPr lvl="1"/>
+            <a:r>
+              <a:rPr lang="en-US" dirty="0" smtClean="0"/>
+              <a:t>When </a:t>
+            </a:r>
+            <a:r>
+              <a:rPr lang="en-US" dirty="0" smtClean="0">
+                <a:latin typeface="Courier New"/>
+              </a:rPr>
+              <a:t>ret</a:t>
+            </a:r>
+            <a:r>
+              <a:rPr lang="en-US" dirty="0" smtClean="0"/>
+              <a:t> is performed the attacker controls the address (e.g. the system() function call)</a:t>
+            </a:r>
+          </a:p>
+          <a:p>
+            <a:pPr lvl="1"/>
+            <a:r>
+              <a:rPr lang="en-US" dirty="0" smtClean="0"/>
+              <a:t>She can write her own stack frame data beyond the ret address: (e.g. pointer to “/bin/</a:t>
+            </a:r>
+            <a:r>
+              <a:rPr lang="en-US" dirty="0" err="1" smtClean="0"/>
+              <a:t>sh</a:t>
+            </a:r>
+            <a:r>
+              <a:rPr lang="en-US" dirty="0" smtClean="0"/>
+              <a:t>”)</a:t>
+            </a:r>
+          </a:p>
+          <a:p>
+            <a:pPr lvl="1"/>
+            <a:r>
+              <a:rPr lang="en-US" dirty="0" smtClean="0"/>
+              <a:t>Limited to one function call (which might not be enough in all cases)</a:t>
+            </a:r>
+          </a:p>
+        </p:txBody>
+      </p:sp>
+    </p:spTree>
+    <p:extLst>
+      <p:ext uri="{BB962C8B-B14F-4D97-AF65-F5344CB8AC3E}">
+        <p14:creationId xmlns:p14="http://schemas.microsoft.com/office/powerpoint/2010/main" val="3393532301"/>
+      </p:ext>
+    </p:extLst>
+  </p:cSld>
+  <p:clrMapOvr>
+    <a:masterClrMapping/>
+  </p:clrMapOvr>
+  <p:timing>
+    <p:tnLst>
+      <p:par>
+        <p:cTn xmlns:p14="http://schemas.microsoft.com/office/powerpoint/2010/main" id="1" dur="indefinite" restart="never" nodeType="tmRoot"/>
+      </p:par>
+    </p:tnLst>
+  </p:timing>
+</p:sld>
+</file>
+
+<file path=ppt/slides/slide27.xml><?xml version="1.0" encoding="utf-8"?>
+<p:sld xmlns:a="http://schemas.openxmlformats.org/drawingml/2006/main" xmlns:r="http://schemas.openxmlformats.org/officeDocument/2006/relationships" xmlns:p="http://schemas.openxmlformats.org/presentationml/2006/main">
+  <p:cSld>
+    <p:spTree>
+      <p:nvGrpSpPr>
+        <p:cNvPr id="1" name=""/>
+        <p:cNvGrpSpPr/>
+        <p:nvPr/>
+      </p:nvGrpSpPr>
+      <p:grpSpPr>
+        <a:xfrm>
+          <a:off x="0" y="0"/>
+          <a:ext cx="0" cy="0"/>
+          <a:chOff x="0" y="0"/>
+          <a:chExt cx="0" cy="0"/>
+        </a:xfrm>
+      </p:grpSpPr>
+      <p:sp>
+        <p:nvSpPr>
+          <p:cNvPr id="2" name="Title 1"/>
+          <p:cNvSpPr>
+            <a:spLocks noGrp="1"/>
+          </p:cNvSpPr>
+          <p:nvPr>
+            <p:ph type="title"/>
+          </p:nvPr>
+        </p:nvSpPr>
+        <p:spPr/>
+        <p:txBody>
+          <a:bodyPr>
+            <a:normAutofit fontScale="90000"/>
+          </a:bodyPr>
+          <a:lstStyle/>
+          <a:p>
+            <a:r>
+              <a:rPr lang="en-US" dirty="0" smtClean="0"/>
+              <a:t>Return Oriented Programming (</a:t>
+            </a:r>
+            <a:r>
+              <a:rPr lang="en-US" dirty="0" err="1" smtClean="0"/>
+              <a:t>dbu</a:t>
+            </a:r>
+            <a:r>
+              <a:rPr lang="en-US" dirty="0" smtClean="0"/>
+              <a:t>)</a:t>
+            </a:r>
+            <a:endParaRPr lang="en-US" dirty="0"/>
+          </a:p>
+        </p:txBody>
+      </p:sp>
+      <p:sp>
+        <p:nvSpPr>
+          <p:cNvPr id="3" name="Content Placeholder 2"/>
+          <p:cNvSpPr>
+            <a:spLocks noGrp="1"/>
+          </p:cNvSpPr>
+          <p:nvPr>
+            <p:ph idx="1"/>
+          </p:nvPr>
+        </p:nvSpPr>
+        <p:spPr/>
+        <p:txBody>
+          <a:bodyPr/>
+          <a:lstStyle/>
+          <a:p>
+            <a:pPr lvl="1"/>
+            <a:r>
+              <a:rPr lang="en-US" dirty="0" smtClean="0"/>
+              <a:t>Extension of return-to-</a:t>
+            </a:r>
+            <a:r>
+              <a:rPr lang="en-US" dirty="0" err="1" smtClean="0"/>
+              <a:t>libc</a:t>
+            </a:r>
+            <a:endParaRPr lang="en-US" dirty="0" smtClean="0"/>
+          </a:p>
+          <a:p>
+            <a:pPr lvl="1"/>
+            <a:r>
+              <a:rPr lang="en-US" dirty="0"/>
+              <a:t>C</a:t>
+            </a:r>
+            <a:r>
+              <a:rPr lang="en-US" dirty="0" smtClean="0"/>
+              <a:t>reate multiple stack frames after each other</a:t>
+            </a:r>
+          </a:p>
+          <a:p>
+            <a:pPr lvl="1"/>
+            <a:r>
+              <a:rPr lang="en-US" dirty="0" smtClean="0"/>
+              <a:t>Chain together addresses with instructions ending in </a:t>
+            </a:r>
+            <a:r>
+              <a:rPr lang="en-US" dirty="0" smtClean="0">
+                <a:latin typeface="Courier New"/>
+              </a:rPr>
+              <a:t>ret</a:t>
+            </a:r>
+            <a:r>
+              <a:rPr lang="en-US" dirty="0" smtClean="0"/>
+              <a:t> (known as gadgets)</a:t>
+            </a:r>
+          </a:p>
+          <a:p>
+            <a:pPr lvl="1"/>
+            <a:r>
+              <a:rPr lang="en-US" dirty="0"/>
+              <a:t> </a:t>
+            </a:r>
+            <a:r>
+              <a:rPr lang="en-US" dirty="0" smtClean="0"/>
+              <a:t>The hard part is finding suitable gadgets and where they are mapped in the address space</a:t>
+            </a:r>
+          </a:p>
+        </p:txBody>
+      </p:sp>
+    </p:spTree>
+    <p:extLst>
+      <p:ext uri="{BB962C8B-B14F-4D97-AF65-F5344CB8AC3E}">
+        <p14:creationId xmlns:p14="http://schemas.microsoft.com/office/powerpoint/2010/main" val="15523703"/>
+      </p:ext>
+    </p:extLst>
+  </p:cSld>
+  <p:clrMapOvr>
+    <a:masterClrMapping/>
+  </p:clrMapOvr>
+  <p:timing>
+    <p:tnLst>
+      <p:par>
+        <p:cTn xmlns:p14="http://schemas.microsoft.com/office/powerpoint/2010/main" id="1" dur="indefinite" restart="never" nodeType="tmRoot"/>
+      </p:par>
+    </p:tnLst>
+  </p:timing>
+</p:sld>
+</file>
+
+<file path=ppt/slides/slide28.xml><?xml version="1.0" encoding="utf-8"?>
+<p:sld xmlns:a="http://schemas.openxmlformats.org/drawingml/2006/main" xmlns:r="http://schemas.openxmlformats.org/officeDocument/2006/relationships" xmlns:p="http://schemas.openxmlformats.org/presentationml/2006/main">
+  <p:cSld>
+    <p:spTree>
+      <p:nvGrpSpPr>
+        <p:cNvPr id="1" name=""/>
+        <p:cNvGrpSpPr/>
+        <p:nvPr/>
+      </p:nvGrpSpPr>
+      <p:grpSpPr>
+        <a:xfrm>
+          <a:off x="0" y="0"/>
+          <a:ext cx="0" cy="0"/>
+          <a:chOff x="0" y="0"/>
+          <a:chExt cx="0" cy="0"/>
+        </a:xfrm>
+      </p:grpSpPr>
+      <p:sp>
+        <p:nvSpPr>
+          <p:cNvPr id="2" name="Title 1"/>
+          <p:cNvSpPr>
+            <a:spLocks noGrp="1"/>
+          </p:cNvSpPr>
+          <p:nvPr>
+            <p:ph type="title"/>
+          </p:nvPr>
+        </p:nvSpPr>
+        <p:spPr/>
+        <p:txBody>
+          <a:bodyPr/>
+          <a:lstStyle/>
+          <a:p>
+            <a:r>
+              <a:rPr lang="en-US" dirty="0" smtClean="0"/>
+              <a:t>ROP challenges	</a:t>
+            </a:r>
+            <a:endParaRPr lang="en-US" dirty="0"/>
+          </a:p>
+        </p:txBody>
+      </p:sp>
+      <p:sp>
+        <p:nvSpPr>
+          <p:cNvPr id="3" name="Content Placeholder 2"/>
+          <p:cNvSpPr>
+            <a:spLocks noGrp="1"/>
+          </p:cNvSpPr>
+          <p:nvPr>
+            <p:ph idx="1"/>
+          </p:nvPr>
+        </p:nvSpPr>
+        <p:spPr/>
+        <p:txBody>
+          <a:bodyPr>
+            <a:normAutofit lnSpcReduction="10000"/>
+          </a:bodyPr>
+          <a:lstStyle/>
+          <a:p>
+            <a:r>
+              <a:rPr lang="en-US" dirty="0" smtClean="0"/>
+              <a:t>If exploiting </a:t>
+            </a:r>
+            <a:r>
+              <a:rPr lang="en-US" dirty="0" err="1" smtClean="0"/>
+              <a:t>strcpy</a:t>
+            </a:r>
+            <a:r>
+              <a:rPr lang="en-US" dirty="0" smtClean="0"/>
+              <a:t> no NUL bytes may be present in the payload</a:t>
+            </a:r>
+          </a:p>
+          <a:p>
+            <a:pPr lvl="1"/>
+            <a:r>
+              <a:rPr lang="en-US" dirty="0" smtClean="0"/>
+              <a:t>Use </a:t>
+            </a:r>
+            <a:r>
+              <a:rPr lang="en-US" dirty="0" smtClean="0">
+                <a:latin typeface="Courier New"/>
+              </a:rPr>
+              <a:t>xor</a:t>
+            </a:r>
+            <a:r>
+              <a:rPr lang="en-US" dirty="0" smtClean="0"/>
+              <a:t> / </a:t>
+            </a:r>
+            <a:r>
+              <a:rPr lang="en-US" dirty="0" smtClean="0">
+                <a:latin typeface="Courier New"/>
+              </a:rPr>
+              <a:t>incr</a:t>
+            </a:r>
+            <a:r>
+              <a:rPr lang="en-US" dirty="0" smtClean="0"/>
+              <a:t> / </a:t>
+            </a:r>
+            <a:r>
+              <a:rPr lang="en-US" dirty="0" smtClean="0">
+                <a:latin typeface="Courier New"/>
+              </a:rPr>
+              <a:t>decr</a:t>
+            </a:r>
+            <a:r>
+              <a:rPr lang="en-US" dirty="0" smtClean="0"/>
+              <a:t> in a gadget to create 0x00 bytes</a:t>
+            </a:r>
+          </a:p>
+          <a:p>
+            <a:r>
+              <a:rPr lang="en-US" dirty="0" smtClean="0"/>
+              <a:t>Finding usable gadgets can be hard work</a:t>
+            </a:r>
+          </a:p>
+          <a:p>
+            <a:pPr lvl="1"/>
+            <a:r>
+              <a:rPr lang="en-US" dirty="0" smtClean="0"/>
+              <a:t>Use a tool where you can filter on useful gadgets</a:t>
+            </a:r>
+          </a:p>
+          <a:p>
+            <a:pPr lvl="1"/>
+            <a:r>
+              <a:rPr lang="en-US" dirty="0" smtClean="0"/>
+              <a:t>There exists tools to generate a complete ROP payload based on the flora of available gadgets</a:t>
+            </a:r>
+          </a:p>
+          <a:p>
+            <a:pPr lvl="1"/>
+            <a:r>
+              <a:rPr lang="en-US" dirty="0" smtClean="0"/>
+              <a:t>An attacker can abuse non-aligned instructions</a:t>
+            </a:r>
+            <a:endParaRPr lang="en-US" dirty="0"/>
+          </a:p>
+        </p:txBody>
+      </p:sp>
+    </p:spTree>
+    <p:extLst>
+      <p:ext uri="{BB962C8B-B14F-4D97-AF65-F5344CB8AC3E}">
+        <p14:creationId xmlns:p14="http://schemas.microsoft.com/office/powerpoint/2010/main" val="1700955891"/>
+      </p:ext>
+    </p:extLst>
+  </p:cSld>
+  <p:clrMapOvr>
+    <a:masterClrMapping/>
+  </p:clrMapOvr>
+  <p:timing>
+    <p:tnLst>
+      <p:par>
+        <p:cTn xmlns:p14="http://schemas.microsoft.com/office/powerpoint/2010/main" id="1" dur="indefinite" restart="never" nodeType="tmRoot"/>
+      </p:par>
+    </p:tnLst>
+  </p:timing>
+</p:sld>
+</file>
+
+<file path=ppt/slides/slide29.xml><?xml version="1.0" encoding="utf-8"?>
+<p:sld xmlns:a="http://schemas.openxmlformats.org/drawingml/2006/main" xmlns:r="http://schemas.openxmlformats.org/officeDocument/2006/relationships" xmlns:p="http://schemas.openxmlformats.org/presentationml/2006/main">
+  <p:cSld>
+    <p:spTree>
+      <p:nvGrpSpPr>
+        <p:cNvPr id="1" name=""/>
+        <p:cNvGrpSpPr/>
+        <p:nvPr/>
+      </p:nvGrpSpPr>
+      <p:grpSpPr>
+        <a:xfrm>
+          <a:off x="0" y="0"/>
+          <a:ext cx="0" cy="0"/>
+          <a:chOff x="0" y="0"/>
+          <a:chExt cx="0" cy="0"/>
+        </a:xfrm>
+      </p:grpSpPr>
+      <p:sp>
+        <p:nvSpPr>
+          <p:cNvPr id="2" name="Title 1"/>
+          <p:cNvSpPr>
+            <a:spLocks noGrp="1"/>
+          </p:cNvSpPr>
+          <p:nvPr>
+            <p:ph type="title"/>
+          </p:nvPr>
+        </p:nvSpPr>
+        <p:spPr/>
+        <p:txBody>
+          <a:bodyPr>
+            <a:normAutofit/>
+          </a:bodyPr>
+          <a:lstStyle/>
+          <a:p>
+            <a:r>
+              <a:rPr lang="en-US" dirty="0" smtClean="0"/>
+              <a:t>Tools for writing ROP chains	 (</a:t>
+            </a:r>
+            <a:r>
+              <a:rPr lang="en-US" dirty="0" err="1" smtClean="0"/>
+              <a:t>dbu</a:t>
+            </a:r>
+            <a:r>
+              <a:rPr lang="en-US" dirty="0" smtClean="0"/>
+              <a:t>)</a:t>
+            </a:r>
+            <a:endParaRPr lang="en-US" dirty="0"/>
+          </a:p>
+        </p:txBody>
+      </p:sp>
+      <p:sp>
+        <p:nvSpPr>
+          <p:cNvPr id="3" name="Content Placeholder 2"/>
+          <p:cNvSpPr>
+            <a:spLocks noGrp="1"/>
+          </p:cNvSpPr>
+          <p:nvPr>
+            <p:ph idx="1"/>
+          </p:nvPr>
+        </p:nvSpPr>
+        <p:spPr/>
+        <p:txBody>
+          <a:bodyPr/>
+          <a:lstStyle/>
+          <a:p>
+            <a:r>
+              <a:rPr lang="en-US" dirty="0" err="1" smtClean="0"/>
+              <a:t>metasploit</a:t>
+            </a:r>
+            <a:r>
+              <a:rPr lang="en-US" dirty="0" smtClean="0"/>
+              <a:t>/</a:t>
+            </a:r>
+            <a:r>
+              <a:rPr lang="en-US" dirty="0" err="1" smtClean="0"/>
+              <a:t>msfrop</a:t>
+            </a:r>
+            <a:r>
+              <a:rPr lang="en-US" dirty="0" smtClean="0"/>
+              <a:t> – a gadget finder</a:t>
+            </a:r>
+          </a:p>
+          <a:p>
+            <a:r>
+              <a:rPr lang="en-US" dirty="0" err="1" smtClean="0"/>
+              <a:t>gogo</a:t>
+            </a:r>
+            <a:r>
+              <a:rPr lang="en-US" dirty="0" smtClean="0"/>
+              <a:t> – </a:t>
+            </a:r>
+            <a:r>
+              <a:rPr lang="en-US" dirty="0" err="1" smtClean="0"/>
+              <a:t>pwahlman’s</a:t>
+            </a:r>
+            <a:r>
+              <a:rPr lang="en-US" dirty="0" smtClean="0"/>
+              <a:t> gadget finder</a:t>
+            </a:r>
+          </a:p>
+          <a:p>
+            <a:r>
+              <a:rPr lang="en-US" dirty="0" err="1"/>
+              <a:t>ropc</a:t>
+            </a:r>
+            <a:r>
+              <a:rPr lang="en-US" dirty="0"/>
+              <a:t> – a </a:t>
+            </a:r>
+            <a:r>
+              <a:rPr lang="en-US" dirty="0" smtClean="0"/>
+              <a:t>ROP payload compiler</a:t>
+            </a:r>
+          </a:p>
+          <a:p>
+            <a:r>
+              <a:rPr lang="en-US" dirty="0" smtClean="0"/>
+              <a:t>A plethora of other tools</a:t>
+            </a:r>
+          </a:p>
+        </p:txBody>
+      </p:sp>
+    </p:spTree>
+    <p:extLst>
+      <p:ext uri="{BB962C8B-B14F-4D97-AF65-F5344CB8AC3E}">
+        <p14:creationId xmlns:p14="http://schemas.microsoft.com/office/powerpoint/2010/main" val="82216525"/>
+      </p:ext>
+    </p:extLst>
+  </p:cSld>
+  <p:clrMapOvr>
+    <a:masterClrMapping/>
+  </p:clrMapOvr>
+  <p:timing>
+    <p:tnLst>
+      <p:par>
+        <p:cTn xmlns:p14="http://schemas.microsoft.com/office/powerpoint/2010/main" id="1" dur="indefinite" restart="never" nodeType="tmRoot"/>
+      </p:par>
+    </p:tnLst>
+  </p:timing>
+</p:sld>
+</file>
+
+<file path=ppt/slides/slide3.xml><?xml version="1.0" encoding="utf-8"?>
+<p:sld xmlns:a="http://schemas.openxmlformats.org/drawingml/2006/main" xmlns:r="http://schemas.openxmlformats.org/officeDocument/2006/relationships" xmlns:p="http://schemas.openxmlformats.org/presentationml/2006/main">
+  <p:cSld>
+    <p:spTree>
+      <p:nvGrpSpPr>
+        <p:cNvPr id="1" name=""/>
+        <p:cNvGrpSpPr/>
+        <p:nvPr/>
+      </p:nvGrpSpPr>
+      <p:grpSpPr>
+        <a:xfrm>
+          <a:off x="0" y="0"/>
+          <a:ext cx="0" cy="0"/>
+          <a:chOff x="0" y="0"/>
+          <a:chExt cx="0" cy="0"/>
+        </a:xfrm>
+      </p:grpSpPr>
+      <p:sp>
+        <p:nvSpPr>
+          <p:cNvPr id="2" name="Title 1"/>
+          <p:cNvSpPr>
+            <a:spLocks noGrp="1"/>
+          </p:cNvSpPr>
+          <p:nvPr>
+            <p:ph type="title"/>
+          </p:nvPr>
+        </p:nvSpPr>
+        <p:spPr/>
+        <p:txBody>
+          <a:bodyPr/>
+          <a:lstStyle/>
+          <a:p>
+            <a:r>
+              <a:rPr lang="en-US" dirty="0" smtClean="0"/>
+              <a:t>What is ROP? (</a:t>
+            </a:r>
+            <a:r>
+              <a:rPr lang="en-US" dirty="0" err="1" smtClean="0"/>
+              <a:t>dbu</a:t>
+            </a:r>
+            <a:r>
+              <a:rPr lang="en-US" dirty="0" smtClean="0"/>
+              <a:t> + </a:t>
+            </a:r>
+            <a:r>
+              <a:rPr lang="en-US" dirty="0" err="1" smtClean="0"/>
+              <a:t>pwa</a:t>
+            </a:r>
+            <a:r>
+              <a:rPr lang="en-US" dirty="0" smtClean="0"/>
+              <a:t>)</a:t>
+            </a:r>
+            <a:endParaRPr lang="en-US" dirty="0"/>
+          </a:p>
+        </p:txBody>
+      </p:sp>
+      <p:sp>
+        <p:nvSpPr>
+          <p:cNvPr id="3" name="Content Placeholder 2"/>
+          <p:cNvSpPr>
+            <a:spLocks noGrp="1"/>
+          </p:cNvSpPr>
+          <p:nvPr>
+            <p:ph idx="1"/>
+          </p:nvPr>
+        </p:nvSpPr>
+        <p:spPr/>
+        <p:txBody>
+          <a:bodyPr/>
+          <a:lstStyle/>
+          <a:p>
+            <a:pPr marL="457200" lvl="1" indent="0">
+              <a:buNone/>
+            </a:pPr>
+            <a:r>
+              <a:rPr lang="en-US" dirty="0" smtClean="0"/>
+              <a:t>“</a:t>
+            </a:r>
+            <a:r>
+              <a:rPr lang="en-US" dirty="0"/>
+              <a:t>Return-oriented programming (ROP) is a computer security exploit technique that allows an attacker to execute code in the presence of security </a:t>
+            </a:r>
+            <a:r>
+              <a:rPr lang="en-US" dirty="0" smtClean="0"/>
+              <a:t>defenses” - Wikipedia</a:t>
+            </a:r>
+          </a:p>
+          <a:p>
+            <a:pPr marL="457200" lvl="1" indent="0">
+              <a:buNone/>
+            </a:pPr>
+            <a:endParaRPr lang="en-US" dirty="0" smtClean="0"/>
+          </a:p>
+          <a:p>
+            <a:pPr lvl="1">
+              <a:buFont typeface="Arial"/>
+              <a:buChar char="•"/>
+            </a:pPr>
+            <a:r>
+              <a:rPr lang="en-US" dirty="0" smtClean="0"/>
+              <a:t>Theoretically, one can perform ROP in a few different ways, but we will focus on buffer overflows</a:t>
+            </a:r>
+          </a:p>
+          <a:p>
+            <a:pPr marL="457200" lvl="1" indent="0">
+              <a:buNone/>
+            </a:pPr>
+            <a:endParaRPr lang="en-US" dirty="0"/>
+          </a:p>
+          <a:p>
+            <a:pPr marL="457200" lvl="1" indent="0">
+              <a:buNone/>
+            </a:pPr>
+            <a:endParaRPr lang="en-US" dirty="0" smtClean="0"/>
+          </a:p>
+        </p:txBody>
+      </p:sp>
+    </p:spTree>
+    <p:extLst>
+      <p:ext uri="{BB962C8B-B14F-4D97-AF65-F5344CB8AC3E}">
+        <p14:creationId xmlns:p14="http://schemas.microsoft.com/office/powerpoint/2010/main" val="1136095492"/>
+      </p:ext>
+    </p:extLst>
+  </p:cSld>
+  <p:clrMapOvr>
+    <a:masterClrMapping/>
+  </p:clrMapOvr>
+  <p:timing>
+    <p:tnLst>
+      <p:par>
+        <p:cTn xmlns:p14="http://schemas.microsoft.com/office/powerpoint/2010/main" id="1" dur="indefinite" restart="never" nodeType="tmRoot"/>
+      </p:par>
+    </p:tnLst>
+  </p:timing>
+</p:sld>
+</file>
+
+<file path=ppt/slides/slide30.xml><?xml version="1.0" encoding="utf-8"?>
+<p:sld xmlns:a="http://schemas.openxmlformats.org/drawingml/2006/main" xmlns:r="http://schemas.openxmlformats.org/officeDocument/2006/relationships" xmlns:p="http://schemas.openxmlformats.org/presentationml/2006/main">
+  <p:cSld>
+    <p:spTree>
+      <p:nvGrpSpPr>
+        <p:cNvPr id="1" name=""/>
+        <p:cNvGrpSpPr/>
+        <p:nvPr/>
+      </p:nvGrpSpPr>
+      <p:grpSpPr>
+        <a:xfrm>
+          <a:off x="0" y="0"/>
+          <a:ext cx="0" cy="0"/>
+          <a:chOff x="0" y="0"/>
+          <a:chExt cx="0" cy="0"/>
+        </a:xfrm>
+      </p:grpSpPr>
+      <p:sp>
+        <p:nvSpPr>
+          <p:cNvPr id="2" name="Title 1"/>
+          <p:cNvSpPr>
+            <a:spLocks noGrp="1"/>
+          </p:cNvSpPr>
+          <p:nvPr>
+            <p:ph type="title"/>
+          </p:nvPr>
+        </p:nvSpPr>
+        <p:spPr/>
+        <p:txBody>
+          <a:bodyPr/>
+          <a:lstStyle/>
+          <a:p>
+            <a:endParaRPr lang="en-US"/>
+          </a:p>
+        </p:txBody>
+      </p:sp>
+      <p:sp>
+        <p:nvSpPr>
+          <p:cNvPr id="3" name="Content Placeholder 2"/>
+          <p:cNvSpPr>
+            <a:spLocks noGrp="1"/>
+          </p:cNvSpPr>
+          <p:nvPr>
+            <p:ph idx="1"/>
+          </p:nvPr>
+        </p:nvSpPr>
+        <p:spPr/>
+        <p:txBody>
+          <a:bodyPr/>
+          <a:lstStyle/>
+          <a:p>
+            <a:endParaRPr lang="en-US"/>
+          </a:p>
+        </p:txBody>
+      </p:sp>
+      <p:pic>
+        <p:nvPicPr>
+          <p:cNvPr id="5" name="Picture 4" descr="130_ROP.jpg"/>
+          <p:cNvPicPr>
+            <a:picLocks noChangeAspect="1"/>
+          </p:cNvPicPr>
+          <p:nvPr/>
+        </p:nvPicPr>
+        <p:blipFill>
+          <a:blip r:embed="rId2">
+            <a:extLst>
+              <a:ext uri="{28A0092B-C50C-407E-A947-70E740481C1C}">
+                <a14:useLocalDpi xmlns:a14="http://schemas.microsoft.com/office/drawing/2010/main" val="0"/>
+              </a:ext>
+            </a:extLst>
+          </a:blip>
+          <a:stretch>
+            <a:fillRect/>
+          </a:stretch>
+        </p:blipFill>
+        <p:spPr>
+          <a:xfrm>
+            <a:off x="0" y="0"/>
+            <a:ext cx="9114842" cy="6858000"/>
+          </a:xfrm>
+          <a:prstGeom prst="rect">
+            <a:avLst/>
+          </a:prstGeom>
+        </p:spPr>
+      </p:pic>
+    </p:spTree>
+    <p:extLst>
+      <p:ext uri="{BB962C8B-B14F-4D97-AF65-F5344CB8AC3E}">
+        <p14:creationId xmlns:p14="http://schemas.microsoft.com/office/powerpoint/2010/main" val="2598873117"/>
+      </p:ext>
+    </p:extLst>
+  </p:cSld>
+  <p:clrMapOvr>
+    <a:masterClrMapping/>
+  </p:clrMapOvr>
+  <p:timing>
+    <p:tnLst>
+      <p:par>
+        <p:cTn xmlns:p14="http://schemas.microsoft.com/office/powerpoint/2010/main" id="1" dur="indefinite" restart="never" nodeType="tmRoot"/>
+      </p:par>
+    </p:tnLst>
+  </p:timing>
+</p:sld>
+</file>
+
+<file path=ppt/slides/slide31.xml><?xml version="1.0" encoding="utf-8"?>
 <p:sld xmlns:a="http://schemas.openxmlformats.org/drawingml/2006/main" xmlns:r="http://schemas.openxmlformats.org/officeDocument/2006/relationships" xmlns:p="http://schemas.openxmlformats.org/presentationml/2006/main">
   <p:cSld>
     <p:spTree>
@@ -6033,162 +7204,6 @@
   <p:clrMapOvr>
     <a:masterClrMapping/>
   </p:clrMapOvr>
-</p:sld>
-</file>
-
-<file path=ppt/slides/slide23.xml><?xml version="1.0" encoding="utf-8"?>
-<p:sld xmlns:a="http://schemas.openxmlformats.org/drawingml/2006/main" xmlns:r="http://schemas.openxmlformats.org/officeDocument/2006/relationships" xmlns:p="http://schemas.openxmlformats.org/presentationml/2006/main">
-  <p:cSld>
-    <p:spTree>
-      <p:nvGrpSpPr>
-        <p:cNvPr id="1" name=""/>
-        <p:cNvGrpSpPr/>
-        <p:nvPr/>
-      </p:nvGrpSpPr>
-      <p:grpSpPr>
-        <a:xfrm>
-          <a:off x="0" y="0"/>
-          <a:ext cx="0" cy="0"/>
-          <a:chOff x="0" y="0"/>
-          <a:chExt cx="0" cy="0"/>
-        </a:xfrm>
-      </p:grpSpPr>
-      <p:sp>
-        <p:nvSpPr>
-          <p:cNvPr id="2" name="Title 1"/>
-          <p:cNvSpPr>
-            <a:spLocks noGrp="1"/>
-          </p:cNvSpPr>
-          <p:nvPr>
-            <p:ph type="title"/>
-          </p:nvPr>
-        </p:nvSpPr>
-        <p:spPr/>
-        <p:txBody>
-          <a:bodyPr>
-            <a:normAutofit/>
-          </a:bodyPr>
-          <a:lstStyle/>
-          <a:p>
-            <a:r>
-              <a:rPr lang="en-US" dirty="0"/>
-              <a:t>Return-to-</a:t>
-            </a:r>
-            <a:r>
-              <a:rPr lang="en-US" dirty="0" err="1"/>
-              <a:t>libc</a:t>
-            </a:r>
-            <a:r>
-              <a:rPr lang="en-US" dirty="0"/>
-              <a:t> </a:t>
-            </a:r>
-            <a:r>
-              <a:rPr lang="en-US" dirty="0" smtClean="0"/>
-              <a:t>attack (</a:t>
-            </a:r>
-            <a:r>
-              <a:rPr lang="en-US" dirty="0" err="1" smtClean="0"/>
-              <a:t>dbu</a:t>
-            </a:r>
-            <a:r>
-              <a:rPr lang="en-US" dirty="0" smtClean="0"/>
-              <a:t>)</a:t>
-            </a:r>
-            <a:endParaRPr lang="en-US" dirty="0"/>
-          </a:p>
-        </p:txBody>
-      </p:sp>
-      <p:sp>
-        <p:nvSpPr>
-          <p:cNvPr id="3" name="Content Placeholder 2"/>
-          <p:cNvSpPr>
-            <a:spLocks noGrp="1"/>
-          </p:cNvSpPr>
-          <p:nvPr>
-            <p:ph idx="1"/>
-          </p:nvPr>
-        </p:nvSpPr>
-        <p:spPr/>
-        <p:txBody>
-          <a:bodyPr>
-            <a:normAutofit/>
-          </a:bodyPr>
-          <a:lstStyle/>
-          <a:p>
-            <a:pPr lvl="1"/>
-            <a:r>
-              <a:rPr lang="en-US" dirty="0" smtClean="0"/>
-              <a:t>Overwrite the return address like in the </a:t>
-            </a:r>
-            <a:r>
-              <a:rPr lang="en-US" dirty="0"/>
-              <a:t>traditional attack and </a:t>
-            </a:r>
-            <a:r>
-              <a:rPr lang="en-US" dirty="0" smtClean="0"/>
-              <a:t>point </a:t>
-            </a:r>
-            <a:r>
-              <a:rPr lang="en-US" dirty="0"/>
-              <a:t>it to a function in </a:t>
-            </a:r>
-            <a:r>
-              <a:rPr lang="en-US" dirty="0" err="1" smtClean="0"/>
-              <a:t>libc</a:t>
-            </a:r>
-            <a:endParaRPr lang="en-US" dirty="0" smtClean="0"/>
-          </a:p>
-          <a:p>
-            <a:pPr lvl="1"/>
-            <a:r>
-              <a:rPr lang="en-US" dirty="0" smtClean="0"/>
-              <a:t>When </a:t>
-            </a:r>
-            <a:r>
-              <a:rPr lang="en-US" dirty="0" smtClean="0">
-                <a:latin typeface="Courier New"/>
-              </a:rPr>
-              <a:t>ret</a:t>
-            </a:r>
-            <a:r>
-              <a:rPr lang="en-US" dirty="0" smtClean="0"/>
-              <a:t> is performed the attacker controls the address (e.g. the system() function call)</a:t>
-            </a:r>
-          </a:p>
-          <a:p>
-            <a:pPr lvl="1"/>
-            <a:r>
-              <a:rPr lang="en-US" dirty="0" smtClean="0"/>
-              <a:t>She can write her own stack frame data beyond the ret address: (e.g. pointer to “/bin/</a:t>
-            </a:r>
-            <a:r>
-              <a:rPr lang="en-US" dirty="0" err="1" smtClean="0"/>
-              <a:t>sh</a:t>
-            </a:r>
-            <a:r>
-              <a:rPr lang="en-US" dirty="0" smtClean="0"/>
-              <a:t>”)</a:t>
-            </a:r>
-          </a:p>
-          <a:p>
-            <a:pPr lvl="1"/>
-            <a:r>
-              <a:rPr lang="en-US" dirty="0" smtClean="0"/>
-              <a:t>Limited to one function call (which might not be enough in all cases)</a:t>
-            </a:r>
-          </a:p>
-        </p:txBody>
-      </p:sp>
-    </p:spTree>
-    <p:extLst>
-      <p:ext uri="{BB962C8B-B14F-4D97-AF65-F5344CB8AC3E}">
-        <p14:creationId xmlns:p14="http://schemas.microsoft.com/office/powerpoint/2010/main" val="3393532301"/>
-      </p:ext>
-    </p:extLst>
-  </p:cSld>
-  <p:clrMapOvr>
-    <a:masterClrMapping/>
-  </p:clrMapOvr>
   <p:timing>
     <p:tnLst>
       <p:par>
@@ -6199,549 +7214,7 @@
 </p:sld>
 </file>
 
-<file path=ppt/slides/slide24.xml><?xml version="1.0" encoding="utf-8"?>
-<p:sld xmlns:a="http://schemas.openxmlformats.org/drawingml/2006/main" xmlns:r="http://schemas.openxmlformats.org/officeDocument/2006/relationships" xmlns:p="http://schemas.openxmlformats.org/presentationml/2006/main">
-  <p:cSld>
-    <p:spTree>
-      <p:nvGrpSpPr>
-        <p:cNvPr id="1" name=""/>
-        <p:cNvGrpSpPr/>
-        <p:nvPr/>
-      </p:nvGrpSpPr>
-      <p:grpSpPr>
-        <a:xfrm>
-          <a:off x="0" y="0"/>
-          <a:ext cx="0" cy="0"/>
-          <a:chOff x="0" y="0"/>
-          <a:chExt cx="0" cy="0"/>
-        </a:xfrm>
-      </p:grpSpPr>
-      <p:sp>
-        <p:nvSpPr>
-          <p:cNvPr id="2" name="Title 1"/>
-          <p:cNvSpPr>
-            <a:spLocks noGrp="1"/>
-          </p:cNvSpPr>
-          <p:nvPr>
-            <p:ph type="title"/>
-          </p:nvPr>
-        </p:nvSpPr>
-        <p:spPr/>
-        <p:txBody>
-          <a:bodyPr>
-            <a:normAutofit fontScale="90000"/>
-          </a:bodyPr>
-          <a:lstStyle/>
-          <a:p>
-            <a:r>
-              <a:rPr lang="en-US" dirty="0" smtClean="0"/>
-              <a:t>Return Oriented Programming (</a:t>
-            </a:r>
-            <a:r>
-              <a:rPr lang="en-US" dirty="0" err="1" smtClean="0"/>
-              <a:t>dbu</a:t>
-            </a:r>
-            <a:r>
-              <a:rPr lang="en-US" dirty="0" smtClean="0"/>
-              <a:t>)</a:t>
-            </a:r>
-            <a:endParaRPr lang="en-US" dirty="0"/>
-          </a:p>
-        </p:txBody>
-      </p:sp>
-      <p:sp>
-        <p:nvSpPr>
-          <p:cNvPr id="3" name="Content Placeholder 2"/>
-          <p:cNvSpPr>
-            <a:spLocks noGrp="1"/>
-          </p:cNvSpPr>
-          <p:nvPr>
-            <p:ph idx="1"/>
-          </p:nvPr>
-        </p:nvSpPr>
-        <p:spPr/>
-        <p:txBody>
-          <a:bodyPr/>
-          <a:lstStyle/>
-          <a:p>
-            <a:pPr lvl="1"/>
-            <a:r>
-              <a:rPr lang="en-US" dirty="0" smtClean="0"/>
-              <a:t>Extension of return-to-</a:t>
-            </a:r>
-            <a:r>
-              <a:rPr lang="en-US" dirty="0" err="1" smtClean="0"/>
-              <a:t>libc</a:t>
-            </a:r>
-            <a:endParaRPr lang="en-US" dirty="0" smtClean="0"/>
-          </a:p>
-          <a:p>
-            <a:pPr lvl="1"/>
-            <a:r>
-              <a:rPr lang="en-US" dirty="0"/>
-              <a:t>C</a:t>
-            </a:r>
-            <a:r>
-              <a:rPr lang="en-US" dirty="0" smtClean="0"/>
-              <a:t>reate multiple stack frames after each other</a:t>
-            </a:r>
-          </a:p>
-          <a:p>
-            <a:pPr lvl="1"/>
-            <a:r>
-              <a:rPr lang="en-US" dirty="0" smtClean="0"/>
-              <a:t>Chain together addresses with instructions ending in </a:t>
-            </a:r>
-            <a:r>
-              <a:rPr lang="en-US" dirty="0" smtClean="0">
-                <a:latin typeface="Courier New"/>
-              </a:rPr>
-              <a:t>ret</a:t>
-            </a:r>
-            <a:r>
-              <a:rPr lang="en-US" dirty="0" smtClean="0"/>
-              <a:t> (known as gadgets)</a:t>
-            </a:r>
-          </a:p>
-          <a:p>
-            <a:pPr lvl="1"/>
-            <a:r>
-              <a:rPr lang="en-US" dirty="0"/>
-              <a:t> </a:t>
-            </a:r>
-            <a:r>
-              <a:rPr lang="en-US" dirty="0" smtClean="0"/>
-              <a:t>The hard part is finding suitable gadgets and where they are mapped in the address space</a:t>
-            </a:r>
-          </a:p>
-        </p:txBody>
-      </p:sp>
-    </p:spTree>
-    <p:extLst>
-      <p:ext uri="{BB962C8B-B14F-4D97-AF65-F5344CB8AC3E}">
-        <p14:creationId xmlns:p14="http://schemas.microsoft.com/office/powerpoint/2010/main" val="15523703"/>
-      </p:ext>
-    </p:extLst>
-  </p:cSld>
-  <p:clrMapOvr>
-    <a:masterClrMapping/>
-  </p:clrMapOvr>
-  <p:timing>
-    <p:tnLst>
-      <p:par>
-        <p:cTn xmlns:p14="http://schemas.microsoft.com/office/powerpoint/2010/main" id="1" dur="indefinite" restart="never" nodeType="tmRoot"/>
-      </p:par>
-    </p:tnLst>
-  </p:timing>
-</p:sld>
-</file>
-
-<file path=ppt/slides/slide25.xml><?xml version="1.0" encoding="utf-8"?>
-<p:sld xmlns:a="http://schemas.openxmlformats.org/drawingml/2006/main" xmlns:r="http://schemas.openxmlformats.org/officeDocument/2006/relationships" xmlns:p="http://schemas.openxmlformats.org/presentationml/2006/main">
-  <p:cSld>
-    <p:spTree>
-      <p:nvGrpSpPr>
-        <p:cNvPr id="1" name=""/>
-        <p:cNvGrpSpPr/>
-        <p:nvPr/>
-      </p:nvGrpSpPr>
-      <p:grpSpPr>
-        <a:xfrm>
-          <a:off x="0" y="0"/>
-          <a:ext cx="0" cy="0"/>
-          <a:chOff x="0" y="0"/>
-          <a:chExt cx="0" cy="0"/>
-        </a:xfrm>
-      </p:grpSpPr>
-      <p:sp>
-        <p:nvSpPr>
-          <p:cNvPr id="2" name="Title 1"/>
-          <p:cNvSpPr>
-            <a:spLocks noGrp="1"/>
-          </p:cNvSpPr>
-          <p:nvPr>
-            <p:ph type="title"/>
-          </p:nvPr>
-        </p:nvSpPr>
-        <p:spPr/>
-        <p:txBody>
-          <a:bodyPr/>
-          <a:lstStyle/>
-          <a:p>
-            <a:r>
-              <a:rPr lang="en-US" dirty="0" smtClean="0"/>
-              <a:t>ROP challenges	</a:t>
-            </a:r>
-            <a:endParaRPr lang="en-US" dirty="0"/>
-          </a:p>
-        </p:txBody>
-      </p:sp>
-      <p:sp>
-        <p:nvSpPr>
-          <p:cNvPr id="3" name="Content Placeholder 2"/>
-          <p:cNvSpPr>
-            <a:spLocks noGrp="1"/>
-          </p:cNvSpPr>
-          <p:nvPr>
-            <p:ph idx="1"/>
-          </p:nvPr>
-        </p:nvSpPr>
-        <p:spPr/>
-        <p:txBody>
-          <a:bodyPr>
-            <a:normAutofit lnSpcReduction="10000"/>
-          </a:bodyPr>
-          <a:lstStyle/>
-          <a:p>
-            <a:r>
-              <a:rPr lang="en-US" dirty="0" smtClean="0"/>
-              <a:t>If exploiting </a:t>
-            </a:r>
-            <a:r>
-              <a:rPr lang="en-US" dirty="0" err="1" smtClean="0"/>
-              <a:t>strcpy</a:t>
-            </a:r>
-            <a:r>
-              <a:rPr lang="en-US" dirty="0" smtClean="0"/>
-              <a:t> no NUL bytes may be present in the payload</a:t>
-            </a:r>
-          </a:p>
-          <a:p>
-            <a:pPr lvl="1"/>
-            <a:r>
-              <a:rPr lang="en-US" dirty="0" smtClean="0"/>
-              <a:t>Use </a:t>
-            </a:r>
-            <a:r>
-              <a:rPr lang="en-US" dirty="0" smtClean="0">
-                <a:latin typeface="Courier New"/>
-              </a:rPr>
-              <a:t>xor</a:t>
-            </a:r>
-            <a:r>
-              <a:rPr lang="en-US" dirty="0" smtClean="0"/>
-              <a:t> / </a:t>
-            </a:r>
-            <a:r>
-              <a:rPr lang="en-US" dirty="0" smtClean="0">
-                <a:latin typeface="Courier New"/>
-              </a:rPr>
-              <a:t>incr</a:t>
-            </a:r>
-            <a:r>
-              <a:rPr lang="en-US" dirty="0" smtClean="0"/>
-              <a:t> / </a:t>
-            </a:r>
-            <a:r>
-              <a:rPr lang="en-US" dirty="0" smtClean="0">
-                <a:latin typeface="Courier New"/>
-              </a:rPr>
-              <a:t>decr</a:t>
-            </a:r>
-            <a:r>
-              <a:rPr lang="en-US" dirty="0" smtClean="0"/>
-              <a:t> in a gadget to create 0x00 bytes</a:t>
-            </a:r>
-          </a:p>
-          <a:p>
-            <a:r>
-              <a:rPr lang="en-US" dirty="0" smtClean="0"/>
-              <a:t>Finding usable gadgets can be hard work</a:t>
-            </a:r>
-          </a:p>
-          <a:p>
-            <a:pPr lvl="1"/>
-            <a:r>
-              <a:rPr lang="en-US" dirty="0" smtClean="0"/>
-              <a:t>Use a tool where you can filter on useful gadgets</a:t>
-            </a:r>
-          </a:p>
-          <a:p>
-            <a:pPr lvl="1"/>
-            <a:r>
-              <a:rPr lang="en-US" dirty="0" smtClean="0"/>
-              <a:t>There exists tools to generate a complete ROP payload based on the flora of available gadgets</a:t>
-            </a:r>
-          </a:p>
-          <a:p>
-            <a:pPr lvl="1"/>
-            <a:r>
-              <a:rPr lang="en-US" dirty="0" smtClean="0"/>
-              <a:t>An attacker can abuse non-aligned instructions</a:t>
-            </a:r>
-            <a:endParaRPr lang="en-US" dirty="0"/>
-          </a:p>
-        </p:txBody>
-      </p:sp>
-    </p:spTree>
-    <p:extLst>
-      <p:ext uri="{BB962C8B-B14F-4D97-AF65-F5344CB8AC3E}">
-        <p14:creationId xmlns:p14="http://schemas.microsoft.com/office/powerpoint/2010/main" val="1700955891"/>
-      </p:ext>
-    </p:extLst>
-  </p:cSld>
-  <p:clrMapOvr>
-    <a:masterClrMapping/>
-  </p:clrMapOvr>
-  <p:timing>
-    <p:tnLst>
-      <p:par>
-        <p:cTn xmlns:p14="http://schemas.microsoft.com/office/powerpoint/2010/main" id="1" dur="indefinite" restart="never" nodeType="tmRoot"/>
-      </p:par>
-    </p:tnLst>
-  </p:timing>
-</p:sld>
-</file>
-
-<file path=ppt/slides/slide26.xml><?xml version="1.0" encoding="utf-8"?>
-<p:sld xmlns:a="http://schemas.openxmlformats.org/drawingml/2006/main" xmlns:r="http://schemas.openxmlformats.org/officeDocument/2006/relationships" xmlns:p="http://schemas.openxmlformats.org/presentationml/2006/main">
-  <p:cSld>
-    <p:spTree>
-      <p:nvGrpSpPr>
-        <p:cNvPr id="1" name=""/>
-        <p:cNvGrpSpPr/>
-        <p:nvPr/>
-      </p:nvGrpSpPr>
-      <p:grpSpPr>
-        <a:xfrm>
-          <a:off x="0" y="0"/>
-          <a:ext cx="0" cy="0"/>
-          <a:chOff x="0" y="0"/>
-          <a:chExt cx="0" cy="0"/>
-        </a:xfrm>
-      </p:grpSpPr>
-      <p:sp>
-        <p:nvSpPr>
-          <p:cNvPr id="2" name="Title 1"/>
-          <p:cNvSpPr>
-            <a:spLocks noGrp="1"/>
-          </p:cNvSpPr>
-          <p:nvPr>
-            <p:ph type="title"/>
-          </p:nvPr>
-        </p:nvSpPr>
-        <p:spPr/>
-        <p:txBody>
-          <a:bodyPr>
-            <a:normAutofit/>
-          </a:bodyPr>
-          <a:lstStyle/>
-          <a:p>
-            <a:r>
-              <a:rPr lang="en-US" dirty="0" smtClean="0"/>
-              <a:t>Tools for writing ROP chains	 (</a:t>
-            </a:r>
-            <a:r>
-              <a:rPr lang="en-US" dirty="0" err="1" smtClean="0"/>
-              <a:t>dbu</a:t>
-            </a:r>
-            <a:r>
-              <a:rPr lang="en-US" dirty="0" smtClean="0"/>
-              <a:t>)</a:t>
-            </a:r>
-            <a:endParaRPr lang="en-US" dirty="0"/>
-          </a:p>
-        </p:txBody>
-      </p:sp>
-      <p:sp>
-        <p:nvSpPr>
-          <p:cNvPr id="3" name="Content Placeholder 2"/>
-          <p:cNvSpPr>
-            <a:spLocks noGrp="1"/>
-          </p:cNvSpPr>
-          <p:nvPr>
-            <p:ph idx="1"/>
-          </p:nvPr>
-        </p:nvSpPr>
-        <p:spPr/>
-        <p:txBody>
-          <a:bodyPr/>
-          <a:lstStyle/>
-          <a:p>
-            <a:r>
-              <a:rPr lang="en-US" dirty="0" err="1" smtClean="0"/>
-              <a:t>metasploit</a:t>
-            </a:r>
-            <a:r>
-              <a:rPr lang="en-US" dirty="0" smtClean="0"/>
-              <a:t>/</a:t>
-            </a:r>
-            <a:r>
-              <a:rPr lang="en-US" dirty="0" err="1" smtClean="0"/>
-              <a:t>msfrop</a:t>
-            </a:r>
-            <a:r>
-              <a:rPr lang="en-US" dirty="0" smtClean="0"/>
-              <a:t> – a gadget finder</a:t>
-            </a:r>
-          </a:p>
-          <a:p>
-            <a:r>
-              <a:rPr lang="en-US" dirty="0" err="1" smtClean="0"/>
-              <a:t>gogo</a:t>
-            </a:r>
-            <a:r>
-              <a:rPr lang="en-US" dirty="0" smtClean="0"/>
-              <a:t> – </a:t>
-            </a:r>
-            <a:r>
-              <a:rPr lang="en-US" dirty="0" err="1" smtClean="0"/>
-              <a:t>pwahlman’s</a:t>
-            </a:r>
-            <a:r>
-              <a:rPr lang="en-US" dirty="0" smtClean="0"/>
-              <a:t> gadget finder</a:t>
-            </a:r>
-          </a:p>
-          <a:p>
-            <a:r>
-              <a:rPr lang="en-US" dirty="0" err="1"/>
-              <a:t>ropc</a:t>
-            </a:r>
-            <a:r>
-              <a:rPr lang="en-US" dirty="0"/>
-              <a:t> – a </a:t>
-            </a:r>
-            <a:r>
-              <a:rPr lang="en-US" dirty="0" smtClean="0"/>
-              <a:t>ROP payload compiler</a:t>
-            </a:r>
-          </a:p>
-          <a:p>
-            <a:r>
-              <a:rPr lang="en-US" dirty="0" smtClean="0"/>
-              <a:t>A plethora of other tools</a:t>
-            </a:r>
-          </a:p>
-        </p:txBody>
-      </p:sp>
-    </p:spTree>
-    <p:extLst>
-      <p:ext uri="{BB962C8B-B14F-4D97-AF65-F5344CB8AC3E}">
-        <p14:creationId xmlns:p14="http://schemas.microsoft.com/office/powerpoint/2010/main" val="82216525"/>
-      </p:ext>
-    </p:extLst>
-  </p:cSld>
-  <p:clrMapOvr>
-    <a:masterClrMapping/>
-  </p:clrMapOvr>
-  <p:timing>
-    <p:tnLst>
-      <p:par>
-        <p:cTn xmlns:p14="http://schemas.microsoft.com/office/powerpoint/2010/main" id="1" dur="indefinite" restart="never" nodeType="tmRoot"/>
-      </p:par>
-    </p:tnLst>
-  </p:timing>
-</p:sld>
-</file>
-
-<file path=ppt/slides/slide27.xml><?xml version="1.0" encoding="utf-8"?>
-<p:sld xmlns:a="http://schemas.openxmlformats.org/drawingml/2006/main" xmlns:r="http://schemas.openxmlformats.org/officeDocument/2006/relationships" xmlns:p="http://schemas.openxmlformats.org/presentationml/2006/main">
-  <p:cSld>
-    <p:spTree>
-      <p:nvGrpSpPr>
-        <p:cNvPr id="1" name=""/>
-        <p:cNvGrpSpPr/>
-        <p:nvPr/>
-      </p:nvGrpSpPr>
-      <p:grpSpPr>
-        <a:xfrm>
-          <a:off x="0" y="0"/>
-          <a:ext cx="0" cy="0"/>
-          <a:chOff x="0" y="0"/>
-          <a:chExt cx="0" cy="0"/>
-        </a:xfrm>
-      </p:grpSpPr>
-      <p:sp>
-        <p:nvSpPr>
-          <p:cNvPr id="2" name="Title 1"/>
-          <p:cNvSpPr>
-            <a:spLocks noGrp="1"/>
-          </p:cNvSpPr>
-          <p:nvPr>
-            <p:ph type="title"/>
-          </p:nvPr>
-        </p:nvSpPr>
-        <p:spPr/>
-        <p:txBody>
-          <a:bodyPr/>
-          <a:lstStyle/>
-          <a:p>
-            <a:r>
-              <a:rPr lang="en-US" dirty="0" err="1" smtClean="0"/>
-              <a:t>Gogo</a:t>
-            </a:r>
-            <a:r>
-              <a:rPr lang="en-US" dirty="0" smtClean="0"/>
-              <a:t> (</a:t>
-            </a:r>
-            <a:r>
-              <a:rPr lang="en-US" dirty="0" err="1" smtClean="0"/>
-              <a:t>pwa</a:t>
-            </a:r>
-            <a:r>
-              <a:rPr lang="en-US" dirty="0" smtClean="0"/>
-              <a:t>)</a:t>
-            </a:r>
-            <a:endParaRPr lang="en-US" dirty="0"/>
-          </a:p>
-        </p:txBody>
-      </p:sp>
-      <p:sp>
-        <p:nvSpPr>
-          <p:cNvPr id="4" name="TextBox 3"/>
-          <p:cNvSpPr txBox="1"/>
-          <p:nvPr/>
-        </p:nvSpPr>
-        <p:spPr>
-          <a:xfrm>
-            <a:off x="3606085" y="2348404"/>
-            <a:ext cx="1648896" cy="369332"/>
-          </a:xfrm>
-          <a:prstGeom prst="rect">
-            <a:avLst/>
-          </a:prstGeom>
-          <a:noFill/>
-        </p:spPr>
-        <p:txBody>
-          <a:bodyPr wrap="none" rtlCol="0">
-            <a:spAutoFit/>
-          </a:bodyPr>
-          <a:lstStyle/>
-          <a:p>
-            <a:r>
-              <a:rPr lang="en-US" dirty="0" smtClean="0">
-                <a:latin typeface="Calibri"/>
-              </a:rPr>
-              <a:t>Find stack pivot</a:t>
-            </a:r>
-            <a:endParaRPr lang="en-US" dirty="0">
-              <a:latin typeface="Calibri"/>
-            </a:endParaRPr>
-          </a:p>
-        </p:txBody>
-      </p:sp>
-    </p:spTree>
-    <p:extLst>
-      <p:ext uri="{BB962C8B-B14F-4D97-AF65-F5344CB8AC3E}">
-        <p14:creationId xmlns:p14="http://schemas.microsoft.com/office/powerpoint/2010/main" val="3766031157"/>
-      </p:ext>
-    </p:extLst>
-  </p:cSld>
-  <p:clrMapOvr>
-    <a:masterClrMapping/>
-  </p:clrMapOvr>
-  <p:timing>
-    <p:tnLst>
-      <p:par>
-        <p:cTn xmlns:p14="http://schemas.microsoft.com/office/powerpoint/2010/main" id="1" dur="indefinite" restart="never" nodeType="tmRoot"/>
-      </p:par>
-    </p:tnLst>
-  </p:timing>
-</p:sld>
-</file>
-
-<file path=ppt/slides/slide28.xml><?xml version="1.0" encoding="utf-8"?>
+<file path=ppt/slides/slide32.xml><?xml version="1.0" encoding="utf-8"?>
 <p:sld xmlns:a="http://schemas.openxmlformats.org/drawingml/2006/main" xmlns:r="http://schemas.openxmlformats.org/officeDocument/2006/relationships" xmlns:p="http://schemas.openxmlformats.org/presentationml/2006/main">
   <p:cSld>
     <p:spTree>
@@ -6832,7 +7305,7 @@
 </p:sld>
 </file>
 
-<file path=ppt/slides/slide29.xml><?xml version="1.0" encoding="utf-8"?>
+<file path=ppt/slides/slide33.xml><?xml version="1.0" encoding="utf-8"?>
 <p:sld xmlns:a="http://schemas.openxmlformats.org/drawingml/2006/main" xmlns:r="http://schemas.openxmlformats.org/officeDocument/2006/relationships" xmlns:p="http://schemas.openxmlformats.org/presentationml/2006/main">
   <p:cSld>
     <p:spTree>
@@ -6901,7 +7374,17 @@
           <a:p>
             <a:r>
               <a:rPr lang="en-US" dirty="0" smtClean="0"/>
-              <a:t>-Wall</a:t>
+              <a:t>-</a:t>
+            </a:r>
+            <a:r>
+              <a:rPr lang="en-US" dirty="0" smtClean="0"/>
+              <a:t>Wall</a:t>
+            </a:r>
+          </a:p>
+          <a:p>
+            <a:r>
+              <a:rPr lang="en-US" dirty="0" smtClean="0"/>
+              <a:t>Use a recent compiler and apply mitigations</a:t>
             </a:r>
             <a:endParaRPr lang="en-US" dirty="0"/>
           </a:p>
@@ -6927,144 +7410,7 @@
 </p:sld>
 </file>
 
-<file path=ppt/slides/slide3.xml><?xml version="1.0" encoding="utf-8"?>
-<p:sld xmlns:a="http://schemas.openxmlformats.org/drawingml/2006/main" xmlns:r="http://schemas.openxmlformats.org/officeDocument/2006/relationships" xmlns:p="http://schemas.openxmlformats.org/presentationml/2006/main">
-  <p:cSld>
-    <p:spTree>
-      <p:nvGrpSpPr>
-        <p:cNvPr id="1" name=""/>
-        <p:cNvGrpSpPr/>
-        <p:nvPr/>
-      </p:nvGrpSpPr>
-      <p:grpSpPr>
-        <a:xfrm>
-          <a:off x="0" y="0"/>
-          <a:ext cx="0" cy="0"/>
-          <a:chOff x="0" y="0"/>
-          <a:chExt cx="0" cy="0"/>
-        </a:xfrm>
-      </p:grpSpPr>
-      <p:sp>
-        <p:nvSpPr>
-          <p:cNvPr id="2" name="Title 1"/>
-          <p:cNvSpPr>
-            <a:spLocks noGrp="1"/>
-          </p:cNvSpPr>
-          <p:nvPr>
-            <p:ph type="title"/>
-          </p:nvPr>
-        </p:nvSpPr>
-        <p:spPr/>
-        <p:txBody>
-          <a:bodyPr/>
-          <a:lstStyle/>
-          <a:p>
-            <a:r>
-              <a:rPr lang="en-US" dirty="0" smtClean="0"/>
-              <a:t>What is ROP? (</a:t>
-            </a:r>
-            <a:r>
-              <a:rPr lang="en-US" dirty="0" err="1" smtClean="0"/>
-              <a:t>dbu</a:t>
-            </a:r>
-            <a:r>
-              <a:rPr lang="en-US" dirty="0" smtClean="0"/>
-              <a:t> + </a:t>
-            </a:r>
-            <a:r>
-              <a:rPr lang="en-US" dirty="0" err="1" smtClean="0"/>
-              <a:t>pwa</a:t>
-            </a:r>
-            <a:r>
-              <a:rPr lang="en-US" dirty="0" smtClean="0"/>
-              <a:t>)</a:t>
-            </a:r>
-            <a:endParaRPr lang="en-US" dirty="0"/>
-          </a:p>
-        </p:txBody>
-      </p:sp>
-      <p:sp>
-        <p:nvSpPr>
-          <p:cNvPr id="3" name="Content Placeholder 2"/>
-          <p:cNvSpPr>
-            <a:spLocks noGrp="1"/>
-          </p:cNvSpPr>
-          <p:nvPr>
-            <p:ph idx="1"/>
-          </p:nvPr>
-        </p:nvSpPr>
-        <p:spPr/>
-        <p:txBody>
-          <a:bodyPr/>
-          <a:lstStyle/>
-          <a:p>
-            <a:pPr marL="457200" lvl="1" indent="0">
-              <a:buNone/>
-            </a:pPr>
-            <a:r>
-              <a:rPr lang="en-US" dirty="0" smtClean="0"/>
-              <a:t>“</a:t>
-            </a:r>
-            <a:r>
-              <a:rPr lang="en-US" dirty="0"/>
-              <a:t>Return-oriented programming (ROP) is a computer security exploit technique that allows an attacker to execute code in the presence of security </a:t>
-            </a:r>
-            <a:r>
-              <a:rPr lang="en-US" dirty="0" smtClean="0"/>
-              <a:t>defenses” - Wikipedia</a:t>
-            </a:r>
-          </a:p>
-          <a:p>
-            <a:pPr marL="457200" lvl="1" indent="0">
-              <a:buNone/>
-            </a:pPr>
-            <a:endParaRPr lang="en-US" dirty="0" smtClean="0"/>
-          </a:p>
-          <a:p>
-            <a:pPr lvl="1">
-              <a:buFont typeface="Arial"/>
-              <a:buChar char="•"/>
-            </a:pPr>
-            <a:r>
-              <a:rPr lang="en-US" dirty="0" smtClean="0"/>
-              <a:t>Theoretically, one can perform ROP in a few different ways, but we will focus on buffer overflows</a:t>
-            </a:r>
-          </a:p>
-          <a:p>
-            <a:pPr marL="457200" lvl="1" indent="0">
-              <a:buNone/>
-            </a:pPr>
-            <a:endParaRPr lang="en-US" dirty="0"/>
-          </a:p>
-          <a:p>
-            <a:pPr marL="457200" lvl="1" indent="0">
-              <a:buNone/>
-            </a:pPr>
-            <a:endParaRPr lang="en-US" dirty="0" smtClean="0"/>
-          </a:p>
-        </p:txBody>
-      </p:sp>
-    </p:spTree>
-    <p:extLst>
-      <p:ext uri="{BB962C8B-B14F-4D97-AF65-F5344CB8AC3E}">
-        <p14:creationId xmlns:p14="http://schemas.microsoft.com/office/powerpoint/2010/main" val="1136095492"/>
-      </p:ext>
-    </p:extLst>
-  </p:cSld>
-  <p:clrMapOvr>
-    <a:masterClrMapping/>
-  </p:clrMapOvr>
-  <p:timing>
-    <p:tnLst>
-      <p:par>
-        <p:cTn xmlns:p14="http://schemas.microsoft.com/office/powerpoint/2010/main" id="1" dur="indefinite" restart="never" nodeType="tmRoot"/>
-      </p:par>
-    </p:tnLst>
-  </p:timing>
-</p:sld>
-</file>
-
-<file path=ppt/slides/slide30.xml><?xml version="1.0" encoding="utf-8"?>
+<file path=ppt/slides/slide34.xml><?xml version="1.0" encoding="utf-8"?>
 <p:sld xmlns:a="http://schemas.openxmlformats.org/drawingml/2006/main" xmlns:r="http://schemas.openxmlformats.org/officeDocument/2006/relationships" xmlns:p="http://schemas.openxmlformats.org/presentationml/2006/main">
   <p:cSld>
     <p:spTree>
@@ -7602,7 +7948,11 @@
           <a:bodyPr/>
           <a:lstStyle/>
           <a:p>
-            <a:endParaRPr lang="en-US"/>
+            <a:r>
+              <a:rPr lang="en-US" dirty="0" err="1" smtClean="0"/>
+              <a:t>pwa</a:t>
+            </a:r>
+            <a:endParaRPr lang="en-US" dirty="0"/>
           </a:p>
         </p:txBody>
       </p:sp>
@@ -7621,44 +7971,25 @@
           <a:bodyPr/>
           <a:lstStyle/>
           <a:p>
-            <a:endParaRPr lang="en-US"/>
-          </a:p>
-        </p:txBody>
-      </p:sp>
-      <p:pic>
-        <p:nvPicPr>
-          <p:cNvPr id="6" name="Picture 5" descr="010_spot_the_bugs.jpg"/>
-          <p:cNvPicPr>
-            <a:picLocks noChangeAspect="1"/>
-          </p:cNvPicPr>
-          <p:nvPr/>
-        </p:nvPicPr>
-        <p:blipFill>
-          <a:blip r:embed="rId2">
-            <a:extLst>
-              <a:ext uri="{28A0092B-C50C-407E-A947-70E740481C1C}">
-                <a14:useLocalDpi xmlns:a14="http://schemas.microsoft.com/office/drawing/2010/main" val="0"/>
-              </a:ext>
-            </a:extLst>
-          </a:blip>
-          <a:stretch>
-            <a:fillRect/>
-          </a:stretch>
-        </p:blipFill>
-        <p:spPr>
-          <a:xfrm>
-            <a:off x="0" y="0"/>
-            <a:ext cx="9114842" cy="6858000"/>
-          </a:xfrm>
-          <a:prstGeom prst="rect">
-            <a:avLst/>
-          </a:prstGeom>
-        </p:spPr>
-      </p:pic>
+            <a:r>
+              <a:rPr lang="en-US" dirty="0" smtClean="0"/>
+              <a:t>Demo</a:t>
+            </a:r>
+          </a:p>
+          <a:p>
+            <a:pPr lvl="1"/>
+            <a:r>
+              <a:rPr lang="en-US" dirty="0" smtClean="0"/>
+              <a:t>make</a:t>
+            </a:r>
+            <a:endParaRPr lang="en-US" dirty="0"/>
+          </a:p>
+        </p:txBody>
+      </p:sp>
     </p:spTree>
     <p:extLst>
       <p:ext uri="{BB962C8B-B14F-4D97-AF65-F5344CB8AC3E}">
-        <p14:creationId xmlns:p14="http://schemas.microsoft.com/office/powerpoint/2010/main" val="1468982932"/>
+        <p14:creationId xmlns:p14="http://schemas.microsoft.com/office/powerpoint/2010/main" val="916305865"/>
       </p:ext>
     </p:extLst>
   </p:cSld>
@@ -7732,7 +8063,7 @@
       </p:sp>
       <p:pic>
         <p:nvPicPr>
-          <p:cNvPr id="4" name="Picture 3" descr="stack-layout.jpg"/>
+          <p:cNvPr id="7" name="Picture 6" descr="010_spot_the_bugs.jpg"/>
           <p:cNvPicPr>
             <a:picLocks noChangeAspect="1"/>
           </p:cNvPicPr>
@@ -7763,7 +8094,7 @@
     </p:spTree>
     <p:extLst>
       <p:ext uri="{BB962C8B-B14F-4D97-AF65-F5344CB8AC3E}">
-        <p14:creationId xmlns:p14="http://schemas.microsoft.com/office/powerpoint/2010/main" val="2594581436"/>
+        <p14:creationId xmlns:p14="http://schemas.microsoft.com/office/powerpoint/2010/main" val="1468982932"/>
       </p:ext>
     </p:extLst>
   </p:cSld>
